--- a/Documentation/RIVAL Output.pptx
+++ b/Documentation/RIVAL Output.pptx
@@ -9,13 +9,7 @@
     <p:sldId id="267" r:id="rId3"/>
     <p:sldId id="283" r:id="rId4"/>
     <p:sldId id="284" r:id="rId5"/>
-    <p:sldId id="277" r:id="rId6"/>
-    <p:sldId id="278" r:id="rId7"/>
-    <p:sldId id="279" r:id="rId8"/>
-    <p:sldId id="280" r:id="rId9"/>
-    <p:sldId id="281" r:id="rId10"/>
-    <p:sldId id="282" r:id="rId11"/>
-    <p:sldId id="270" r:id="rId12"/>
+    <p:sldId id="270" r:id="rId6"/>
   </p:sldIdLst>
   <p:sldSz cx="12192000" cy="6858000"/>
   <p:notesSz cx="6858000" cy="9144000"/>
@@ -122,6 +116,1082 @@
 </p:presentation>
 </file>
 
+<file path=ppt/revisionInfo.xml><?xml version="1.0" encoding="utf-8"?>
+<p1510:revInfo xmlns:a="http://schemas.openxmlformats.org/drawingml/2006/main" xmlns:r="http://schemas.openxmlformats.org/officeDocument/2006/relationships" xmlns:p1510="http://schemas.microsoft.com/office/powerpoint/2015/10/main">
+  <p1510:revLst>
+    <p1510:client id="{8C06D74F-D56E-43EC-A449-057B5268894A}" v="20" dt="2020-05-26T23:45:08.653"/>
+  </p1510:revLst>
+</p1510:revInfo>
+</file>
+
+<file path=ppt/changesInfos/changesInfo1.xml><?xml version="1.0" encoding="utf-8"?>
+<pc:chgInfo xmlns:a="http://schemas.openxmlformats.org/drawingml/2006/main" xmlns:r="http://schemas.openxmlformats.org/officeDocument/2006/relationships" xmlns:ac="http://schemas.microsoft.com/office/drawing/2013/main/command" xmlns:pc="http://schemas.microsoft.com/office/powerpoint/2013/main/command">
+  <pc:docChgLst>
+    <pc:chgData name="Jeff Crivellaro" userId="3e9ceedd7e089800" providerId="LiveId" clId="{8C06D74F-D56E-43EC-A449-057B5268894A}"/>
+    <pc:docChg chg="undo custSel delSld modSld">
+      <pc:chgData name="Jeff Crivellaro" userId="3e9ceedd7e089800" providerId="LiveId" clId="{8C06D74F-D56E-43EC-A449-057B5268894A}" dt="2020-05-26T23:45:47.156" v="809" actId="47"/>
+      <pc:docMkLst>
+        <pc:docMk/>
+      </pc:docMkLst>
+      <pc:sldChg chg="addSp delSp modSp mod">
+        <pc:chgData name="Jeff Crivellaro" userId="3e9ceedd7e089800" providerId="LiveId" clId="{8C06D74F-D56E-43EC-A449-057B5268894A}" dt="2020-05-26T23:18:58.984" v="406" actId="20577"/>
+        <pc:sldMkLst>
+          <pc:docMk/>
+          <pc:sldMk cId="1358116842" sldId="267"/>
+        </pc:sldMkLst>
+        <pc:spChg chg="mod">
+          <ac:chgData name="Jeff Crivellaro" userId="3e9ceedd7e089800" providerId="LiveId" clId="{8C06D74F-D56E-43EC-A449-057B5268894A}" dt="2020-05-26T23:18:58.984" v="406" actId="20577"/>
+          <ac:spMkLst>
+            <pc:docMk/>
+            <pc:sldMk cId="1358116842" sldId="267"/>
+            <ac:spMk id="11" creationId="{B8D58BFE-FDE6-4A13-9D57-3AACDCE3CE08}"/>
+          </ac:spMkLst>
+        </pc:spChg>
+        <pc:spChg chg="mod">
+          <ac:chgData name="Jeff Crivellaro" userId="3e9ceedd7e089800" providerId="LiveId" clId="{8C06D74F-D56E-43EC-A449-057B5268894A}" dt="2020-05-26T23:17:53.435" v="370" actId="6549"/>
+          <ac:spMkLst>
+            <pc:docMk/>
+            <pc:sldMk cId="1358116842" sldId="267"/>
+            <ac:spMk id="12" creationId="{A9C13C87-68D1-48CF-A2DA-62302EAFE20E}"/>
+          </ac:spMkLst>
+        </pc:spChg>
+        <pc:grpChg chg="del">
+          <ac:chgData name="Jeff Crivellaro" userId="3e9ceedd7e089800" providerId="LiveId" clId="{8C06D74F-D56E-43EC-A449-057B5268894A}" dt="2020-05-26T23:16:19.480" v="300" actId="478"/>
+          <ac:grpSpMkLst>
+            <pc:docMk/>
+            <pc:sldMk cId="1358116842" sldId="267"/>
+            <ac:grpSpMk id="25" creationId="{9A25637C-BC0A-4AF4-AFC6-A5188BFEF1FE}"/>
+          </ac:grpSpMkLst>
+        </pc:grpChg>
+        <pc:grpChg chg="add del mod">
+          <ac:chgData name="Jeff Crivellaro" userId="3e9ceedd7e089800" providerId="LiveId" clId="{8C06D74F-D56E-43EC-A449-057B5268894A}" dt="2020-05-26T23:16:29.208" v="304" actId="478"/>
+          <ac:grpSpMkLst>
+            <pc:docMk/>
+            <pc:sldMk cId="1358116842" sldId="267"/>
+            <ac:grpSpMk id="29" creationId="{10D1330A-E05C-4F86-980F-9CBE680CB3A2}"/>
+          </ac:grpSpMkLst>
+        </pc:grpChg>
+        <pc:picChg chg="add mod">
+          <ac:chgData name="Jeff Crivellaro" userId="3e9ceedd7e089800" providerId="LiveId" clId="{8C06D74F-D56E-43EC-A449-057B5268894A}" dt="2020-05-26T23:16:45.288" v="320" actId="1035"/>
+          <ac:picMkLst>
+            <pc:docMk/>
+            <pc:sldMk cId="1358116842" sldId="267"/>
+            <ac:picMk id="2" creationId="{7B27E05F-BA78-464C-82A2-1AED49ED5C17}"/>
+          </ac:picMkLst>
+        </pc:picChg>
+        <pc:picChg chg="mod">
+          <ac:chgData name="Jeff Crivellaro" userId="3e9ceedd7e089800" providerId="LiveId" clId="{8C06D74F-D56E-43EC-A449-057B5268894A}" dt="2020-05-26T23:16:21.099" v="301"/>
+          <ac:picMkLst>
+            <pc:docMk/>
+            <pc:sldMk cId="1358116842" sldId="267"/>
+            <ac:picMk id="30" creationId="{53DA417C-F74C-44F8-9CB7-67EAF6BF8112}"/>
+          </ac:picMkLst>
+        </pc:picChg>
+        <pc:picChg chg="mod">
+          <ac:chgData name="Jeff Crivellaro" userId="3e9ceedd7e089800" providerId="LiveId" clId="{8C06D74F-D56E-43EC-A449-057B5268894A}" dt="2020-05-26T23:16:21.099" v="301"/>
+          <ac:picMkLst>
+            <pc:docMk/>
+            <pc:sldMk cId="1358116842" sldId="267"/>
+            <ac:picMk id="31" creationId="{BC7C56FF-BBAC-4DD8-B7B1-8C4B8DBD4BED}"/>
+          </ac:picMkLst>
+        </pc:picChg>
+      </pc:sldChg>
+      <pc:sldChg chg="modSp mod">
+        <pc:chgData name="Jeff Crivellaro" userId="3e9ceedd7e089800" providerId="LiveId" clId="{8C06D74F-D56E-43EC-A449-057B5268894A}" dt="2020-05-26T23:15:56.904" v="299" actId="20577"/>
+        <pc:sldMkLst>
+          <pc:docMk/>
+          <pc:sldMk cId="1027385305" sldId="268"/>
+        </pc:sldMkLst>
+        <pc:spChg chg="mod">
+          <ac:chgData name="Jeff Crivellaro" userId="3e9ceedd7e089800" providerId="LiveId" clId="{8C06D74F-D56E-43EC-A449-057B5268894A}" dt="2020-05-26T23:15:56.904" v="299" actId="20577"/>
+          <ac:spMkLst>
+            <pc:docMk/>
+            <pc:sldMk cId="1027385305" sldId="268"/>
+            <ac:spMk id="7" creationId="{F761D269-0C12-4EBA-9330-E726A0C198D0}"/>
+          </ac:spMkLst>
+        </pc:spChg>
+      </pc:sldChg>
+      <pc:sldChg chg="del">
+        <pc:chgData name="Jeff Crivellaro" userId="3e9ceedd7e089800" providerId="LiveId" clId="{8C06D74F-D56E-43EC-A449-057B5268894A}" dt="2020-05-26T23:45:43.984" v="804" actId="47"/>
+        <pc:sldMkLst>
+          <pc:docMk/>
+          <pc:sldMk cId="580895996" sldId="277"/>
+        </pc:sldMkLst>
+      </pc:sldChg>
+      <pc:sldChg chg="del">
+        <pc:chgData name="Jeff Crivellaro" userId="3e9ceedd7e089800" providerId="LiveId" clId="{8C06D74F-D56E-43EC-A449-057B5268894A}" dt="2020-05-26T23:45:44.605" v="805" actId="47"/>
+        <pc:sldMkLst>
+          <pc:docMk/>
+          <pc:sldMk cId="4104146317" sldId="278"/>
+        </pc:sldMkLst>
+      </pc:sldChg>
+      <pc:sldChg chg="del">
+        <pc:chgData name="Jeff Crivellaro" userId="3e9ceedd7e089800" providerId="LiveId" clId="{8C06D74F-D56E-43EC-A449-057B5268894A}" dt="2020-05-26T23:45:45.149" v="806" actId="47"/>
+        <pc:sldMkLst>
+          <pc:docMk/>
+          <pc:sldMk cId="3408867836" sldId="279"/>
+        </pc:sldMkLst>
+      </pc:sldChg>
+      <pc:sldChg chg="del">
+        <pc:chgData name="Jeff Crivellaro" userId="3e9ceedd7e089800" providerId="LiveId" clId="{8C06D74F-D56E-43EC-A449-057B5268894A}" dt="2020-05-26T23:45:45.726" v="807" actId="47"/>
+        <pc:sldMkLst>
+          <pc:docMk/>
+          <pc:sldMk cId="2796277896" sldId="280"/>
+        </pc:sldMkLst>
+      </pc:sldChg>
+      <pc:sldChg chg="del">
+        <pc:chgData name="Jeff Crivellaro" userId="3e9ceedd7e089800" providerId="LiveId" clId="{8C06D74F-D56E-43EC-A449-057B5268894A}" dt="2020-05-26T23:45:46.368" v="808" actId="47"/>
+        <pc:sldMkLst>
+          <pc:docMk/>
+          <pc:sldMk cId="3783453123" sldId="281"/>
+        </pc:sldMkLst>
+      </pc:sldChg>
+      <pc:sldChg chg="del">
+        <pc:chgData name="Jeff Crivellaro" userId="3e9ceedd7e089800" providerId="LiveId" clId="{8C06D74F-D56E-43EC-A449-057B5268894A}" dt="2020-05-26T23:45:47.156" v="809" actId="47"/>
+        <pc:sldMkLst>
+          <pc:docMk/>
+          <pc:sldMk cId="1833342279" sldId="282"/>
+        </pc:sldMkLst>
+      </pc:sldChg>
+      <pc:sldChg chg="addSp delSp modSp mod">
+        <pc:chgData name="Jeff Crivellaro" userId="3e9ceedd7e089800" providerId="LiveId" clId="{8C06D74F-D56E-43EC-A449-057B5268894A}" dt="2020-05-26T23:15:44.226" v="295" actId="1076"/>
+        <pc:sldMkLst>
+          <pc:docMk/>
+          <pc:sldMk cId="2277832159" sldId="283"/>
+        </pc:sldMkLst>
+        <pc:spChg chg="mod">
+          <ac:chgData name="Jeff Crivellaro" userId="3e9ceedd7e089800" providerId="LiveId" clId="{8C06D74F-D56E-43EC-A449-057B5268894A}" dt="2020-05-26T23:15:27.355" v="291" actId="1035"/>
+          <ac:spMkLst>
+            <pc:docMk/>
+            <pc:sldMk cId="2277832159" sldId="283"/>
+            <ac:spMk id="79" creationId="{89E746C4-CB79-4FAD-AC1D-1E6E072C7BD4}"/>
+          </ac:spMkLst>
+        </pc:spChg>
+        <pc:spChg chg="mod">
+          <ac:chgData name="Jeff Crivellaro" userId="3e9ceedd7e089800" providerId="LiveId" clId="{8C06D74F-D56E-43EC-A449-057B5268894A}" dt="2020-05-26T23:15:04.250" v="265" actId="1038"/>
+          <ac:spMkLst>
+            <pc:docMk/>
+            <pc:sldMk cId="2277832159" sldId="283"/>
+            <ac:spMk id="85" creationId="{6281E273-74E2-4AED-B52C-1BF89895379A}"/>
+          </ac:spMkLst>
+        </pc:spChg>
+        <pc:spChg chg="add mod">
+          <ac:chgData name="Jeff Crivellaro" userId="3e9ceedd7e089800" providerId="LiveId" clId="{8C06D74F-D56E-43EC-A449-057B5268894A}" dt="2020-05-26T23:15:44.226" v="295" actId="1076"/>
+          <ac:spMkLst>
+            <pc:docMk/>
+            <pc:sldMk cId="2277832159" sldId="283"/>
+            <ac:spMk id="92" creationId="{DA954B4A-BFAE-4C54-97C3-820067E287A2}"/>
+          </ac:spMkLst>
+        </pc:spChg>
+        <pc:spChg chg="mod">
+          <ac:chgData name="Jeff Crivellaro" userId="3e9ceedd7e089800" providerId="LiveId" clId="{8C06D74F-D56E-43EC-A449-057B5268894A}" dt="2020-05-26T23:14:57.748" v="227" actId="1038"/>
+          <ac:spMkLst>
+            <pc:docMk/>
+            <pc:sldMk cId="2277832159" sldId="283"/>
+            <ac:spMk id="95" creationId="{30E2E81B-1056-4532-8839-18803FAF74D9}"/>
+          </ac:spMkLst>
+        </pc:spChg>
+        <pc:spChg chg="mod">
+          <ac:chgData name="Jeff Crivellaro" userId="3e9ceedd7e089800" providerId="LiveId" clId="{8C06D74F-D56E-43EC-A449-057B5268894A}" dt="2020-05-26T23:12:45.544" v="90" actId="1076"/>
+          <ac:spMkLst>
+            <pc:docMk/>
+            <pc:sldMk cId="2277832159" sldId="283"/>
+            <ac:spMk id="97" creationId="{B3F04954-9F47-46EE-9BC8-799C727046C2}"/>
+          </ac:spMkLst>
+        </pc:spChg>
+        <pc:spChg chg="mod">
+          <ac:chgData name="Jeff Crivellaro" userId="3e9ceedd7e089800" providerId="LiveId" clId="{8C06D74F-D56E-43EC-A449-057B5268894A}" dt="2020-05-26T23:11:59.587" v="86" actId="1076"/>
+          <ac:spMkLst>
+            <pc:docMk/>
+            <pc:sldMk cId="2277832159" sldId="283"/>
+            <ac:spMk id="107" creationId="{8573FD04-D691-44E6-AE6C-FA5746E5CFDD}"/>
+          </ac:spMkLst>
+        </pc:spChg>
+        <pc:spChg chg="del">
+          <ac:chgData name="Jeff Crivellaro" userId="3e9ceedd7e089800" providerId="LiveId" clId="{8C06D74F-D56E-43EC-A449-057B5268894A}" dt="2020-05-26T23:14:01.689" v="125" actId="478"/>
+          <ac:spMkLst>
+            <pc:docMk/>
+            <pc:sldMk cId="2277832159" sldId="283"/>
+            <ac:spMk id="109" creationId="{A8450C3D-9E5F-404E-B3E2-57AB3CC376F1}"/>
+          </ac:spMkLst>
+        </pc:spChg>
+        <pc:spChg chg="mod">
+          <ac:chgData name="Jeff Crivellaro" userId="3e9ceedd7e089800" providerId="LiveId" clId="{8C06D74F-D56E-43EC-A449-057B5268894A}" dt="2020-05-26T23:15:41.101" v="294" actId="1076"/>
+          <ac:spMkLst>
+            <pc:docMk/>
+            <pc:sldMk cId="2277832159" sldId="283"/>
+            <ac:spMk id="110" creationId="{47D2E1F9-492A-4661-80CF-9CA58A53C157}"/>
+          </ac:spMkLst>
+        </pc:spChg>
+        <pc:spChg chg="mod">
+          <ac:chgData name="Jeff Crivellaro" userId="3e9ceedd7e089800" providerId="LiveId" clId="{8C06D74F-D56E-43EC-A449-057B5268894A}" dt="2020-05-26T23:15:19.691" v="274" actId="1036"/>
+          <ac:spMkLst>
+            <pc:docMk/>
+            <pc:sldMk cId="2277832159" sldId="283"/>
+            <ac:spMk id="111" creationId="{0CC62A59-D450-46D6-B364-D057BE848567}"/>
+          </ac:spMkLst>
+        </pc:spChg>
+        <pc:spChg chg="mod">
+          <ac:chgData name="Jeff Crivellaro" userId="3e9ceedd7e089800" providerId="LiveId" clId="{8C06D74F-D56E-43EC-A449-057B5268894A}" dt="2020-05-26T23:15:22.603" v="282" actId="1036"/>
+          <ac:spMkLst>
+            <pc:docMk/>
+            <pc:sldMk cId="2277832159" sldId="283"/>
+            <ac:spMk id="112" creationId="{E79B14CA-E931-4146-9770-B6DA0E8916C0}"/>
+          </ac:spMkLst>
+        </pc:spChg>
+        <pc:grpChg chg="add mod">
+          <ac:chgData name="Jeff Crivellaro" userId="3e9ceedd7e089800" providerId="LiveId" clId="{8C06D74F-D56E-43EC-A449-057B5268894A}" dt="2020-05-26T23:09:24.973" v="20" actId="1035"/>
+          <ac:grpSpMkLst>
+            <pc:docMk/>
+            <pc:sldMk cId="2277832159" sldId="283"/>
+            <ac:grpSpMk id="7" creationId="{E4BFA6FD-BDB7-4B2F-9034-A92CB246E002}"/>
+          </ac:grpSpMkLst>
+        </pc:grpChg>
+        <pc:grpChg chg="del">
+          <ac:chgData name="Jeff Crivellaro" userId="3e9ceedd7e089800" providerId="LiveId" clId="{8C06D74F-D56E-43EC-A449-057B5268894A}" dt="2020-05-26T23:08:24.909" v="1" actId="478"/>
+          <ac:grpSpMkLst>
+            <pc:docMk/>
+            <pc:sldMk cId="2277832159" sldId="283"/>
+            <ac:grpSpMk id="123" creationId="{71AA6437-B75C-40DA-AE75-C91C64031F9A}"/>
+          </ac:grpSpMkLst>
+        </pc:grpChg>
+        <pc:picChg chg="add mod">
+          <ac:chgData name="Jeff Crivellaro" userId="3e9ceedd7e089800" providerId="LiveId" clId="{8C06D74F-D56E-43EC-A449-057B5268894A}" dt="2020-05-26T23:09:22.375" v="13" actId="164"/>
+          <ac:picMkLst>
+            <pc:docMk/>
+            <pc:sldMk cId="2277832159" sldId="283"/>
+            <ac:picMk id="2" creationId="{86C052E0-9162-4924-B1AD-0C976A01B095}"/>
+          </ac:picMkLst>
+        </pc:picChg>
+        <pc:picChg chg="add mod">
+          <ac:chgData name="Jeff Crivellaro" userId="3e9ceedd7e089800" providerId="LiveId" clId="{8C06D74F-D56E-43EC-A449-057B5268894A}" dt="2020-05-26T23:09:22.375" v="13" actId="164"/>
+          <ac:picMkLst>
+            <pc:docMk/>
+            <pc:sldMk cId="2277832159" sldId="283"/>
+            <ac:picMk id="3" creationId="{A36B7D4C-75C8-44D1-BC5B-61B2D2AB3D10}"/>
+          </ac:picMkLst>
+        </pc:picChg>
+        <pc:picChg chg="mod">
+          <ac:chgData name="Jeff Crivellaro" userId="3e9ceedd7e089800" providerId="LiveId" clId="{8C06D74F-D56E-43EC-A449-057B5268894A}" dt="2020-05-26T23:11:29.018" v="80" actId="1076"/>
+          <ac:picMkLst>
+            <pc:docMk/>
+            <pc:sldMk cId="2277832159" sldId="283"/>
+            <ac:picMk id="67" creationId="{9C063988-F17D-4F39-81DD-C6463F6154CF}"/>
+          </ac:picMkLst>
+        </pc:picChg>
+        <pc:picChg chg="mod">
+          <ac:chgData name="Jeff Crivellaro" userId="3e9ceedd7e089800" providerId="LiveId" clId="{8C06D74F-D56E-43EC-A449-057B5268894A}" dt="2020-05-26T23:12:09.751" v="87" actId="1076"/>
+          <ac:picMkLst>
+            <pc:docMk/>
+            <pc:sldMk cId="2277832159" sldId="283"/>
+            <ac:picMk id="70" creationId="{C5C0C422-FDDF-4B79-9E9F-1D7468321DF1}"/>
+          </ac:picMkLst>
+        </pc:picChg>
+        <pc:picChg chg="mod">
+          <ac:chgData name="Jeff Crivellaro" userId="3e9ceedd7e089800" providerId="LiveId" clId="{8C06D74F-D56E-43EC-A449-057B5268894A}" dt="2020-05-26T23:10:20.567" v="24" actId="1076"/>
+          <ac:picMkLst>
+            <pc:docMk/>
+            <pc:sldMk cId="2277832159" sldId="283"/>
+            <ac:picMk id="73" creationId="{1CF23913-B375-40D2-A9E0-39B2726787F3}"/>
+          </ac:picMkLst>
+        </pc:picChg>
+        <pc:picChg chg="mod">
+          <ac:chgData name="Jeff Crivellaro" userId="3e9ceedd7e089800" providerId="LiveId" clId="{8C06D74F-D56E-43EC-A449-057B5268894A}" dt="2020-05-26T23:11:34.915" v="81" actId="1076"/>
+          <ac:picMkLst>
+            <pc:docMk/>
+            <pc:sldMk cId="2277832159" sldId="283"/>
+            <ac:picMk id="74" creationId="{CD83DF4B-8F5B-4B4A-9F65-AB85A0CCF2B3}"/>
+          </ac:picMkLst>
+        </pc:picChg>
+        <pc:picChg chg="del mod">
+          <ac:chgData name="Jeff Crivellaro" userId="3e9ceedd7e089800" providerId="LiveId" clId="{8C06D74F-D56E-43EC-A449-057B5268894A}" dt="2020-05-26T23:13:38.713" v="117" actId="478"/>
+          <ac:picMkLst>
+            <pc:docMk/>
+            <pc:sldMk cId="2277832159" sldId="283"/>
+            <ac:picMk id="75" creationId="{C444E963-A765-4812-95BC-1F160DC29F9C}"/>
+          </ac:picMkLst>
+        </pc:picChg>
+        <pc:picChg chg="mod">
+          <ac:chgData name="Jeff Crivellaro" userId="3e9ceedd7e089800" providerId="LiveId" clId="{8C06D74F-D56E-43EC-A449-057B5268894A}" dt="2020-05-26T23:10:13.114" v="22" actId="1076"/>
+          <ac:picMkLst>
+            <pc:docMk/>
+            <pc:sldMk cId="2277832159" sldId="283"/>
+            <ac:picMk id="76" creationId="{3AD1DD30-189A-4F6F-88C5-DB22613E0780}"/>
+          </ac:picMkLst>
+        </pc:picChg>
+        <pc:picChg chg="mod">
+          <ac:chgData name="Jeff Crivellaro" userId="3e9ceedd7e089800" providerId="LiveId" clId="{8C06D74F-D56E-43EC-A449-057B5268894A}" dt="2020-05-26T23:10:16.291" v="23" actId="1076"/>
+          <ac:picMkLst>
+            <pc:docMk/>
+            <pc:sldMk cId="2277832159" sldId="283"/>
+            <ac:picMk id="77" creationId="{CED8A3FF-AD1A-4515-84AD-3440018F6146}"/>
+          </ac:picMkLst>
+        </pc:picChg>
+        <pc:picChg chg="del">
+          <ac:chgData name="Jeff Crivellaro" userId="3e9ceedd7e089800" providerId="LiveId" clId="{8C06D74F-D56E-43EC-A449-057B5268894A}" dt="2020-05-26T23:09:28.938" v="21" actId="478"/>
+          <ac:picMkLst>
+            <pc:docMk/>
+            <pc:sldMk cId="2277832159" sldId="283"/>
+            <ac:picMk id="78" creationId="{7945EA19-3DEF-4D94-A6D0-604E441D1DFD}"/>
+          </ac:picMkLst>
+        </pc:picChg>
+        <pc:picChg chg="add mod">
+          <ac:chgData name="Jeff Crivellaro" userId="3e9ceedd7e089800" providerId="LiveId" clId="{8C06D74F-D56E-43EC-A449-057B5268894A}" dt="2020-05-26T23:13:47.633" v="121" actId="1076"/>
+          <ac:picMkLst>
+            <pc:docMk/>
+            <pc:sldMk cId="2277832159" sldId="283"/>
+            <ac:picMk id="89" creationId="{75D1EB2C-36E6-476F-853D-C9C441B21BA7}"/>
+          </ac:picMkLst>
+        </pc:picChg>
+        <pc:picChg chg="add mod">
+          <ac:chgData name="Jeff Crivellaro" userId="3e9ceedd7e089800" providerId="LiveId" clId="{8C06D74F-D56E-43EC-A449-057B5268894A}" dt="2020-05-26T23:12:58.651" v="93" actId="1076"/>
+          <ac:picMkLst>
+            <pc:docMk/>
+            <pc:sldMk cId="2277832159" sldId="283"/>
+            <ac:picMk id="90" creationId="{D9C58936-9D15-4219-93E9-09BB7103CD60}"/>
+          </ac:picMkLst>
+        </pc:picChg>
+        <pc:picChg chg="add mod">
+          <ac:chgData name="Jeff Crivellaro" userId="3e9ceedd7e089800" providerId="LiveId" clId="{8C06D74F-D56E-43EC-A449-057B5268894A}" dt="2020-05-26T23:13:45.629" v="120" actId="1035"/>
+          <ac:picMkLst>
+            <pc:docMk/>
+            <pc:sldMk cId="2277832159" sldId="283"/>
+            <ac:picMk id="91" creationId="{FEEFA139-460D-46CE-B023-52A8F73EAD02}"/>
+          </ac:picMkLst>
+        </pc:picChg>
+        <pc:picChg chg="del topLvl">
+          <ac:chgData name="Jeff Crivellaro" userId="3e9ceedd7e089800" providerId="LiveId" clId="{8C06D74F-D56E-43EC-A449-057B5268894A}" dt="2020-05-26T23:08:42.665" v="4" actId="478"/>
+          <ac:picMkLst>
+            <pc:docMk/>
+            <pc:sldMk cId="2277832159" sldId="283"/>
+            <ac:picMk id="124" creationId="{7F0DD3FA-7B44-48F2-A6D5-F6A9446A70EA}"/>
+          </ac:picMkLst>
+        </pc:picChg>
+        <pc:picChg chg="del topLvl">
+          <ac:chgData name="Jeff Crivellaro" userId="3e9ceedd7e089800" providerId="LiveId" clId="{8C06D74F-D56E-43EC-A449-057B5268894A}" dt="2020-05-26T23:08:24.909" v="1" actId="478"/>
+          <ac:picMkLst>
+            <pc:docMk/>
+            <pc:sldMk cId="2277832159" sldId="283"/>
+            <ac:picMk id="126" creationId="{BBA0E92F-B7A9-4D5B-A565-62EB609F0A0E}"/>
+          </ac:picMkLst>
+        </pc:picChg>
+        <pc:cxnChg chg="mod">
+          <ac:chgData name="Jeff Crivellaro" userId="3e9ceedd7e089800" providerId="LiveId" clId="{8C06D74F-D56E-43EC-A449-057B5268894A}" dt="2020-05-26T23:12:45.544" v="90" actId="1076"/>
+          <ac:cxnSpMkLst>
+            <pc:docMk/>
+            <pc:sldMk cId="2277832159" sldId="283"/>
+            <ac:cxnSpMk id="98" creationId="{B2D6815B-E8B7-4DE0-821B-33041F9A82FF}"/>
+          </ac:cxnSpMkLst>
+        </pc:cxnChg>
+        <pc:cxnChg chg="mod">
+          <ac:chgData name="Jeff Crivellaro" userId="3e9ceedd7e089800" providerId="LiveId" clId="{8C06D74F-D56E-43EC-A449-057B5268894A}" dt="2020-05-26T23:14:57.748" v="227" actId="1038"/>
+          <ac:cxnSpMkLst>
+            <pc:docMk/>
+            <pc:sldMk cId="2277832159" sldId="283"/>
+            <ac:cxnSpMk id="99" creationId="{E62BD13A-9A55-4C67-B3EA-2659E9555C44}"/>
+          </ac:cxnSpMkLst>
+        </pc:cxnChg>
+        <pc:cxnChg chg="mod">
+          <ac:chgData name="Jeff Crivellaro" userId="3e9ceedd7e089800" providerId="LiveId" clId="{8C06D74F-D56E-43EC-A449-057B5268894A}" dt="2020-05-26T23:15:04.250" v="265" actId="1038"/>
+          <ac:cxnSpMkLst>
+            <pc:docMk/>
+            <pc:sldMk cId="2277832159" sldId="283"/>
+            <ac:cxnSpMk id="100" creationId="{7C61F005-B104-4119-A01F-279FB9F858A8}"/>
+          </ac:cxnSpMkLst>
+        </pc:cxnChg>
+        <pc:cxnChg chg="mod">
+          <ac:chgData name="Jeff Crivellaro" userId="3e9ceedd7e089800" providerId="LiveId" clId="{8C06D74F-D56E-43EC-A449-057B5268894A}" dt="2020-05-26T23:15:34.005" v="293" actId="14100"/>
+          <ac:cxnSpMkLst>
+            <pc:docMk/>
+            <pc:sldMk cId="2277832159" sldId="283"/>
+            <ac:cxnSpMk id="101" creationId="{E5FF6E10-D32F-412C-82C2-8D0727CD9CBF}"/>
+          </ac:cxnSpMkLst>
+        </pc:cxnChg>
+        <pc:cxnChg chg="mod">
+          <ac:chgData name="Jeff Crivellaro" userId="3e9ceedd7e089800" providerId="LiveId" clId="{8C06D74F-D56E-43EC-A449-057B5268894A}" dt="2020-05-26T23:15:27.355" v="291" actId="1035"/>
+          <ac:cxnSpMkLst>
+            <pc:docMk/>
+            <pc:sldMk cId="2277832159" sldId="283"/>
+            <ac:cxnSpMk id="102" creationId="{E03F35B2-1DA7-4E9E-838A-F53C32B11FBE}"/>
+          </ac:cxnSpMkLst>
+        </pc:cxnChg>
+        <pc:cxnChg chg="mod">
+          <ac:chgData name="Jeff Crivellaro" userId="3e9ceedd7e089800" providerId="LiveId" clId="{8C06D74F-D56E-43EC-A449-057B5268894A}" dt="2020-05-26T23:15:30.564" v="292" actId="14100"/>
+          <ac:cxnSpMkLst>
+            <pc:docMk/>
+            <pc:sldMk cId="2277832159" sldId="283"/>
+            <ac:cxnSpMk id="103" creationId="{FCFFB984-D16C-4B18-B475-FBD06ED60517}"/>
+          </ac:cxnSpMkLst>
+        </pc:cxnChg>
+      </pc:sldChg>
+      <pc:sldChg chg="addSp delSp modSp mod">
+        <pc:chgData name="Jeff Crivellaro" userId="3e9ceedd7e089800" providerId="LiveId" clId="{8C06D74F-D56E-43EC-A449-057B5268894A}" dt="2020-05-26T23:45:37.593" v="803" actId="478"/>
+        <pc:sldMkLst>
+          <pc:docMk/>
+          <pc:sldMk cId="1372829439" sldId="284"/>
+        </pc:sldMkLst>
+        <pc:spChg chg="del">
+          <ac:chgData name="Jeff Crivellaro" userId="3e9ceedd7e089800" providerId="LiveId" clId="{8C06D74F-D56E-43EC-A449-057B5268894A}" dt="2020-05-26T23:19:32.073" v="411" actId="478"/>
+          <ac:spMkLst>
+            <pc:docMk/>
+            <pc:sldMk cId="1372829439" sldId="284"/>
+            <ac:spMk id="2" creationId="{2BA74395-69B6-4AF9-B6F4-D7CA8CCC7F62}"/>
+          </ac:spMkLst>
+        </pc:spChg>
+        <pc:spChg chg="del">
+          <ac:chgData name="Jeff Crivellaro" userId="3e9ceedd7e089800" providerId="LiveId" clId="{8C06D74F-D56E-43EC-A449-057B5268894A}" dt="2020-05-26T23:22:20.888" v="559" actId="478"/>
+          <ac:spMkLst>
+            <pc:docMk/>
+            <pc:sldMk cId="1372829439" sldId="284"/>
+            <ac:spMk id="8" creationId="{363D167E-253F-4B90-8B8E-C625D5E07375}"/>
+          </ac:spMkLst>
+        </pc:spChg>
+        <pc:spChg chg="add mod">
+          <ac:chgData name="Jeff Crivellaro" userId="3e9ceedd7e089800" providerId="LiveId" clId="{8C06D74F-D56E-43EC-A449-057B5268894A}" dt="2020-05-26T23:45:08.652" v="799" actId="207"/>
+          <ac:spMkLst>
+            <pc:docMk/>
+            <pc:sldMk cId="1372829439" sldId="284"/>
+            <ac:spMk id="30" creationId="{0D2CAE8A-CB4E-4B7D-873B-DBA3C7355DD2}"/>
+          </ac:spMkLst>
+        </pc:spChg>
+        <pc:spChg chg="mod">
+          <ac:chgData name="Jeff Crivellaro" userId="3e9ceedd7e089800" providerId="LiveId" clId="{8C06D74F-D56E-43EC-A449-057B5268894A}" dt="2020-05-26T23:42:37.737" v="738" actId="20577"/>
+          <ac:spMkLst>
+            <pc:docMk/>
+            <pc:sldMk cId="1372829439" sldId="284"/>
+            <ac:spMk id="55" creationId="{FCB63A63-93F6-4972-8EC0-6B7AB77EB652}"/>
+          </ac:spMkLst>
+        </pc:spChg>
+        <pc:spChg chg="add mod">
+          <ac:chgData name="Jeff Crivellaro" userId="3e9ceedd7e089800" providerId="LiveId" clId="{8C06D74F-D56E-43EC-A449-057B5268894A}" dt="2020-05-26T23:19:58.924" v="413" actId="1076"/>
+          <ac:spMkLst>
+            <pc:docMk/>
+            <pc:sldMk cId="1372829439" sldId="284"/>
+            <ac:spMk id="57" creationId="{BF219577-3C09-4DB7-9C52-6C32A94395AE}"/>
+          </ac:spMkLst>
+        </pc:spChg>
+        <pc:spChg chg="add mod">
+          <ac:chgData name="Jeff Crivellaro" userId="3e9ceedd7e089800" providerId="LiveId" clId="{8C06D74F-D56E-43EC-A449-057B5268894A}" dt="2020-05-26T23:19:58.924" v="413" actId="1076"/>
+          <ac:spMkLst>
+            <pc:docMk/>
+            <pc:sldMk cId="1372829439" sldId="284"/>
+            <ac:spMk id="58" creationId="{B80A6FC8-8CDB-4EDC-B33F-DFA50A8DC1AF}"/>
+          </ac:spMkLst>
+        </pc:spChg>
+        <pc:spChg chg="add mod">
+          <ac:chgData name="Jeff Crivellaro" userId="3e9ceedd7e089800" providerId="LiveId" clId="{8C06D74F-D56E-43EC-A449-057B5268894A}" dt="2020-05-26T23:19:58.924" v="413" actId="1076"/>
+          <ac:spMkLst>
+            <pc:docMk/>
+            <pc:sldMk cId="1372829439" sldId="284"/>
+            <ac:spMk id="59" creationId="{8FC1F02D-DC9F-42C1-BE74-BA93E83DFB3C}"/>
+          </ac:spMkLst>
+        </pc:spChg>
+        <pc:spChg chg="add mod">
+          <ac:chgData name="Jeff Crivellaro" userId="3e9ceedd7e089800" providerId="LiveId" clId="{8C06D74F-D56E-43EC-A449-057B5268894A}" dt="2020-05-26T23:19:58.924" v="413" actId="1076"/>
+          <ac:spMkLst>
+            <pc:docMk/>
+            <pc:sldMk cId="1372829439" sldId="284"/>
+            <ac:spMk id="60" creationId="{8608EA8B-F57A-49E8-8CBA-8AEB27987F86}"/>
+          </ac:spMkLst>
+        </pc:spChg>
+        <pc:spChg chg="add mod">
+          <ac:chgData name="Jeff Crivellaro" userId="3e9ceedd7e089800" providerId="LiveId" clId="{8C06D74F-D56E-43EC-A449-057B5268894A}" dt="2020-05-26T23:19:58.924" v="413" actId="1076"/>
+          <ac:spMkLst>
+            <pc:docMk/>
+            <pc:sldMk cId="1372829439" sldId="284"/>
+            <ac:spMk id="68" creationId="{48B6E8FD-96E2-47D6-BECB-4A7CB21E782C}"/>
+          </ac:spMkLst>
+        </pc:spChg>
+        <pc:spChg chg="add mod">
+          <ac:chgData name="Jeff Crivellaro" userId="3e9ceedd7e089800" providerId="LiveId" clId="{8C06D74F-D56E-43EC-A449-057B5268894A}" dt="2020-05-26T23:19:58.924" v="413" actId="1076"/>
+          <ac:spMkLst>
+            <pc:docMk/>
+            <pc:sldMk cId="1372829439" sldId="284"/>
+            <ac:spMk id="69" creationId="{4F47107F-6E1C-476C-B9E9-531741131BB1}"/>
+          </ac:spMkLst>
+        </pc:spChg>
+        <pc:spChg chg="del">
+          <ac:chgData name="Jeff Crivellaro" userId="3e9ceedd7e089800" providerId="LiveId" clId="{8C06D74F-D56E-43EC-A449-057B5268894A}" dt="2020-05-26T23:19:32.073" v="411" actId="478"/>
+          <ac:spMkLst>
+            <pc:docMk/>
+            <pc:sldMk cId="1372829439" sldId="284"/>
+            <ac:spMk id="71" creationId="{13DBBF21-4BBF-4F2A-BA14-3F6672EF3A02}"/>
+          </ac:spMkLst>
+        </pc:spChg>
+        <pc:spChg chg="mod">
+          <ac:chgData name="Jeff Crivellaro" userId="3e9ceedd7e089800" providerId="LiveId" clId="{8C06D74F-D56E-43EC-A449-057B5268894A}" dt="2020-05-26T23:20:11.353" v="481" actId="1037"/>
+          <ac:spMkLst>
+            <pc:docMk/>
+            <pc:sldMk cId="1372829439" sldId="284"/>
+            <ac:spMk id="72" creationId="{D958B930-D34E-450A-8BA5-E7913B581AB9}"/>
+          </ac:spMkLst>
+        </pc:spChg>
+        <pc:spChg chg="add mod">
+          <ac:chgData name="Jeff Crivellaro" userId="3e9ceedd7e089800" providerId="LiveId" clId="{8C06D74F-D56E-43EC-A449-057B5268894A}" dt="2020-05-26T23:19:58.924" v="413" actId="1076"/>
+          <ac:spMkLst>
+            <pc:docMk/>
+            <pc:sldMk cId="1372829439" sldId="284"/>
+            <ac:spMk id="73" creationId="{0E3D199D-F5B3-4D2F-87EC-974E11D30031}"/>
+          </ac:spMkLst>
+        </pc:spChg>
+        <pc:spChg chg="add mod">
+          <ac:chgData name="Jeff Crivellaro" userId="3e9ceedd7e089800" providerId="LiveId" clId="{8C06D74F-D56E-43EC-A449-057B5268894A}" dt="2020-05-26T23:19:58.924" v="413" actId="1076"/>
+          <ac:spMkLst>
+            <pc:docMk/>
+            <pc:sldMk cId="1372829439" sldId="284"/>
+            <ac:spMk id="74" creationId="{53BFFACF-8C29-4324-893D-3C4A50CEA284}"/>
+          </ac:spMkLst>
+        </pc:spChg>
+        <pc:spChg chg="add mod">
+          <ac:chgData name="Jeff Crivellaro" userId="3e9ceedd7e089800" providerId="LiveId" clId="{8C06D74F-D56E-43EC-A449-057B5268894A}" dt="2020-05-26T23:19:58.924" v="413" actId="1076"/>
+          <ac:spMkLst>
+            <pc:docMk/>
+            <pc:sldMk cId="1372829439" sldId="284"/>
+            <ac:spMk id="81" creationId="{061E6CB8-FA7D-419E-87CF-5A798E88701D}"/>
+          </ac:spMkLst>
+        </pc:spChg>
+        <pc:spChg chg="add mod">
+          <ac:chgData name="Jeff Crivellaro" userId="3e9ceedd7e089800" providerId="LiveId" clId="{8C06D74F-D56E-43EC-A449-057B5268894A}" dt="2020-05-26T23:22:48.734" v="565" actId="1076"/>
+          <ac:spMkLst>
+            <pc:docMk/>
+            <pc:sldMk cId="1372829439" sldId="284"/>
+            <ac:spMk id="85" creationId="{15C5E0ED-CD92-44F3-8E81-20793051F02E}"/>
+          </ac:spMkLst>
+        </pc:spChg>
+        <pc:spChg chg="add mod">
+          <ac:chgData name="Jeff Crivellaro" userId="3e9ceedd7e089800" providerId="LiveId" clId="{8C06D74F-D56E-43EC-A449-057B5268894A}" dt="2020-05-26T23:22:32.688" v="562" actId="1076"/>
+          <ac:spMkLst>
+            <pc:docMk/>
+            <pc:sldMk cId="1372829439" sldId="284"/>
+            <ac:spMk id="88" creationId="{EFE5F62D-67E2-4BA5-8108-BDDE47048674}"/>
+          </ac:spMkLst>
+        </pc:spChg>
+        <pc:spChg chg="mod">
+          <ac:chgData name="Jeff Crivellaro" userId="3e9ceedd7e089800" providerId="LiveId" clId="{8C06D74F-D56E-43EC-A449-057B5268894A}" dt="2020-05-26T23:44:36.399" v="795" actId="14100"/>
+          <ac:spMkLst>
+            <pc:docMk/>
+            <pc:sldMk cId="1372829439" sldId="284"/>
+            <ac:spMk id="95" creationId="{AC89AD36-6215-4CB1-BA63-10E7844CD72C}"/>
+          </ac:spMkLst>
+        </pc:spChg>
+        <pc:spChg chg="mod">
+          <ac:chgData name="Jeff Crivellaro" userId="3e9ceedd7e089800" providerId="LiveId" clId="{8C06D74F-D56E-43EC-A449-057B5268894A}" dt="2020-05-26T23:20:42.991" v="510" actId="14100"/>
+          <ac:spMkLst>
+            <pc:docMk/>
+            <pc:sldMk cId="1372829439" sldId="284"/>
+            <ac:spMk id="97" creationId="{41AE19D9-031A-4DE7-8A0A-D87ABAF1671E}"/>
+          </ac:spMkLst>
+        </pc:spChg>
+        <pc:spChg chg="del mod">
+          <ac:chgData name="Jeff Crivellaro" userId="3e9ceedd7e089800" providerId="LiveId" clId="{8C06D74F-D56E-43EC-A449-057B5268894A}" dt="2020-05-26T23:44:39.112" v="796" actId="478"/>
+          <ac:spMkLst>
+            <pc:docMk/>
+            <pc:sldMk cId="1372829439" sldId="284"/>
+            <ac:spMk id="98" creationId="{1AAF71EE-0D42-41BD-BA67-93F7023C2B71}"/>
+          </ac:spMkLst>
+        </pc:spChg>
+        <pc:spChg chg="del">
+          <ac:chgData name="Jeff Crivellaro" userId="3e9ceedd7e089800" providerId="LiveId" clId="{8C06D74F-D56E-43EC-A449-057B5268894A}" dt="2020-05-26T23:21:34.393" v="530" actId="478"/>
+          <ac:spMkLst>
+            <pc:docMk/>
+            <pc:sldMk cId="1372829439" sldId="284"/>
+            <ac:spMk id="99" creationId="{D31396EB-4023-42DB-94CF-E5968722AC3A}"/>
+          </ac:spMkLst>
+        </pc:spChg>
+        <pc:spChg chg="add mod">
+          <ac:chgData name="Jeff Crivellaro" userId="3e9ceedd7e089800" providerId="LiveId" clId="{8C06D74F-D56E-43EC-A449-057B5268894A}" dt="2020-05-26T23:45:08.652" v="799" actId="207"/>
+          <ac:spMkLst>
+            <pc:docMk/>
+            <pc:sldMk cId="1372829439" sldId="284"/>
+            <ac:spMk id="102" creationId="{9BF0BE1F-A8C4-4696-88B7-F4CD1F399F9A}"/>
+          </ac:spMkLst>
+        </pc:spChg>
+        <pc:spChg chg="add mod">
+          <ac:chgData name="Jeff Crivellaro" userId="3e9ceedd7e089800" providerId="LiveId" clId="{8C06D74F-D56E-43EC-A449-057B5268894A}" dt="2020-05-26T23:45:08.652" v="799" actId="207"/>
+          <ac:spMkLst>
+            <pc:docMk/>
+            <pc:sldMk cId="1372829439" sldId="284"/>
+            <ac:spMk id="103" creationId="{69E02D30-FC45-4B2E-B6BC-587DC8F85D71}"/>
+          </ac:spMkLst>
+        </pc:spChg>
+        <pc:spChg chg="add mod">
+          <ac:chgData name="Jeff Crivellaro" userId="3e9ceedd7e089800" providerId="LiveId" clId="{8C06D74F-D56E-43EC-A449-057B5268894A}" dt="2020-05-26T23:45:08.652" v="799" actId="207"/>
+          <ac:spMkLst>
+            <pc:docMk/>
+            <pc:sldMk cId="1372829439" sldId="284"/>
+            <ac:spMk id="104" creationId="{FC692926-C9CF-481D-9CD5-B6200F28659C}"/>
+          </ac:spMkLst>
+        </pc:spChg>
+        <pc:spChg chg="add mod">
+          <ac:chgData name="Jeff Crivellaro" userId="3e9ceedd7e089800" providerId="LiveId" clId="{8C06D74F-D56E-43EC-A449-057B5268894A}" dt="2020-05-26T23:45:08.652" v="799" actId="207"/>
+          <ac:spMkLst>
+            <pc:docMk/>
+            <pc:sldMk cId="1372829439" sldId="284"/>
+            <ac:spMk id="106" creationId="{987F56A3-39D8-496A-A403-6295AD2A3DD6}"/>
+          </ac:spMkLst>
+        </pc:spChg>
+        <pc:spChg chg="add mod">
+          <ac:chgData name="Jeff Crivellaro" userId="3e9ceedd7e089800" providerId="LiveId" clId="{8C06D74F-D56E-43EC-A449-057B5268894A}" dt="2020-05-26T23:45:08.652" v="799" actId="207"/>
+          <ac:spMkLst>
+            <pc:docMk/>
+            <pc:sldMk cId="1372829439" sldId="284"/>
+            <ac:spMk id="107" creationId="{1764EF4D-A252-4F4C-ABBC-D468D313BF5A}"/>
+          </ac:spMkLst>
+        </pc:spChg>
+        <pc:spChg chg="add mod">
+          <ac:chgData name="Jeff Crivellaro" userId="3e9ceedd7e089800" providerId="LiveId" clId="{8C06D74F-D56E-43EC-A449-057B5268894A}" dt="2020-05-26T23:45:08.652" v="799" actId="207"/>
+          <ac:spMkLst>
+            <pc:docMk/>
+            <pc:sldMk cId="1372829439" sldId="284"/>
+            <ac:spMk id="109" creationId="{5CD165B0-6842-46BF-8964-848E6758624B}"/>
+          </ac:spMkLst>
+        </pc:spChg>
+        <pc:spChg chg="add mod">
+          <ac:chgData name="Jeff Crivellaro" userId="3e9ceedd7e089800" providerId="LiveId" clId="{8C06D74F-D56E-43EC-A449-057B5268894A}" dt="2020-05-26T23:45:08.652" v="799" actId="207"/>
+          <ac:spMkLst>
+            <pc:docMk/>
+            <pc:sldMk cId="1372829439" sldId="284"/>
+            <ac:spMk id="110" creationId="{7024C082-BC9B-453F-A5B3-CC6E96BF510D}"/>
+          </ac:spMkLst>
+        </pc:spChg>
+        <pc:spChg chg="del">
+          <ac:chgData name="Jeff Crivellaro" userId="3e9ceedd7e089800" providerId="LiveId" clId="{8C06D74F-D56E-43EC-A449-057B5268894A}" dt="2020-05-26T23:19:32.073" v="411" actId="478"/>
+          <ac:spMkLst>
+            <pc:docMk/>
+            <pc:sldMk cId="1372829439" sldId="284"/>
+            <ac:spMk id="119" creationId="{0C2C8741-D219-4DD7-8C28-6165F1E82228}"/>
+          </ac:spMkLst>
+        </pc:spChg>
+        <pc:spChg chg="del">
+          <ac:chgData name="Jeff Crivellaro" userId="3e9ceedd7e089800" providerId="LiveId" clId="{8C06D74F-D56E-43EC-A449-057B5268894A}" dt="2020-05-26T23:19:32.073" v="411" actId="478"/>
+          <ac:spMkLst>
+            <pc:docMk/>
+            <pc:sldMk cId="1372829439" sldId="284"/>
+            <ac:spMk id="120" creationId="{40CDD35A-B5A4-43FB-AA34-48774DF38D9E}"/>
+          </ac:spMkLst>
+        </pc:spChg>
+        <pc:spChg chg="del">
+          <ac:chgData name="Jeff Crivellaro" userId="3e9ceedd7e089800" providerId="LiveId" clId="{8C06D74F-D56E-43EC-A449-057B5268894A}" dt="2020-05-26T23:19:32.073" v="411" actId="478"/>
+          <ac:spMkLst>
+            <pc:docMk/>
+            <pc:sldMk cId="1372829439" sldId="284"/>
+            <ac:spMk id="121" creationId="{63DB9819-E7BD-4B93-83E7-CC49E6B84BB1}"/>
+          </ac:spMkLst>
+        </pc:spChg>
+        <pc:spChg chg="del">
+          <ac:chgData name="Jeff Crivellaro" userId="3e9ceedd7e089800" providerId="LiveId" clId="{8C06D74F-D56E-43EC-A449-057B5268894A}" dt="2020-05-26T23:19:32.073" v="411" actId="478"/>
+          <ac:spMkLst>
+            <pc:docMk/>
+            <pc:sldMk cId="1372829439" sldId="284"/>
+            <ac:spMk id="122" creationId="{94A0033B-62F7-433C-99E0-DA98C4B52FB9}"/>
+          </ac:spMkLst>
+        </pc:spChg>
+        <pc:spChg chg="del">
+          <ac:chgData name="Jeff Crivellaro" userId="3e9ceedd7e089800" providerId="LiveId" clId="{8C06D74F-D56E-43EC-A449-057B5268894A}" dt="2020-05-26T23:19:32.073" v="411" actId="478"/>
+          <ac:spMkLst>
+            <pc:docMk/>
+            <pc:sldMk cId="1372829439" sldId="284"/>
+            <ac:spMk id="168" creationId="{247E7522-066B-4978-B9BF-9DD0A1D6A56D}"/>
+          </ac:spMkLst>
+        </pc:spChg>
+        <pc:spChg chg="del">
+          <ac:chgData name="Jeff Crivellaro" userId="3e9ceedd7e089800" providerId="LiveId" clId="{8C06D74F-D56E-43EC-A449-057B5268894A}" dt="2020-05-26T23:19:32.073" v="411" actId="478"/>
+          <ac:spMkLst>
+            <pc:docMk/>
+            <pc:sldMk cId="1372829439" sldId="284"/>
+            <ac:spMk id="169" creationId="{8E113023-8D66-45E6-956C-303934B628BC}"/>
+          </ac:spMkLst>
+        </pc:spChg>
+        <pc:spChg chg="del">
+          <ac:chgData name="Jeff Crivellaro" userId="3e9ceedd7e089800" providerId="LiveId" clId="{8C06D74F-D56E-43EC-A449-057B5268894A}" dt="2020-05-26T23:19:32.073" v="411" actId="478"/>
+          <ac:spMkLst>
+            <pc:docMk/>
+            <pc:sldMk cId="1372829439" sldId="284"/>
+            <ac:spMk id="170" creationId="{83FF6E8C-668F-4533-997A-91A026198702}"/>
+          </ac:spMkLst>
+        </pc:spChg>
+        <pc:grpChg chg="del">
+          <ac:chgData name="Jeff Crivellaro" userId="3e9ceedd7e089800" providerId="LiveId" clId="{8C06D74F-D56E-43EC-A449-057B5268894A}" dt="2020-05-26T23:19:14.056" v="407" actId="478"/>
+          <ac:grpSpMkLst>
+            <pc:docMk/>
+            <pc:sldMk cId="1372829439" sldId="284"/>
+            <ac:grpSpMk id="4" creationId="{690E736D-B40F-4C64-BC44-02D79396B34C}"/>
+          </ac:grpSpMkLst>
+        </pc:grpChg>
+        <pc:grpChg chg="add del mod">
+          <ac:chgData name="Jeff Crivellaro" userId="3e9ceedd7e089800" providerId="LiveId" clId="{8C06D74F-D56E-43EC-A449-057B5268894A}" dt="2020-05-26T23:19:25.352" v="410" actId="478"/>
+          <ac:grpSpMkLst>
+            <pc:docMk/>
+            <pc:sldMk cId="1372829439" sldId="284"/>
+            <ac:grpSpMk id="46" creationId="{F627D017-64DF-4460-8E21-A2E4D97B1D8B}"/>
+          </ac:grpSpMkLst>
+        </pc:grpChg>
+        <pc:grpChg chg="add mod">
+          <ac:chgData name="Jeff Crivellaro" userId="3e9ceedd7e089800" providerId="LiveId" clId="{8C06D74F-D56E-43EC-A449-057B5268894A}" dt="2020-05-26T23:45:21.753" v="802" actId="1036"/>
+          <ac:grpSpMkLst>
+            <pc:docMk/>
+            <pc:sldMk cId="1372829439" sldId="284"/>
+            <ac:grpSpMk id="75" creationId="{7842F19C-C4E4-4559-8B8F-B52C35023311}"/>
+          </ac:grpSpMkLst>
+        </pc:grpChg>
+        <pc:picChg chg="mod">
+          <ac:chgData name="Jeff Crivellaro" userId="3e9ceedd7e089800" providerId="LiveId" clId="{8C06D74F-D56E-43EC-A449-057B5268894A}" dt="2020-05-26T23:19:17.243" v="408"/>
+          <ac:picMkLst>
+            <pc:docMk/>
+            <pc:sldMk cId="1372829439" sldId="284"/>
+            <ac:picMk id="47" creationId="{418C609D-E29D-4469-89AA-77233B412F58}"/>
+          </ac:picMkLst>
+        </pc:picChg>
+        <pc:picChg chg="mod">
+          <ac:chgData name="Jeff Crivellaro" userId="3e9ceedd7e089800" providerId="LiveId" clId="{8C06D74F-D56E-43EC-A449-057B5268894A}" dt="2020-05-26T23:19:17.243" v="408"/>
+          <ac:picMkLst>
+            <pc:docMk/>
+            <pc:sldMk cId="1372829439" sldId="284"/>
+            <ac:picMk id="48" creationId="{6A5DACFD-9F92-4BD0-92BF-0FCD41463D43}"/>
+          </ac:picMkLst>
+        </pc:picChg>
+        <pc:picChg chg="add mod">
+          <ac:chgData name="Jeff Crivellaro" userId="3e9ceedd7e089800" providerId="LiveId" clId="{8C06D74F-D56E-43EC-A449-057B5268894A}" dt="2020-05-26T23:19:58.924" v="413" actId="1076"/>
+          <ac:picMkLst>
+            <pc:docMk/>
+            <pc:sldMk cId="1372829439" sldId="284"/>
+            <ac:picMk id="49" creationId="{20634981-86BF-48D3-B8FE-3BC2302276E7}"/>
+          </ac:picMkLst>
+        </pc:picChg>
+        <pc:picChg chg="add mod">
+          <ac:chgData name="Jeff Crivellaro" userId="3e9ceedd7e089800" providerId="LiveId" clId="{8C06D74F-D56E-43EC-A449-057B5268894A}" dt="2020-05-26T23:19:58.924" v="413" actId="1076"/>
+          <ac:picMkLst>
+            <pc:docMk/>
+            <pc:sldMk cId="1372829439" sldId="284"/>
+            <ac:picMk id="50" creationId="{245214DA-D7CA-49ED-BCEC-FEA4CC3ABF13}"/>
+          </ac:picMkLst>
+        </pc:picChg>
+        <pc:picChg chg="add mod">
+          <ac:chgData name="Jeff Crivellaro" userId="3e9ceedd7e089800" providerId="LiveId" clId="{8C06D74F-D56E-43EC-A449-057B5268894A}" dt="2020-05-26T23:19:58.924" v="413" actId="1076"/>
+          <ac:picMkLst>
+            <pc:docMk/>
+            <pc:sldMk cId="1372829439" sldId="284"/>
+            <ac:picMk id="51" creationId="{3D2BE59F-91CF-47A2-893F-90E1C9921B22}"/>
+          </ac:picMkLst>
+        </pc:picChg>
+        <pc:picChg chg="add mod">
+          <ac:chgData name="Jeff Crivellaro" userId="3e9ceedd7e089800" providerId="LiveId" clId="{8C06D74F-D56E-43EC-A449-057B5268894A}" dt="2020-05-26T23:19:58.924" v="413" actId="1076"/>
+          <ac:picMkLst>
+            <pc:docMk/>
+            <pc:sldMk cId="1372829439" sldId="284"/>
+            <ac:picMk id="52" creationId="{297D2981-F8F0-473E-8F5A-C95A540604B7}"/>
+          </ac:picMkLst>
+        </pc:picChg>
+        <pc:picChg chg="add mod">
+          <ac:chgData name="Jeff Crivellaro" userId="3e9ceedd7e089800" providerId="LiveId" clId="{8C06D74F-D56E-43EC-A449-057B5268894A}" dt="2020-05-26T23:19:58.924" v="413" actId="1076"/>
+          <ac:picMkLst>
+            <pc:docMk/>
+            <pc:sldMk cId="1372829439" sldId="284"/>
+            <ac:picMk id="53" creationId="{5E93C379-7042-48D4-B913-2DD4286109C2}"/>
+          </ac:picMkLst>
+        </pc:picChg>
+        <pc:picChg chg="add mod">
+          <ac:chgData name="Jeff Crivellaro" userId="3e9ceedd7e089800" providerId="LiveId" clId="{8C06D74F-D56E-43EC-A449-057B5268894A}" dt="2020-05-26T23:19:58.924" v="413" actId="1076"/>
+          <ac:picMkLst>
+            <pc:docMk/>
+            <pc:sldMk cId="1372829439" sldId="284"/>
+            <ac:picMk id="54" creationId="{CC943CCF-3394-4EE6-901F-09FBBDE6547D}"/>
+          </ac:picMkLst>
+        </pc:picChg>
+        <pc:picChg chg="del mod">
+          <ac:chgData name="Jeff Crivellaro" userId="3e9ceedd7e089800" providerId="LiveId" clId="{8C06D74F-D56E-43EC-A449-057B5268894A}" dt="2020-05-26T23:45:37.593" v="803" actId="478"/>
+          <ac:picMkLst>
+            <pc:docMk/>
+            <pc:sldMk cId="1372829439" sldId="284"/>
+            <ac:picMk id="70" creationId="{6655EC2F-7525-4519-A99F-E77460880291}"/>
+          </ac:picMkLst>
+        </pc:picChg>
+        <pc:picChg chg="mod">
+          <ac:chgData name="Jeff Crivellaro" userId="3e9ceedd7e089800" providerId="LiveId" clId="{8C06D74F-D56E-43EC-A449-057B5268894A}" dt="2020-05-26T23:19:42.333" v="412"/>
+          <ac:picMkLst>
+            <pc:docMk/>
+            <pc:sldMk cId="1372829439" sldId="284"/>
+            <ac:picMk id="76" creationId="{2E306345-9569-456C-9F03-88EBAD720D92}"/>
+          </ac:picMkLst>
+        </pc:picChg>
+        <pc:picChg chg="mod">
+          <ac:chgData name="Jeff Crivellaro" userId="3e9ceedd7e089800" providerId="LiveId" clId="{8C06D74F-D56E-43EC-A449-057B5268894A}" dt="2020-05-26T23:19:42.333" v="412"/>
+          <ac:picMkLst>
+            <pc:docMk/>
+            <pc:sldMk cId="1372829439" sldId="284"/>
+            <ac:picMk id="77" creationId="{B6E1AD77-F566-402D-8B32-B9AAD56C23C7}"/>
+          </ac:picMkLst>
+        </pc:picChg>
+        <pc:picChg chg="add mod">
+          <ac:chgData name="Jeff Crivellaro" userId="3e9ceedd7e089800" providerId="LiveId" clId="{8C06D74F-D56E-43EC-A449-057B5268894A}" dt="2020-05-26T23:19:58.924" v="413" actId="1076"/>
+          <ac:picMkLst>
+            <pc:docMk/>
+            <pc:sldMk cId="1372829439" sldId="284"/>
+            <ac:picMk id="78" creationId="{E5BBD034-71B1-4D51-83E0-51899FDE98F9}"/>
+          </ac:picMkLst>
+        </pc:picChg>
+        <pc:picChg chg="add mod">
+          <ac:chgData name="Jeff Crivellaro" userId="3e9ceedd7e089800" providerId="LiveId" clId="{8C06D74F-D56E-43EC-A449-057B5268894A}" dt="2020-05-26T23:19:58.924" v="413" actId="1076"/>
+          <ac:picMkLst>
+            <pc:docMk/>
+            <pc:sldMk cId="1372829439" sldId="284"/>
+            <ac:picMk id="79" creationId="{F6B018D2-6312-4942-8BAF-3A47E4EA5B76}"/>
+          </ac:picMkLst>
+        </pc:picChg>
+        <pc:picChg chg="add mod">
+          <ac:chgData name="Jeff Crivellaro" userId="3e9ceedd7e089800" providerId="LiveId" clId="{8C06D74F-D56E-43EC-A449-057B5268894A}" dt="2020-05-26T23:19:58.924" v="413" actId="1076"/>
+          <ac:picMkLst>
+            <pc:docMk/>
+            <pc:sldMk cId="1372829439" sldId="284"/>
+            <ac:picMk id="80" creationId="{39B3D94C-93C5-43DD-B5F7-F16D14F28A39}"/>
+          </ac:picMkLst>
+        </pc:picChg>
+        <pc:picChg chg="del">
+          <ac:chgData name="Jeff Crivellaro" userId="3e9ceedd7e089800" providerId="LiveId" clId="{8C06D74F-D56E-43EC-A449-057B5268894A}" dt="2020-05-26T23:19:32.073" v="411" actId="478"/>
+          <ac:picMkLst>
+            <pc:docMk/>
+            <pc:sldMk cId="1372829439" sldId="284"/>
+            <ac:picMk id="89" creationId="{35B31CD6-B824-44E6-AE42-F224996E042E}"/>
+          </ac:picMkLst>
+        </pc:picChg>
+        <pc:picChg chg="del">
+          <ac:chgData name="Jeff Crivellaro" userId="3e9ceedd7e089800" providerId="LiveId" clId="{8C06D74F-D56E-43EC-A449-057B5268894A}" dt="2020-05-26T23:19:32.073" v="411" actId="478"/>
+          <ac:picMkLst>
+            <pc:docMk/>
+            <pc:sldMk cId="1372829439" sldId="284"/>
+            <ac:picMk id="90" creationId="{424F752B-61E9-48F7-A424-82677A52D882}"/>
+          </ac:picMkLst>
+        </pc:picChg>
+        <pc:picChg chg="del">
+          <ac:chgData name="Jeff Crivellaro" userId="3e9ceedd7e089800" providerId="LiveId" clId="{8C06D74F-D56E-43EC-A449-057B5268894A}" dt="2020-05-26T23:19:32.073" v="411" actId="478"/>
+          <ac:picMkLst>
+            <pc:docMk/>
+            <pc:sldMk cId="1372829439" sldId="284"/>
+            <ac:picMk id="92" creationId="{26C7161F-9A8D-4971-A852-873DDC854008}"/>
+          </ac:picMkLst>
+        </pc:picChg>
+        <pc:picChg chg="del">
+          <ac:chgData name="Jeff Crivellaro" userId="3e9ceedd7e089800" providerId="LiveId" clId="{8C06D74F-D56E-43EC-A449-057B5268894A}" dt="2020-05-26T23:19:32.073" v="411" actId="478"/>
+          <ac:picMkLst>
+            <pc:docMk/>
+            <pc:sldMk cId="1372829439" sldId="284"/>
+            <ac:picMk id="93" creationId="{82D87769-84C9-4159-A6D2-3070915D6380}"/>
+          </ac:picMkLst>
+        </pc:picChg>
+        <pc:picChg chg="del">
+          <ac:chgData name="Jeff Crivellaro" userId="3e9ceedd7e089800" providerId="LiveId" clId="{8C06D74F-D56E-43EC-A449-057B5268894A}" dt="2020-05-26T23:19:32.073" v="411" actId="478"/>
+          <ac:picMkLst>
+            <pc:docMk/>
+            <pc:sldMk cId="1372829439" sldId="284"/>
+            <ac:picMk id="94" creationId="{E914B07B-A5D2-47DA-A7E9-E55BA80A3576}"/>
+          </ac:picMkLst>
+        </pc:picChg>
+        <pc:picChg chg="del">
+          <ac:chgData name="Jeff Crivellaro" userId="3e9ceedd7e089800" providerId="LiveId" clId="{8C06D74F-D56E-43EC-A449-057B5268894A}" dt="2020-05-26T23:19:32.073" v="411" actId="478"/>
+          <ac:picMkLst>
+            <pc:docMk/>
+            <pc:sldMk cId="1372829439" sldId="284"/>
+            <ac:picMk id="96" creationId="{4E2C7BAB-7F3A-41A5-B523-75246C30E3E7}"/>
+          </ac:picMkLst>
+        </pc:picChg>
+        <pc:picChg chg="del">
+          <ac:chgData name="Jeff Crivellaro" userId="3e9ceedd7e089800" providerId="LiveId" clId="{8C06D74F-D56E-43EC-A449-057B5268894A}" dt="2020-05-26T23:19:32.073" v="411" actId="478"/>
+          <ac:picMkLst>
+            <pc:docMk/>
+            <pc:sldMk cId="1372829439" sldId="284"/>
+            <ac:picMk id="105" creationId="{A1F6E275-C557-4B70-BA16-001AF9E7AFDE}"/>
+          </ac:picMkLst>
+        </pc:picChg>
+        <pc:picChg chg="del">
+          <ac:chgData name="Jeff Crivellaro" userId="3e9ceedd7e089800" providerId="LiveId" clId="{8C06D74F-D56E-43EC-A449-057B5268894A}" dt="2020-05-26T23:19:32.073" v="411" actId="478"/>
+          <ac:picMkLst>
+            <pc:docMk/>
+            <pc:sldMk cId="1372829439" sldId="284"/>
+            <ac:picMk id="108" creationId="{2BDDE0DB-3877-4A60-B868-F042684EF078}"/>
+          </ac:picMkLst>
+        </pc:picChg>
+        <pc:cxnChg chg="mod">
+          <ac:chgData name="Jeff Crivellaro" userId="3e9ceedd7e089800" providerId="LiveId" clId="{8C06D74F-D56E-43EC-A449-057B5268894A}" dt="2020-05-26T23:42:50.711" v="739" actId="14100"/>
+          <ac:cxnSpMkLst>
+            <pc:docMk/>
+            <pc:sldMk cId="1372829439" sldId="284"/>
+            <ac:cxnSpMk id="24" creationId="{4A56D0E2-A9BE-4C56-B546-31D8E6424EE3}"/>
+          </ac:cxnSpMkLst>
+        </pc:cxnChg>
+        <pc:cxnChg chg="mod">
+          <ac:chgData name="Jeff Crivellaro" userId="3e9ceedd7e089800" providerId="LiveId" clId="{8C06D74F-D56E-43EC-A449-057B5268894A}" dt="2020-05-26T23:42:30.012" v="734" actId="14100"/>
+          <ac:cxnSpMkLst>
+            <pc:docMk/>
+            <pc:sldMk cId="1372829439" sldId="284"/>
+            <ac:cxnSpMk id="56" creationId="{111C4002-BA5E-4DF6-92B4-5D5FD2F6E5A6}"/>
+          </ac:cxnSpMkLst>
+        </pc:cxnChg>
+        <pc:cxnChg chg="add mod">
+          <ac:chgData name="Jeff Crivellaro" userId="3e9ceedd7e089800" providerId="LiveId" clId="{8C06D74F-D56E-43EC-A449-057B5268894A}" dt="2020-05-26T23:19:58.924" v="413" actId="1076"/>
+          <ac:cxnSpMkLst>
+            <pc:docMk/>
+            <pc:sldMk cId="1372829439" sldId="284"/>
+            <ac:cxnSpMk id="61" creationId="{A1237EEB-2DCB-42DE-BA47-65F2B7C06D2A}"/>
+          </ac:cxnSpMkLst>
+        </pc:cxnChg>
+        <pc:cxnChg chg="add mod">
+          <ac:chgData name="Jeff Crivellaro" userId="3e9ceedd7e089800" providerId="LiveId" clId="{8C06D74F-D56E-43EC-A449-057B5268894A}" dt="2020-05-26T23:19:58.924" v="413" actId="1076"/>
+          <ac:cxnSpMkLst>
+            <pc:docMk/>
+            <pc:sldMk cId="1372829439" sldId="284"/>
+            <ac:cxnSpMk id="62" creationId="{A21E1791-1C7E-46FE-9722-E1831ED4D769}"/>
+          </ac:cxnSpMkLst>
+        </pc:cxnChg>
+        <pc:cxnChg chg="add mod">
+          <ac:chgData name="Jeff Crivellaro" userId="3e9ceedd7e089800" providerId="LiveId" clId="{8C06D74F-D56E-43EC-A449-057B5268894A}" dt="2020-05-26T23:19:58.924" v="413" actId="1076"/>
+          <ac:cxnSpMkLst>
+            <pc:docMk/>
+            <pc:sldMk cId="1372829439" sldId="284"/>
+            <ac:cxnSpMk id="63" creationId="{83A540FD-A090-40F3-9776-6E41B36742B5}"/>
+          </ac:cxnSpMkLst>
+        </pc:cxnChg>
+        <pc:cxnChg chg="add mod">
+          <ac:chgData name="Jeff Crivellaro" userId="3e9ceedd7e089800" providerId="LiveId" clId="{8C06D74F-D56E-43EC-A449-057B5268894A}" dt="2020-05-26T23:19:58.924" v="413" actId="1076"/>
+          <ac:cxnSpMkLst>
+            <pc:docMk/>
+            <pc:sldMk cId="1372829439" sldId="284"/>
+            <ac:cxnSpMk id="64" creationId="{4AB2C585-3B33-41B8-9773-0A94EBD4308D}"/>
+          </ac:cxnSpMkLst>
+        </pc:cxnChg>
+        <pc:cxnChg chg="add mod">
+          <ac:chgData name="Jeff Crivellaro" userId="3e9ceedd7e089800" providerId="LiveId" clId="{8C06D74F-D56E-43EC-A449-057B5268894A}" dt="2020-05-26T23:19:58.924" v="413" actId="1076"/>
+          <ac:cxnSpMkLst>
+            <pc:docMk/>
+            <pc:sldMk cId="1372829439" sldId="284"/>
+            <ac:cxnSpMk id="65" creationId="{172F7319-F430-4419-A8CB-2B855B0EACBF}"/>
+          </ac:cxnSpMkLst>
+        </pc:cxnChg>
+        <pc:cxnChg chg="add mod">
+          <ac:chgData name="Jeff Crivellaro" userId="3e9ceedd7e089800" providerId="LiveId" clId="{8C06D74F-D56E-43EC-A449-057B5268894A}" dt="2020-05-26T23:19:58.924" v="413" actId="1076"/>
+          <ac:cxnSpMkLst>
+            <pc:docMk/>
+            <pc:sldMk cId="1372829439" sldId="284"/>
+            <ac:cxnSpMk id="66" creationId="{56007630-A113-40F3-848C-AA0A618D6629}"/>
+          </ac:cxnSpMkLst>
+        </pc:cxnChg>
+        <pc:cxnChg chg="mod">
+          <ac:chgData name="Jeff Crivellaro" userId="3e9ceedd7e089800" providerId="LiveId" clId="{8C06D74F-D56E-43EC-A449-057B5268894A}" dt="2020-05-26T23:42:01.844" v="726" actId="14100"/>
+          <ac:cxnSpMkLst>
+            <pc:docMk/>
+            <pc:sldMk cId="1372829439" sldId="284"/>
+            <ac:cxnSpMk id="67" creationId="{9F51FBE0-04A4-406F-9341-A6222466E4C3}"/>
+          </ac:cxnSpMkLst>
+        </pc:cxnChg>
+        <pc:cxnChg chg="mod">
+          <ac:chgData name="Jeff Crivellaro" userId="3e9ceedd7e089800" providerId="LiveId" clId="{8C06D74F-D56E-43EC-A449-057B5268894A}" dt="2020-05-26T23:41:56.198" v="724" actId="14100"/>
+          <ac:cxnSpMkLst>
+            <pc:docMk/>
+            <pc:sldMk cId="1372829439" sldId="284"/>
+            <ac:cxnSpMk id="84" creationId="{5831AFD7-85FA-48E7-84C9-D1F78F1B6B78}"/>
+          </ac:cxnSpMkLst>
+        </pc:cxnChg>
+        <pc:cxnChg chg="add mod">
+          <ac:chgData name="Jeff Crivellaro" userId="3e9ceedd7e089800" providerId="LiveId" clId="{8C06D74F-D56E-43EC-A449-057B5268894A}" dt="2020-05-26T23:42:56.519" v="740" actId="14100"/>
+          <ac:cxnSpMkLst>
+            <pc:docMk/>
+            <pc:sldMk cId="1372829439" sldId="284"/>
+            <ac:cxnSpMk id="86" creationId="{F15111E8-4CB3-444F-92D3-924E5FC96A29}"/>
+          </ac:cxnSpMkLst>
+        </pc:cxnChg>
+        <pc:cxnChg chg="add mod">
+          <ac:chgData name="Jeff Crivellaro" userId="3e9ceedd7e089800" providerId="LiveId" clId="{8C06D74F-D56E-43EC-A449-057B5268894A}" dt="2020-05-26T23:42:08.247" v="728" actId="14100"/>
+          <ac:cxnSpMkLst>
+            <pc:docMk/>
+            <pc:sldMk cId="1372829439" sldId="284"/>
+            <ac:cxnSpMk id="87" creationId="{171CB81D-9477-45AE-B4E7-5C563C9D8753}"/>
+          </ac:cxnSpMkLst>
+        </pc:cxnChg>
+        <pc:cxnChg chg="add mod">
+          <ac:chgData name="Jeff Crivellaro" userId="3e9ceedd7e089800" providerId="LiveId" clId="{8C06D74F-D56E-43EC-A449-057B5268894A}" dt="2020-05-26T23:42:04.615" v="727" actId="14100"/>
+          <ac:cxnSpMkLst>
+            <pc:docMk/>
+            <pc:sldMk cId="1372829439" sldId="284"/>
+            <ac:cxnSpMk id="91" creationId="{43845FEF-56EA-4340-AB0A-5467BC05F354}"/>
+          </ac:cxnSpMkLst>
+        </pc:cxnChg>
+        <pc:cxnChg chg="del mod">
+          <ac:chgData name="Jeff Crivellaro" userId="3e9ceedd7e089800" providerId="LiveId" clId="{8C06D74F-D56E-43EC-A449-057B5268894A}" dt="2020-05-26T23:44:40.392" v="797" actId="478"/>
+          <ac:cxnSpMkLst>
+            <pc:docMk/>
+            <pc:sldMk cId="1372829439" sldId="284"/>
+            <ac:cxnSpMk id="100" creationId="{A18EFB6A-F9E8-475A-B0E5-594F1B52D6A8}"/>
+          </ac:cxnSpMkLst>
+        </pc:cxnChg>
+        <pc:cxnChg chg="del mod">
+          <ac:chgData name="Jeff Crivellaro" userId="3e9ceedd7e089800" providerId="LiveId" clId="{8C06D74F-D56E-43EC-A449-057B5268894A}" dt="2020-05-26T23:21:35.401" v="531" actId="478"/>
+          <ac:cxnSpMkLst>
+            <pc:docMk/>
+            <pc:sldMk cId="1372829439" sldId="284"/>
+            <ac:cxnSpMk id="101" creationId="{18F6D3FD-C956-4A04-9270-F2FAA944789A}"/>
+          </ac:cxnSpMkLst>
+        </pc:cxnChg>
+        <pc:cxnChg chg="mod">
+          <ac:chgData name="Jeff Crivellaro" userId="3e9ceedd7e089800" providerId="LiveId" clId="{8C06D74F-D56E-43EC-A449-057B5268894A}" dt="2020-05-26T23:44:36.399" v="795" actId="14100"/>
+          <ac:cxnSpMkLst>
+            <pc:docMk/>
+            <pc:sldMk cId="1372829439" sldId="284"/>
+            <ac:cxnSpMk id="112" creationId="{D1BA0A69-58BA-4F91-86E1-EF6BD6D2B063}"/>
+          </ac:cxnSpMkLst>
+        </pc:cxnChg>
+        <pc:cxnChg chg="del mod">
+          <ac:chgData name="Jeff Crivellaro" userId="3e9ceedd7e089800" providerId="LiveId" clId="{8C06D74F-D56E-43EC-A449-057B5268894A}" dt="2020-05-26T23:19:32.073" v="411" actId="478"/>
+          <ac:cxnSpMkLst>
+            <pc:docMk/>
+            <pc:sldMk cId="1372829439" sldId="284"/>
+            <ac:cxnSpMk id="125" creationId="{2DF01F14-13F2-4AA6-99B2-AF84358442F9}"/>
+          </ac:cxnSpMkLst>
+        </pc:cxnChg>
+        <pc:cxnChg chg="del mod">
+          <ac:chgData name="Jeff Crivellaro" userId="3e9ceedd7e089800" providerId="LiveId" clId="{8C06D74F-D56E-43EC-A449-057B5268894A}" dt="2020-05-26T23:19:32.073" v="411" actId="478"/>
+          <ac:cxnSpMkLst>
+            <pc:docMk/>
+            <pc:sldMk cId="1372829439" sldId="284"/>
+            <ac:cxnSpMk id="127" creationId="{FB193430-D88B-4AE4-878D-7BA7F3E368BD}"/>
+          </ac:cxnSpMkLst>
+        </pc:cxnChg>
+        <pc:cxnChg chg="del mod">
+          <ac:chgData name="Jeff Crivellaro" userId="3e9ceedd7e089800" providerId="LiveId" clId="{8C06D74F-D56E-43EC-A449-057B5268894A}" dt="2020-05-26T23:19:32.073" v="411" actId="478"/>
+          <ac:cxnSpMkLst>
+            <pc:docMk/>
+            <pc:sldMk cId="1372829439" sldId="284"/>
+            <ac:cxnSpMk id="136" creationId="{5851B0BB-6DF2-4FB2-B129-5B308FEE357F}"/>
+          </ac:cxnSpMkLst>
+        </pc:cxnChg>
+        <pc:cxnChg chg="del mod">
+          <ac:chgData name="Jeff Crivellaro" userId="3e9ceedd7e089800" providerId="LiveId" clId="{8C06D74F-D56E-43EC-A449-057B5268894A}" dt="2020-05-26T23:19:32.073" v="411" actId="478"/>
+          <ac:cxnSpMkLst>
+            <pc:docMk/>
+            <pc:sldMk cId="1372829439" sldId="284"/>
+            <ac:cxnSpMk id="150" creationId="{9EC04EB9-9718-41A9-9D58-17454CFD6BC3}"/>
+          </ac:cxnSpMkLst>
+        </pc:cxnChg>
+        <pc:cxnChg chg="del mod">
+          <ac:chgData name="Jeff Crivellaro" userId="3e9ceedd7e089800" providerId="LiveId" clId="{8C06D74F-D56E-43EC-A449-057B5268894A}" dt="2020-05-26T23:19:32.073" v="411" actId="478"/>
+          <ac:cxnSpMkLst>
+            <pc:docMk/>
+            <pc:sldMk cId="1372829439" sldId="284"/>
+            <ac:cxnSpMk id="151" creationId="{FA4819AC-7B49-41E3-929D-D87007B9C50D}"/>
+          </ac:cxnSpMkLst>
+        </pc:cxnChg>
+        <pc:cxnChg chg="del mod">
+          <ac:chgData name="Jeff Crivellaro" userId="3e9ceedd7e089800" providerId="LiveId" clId="{8C06D74F-D56E-43EC-A449-057B5268894A}" dt="2020-05-26T23:19:32.073" v="411" actId="478"/>
+          <ac:cxnSpMkLst>
+            <pc:docMk/>
+            <pc:sldMk cId="1372829439" sldId="284"/>
+            <ac:cxnSpMk id="152" creationId="{12C621BB-709B-4860-99DB-065CAC070F19}"/>
+          </ac:cxnSpMkLst>
+        </pc:cxnChg>
+      </pc:sldChg>
+    </pc:docChg>
+  </pc:docChgLst>
+</pc:chgInfo>
+</file>
+
 <file path=ppt/slideLayouts/slideLayout1.xml><?xml version="1.0" encoding="utf-8"?>
 <p:sldLayout xmlns:a="http://schemas.openxmlformats.org/drawingml/2006/main" xmlns:r="http://schemas.openxmlformats.org/officeDocument/2006/relationships" xmlns:p="http://schemas.openxmlformats.org/presentationml/2006/main" type="title" preserve="1">
   <p:cSld name="Title Slide">
@@ -269,7 +1339,7 @@
           <a:p>
             <a:fld id="{C90EE204-B3D8-45BA-840B-385C7ECC3B00}" type="datetimeFigureOut">
               <a:rPr lang="en-US" smtClean="0"/>
-              <a:t>5/13/2020</a:t>
+              <a:t>5/26/2020</a:t>
             </a:fld>
             <a:endParaRPr lang="en-US"/>
           </a:p>
@@ -467,7 +1537,7 @@
           <a:p>
             <a:fld id="{C90EE204-B3D8-45BA-840B-385C7ECC3B00}" type="datetimeFigureOut">
               <a:rPr lang="en-US" smtClean="0"/>
-              <a:t>5/13/2020</a:t>
+              <a:t>5/26/2020</a:t>
             </a:fld>
             <a:endParaRPr lang="en-US"/>
           </a:p>
@@ -675,7 +1745,7 @@
           <a:p>
             <a:fld id="{C90EE204-B3D8-45BA-840B-385C7ECC3B00}" type="datetimeFigureOut">
               <a:rPr lang="en-US" smtClean="0"/>
-              <a:t>5/13/2020</a:t>
+              <a:t>5/26/2020</a:t>
             </a:fld>
             <a:endParaRPr lang="en-US"/>
           </a:p>
@@ -873,7 +1943,7 @@
           <a:p>
             <a:fld id="{C90EE204-B3D8-45BA-840B-385C7ECC3B00}" type="datetimeFigureOut">
               <a:rPr lang="en-US" smtClean="0"/>
-              <a:t>5/13/2020</a:t>
+              <a:t>5/26/2020</a:t>
             </a:fld>
             <a:endParaRPr lang="en-US"/>
           </a:p>
@@ -1148,7 +2218,7 @@
           <a:p>
             <a:fld id="{C90EE204-B3D8-45BA-840B-385C7ECC3B00}" type="datetimeFigureOut">
               <a:rPr lang="en-US" smtClean="0"/>
-              <a:t>5/13/2020</a:t>
+              <a:t>5/26/2020</a:t>
             </a:fld>
             <a:endParaRPr lang="en-US"/>
           </a:p>
@@ -1413,7 +2483,7 @@
           <a:p>
             <a:fld id="{C90EE204-B3D8-45BA-840B-385C7ECC3B00}" type="datetimeFigureOut">
               <a:rPr lang="en-US" smtClean="0"/>
-              <a:t>5/13/2020</a:t>
+              <a:t>5/26/2020</a:t>
             </a:fld>
             <a:endParaRPr lang="en-US"/>
           </a:p>
@@ -1825,7 +2895,7 @@
           <a:p>
             <a:fld id="{C90EE204-B3D8-45BA-840B-385C7ECC3B00}" type="datetimeFigureOut">
               <a:rPr lang="en-US" smtClean="0"/>
-              <a:t>5/13/2020</a:t>
+              <a:t>5/26/2020</a:t>
             </a:fld>
             <a:endParaRPr lang="en-US"/>
           </a:p>
@@ -1966,7 +3036,7 @@
           <a:p>
             <a:fld id="{C90EE204-B3D8-45BA-840B-385C7ECC3B00}" type="datetimeFigureOut">
               <a:rPr lang="en-US" smtClean="0"/>
-              <a:t>5/13/2020</a:t>
+              <a:t>5/26/2020</a:t>
             </a:fld>
             <a:endParaRPr lang="en-US"/>
           </a:p>
@@ -2079,7 +3149,7 @@
           <a:p>
             <a:fld id="{C90EE204-B3D8-45BA-840B-385C7ECC3B00}" type="datetimeFigureOut">
               <a:rPr lang="en-US" smtClean="0"/>
-              <a:t>5/13/2020</a:t>
+              <a:t>5/26/2020</a:t>
             </a:fld>
             <a:endParaRPr lang="en-US"/>
           </a:p>
@@ -2390,7 +3460,7 @@
           <a:p>
             <a:fld id="{C90EE204-B3D8-45BA-840B-385C7ECC3B00}" type="datetimeFigureOut">
               <a:rPr lang="en-US" smtClean="0"/>
-              <a:t>5/13/2020</a:t>
+              <a:t>5/26/2020</a:t>
             </a:fld>
             <a:endParaRPr lang="en-US"/>
           </a:p>
@@ -2678,7 +3748,7 @@
           <a:p>
             <a:fld id="{C90EE204-B3D8-45BA-840B-385C7ECC3B00}" type="datetimeFigureOut">
               <a:rPr lang="en-US" smtClean="0"/>
-              <a:t>5/13/2020</a:t>
+              <a:t>5/26/2020</a:t>
             </a:fld>
             <a:endParaRPr lang="en-US"/>
           </a:p>
@@ -2919,7 +3989,7 @@
           <a:p>
             <a:fld id="{C90EE204-B3D8-45BA-840B-385C7ECC3B00}" type="datetimeFigureOut">
               <a:rPr lang="en-US" smtClean="0"/>
-              <a:t>5/13/2020</a:t>
+              <a:t>5/26/2020</a:t>
             </a:fld>
             <a:endParaRPr lang="en-US"/>
           </a:p>
@@ -3584,7 +4654,7 @@
                   <a:srgbClr val="FFFF00"/>
                 </a:solidFill>
               </a:rPr>
-              <a:t>CAO:  13 May 2020</a:t>
+              <a:t>CAO:  26 May 2020</a:t>
             </a:r>
           </a:p>
         </p:txBody>
@@ -4002,1812 +5072,6 @@
 </p:sld>
 </file>
 
-<file path=ppt/slides/slide10.xml><?xml version="1.0" encoding="utf-8"?>
-<p:sld xmlns:a="http://schemas.openxmlformats.org/drawingml/2006/main" xmlns:r="http://schemas.openxmlformats.org/officeDocument/2006/relationships" xmlns:p="http://schemas.openxmlformats.org/presentationml/2006/main">
-  <p:cSld>
-    <p:spTree>
-      <p:nvGrpSpPr>
-        <p:cNvPr id="1" name=""/>
-        <p:cNvGrpSpPr/>
-        <p:nvPr/>
-      </p:nvGrpSpPr>
-      <p:grpSpPr>
-        <a:xfrm>
-          <a:off x="0" y="0"/>
-          <a:ext cx="0" cy="0"/>
-          <a:chOff x="0" y="0"/>
-          <a:chExt cx="0" cy="0"/>
-        </a:xfrm>
-      </p:grpSpPr>
-      <p:sp>
-        <p:nvSpPr>
-          <p:cNvPr id="3" name="Title 1">
-            <a:extLst>
-              <a:ext uri="{FF2B5EF4-FFF2-40B4-BE49-F238E27FC236}">
-                <a16:creationId xmlns:a16="http://schemas.microsoft.com/office/drawing/2014/main" id="{42115A04-8D26-4263-8238-FEF7BCC0D6FB}"/>
-              </a:ext>
-            </a:extLst>
-          </p:cNvPr>
-          <p:cNvSpPr txBox="1">
-            <a:spLocks/>
-          </p:cNvSpPr>
-          <p:nvPr/>
-        </p:nvSpPr>
-        <p:spPr>
-          <a:xfrm>
-            <a:off x="0" y="0"/>
-            <a:ext cx="12192000" cy="466898"/>
-          </a:xfrm>
-          <a:prstGeom prst="rect">
-            <a:avLst/>
-          </a:prstGeom>
-          <a:solidFill>
-            <a:srgbClr val="002060"/>
-          </a:solidFill>
-        </p:spPr>
-        <p:txBody>
-          <a:bodyPr vert="horz" lIns="91440" tIns="45720" rIns="91440" bIns="45720" rtlCol="0" anchor="ctr">
-            <a:normAutofit fontScale="97500"/>
-          </a:bodyPr>
-          <a:lstStyle>
-            <a:lvl1pPr algn="l" defTabSz="914400" rtl="0" eaLnBrk="1" latinLnBrk="0" hangingPunct="1">
-              <a:lnSpc>
-                <a:spcPct val="90000"/>
-              </a:lnSpc>
-              <a:spcBef>
-                <a:spcPct val="0"/>
-              </a:spcBef>
-              <a:buNone/>
-              <a:defRPr sz="4400" kern="1200">
-                <a:solidFill>
-                  <a:schemeClr val="tx1"/>
-                </a:solidFill>
-                <a:latin typeface="+mj-lt"/>
-                <a:ea typeface="+mj-ea"/>
-                <a:cs typeface="+mj-cs"/>
-              </a:defRPr>
-            </a:lvl1pPr>
-          </a:lstStyle>
-          <a:p>
-            <a:pPr algn="ctr"/>
-            <a:r>
-              <a:rPr lang="en-US" sz="2800" b="1" u="sng" dirty="0">
-                <a:solidFill>
-                  <a:schemeClr val="bg1"/>
-                </a:solidFill>
-                <a:effectLst>
-                  <a:outerShdw blurRad="50800" dist="50800" dir="5400000" algn="ctr" rotWithShape="0">
-                    <a:schemeClr val="tx1"/>
-                  </a:outerShdw>
-                </a:effectLst>
-              </a:rPr>
-              <a:t>Human Supply Chain Pipeline</a:t>
-            </a:r>
-            <a:endParaRPr lang="en-US" sz="2800" b="1" dirty="0">
-              <a:solidFill>
-                <a:schemeClr val="bg1"/>
-              </a:solidFill>
-              <a:effectLst>
-                <a:outerShdw blurRad="50800" dist="50800" dir="5400000" algn="ctr" rotWithShape="0">
-                  <a:schemeClr val="tx1"/>
-                </a:outerShdw>
-              </a:effectLst>
-            </a:endParaRPr>
-          </a:p>
-        </p:txBody>
-      </p:sp>
-      <p:pic>
-        <p:nvPicPr>
-          <p:cNvPr id="4" name="Picture 3" descr="A picture containing drawing&#10;&#10;Description automatically generated">
-            <a:extLst>
-              <a:ext uri="{FF2B5EF4-FFF2-40B4-BE49-F238E27FC236}">
-                <a16:creationId xmlns:a16="http://schemas.microsoft.com/office/drawing/2014/main" id="{C9AF2866-A46F-43D6-9A10-E4A394DC0C11}"/>
-              </a:ext>
-            </a:extLst>
-          </p:cNvPr>
-          <p:cNvPicPr>
-            <a:picLocks noChangeAspect="1"/>
-          </p:cNvPicPr>
-          <p:nvPr/>
-        </p:nvPicPr>
-        <p:blipFill>
-          <a:blip r:embed="rId2" cstate="email">
-            <a:extLst>
-              <a:ext uri="{28A0092B-C50C-407E-A947-70E740481C1C}">
-                <a14:useLocalDpi xmlns:a14="http://schemas.microsoft.com/office/drawing/2010/main"/>
-              </a:ext>
-            </a:extLst>
-          </a:blip>
-          <a:stretch>
-            <a:fillRect/>
-          </a:stretch>
-        </p:blipFill>
-        <p:spPr>
-          <a:xfrm>
-            <a:off x="0" y="38828"/>
-            <a:ext cx="778796" cy="643511"/>
-          </a:xfrm>
-          <a:prstGeom prst="rect">
-            <a:avLst/>
-          </a:prstGeom>
-        </p:spPr>
-      </p:pic>
-      <p:sp>
-        <p:nvSpPr>
-          <p:cNvPr id="5" name="TextBox 4">
-            <a:extLst>
-              <a:ext uri="{FF2B5EF4-FFF2-40B4-BE49-F238E27FC236}">
-                <a16:creationId xmlns:a16="http://schemas.microsoft.com/office/drawing/2014/main" id="{B1F38A7D-9E48-4F9C-B219-6C98EFB880B4}"/>
-              </a:ext>
-            </a:extLst>
-          </p:cNvPr>
-          <p:cNvSpPr txBox="1"/>
-          <p:nvPr/>
-        </p:nvSpPr>
-        <p:spPr>
-          <a:xfrm>
-            <a:off x="10658285" y="119531"/>
-            <a:ext cx="1455478" cy="276999"/>
-          </a:xfrm>
-          <a:prstGeom prst="rect">
-            <a:avLst/>
-          </a:prstGeom>
-          <a:noFill/>
-        </p:spPr>
-        <p:txBody>
-          <a:bodyPr wrap="square" rtlCol="0">
-            <a:spAutoFit/>
-          </a:bodyPr>
-          <a:lstStyle/>
-          <a:p>
-            <a:r>
-              <a:rPr lang="en-US" sz="1200" dirty="0">
-                <a:solidFill>
-                  <a:srgbClr val="FFFF00"/>
-                </a:solidFill>
-              </a:rPr>
-              <a:t>CAO:  13 May 2020</a:t>
-            </a:r>
-          </a:p>
-        </p:txBody>
-      </p:sp>
-      <p:grpSp>
-        <p:nvGrpSpPr>
-          <p:cNvPr id="15" name="Group 14">
-            <a:extLst>
-              <a:ext uri="{FF2B5EF4-FFF2-40B4-BE49-F238E27FC236}">
-                <a16:creationId xmlns:a16="http://schemas.microsoft.com/office/drawing/2014/main" id="{F8662E70-F637-4B52-95F6-F3029D7D0E03}"/>
-              </a:ext>
-            </a:extLst>
-          </p:cNvPr>
-          <p:cNvGrpSpPr/>
-          <p:nvPr/>
-        </p:nvGrpSpPr>
-        <p:grpSpPr>
-          <a:xfrm rot="5400000">
-            <a:off x="138283" y="1507702"/>
-            <a:ext cx="3561516" cy="3786283"/>
-            <a:chOff x="344202" y="219035"/>
-            <a:chExt cx="3620758" cy="2845605"/>
-          </a:xfrm>
-        </p:grpSpPr>
-        <p:pic>
-          <p:nvPicPr>
-            <p:cNvPr id="7" name="Picture 6">
-              <a:extLst>
-                <a:ext uri="{FF2B5EF4-FFF2-40B4-BE49-F238E27FC236}">
-                  <a16:creationId xmlns:a16="http://schemas.microsoft.com/office/drawing/2014/main" id="{5BC3921D-5F99-482C-B030-4E1D4F4C98D9}"/>
-                </a:ext>
-              </a:extLst>
-            </p:cNvPr>
-            <p:cNvPicPr>
-              <a:picLocks noChangeAspect="1"/>
-            </p:cNvPicPr>
-            <p:nvPr/>
-          </p:nvPicPr>
-          <p:blipFill rotWithShape="1">
-            <a:blip r:embed="rId3" cstate="screen">
-              <a:extLst>
-                <a:ext uri="{28A0092B-C50C-407E-A947-70E740481C1C}">
-                  <a14:useLocalDpi xmlns:a14="http://schemas.microsoft.com/office/drawing/2010/main"/>
-                </a:ext>
-              </a:extLst>
-            </a:blip>
-            <a:srcRect/>
-            <a:stretch/>
-          </p:blipFill>
-          <p:spPr>
-            <a:xfrm>
-              <a:off x="344202" y="221010"/>
-              <a:ext cx="3620758" cy="2806502"/>
-            </a:xfrm>
-            <a:prstGeom prst="rect">
-              <a:avLst/>
-            </a:prstGeom>
-          </p:spPr>
-        </p:pic>
-        <p:sp>
-          <p:nvSpPr>
-            <p:cNvPr id="9" name="Rectangle 8">
-              <a:extLst>
-                <a:ext uri="{FF2B5EF4-FFF2-40B4-BE49-F238E27FC236}">
-                  <a16:creationId xmlns:a16="http://schemas.microsoft.com/office/drawing/2014/main" id="{5D2F8B60-6CC6-488F-8577-08B7497EB54E}"/>
-                </a:ext>
-              </a:extLst>
-            </p:cNvPr>
-            <p:cNvSpPr/>
-            <p:nvPr/>
-          </p:nvSpPr>
-          <p:spPr>
-            <a:xfrm>
-              <a:off x="410113" y="915467"/>
-              <a:ext cx="574003" cy="1628566"/>
-            </a:xfrm>
-            <a:prstGeom prst="rect">
-              <a:avLst/>
-            </a:prstGeom>
-            <a:solidFill>
-              <a:schemeClr val="bg1">
-                <a:lumMod val="95000"/>
-                <a:alpha val="6000"/>
-              </a:schemeClr>
-            </a:solidFill>
-            <a:ln>
-              <a:solidFill>
-                <a:schemeClr val="tx1"/>
-              </a:solidFill>
-            </a:ln>
-          </p:spPr>
-          <p:style>
-            <a:lnRef idx="2">
-              <a:schemeClr val="accent1">
-                <a:shade val="50000"/>
-              </a:schemeClr>
-            </a:lnRef>
-            <a:fillRef idx="1">
-              <a:schemeClr val="accent1"/>
-            </a:fillRef>
-            <a:effectRef idx="0">
-              <a:schemeClr val="accent1"/>
-            </a:effectRef>
-            <a:fontRef idx="minor">
-              <a:schemeClr val="lt1"/>
-            </a:fontRef>
-          </p:style>
-          <p:txBody>
-            <a:bodyPr rtlCol="0" anchor="ctr"/>
-            <a:lstStyle/>
-            <a:p>
-              <a:pPr algn="ctr"/>
-              <a:endParaRPr lang="en-US"/>
-            </a:p>
-          </p:txBody>
-        </p:sp>
-        <p:sp>
-          <p:nvSpPr>
-            <p:cNvPr id="10" name="Rectangle 9">
-              <a:extLst>
-                <a:ext uri="{FF2B5EF4-FFF2-40B4-BE49-F238E27FC236}">
-                  <a16:creationId xmlns:a16="http://schemas.microsoft.com/office/drawing/2014/main" id="{EC7ED1E6-79B1-4833-842F-636068AE6611}"/>
-                </a:ext>
-              </a:extLst>
-            </p:cNvPr>
-            <p:cNvSpPr/>
-            <p:nvPr/>
-          </p:nvSpPr>
-          <p:spPr>
-            <a:xfrm>
-              <a:off x="1188909" y="808676"/>
-              <a:ext cx="489350" cy="1802102"/>
-            </a:xfrm>
-            <a:prstGeom prst="rect">
-              <a:avLst/>
-            </a:prstGeom>
-            <a:solidFill>
-              <a:schemeClr val="bg1">
-                <a:lumMod val="95000"/>
-                <a:alpha val="6000"/>
-              </a:schemeClr>
-            </a:solidFill>
-            <a:ln>
-              <a:solidFill>
-                <a:schemeClr val="tx1"/>
-              </a:solidFill>
-            </a:ln>
-          </p:spPr>
-          <p:style>
-            <a:lnRef idx="2">
-              <a:schemeClr val="accent1">
-                <a:shade val="50000"/>
-              </a:schemeClr>
-            </a:lnRef>
-            <a:fillRef idx="1">
-              <a:schemeClr val="accent1"/>
-            </a:fillRef>
-            <a:effectRef idx="0">
-              <a:schemeClr val="accent1"/>
-            </a:effectRef>
-            <a:fontRef idx="minor">
-              <a:schemeClr val="lt1"/>
-            </a:fontRef>
-          </p:style>
-          <p:txBody>
-            <a:bodyPr rtlCol="0" anchor="ctr"/>
-            <a:lstStyle/>
-            <a:p>
-              <a:pPr algn="ctr"/>
-              <a:endParaRPr lang="en-US"/>
-            </a:p>
-          </p:txBody>
-        </p:sp>
-        <p:sp>
-          <p:nvSpPr>
-            <p:cNvPr id="11" name="Rectangle 10">
-              <a:extLst>
-                <a:ext uri="{FF2B5EF4-FFF2-40B4-BE49-F238E27FC236}">
-                  <a16:creationId xmlns:a16="http://schemas.microsoft.com/office/drawing/2014/main" id="{E7B59937-D825-4D24-BAC9-2FD63DAA1B76}"/>
-                </a:ext>
-              </a:extLst>
-            </p:cNvPr>
-            <p:cNvSpPr/>
-            <p:nvPr/>
-          </p:nvSpPr>
-          <p:spPr>
-            <a:xfrm>
-              <a:off x="1931888" y="219035"/>
-              <a:ext cx="493910" cy="1837763"/>
-            </a:xfrm>
-            <a:prstGeom prst="rect">
-              <a:avLst/>
-            </a:prstGeom>
-            <a:solidFill>
-              <a:schemeClr val="bg1">
-                <a:lumMod val="95000"/>
-                <a:alpha val="6000"/>
-              </a:schemeClr>
-            </a:solidFill>
-            <a:ln>
-              <a:solidFill>
-                <a:schemeClr val="tx1"/>
-              </a:solidFill>
-            </a:ln>
-          </p:spPr>
-          <p:style>
-            <a:lnRef idx="2">
-              <a:schemeClr val="accent1">
-                <a:shade val="50000"/>
-              </a:schemeClr>
-            </a:lnRef>
-            <a:fillRef idx="1">
-              <a:schemeClr val="accent1"/>
-            </a:fillRef>
-            <a:effectRef idx="0">
-              <a:schemeClr val="accent1"/>
-            </a:effectRef>
-            <a:fontRef idx="minor">
-              <a:schemeClr val="lt1"/>
-            </a:fontRef>
-          </p:style>
-          <p:txBody>
-            <a:bodyPr rtlCol="0" anchor="ctr"/>
-            <a:lstStyle/>
-            <a:p>
-              <a:pPr algn="ctr"/>
-              <a:endParaRPr lang="en-US"/>
-            </a:p>
-          </p:txBody>
-        </p:sp>
-        <p:sp>
-          <p:nvSpPr>
-            <p:cNvPr id="12" name="Rectangle 11">
-              <a:extLst>
-                <a:ext uri="{FF2B5EF4-FFF2-40B4-BE49-F238E27FC236}">
-                  <a16:creationId xmlns:a16="http://schemas.microsoft.com/office/drawing/2014/main" id="{86BC6219-0702-4A8D-BAFF-42CD8A10F78E}"/>
-                </a:ext>
-              </a:extLst>
-            </p:cNvPr>
-            <p:cNvSpPr/>
-            <p:nvPr/>
-          </p:nvSpPr>
-          <p:spPr>
-            <a:xfrm>
-              <a:off x="2643106" y="555046"/>
-              <a:ext cx="493910" cy="934424"/>
-            </a:xfrm>
-            <a:prstGeom prst="rect">
-              <a:avLst/>
-            </a:prstGeom>
-            <a:solidFill>
-              <a:schemeClr val="bg1">
-                <a:lumMod val="95000"/>
-                <a:alpha val="6000"/>
-              </a:schemeClr>
-            </a:solidFill>
-            <a:ln>
-              <a:solidFill>
-                <a:schemeClr val="tx1"/>
-              </a:solidFill>
-            </a:ln>
-          </p:spPr>
-          <p:style>
-            <a:lnRef idx="2">
-              <a:schemeClr val="accent1">
-                <a:shade val="50000"/>
-              </a:schemeClr>
-            </a:lnRef>
-            <a:fillRef idx="1">
-              <a:schemeClr val="accent1"/>
-            </a:fillRef>
-            <a:effectRef idx="0">
-              <a:schemeClr val="accent1"/>
-            </a:effectRef>
-            <a:fontRef idx="minor">
-              <a:schemeClr val="lt1"/>
-            </a:fontRef>
-          </p:style>
-          <p:txBody>
-            <a:bodyPr rtlCol="0" anchor="ctr"/>
-            <a:lstStyle/>
-            <a:p>
-              <a:pPr algn="ctr"/>
-              <a:endParaRPr lang="en-US"/>
-            </a:p>
-          </p:txBody>
-        </p:sp>
-        <p:sp>
-          <p:nvSpPr>
-            <p:cNvPr id="13" name="Rectangle 12">
-              <a:extLst>
-                <a:ext uri="{FF2B5EF4-FFF2-40B4-BE49-F238E27FC236}">
-                  <a16:creationId xmlns:a16="http://schemas.microsoft.com/office/drawing/2014/main" id="{2792D036-9208-48F7-A4B1-A052399E87A1}"/>
-                </a:ext>
-              </a:extLst>
-            </p:cNvPr>
-            <p:cNvSpPr/>
-            <p:nvPr/>
-          </p:nvSpPr>
-          <p:spPr>
-            <a:xfrm>
-              <a:off x="3354324" y="687908"/>
-              <a:ext cx="610636" cy="2376732"/>
-            </a:xfrm>
-            <a:prstGeom prst="rect">
-              <a:avLst/>
-            </a:prstGeom>
-            <a:solidFill>
-              <a:schemeClr val="bg1">
-                <a:lumMod val="95000"/>
-                <a:alpha val="6000"/>
-              </a:schemeClr>
-            </a:solidFill>
-            <a:ln>
-              <a:solidFill>
-                <a:schemeClr val="tx1"/>
-              </a:solidFill>
-            </a:ln>
-          </p:spPr>
-          <p:style>
-            <a:lnRef idx="2">
-              <a:schemeClr val="accent1">
-                <a:shade val="50000"/>
-              </a:schemeClr>
-            </a:lnRef>
-            <a:fillRef idx="1">
-              <a:schemeClr val="accent1"/>
-            </a:fillRef>
-            <a:effectRef idx="0">
-              <a:schemeClr val="accent1"/>
-            </a:effectRef>
-            <a:fontRef idx="minor">
-              <a:schemeClr val="lt1"/>
-            </a:fontRef>
-          </p:style>
-          <p:txBody>
-            <a:bodyPr rtlCol="0" anchor="ctr"/>
-            <a:lstStyle/>
-            <a:p>
-              <a:pPr algn="ctr"/>
-              <a:endParaRPr lang="en-US"/>
-            </a:p>
-          </p:txBody>
-        </p:sp>
-      </p:grpSp>
-      <p:sp>
-        <p:nvSpPr>
-          <p:cNvPr id="16" name="TextBox 15">
-            <a:extLst>
-              <a:ext uri="{FF2B5EF4-FFF2-40B4-BE49-F238E27FC236}">
-                <a16:creationId xmlns:a16="http://schemas.microsoft.com/office/drawing/2014/main" id="{AAD8E6D2-1864-4C48-971D-680AEEA414AE}"/>
-              </a:ext>
-            </a:extLst>
-          </p:cNvPr>
-          <p:cNvSpPr txBox="1"/>
-          <p:nvPr/>
-        </p:nvSpPr>
-        <p:spPr>
-          <a:xfrm>
-            <a:off x="2074222" y="2032234"/>
-            <a:ext cx="984107" cy="276999"/>
-          </a:xfrm>
-          <a:prstGeom prst="rect">
-            <a:avLst/>
-          </a:prstGeom>
-          <a:noFill/>
-        </p:spPr>
-        <p:txBody>
-          <a:bodyPr wrap="square" rtlCol="0">
-            <a:spAutoFit/>
-          </a:bodyPr>
-          <a:lstStyle/>
-          <a:p>
-            <a:pPr algn="ctr"/>
-            <a:r>
-              <a:rPr lang="en-US" sz="1200" b="1" dirty="0"/>
-              <a:t>Accession</a:t>
-            </a:r>
-          </a:p>
-        </p:txBody>
-      </p:sp>
-      <p:sp>
-        <p:nvSpPr>
-          <p:cNvPr id="17" name="TextBox 16">
-            <a:extLst>
-              <a:ext uri="{FF2B5EF4-FFF2-40B4-BE49-F238E27FC236}">
-                <a16:creationId xmlns:a16="http://schemas.microsoft.com/office/drawing/2014/main" id="{C52FCE16-7BB2-4A18-A106-DE9005DBBA2B}"/>
-              </a:ext>
-            </a:extLst>
-          </p:cNvPr>
-          <p:cNvSpPr txBox="1"/>
-          <p:nvPr/>
-        </p:nvSpPr>
-        <p:spPr>
-          <a:xfrm>
-            <a:off x="2309746" y="2692898"/>
-            <a:ext cx="984107" cy="276999"/>
-          </a:xfrm>
-          <a:prstGeom prst="rect">
-            <a:avLst/>
-          </a:prstGeom>
-          <a:noFill/>
-        </p:spPr>
-        <p:txBody>
-          <a:bodyPr wrap="square" rtlCol="0">
-            <a:spAutoFit/>
-          </a:bodyPr>
-          <a:lstStyle/>
-          <a:p>
-            <a:pPr algn="ctr"/>
-            <a:r>
-              <a:rPr lang="en-US" sz="1200" b="1" dirty="0"/>
-              <a:t>Tech 1</a:t>
-            </a:r>
-          </a:p>
-        </p:txBody>
-      </p:sp>
-      <p:sp>
-        <p:nvSpPr>
-          <p:cNvPr id="18" name="TextBox 17">
-            <a:extLst>
-              <a:ext uri="{FF2B5EF4-FFF2-40B4-BE49-F238E27FC236}">
-                <a16:creationId xmlns:a16="http://schemas.microsoft.com/office/drawing/2014/main" id="{BDE4C3D1-9654-4627-AB87-34BA25A943CC}"/>
-              </a:ext>
-            </a:extLst>
-          </p:cNvPr>
-          <p:cNvSpPr txBox="1"/>
-          <p:nvPr/>
-        </p:nvSpPr>
-        <p:spPr>
-          <a:xfrm>
-            <a:off x="3094012" y="3428062"/>
-            <a:ext cx="984107" cy="276999"/>
-          </a:xfrm>
-          <a:prstGeom prst="rect">
-            <a:avLst/>
-          </a:prstGeom>
-          <a:noFill/>
-        </p:spPr>
-        <p:txBody>
-          <a:bodyPr wrap="square" rtlCol="0">
-            <a:spAutoFit/>
-          </a:bodyPr>
-          <a:lstStyle/>
-          <a:p>
-            <a:pPr algn="ctr"/>
-            <a:r>
-              <a:rPr lang="en-US" sz="1200" b="1" dirty="0"/>
-              <a:t>Tech 2</a:t>
-            </a:r>
-          </a:p>
-        </p:txBody>
-      </p:sp>
-      <p:sp>
-        <p:nvSpPr>
-          <p:cNvPr id="19" name="TextBox 18">
-            <a:extLst>
-              <a:ext uri="{FF2B5EF4-FFF2-40B4-BE49-F238E27FC236}">
-                <a16:creationId xmlns:a16="http://schemas.microsoft.com/office/drawing/2014/main" id="{E248A253-84E0-40C2-913B-76D78215167F}"/>
-              </a:ext>
-            </a:extLst>
-          </p:cNvPr>
-          <p:cNvSpPr txBox="1"/>
-          <p:nvPr/>
-        </p:nvSpPr>
-        <p:spPr>
-          <a:xfrm>
-            <a:off x="2673004" y="4150387"/>
-            <a:ext cx="984107" cy="276999"/>
-          </a:xfrm>
-          <a:prstGeom prst="rect">
-            <a:avLst/>
-          </a:prstGeom>
-          <a:noFill/>
-        </p:spPr>
-        <p:txBody>
-          <a:bodyPr wrap="square" rtlCol="0">
-            <a:spAutoFit/>
-          </a:bodyPr>
-          <a:lstStyle/>
-          <a:p>
-            <a:pPr algn="ctr"/>
-            <a:r>
-              <a:rPr lang="en-US" sz="1200" b="1" dirty="0"/>
-              <a:t>Tech 3</a:t>
-            </a:r>
-          </a:p>
-        </p:txBody>
-      </p:sp>
-      <p:sp>
-        <p:nvSpPr>
-          <p:cNvPr id="20" name="TextBox 19">
-            <a:extLst>
-              <a:ext uri="{FF2B5EF4-FFF2-40B4-BE49-F238E27FC236}">
-                <a16:creationId xmlns:a16="http://schemas.microsoft.com/office/drawing/2014/main" id="{00134172-9CE3-4C2C-BE2A-E457FD5557F4}"/>
-              </a:ext>
-            </a:extLst>
-          </p:cNvPr>
-          <p:cNvSpPr txBox="1"/>
-          <p:nvPr/>
-        </p:nvSpPr>
-        <p:spPr>
-          <a:xfrm>
-            <a:off x="2274061" y="4929342"/>
-            <a:ext cx="984107" cy="276999"/>
-          </a:xfrm>
-          <a:prstGeom prst="rect">
-            <a:avLst/>
-          </a:prstGeom>
-          <a:noFill/>
-        </p:spPr>
-        <p:txBody>
-          <a:bodyPr wrap="square" rtlCol="0">
-            <a:spAutoFit/>
-          </a:bodyPr>
-          <a:lstStyle/>
-          <a:p>
-            <a:pPr algn="ctr"/>
-            <a:r>
-              <a:rPr lang="en-US" sz="1200" b="1" dirty="0"/>
-              <a:t>Operational</a:t>
-            </a:r>
-          </a:p>
-        </p:txBody>
-      </p:sp>
-      <p:sp>
-        <p:nvSpPr>
-          <p:cNvPr id="21" name="Left Brace 20">
-            <a:extLst>
-              <a:ext uri="{FF2B5EF4-FFF2-40B4-BE49-F238E27FC236}">
-                <a16:creationId xmlns:a16="http://schemas.microsoft.com/office/drawing/2014/main" id="{35EA1FBC-E926-46EC-BDF8-4C2BF0286A50}"/>
-              </a:ext>
-            </a:extLst>
-          </p:cNvPr>
-          <p:cNvSpPr/>
-          <p:nvPr/>
-        </p:nvSpPr>
-        <p:spPr>
-          <a:xfrm>
-            <a:off x="3258168" y="4370917"/>
-            <a:ext cx="958581" cy="1341810"/>
-          </a:xfrm>
-          <a:prstGeom prst="leftBrace">
-            <a:avLst>
-              <a:gd name="adj1" fmla="val 8333"/>
-              <a:gd name="adj2" fmla="val 37957"/>
-            </a:avLst>
-          </a:prstGeom>
-          <a:ln>
-            <a:solidFill>
-              <a:schemeClr val="tx1"/>
-            </a:solidFill>
-          </a:ln>
-        </p:spPr>
-        <p:style>
-          <a:lnRef idx="1">
-            <a:schemeClr val="accent1"/>
-          </a:lnRef>
-          <a:fillRef idx="0">
-            <a:schemeClr val="accent1"/>
-          </a:fillRef>
-          <a:effectRef idx="0">
-            <a:schemeClr val="accent1"/>
-          </a:effectRef>
-          <a:fontRef idx="minor">
-            <a:schemeClr val="tx1"/>
-          </a:fontRef>
-        </p:style>
-        <p:txBody>
-          <a:bodyPr rtlCol="0" anchor="ctr"/>
-          <a:lstStyle/>
-          <a:p>
-            <a:pPr algn="ctr"/>
-            <a:endParaRPr lang="en-US"/>
-          </a:p>
-        </p:txBody>
-      </p:sp>
-      <p:sp>
-        <p:nvSpPr>
-          <p:cNvPr id="22" name="Left Brace 21">
-            <a:extLst>
-              <a:ext uri="{FF2B5EF4-FFF2-40B4-BE49-F238E27FC236}">
-                <a16:creationId xmlns:a16="http://schemas.microsoft.com/office/drawing/2014/main" id="{B86C0768-5112-41BE-8AAA-586B1CF499A6}"/>
-              </a:ext>
-            </a:extLst>
-          </p:cNvPr>
-          <p:cNvSpPr/>
-          <p:nvPr/>
-        </p:nvSpPr>
-        <p:spPr>
-          <a:xfrm>
-            <a:off x="3404242" y="3965599"/>
-            <a:ext cx="812507" cy="368641"/>
-          </a:xfrm>
-          <a:prstGeom prst="leftBrace">
-            <a:avLst>
-              <a:gd name="adj1" fmla="val 8333"/>
-              <a:gd name="adj2" fmla="val 47245"/>
-            </a:avLst>
-          </a:prstGeom>
-          <a:ln>
-            <a:solidFill>
-              <a:schemeClr val="tx1"/>
-            </a:solidFill>
-          </a:ln>
-        </p:spPr>
-        <p:style>
-          <a:lnRef idx="1">
-            <a:schemeClr val="accent1"/>
-          </a:lnRef>
-          <a:fillRef idx="0">
-            <a:schemeClr val="accent1"/>
-          </a:fillRef>
-          <a:effectRef idx="0">
-            <a:schemeClr val="accent1"/>
-          </a:effectRef>
-          <a:fontRef idx="minor">
-            <a:schemeClr val="tx1"/>
-          </a:fontRef>
-        </p:style>
-        <p:txBody>
-          <a:bodyPr rtlCol="0" anchor="ctr"/>
-          <a:lstStyle/>
-          <a:p>
-            <a:pPr algn="ctr"/>
-            <a:endParaRPr lang="en-US"/>
-          </a:p>
-        </p:txBody>
-      </p:sp>
-      <p:sp>
-        <p:nvSpPr>
-          <p:cNvPr id="23" name="Left Brace 22">
-            <a:extLst>
-              <a:ext uri="{FF2B5EF4-FFF2-40B4-BE49-F238E27FC236}">
-                <a16:creationId xmlns:a16="http://schemas.microsoft.com/office/drawing/2014/main" id="{FF3C398D-288B-4875-8CF7-790239E241B2}"/>
-              </a:ext>
-            </a:extLst>
-          </p:cNvPr>
-          <p:cNvSpPr/>
-          <p:nvPr/>
-        </p:nvSpPr>
-        <p:spPr>
-          <a:xfrm>
-            <a:off x="3839515" y="3017519"/>
-            <a:ext cx="407941" cy="908687"/>
-          </a:xfrm>
-          <a:prstGeom prst="leftBrace">
-            <a:avLst>
-              <a:gd name="adj1" fmla="val 8333"/>
-              <a:gd name="adj2" fmla="val 43020"/>
-            </a:avLst>
-          </a:prstGeom>
-          <a:ln>
-            <a:solidFill>
-              <a:schemeClr val="tx1"/>
-            </a:solidFill>
-          </a:ln>
-        </p:spPr>
-        <p:style>
-          <a:lnRef idx="1">
-            <a:schemeClr val="accent1"/>
-          </a:lnRef>
-          <a:fillRef idx="0">
-            <a:schemeClr val="accent1"/>
-          </a:fillRef>
-          <a:effectRef idx="0">
-            <a:schemeClr val="accent1"/>
-          </a:effectRef>
-          <a:fontRef idx="minor">
-            <a:schemeClr val="tx1"/>
-          </a:fontRef>
-        </p:style>
-        <p:txBody>
-          <a:bodyPr rtlCol="0" anchor="ctr"/>
-          <a:lstStyle/>
-          <a:p>
-            <a:pPr algn="ctr"/>
-            <a:endParaRPr lang="en-US"/>
-          </a:p>
-        </p:txBody>
-      </p:sp>
-      <p:sp>
-        <p:nvSpPr>
-          <p:cNvPr id="24" name="Left Brace 23">
-            <a:extLst>
-              <a:ext uri="{FF2B5EF4-FFF2-40B4-BE49-F238E27FC236}">
-                <a16:creationId xmlns:a16="http://schemas.microsoft.com/office/drawing/2014/main" id="{ADFECA05-7547-41AF-93DC-9FF58E905D4F}"/>
-              </a:ext>
-            </a:extLst>
-          </p:cNvPr>
-          <p:cNvSpPr/>
-          <p:nvPr/>
-        </p:nvSpPr>
-        <p:spPr>
-          <a:xfrm>
-            <a:off x="2924675" y="1676400"/>
-            <a:ext cx="1322782" cy="539848"/>
-          </a:xfrm>
-          <a:prstGeom prst="leftBrace">
-            <a:avLst>
-              <a:gd name="adj1" fmla="val 8333"/>
-              <a:gd name="adj2" fmla="val 43813"/>
-            </a:avLst>
-          </a:prstGeom>
-          <a:ln>
-            <a:solidFill>
-              <a:schemeClr val="tx1"/>
-            </a:solidFill>
-          </a:ln>
-        </p:spPr>
-        <p:style>
-          <a:lnRef idx="1">
-            <a:schemeClr val="accent1"/>
-          </a:lnRef>
-          <a:fillRef idx="0">
-            <a:schemeClr val="accent1"/>
-          </a:fillRef>
-          <a:effectRef idx="0">
-            <a:schemeClr val="accent1"/>
-          </a:effectRef>
-          <a:fontRef idx="minor">
-            <a:schemeClr val="tx1"/>
-          </a:fontRef>
-        </p:style>
-        <p:txBody>
-          <a:bodyPr rtlCol="0" anchor="ctr"/>
-          <a:lstStyle/>
-          <a:p>
-            <a:pPr algn="ctr"/>
-            <a:endParaRPr lang="en-US"/>
-          </a:p>
-        </p:txBody>
-      </p:sp>
-      <p:sp>
-        <p:nvSpPr>
-          <p:cNvPr id="29" name="TextBox 28">
-            <a:extLst>
-              <a:ext uri="{FF2B5EF4-FFF2-40B4-BE49-F238E27FC236}">
-                <a16:creationId xmlns:a16="http://schemas.microsoft.com/office/drawing/2014/main" id="{07B44DE7-9F65-4B0D-89AD-96A37E07A613}"/>
-              </a:ext>
-            </a:extLst>
-          </p:cNvPr>
-          <p:cNvSpPr txBox="1"/>
-          <p:nvPr/>
-        </p:nvSpPr>
-        <p:spPr>
-          <a:xfrm>
-            <a:off x="323526" y="940577"/>
-            <a:ext cx="2019341" cy="646331"/>
-          </a:xfrm>
-          <a:prstGeom prst="rect">
-            <a:avLst/>
-          </a:prstGeom>
-          <a:noFill/>
-        </p:spPr>
-        <p:txBody>
-          <a:bodyPr wrap="square" rtlCol="0">
-            <a:spAutoFit/>
-          </a:bodyPr>
-          <a:lstStyle/>
-          <a:p>
-            <a:pPr algn="ctr"/>
-            <a:r>
-              <a:rPr lang="en-US" b="1" dirty="0"/>
-              <a:t>Nuclear Surety Training Pipeline</a:t>
-            </a:r>
-          </a:p>
-        </p:txBody>
-      </p:sp>
-      <p:pic>
-        <p:nvPicPr>
-          <p:cNvPr id="2" name="Picture 1">
-            <a:extLst>
-              <a:ext uri="{FF2B5EF4-FFF2-40B4-BE49-F238E27FC236}">
-                <a16:creationId xmlns:a16="http://schemas.microsoft.com/office/drawing/2014/main" id="{BCA90796-C9CA-4063-A6D3-C428DC9DEF7A}"/>
-              </a:ext>
-            </a:extLst>
-          </p:cNvPr>
-          <p:cNvPicPr>
-            <a:picLocks noChangeAspect="1"/>
-          </p:cNvPicPr>
-          <p:nvPr/>
-        </p:nvPicPr>
-        <p:blipFill>
-          <a:blip r:embed="rId4"/>
-          <a:stretch>
-            <a:fillRect/>
-          </a:stretch>
-        </p:blipFill>
-        <p:spPr>
-          <a:xfrm>
-            <a:off x="4286603" y="1097698"/>
-            <a:ext cx="7749941" cy="4615029"/>
-          </a:xfrm>
-          <a:prstGeom prst="rect">
-            <a:avLst/>
-          </a:prstGeom>
-        </p:spPr>
-      </p:pic>
-      <p:sp>
-        <p:nvSpPr>
-          <p:cNvPr id="25" name="Left Brace 24">
-            <a:extLst>
-              <a:ext uri="{FF2B5EF4-FFF2-40B4-BE49-F238E27FC236}">
-                <a16:creationId xmlns:a16="http://schemas.microsoft.com/office/drawing/2014/main" id="{E0E3C700-4584-4E70-85B1-039A546ED0E3}"/>
-              </a:ext>
-            </a:extLst>
-          </p:cNvPr>
-          <p:cNvSpPr/>
-          <p:nvPr/>
-        </p:nvSpPr>
-        <p:spPr>
-          <a:xfrm>
-            <a:off x="3097475" y="2234013"/>
-            <a:ext cx="1119273" cy="734028"/>
-          </a:xfrm>
-          <a:prstGeom prst="leftBrace">
-            <a:avLst>
-              <a:gd name="adj1" fmla="val 8333"/>
-              <a:gd name="adj2" fmla="val 60423"/>
-            </a:avLst>
-          </a:prstGeom>
-          <a:ln>
-            <a:solidFill>
-              <a:schemeClr val="tx1"/>
-            </a:solidFill>
-          </a:ln>
-        </p:spPr>
-        <p:style>
-          <a:lnRef idx="1">
-            <a:schemeClr val="accent1"/>
-          </a:lnRef>
-          <a:fillRef idx="0">
-            <a:schemeClr val="accent1"/>
-          </a:fillRef>
-          <a:effectRef idx="0">
-            <a:schemeClr val="accent1"/>
-          </a:effectRef>
-          <a:fontRef idx="minor">
-            <a:schemeClr val="tx1"/>
-          </a:fontRef>
-        </p:style>
-        <p:txBody>
-          <a:bodyPr rtlCol="0" anchor="ctr"/>
-          <a:lstStyle/>
-          <a:p>
-            <a:pPr algn="ctr"/>
-            <a:endParaRPr lang="en-US"/>
-          </a:p>
-        </p:txBody>
-      </p:sp>
-    </p:spTree>
-    <p:extLst>
-      <p:ext uri="{BB962C8B-B14F-4D97-AF65-F5344CB8AC3E}">
-        <p14:creationId xmlns:p14="http://schemas.microsoft.com/office/powerpoint/2010/main" val="1833342279"/>
-      </p:ext>
-    </p:extLst>
-  </p:cSld>
-  <p:clrMapOvr>
-    <a:masterClrMapping/>
-  </p:clrMapOvr>
-</p:sld>
-</file>
-
-<file path=ppt/slides/slide11.xml><?xml version="1.0" encoding="utf-8"?>
-<p:sld xmlns:a="http://schemas.openxmlformats.org/drawingml/2006/main" xmlns:r="http://schemas.openxmlformats.org/officeDocument/2006/relationships" xmlns:p="http://schemas.openxmlformats.org/presentationml/2006/main" show="0">
-  <p:cSld>
-    <p:spTree>
-      <p:nvGrpSpPr>
-        <p:cNvPr id="1" name=""/>
-        <p:cNvGrpSpPr/>
-        <p:nvPr/>
-      </p:nvGrpSpPr>
-      <p:grpSpPr>
-        <a:xfrm>
-          <a:off x="0" y="0"/>
-          <a:ext cx="0" cy="0"/>
-          <a:chOff x="0" y="0"/>
-          <a:chExt cx="0" cy="0"/>
-        </a:xfrm>
-      </p:grpSpPr>
-      <p:sp>
-        <p:nvSpPr>
-          <p:cNvPr id="5" name="Rectangle 4">
-            <a:extLst>
-              <a:ext uri="{FF2B5EF4-FFF2-40B4-BE49-F238E27FC236}">
-                <a16:creationId xmlns:a16="http://schemas.microsoft.com/office/drawing/2014/main" id="{5D2C6B7C-B103-48E1-A8AD-CDB495F3595B}"/>
-              </a:ext>
-            </a:extLst>
-          </p:cNvPr>
-          <p:cNvSpPr/>
-          <p:nvPr/>
-        </p:nvSpPr>
-        <p:spPr>
-          <a:xfrm>
-            <a:off x="0" y="505726"/>
-            <a:ext cx="12192000" cy="646331"/>
-          </a:xfrm>
-          <a:prstGeom prst="rect">
-            <a:avLst/>
-          </a:prstGeom>
-          <a:solidFill>
-            <a:schemeClr val="accent1">
-              <a:lumMod val="20000"/>
-              <a:lumOff val="80000"/>
-            </a:schemeClr>
-          </a:solidFill>
-          <a:ln>
-            <a:solidFill>
-              <a:schemeClr val="tx1"/>
-            </a:solidFill>
-          </a:ln>
-        </p:spPr>
-        <p:txBody>
-          <a:bodyPr wrap="square">
-            <a:spAutoFit/>
-          </a:bodyPr>
-          <a:lstStyle/>
-          <a:p>
-            <a:r>
-              <a:rPr lang="en-US" b="1" dirty="0">
-                <a:latin typeface="Calibri" panose="020F0502020204030204" pitchFamily="34" charset="0"/>
-                <a:ea typeface="Calibri" panose="020F0502020204030204" pitchFamily="34" charset="0"/>
-                <a:cs typeface="Calibri" panose="020F0502020204030204" pitchFamily="34" charset="0"/>
-              </a:rPr>
-              <a:t>Purpose:  </a:t>
-            </a:r>
-            <a:r>
-              <a:rPr lang="en-US" dirty="0">
-                <a:latin typeface="Calibri" panose="020F0502020204030204" pitchFamily="34" charset="0"/>
-                <a:ea typeface="Calibri" panose="020F0502020204030204" pitchFamily="34" charset="0"/>
-                <a:cs typeface="Calibri" panose="020F0502020204030204" pitchFamily="34" charset="0"/>
-              </a:rPr>
-              <a:t>Our antiquated systems, military cultural norms, over-reliance on in-person activities, and expected budgetary constraints necessitates a reset of the force to meet the challenges in a COVID-19 global environment and beyond </a:t>
-            </a:r>
-            <a:endParaRPr lang="en-US" dirty="0">
-              <a:latin typeface="Calibri" panose="020F0502020204030204" pitchFamily="34" charset="0"/>
-              <a:ea typeface="Calibri" panose="020F0502020204030204" pitchFamily="34" charset="0"/>
-              <a:cs typeface="Times New Roman" panose="02020603050405020304" pitchFamily="18" charset="0"/>
-            </a:endParaRPr>
-          </a:p>
-        </p:txBody>
-      </p:sp>
-      <p:sp>
-        <p:nvSpPr>
-          <p:cNvPr id="3" name="Title 1">
-            <a:extLst>
-              <a:ext uri="{FF2B5EF4-FFF2-40B4-BE49-F238E27FC236}">
-                <a16:creationId xmlns:a16="http://schemas.microsoft.com/office/drawing/2014/main" id="{C92F7802-B946-43BA-9F8F-6618DC9D36A0}"/>
-              </a:ext>
-            </a:extLst>
-          </p:cNvPr>
-          <p:cNvSpPr txBox="1">
-            <a:spLocks/>
-          </p:cNvSpPr>
-          <p:nvPr/>
-        </p:nvSpPr>
-        <p:spPr>
-          <a:xfrm>
-            <a:off x="0" y="0"/>
-            <a:ext cx="12192000" cy="466898"/>
-          </a:xfrm>
-          <a:prstGeom prst="rect">
-            <a:avLst/>
-          </a:prstGeom>
-          <a:solidFill>
-            <a:srgbClr val="002060"/>
-          </a:solidFill>
-        </p:spPr>
-        <p:txBody>
-          <a:bodyPr vert="horz" lIns="91440" tIns="45720" rIns="91440" bIns="45720" rtlCol="0" anchor="ctr">
-            <a:normAutofit fontScale="97500"/>
-          </a:bodyPr>
-          <a:lstStyle>
-            <a:lvl1pPr algn="l" defTabSz="914400" rtl="0" eaLnBrk="1" latinLnBrk="0" hangingPunct="1">
-              <a:lnSpc>
-                <a:spcPct val="90000"/>
-              </a:lnSpc>
-              <a:spcBef>
-                <a:spcPct val="0"/>
-              </a:spcBef>
-              <a:buNone/>
-              <a:defRPr sz="4400" kern="1200">
-                <a:solidFill>
-                  <a:schemeClr val="tx1"/>
-                </a:solidFill>
-                <a:latin typeface="+mj-lt"/>
-                <a:ea typeface="+mj-ea"/>
-                <a:cs typeface="+mj-cs"/>
-              </a:defRPr>
-            </a:lvl1pPr>
-          </a:lstStyle>
-          <a:p>
-            <a:pPr algn="ctr"/>
-            <a:r>
-              <a:rPr lang="en-US" sz="2800" b="1" u="sng" dirty="0">
-                <a:solidFill>
-                  <a:schemeClr val="bg1"/>
-                </a:solidFill>
-                <a:effectLst>
-                  <a:outerShdw blurRad="50800" dist="50800" dir="5400000" algn="ctr" rotWithShape="0">
-                    <a:schemeClr val="tx1"/>
-                  </a:outerShdw>
-                </a:effectLst>
-              </a:rPr>
-              <a:t>Resetting the Force During a Pandemic</a:t>
-            </a:r>
-            <a:endParaRPr lang="en-US" sz="2800" b="1" dirty="0">
-              <a:solidFill>
-                <a:schemeClr val="bg1"/>
-              </a:solidFill>
-              <a:effectLst>
-                <a:outerShdw blurRad="50800" dist="50800" dir="5400000" algn="ctr" rotWithShape="0">
-                  <a:schemeClr val="tx1"/>
-                </a:outerShdw>
-              </a:effectLst>
-            </a:endParaRPr>
-          </a:p>
-        </p:txBody>
-      </p:sp>
-      <p:pic>
-        <p:nvPicPr>
-          <p:cNvPr id="4" name="Picture 3" descr="A picture containing drawing&#10;&#10;Description automatically generated">
-            <a:extLst>
-              <a:ext uri="{FF2B5EF4-FFF2-40B4-BE49-F238E27FC236}">
-                <a16:creationId xmlns:a16="http://schemas.microsoft.com/office/drawing/2014/main" id="{4C868565-FE09-4330-8362-C3127AC6DDA5}"/>
-              </a:ext>
-            </a:extLst>
-          </p:cNvPr>
-          <p:cNvPicPr>
-            <a:picLocks noChangeAspect="1"/>
-          </p:cNvPicPr>
-          <p:nvPr/>
-        </p:nvPicPr>
-        <p:blipFill>
-          <a:blip r:embed="rId2" cstate="email">
-            <a:extLst>
-              <a:ext uri="{28A0092B-C50C-407E-A947-70E740481C1C}">
-                <a14:useLocalDpi xmlns:a14="http://schemas.microsoft.com/office/drawing/2010/main"/>
-              </a:ext>
-            </a:extLst>
-          </a:blip>
-          <a:stretch>
-            <a:fillRect/>
-          </a:stretch>
-        </p:blipFill>
-        <p:spPr>
-          <a:xfrm>
-            <a:off x="-66675" y="728"/>
-            <a:ext cx="778796" cy="643511"/>
-          </a:xfrm>
-          <a:prstGeom prst="rect">
-            <a:avLst/>
-          </a:prstGeom>
-        </p:spPr>
-      </p:pic>
-      <p:sp>
-        <p:nvSpPr>
-          <p:cNvPr id="6" name="Rectangle 5">
-            <a:extLst>
-              <a:ext uri="{FF2B5EF4-FFF2-40B4-BE49-F238E27FC236}">
-                <a16:creationId xmlns:a16="http://schemas.microsoft.com/office/drawing/2014/main" id="{A8DC1BAB-3944-4657-BC98-450E61F33DC9}"/>
-              </a:ext>
-            </a:extLst>
-          </p:cNvPr>
-          <p:cNvSpPr/>
-          <p:nvPr/>
-        </p:nvSpPr>
-        <p:spPr>
-          <a:xfrm>
-            <a:off x="0" y="1209207"/>
-            <a:ext cx="12191999" cy="646331"/>
-          </a:xfrm>
-          <a:prstGeom prst="rect">
-            <a:avLst/>
-          </a:prstGeom>
-          <a:solidFill>
-            <a:srgbClr val="FFF2CC"/>
-          </a:solidFill>
-          <a:ln>
-            <a:solidFill>
-              <a:schemeClr val="tx1"/>
-            </a:solidFill>
-          </a:ln>
-        </p:spPr>
-        <p:txBody>
-          <a:bodyPr wrap="square">
-            <a:spAutoFit/>
-          </a:bodyPr>
-          <a:lstStyle/>
-          <a:p>
-            <a:r>
-              <a:rPr lang="en-US" b="1" dirty="0">
-                <a:latin typeface="Calibri" panose="020F0502020204030204" pitchFamily="34" charset="0"/>
-                <a:ea typeface="Calibri" panose="020F0502020204030204" pitchFamily="34" charset="0"/>
-                <a:cs typeface="Calibri" panose="020F0502020204030204" pitchFamily="34" charset="0"/>
-              </a:rPr>
-              <a:t>Problem Statement:</a:t>
-            </a:r>
-            <a:r>
-              <a:rPr lang="en-US" dirty="0">
-                <a:latin typeface="Calibri" panose="020F0502020204030204" pitchFamily="34" charset="0"/>
-                <a:ea typeface="Calibri" panose="020F0502020204030204" pitchFamily="34" charset="0"/>
-                <a:cs typeface="Calibri" panose="020F0502020204030204" pitchFamily="34" charset="0"/>
-              </a:rPr>
-              <a:t> The DAF must </a:t>
-            </a:r>
-            <a:r>
-              <a:rPr lang="en-US" u="sng" dirty="0">
-                <a:latin typeface="Calibri" panose="020F0502020204030204" pitchFamily="34" charset="0"/>
-                <a:ea typeface="Calibri" panose="020F0502020204030204" pitchFamily="34" charset="0"/>
-                <a:cs typeface="Calibri" panose="020F0502020204030204" pitchFamily="34" charset="0"/>
-              </a:rPr>
-              <a:t>adapt</a:t>
-            </a:r>
-            <a:r>
-              <a:rPr lang="en-US" dirty="0">
-                <a:latin typeface="Calibri" panose="020F0502020204030204" pitchFamily="34" charset="0"/>
-                <a:ea typeface="Calibri" panose="020F0502020204030204" pitchFamily="34" charset="0"/>
-                <a:cs typeface="Calibri" panose="020F0502020204030204" pitchFamily="34" charset="0"/>
-              </a:rPr>
-              <a:t> policies, practices, and guidance in order to </a:t>
-            </a:r>
-            <a:r>
-              <a:rPr lang="en-US" u="sng" dirty="0">
-                <a:latin typeface="Calibri" panose="020F0502020204030204" pitchFamily="34" charset="0"/>
-                <a:ea typeface="Calibri" panose="020F0502020204030204" pitchFamily="34" charset="0"/>
-                <a:cs typeface="Calibri" panose="020F0502020204030204" pitchFamily="34" charset="0"/>
-              </a:rPr>
-              <a:t>reset</a:t>
-            </a:r>
-            <a:r>
-              <a:rPr lang="en-US" dirty="0">
-                <a:latin typeface="Calibri" panose="020F0502020204030204" pitchFamily="34" charset="0"/>
-                <a:ea typeface="Calibri" panose="020F0502020204030204" pitchFamily="34" charset="0"/>
-                <a:cs typeface="Calibri" panose="020F0502020204030204" pitchFamily="34" charset="0"/>
-              </a:rPr>
-              <a:t> manpower, materiel, and operations that balances mission execution with force health protection in both the current and future pandemic environments</a:t>
-            </a:r>
-            <a:endParaRPr lang="en-US" dirty="0">
-              <a:latin typeface="Calibri" panose="020F0502020204030204" pitchFamily="34" charset="0"/>
-              <a:ea typeface="Calibri" panose="020F0502020204030204" pitchFamily="34" charset="0"/>
-              <a:cs typeface="Times New Roman" panose="02020603050405020304" pitchFamily="18" charset="0"/>
-            </a:endParaRPr>
-          </a:p>
-        </p:txBody>
-      </p:sp>
-      <p:sp>
-        <p:nvSpPr>
-          <p:cNvPr id="7" name="Rectangle 6">
-            <a:extLst>
-              <a:ext uri="{FF2B5EF4-FFF2-40B4-BE49-F238E27FC236}">
-                <a16:creationId xmlns:a16="http://schemas.microsoft.com/office/drawing/2014/main" id="{6506A853-F1AF-4184-9C6A-890D00D98BFC}"/>
-              </a:ext>
-            </a:extLst>
-          </p:cNvPr>
-          <p:cNvSpPr/>
-          <p:nvPr/>
-        </p:nvSpPr>
-        <p:spPr>
-          <a:xfrm>
-            <a:off x="0" y="6449840"/>
-            <a:ext cx="12192000" cy="400110"/>
-          </a:xfrm>
-          <a:prstGeom prst="rect">
-            <a:avLst/>
-          </a:prstGeom>
-          <a:solidFill>
-            <a:srgbClr val="FFFF00"/>
-          </a:solidFill>
-          <a:ln>
-            <a:solidFill>
-              <a:schemeClr val="tx1"/>
-            </a:solidFill>
-          </a:ln>
-        </p:spPr>
-        <p:txBody>
-          <a:bodyPr wrap="square">
-            <a:spAutoFit/>
-          </a:bodyPr>
-          <a:lstStyle/>
-          <a:p>
-            <a:pPr algn="ctr"/>
-            <a:r>
-              <a:rPr lang="en-US" sz="2000" b="1" dirty="0">
-                <a:latin typeface="Calibri" panose="020F0502020204030204" pitchFamily="34" charset="0"/>
-                <a:ea typeface="Calibri" panose="020F0502020204030204" pitchFamily="34" charset="0"/>
-                <a:cs typeface="Calibri" panose="020F0502020204030204" pitchFamily="34" charset="0"/>
-              </a:rPr>
-              <a:t>Desired State:  An AF capable of fighting through pandemics to implement the NDS</a:t>
-            </a:r>
-            <a:endParaRPr lang="en-US" sz="2000" b="1" dirty="0">
-              <a:latin typeface="Calibri" panose="020F0502020204030204" pitchFamily="34" charset="0"/>
-              <a:ea typeface="Calibri" panose="020F0502020204030204" pitchFamily="34" charset="0"/>
-              <a:cs typeface="Times New Roman" panose="02020603050405020304" pitchFamily="18" charset="0"/>
-            </a:endParaRPr>
-          </a:p>
-        </p:txBody>
-      </p:sp>
-      <p:sp>
-        <p:nvSpPr>
-          <p:cNvPr id="9" name="Rectangle 8">
-            <a:extLst>
-              <a:ext uri="{FF2B5EF4-FFF2-40B4-BE49-F238E27FC236}">
-                <a16:creationId xmlns:a16="http://schemas.microsoft.com/office/drawing/2014/main" id="{4F93EA7C-F1DF-418E-8298-F68CEC65681B}"/>
-              </a:ext>
-            </a:extLst>
-          </p:cNvPr>
-          <p:cNvSpPr/>
-          <p:nvPr/>
-        </p:nvSpPr>
-        <p:spPr>
-          <a:xfrm>
-            <a:off x="2228849" y="4167060"/>
-            <a:ext cx="8324850" cy="2185214"/>
-          </a:xfrm>
-          <a:prstGeom prst="rect">
-            <a:avLst/>
-          </a:prstGeom>
-          <a:ln>
-            <a:solidFill>
-              <a:schemeClr val="tx1"/>
-            </a:solidFill>
-          </a:ln>
-        </p:spPr>
-        <p:txBody>
-          <a:bodyPr wrap="square">
-            <a:spAutoFit/>
-          </a:bodyPr>
-          <a:lstStyle/>
-          <a:p>
-            <a:pPr algn="ctr"/>
-            <a:r>
-              <a:rPr lang="en-US" sz="1600" b="1" u="sng" dirty="0">
-                <a:highlight>
-                  <a:srgbClr val="FFFF00"/>
-                </a:highlight>
-                <a:latin typeface="Calibri" panose="020F0502020204030204" pitchFamily="34" charset="0"/>
-                <a:ea typeface="Calibri" panose="020F0502020204030204" pitchFamily="34" charset="0"/>
-                <a:cs typeface="Times New Roman" panose="02020603050405020304" pitchFamily="18" charset="0"/>
-              </a:rPr>
-              <a:t>Phase 2:  Reshaping the Force (Jan-Jun 2021)</a:t>
-            </a:r>
-            <a:endParaRPr lang="en-US" sz="1600" dirty="0">
-              <a:highlight>
-                <a:srgbClr val="FFFF00"/>
-              </a:highlight>
-              <a:latin typeface="Calibri" panose="020F0502020204030204" pitchFamily="34" charset="0"/>
-              <a:ea typeface="Calibri" panose="020F0502020204030204" pitchFamily="34" charset="0"/>
-              <a:cs typeface="Times New Roman" panose="02020603050405020304" pitchFamily="18" charset="0"/>
-            </a:endParaRPr>
-          </a:p>
-          <a:p>
-            <a:r>
-              <a:rPr lang="en-US" sz="1600" i="1" dirty="0">
-                <a:latin typeface="Calibri" panose="020F0502020204030204" pitchFamily="34" charset="0"/>
-                <a:ea typeface="Calibri" panose="020F0502020204030204" pitchFamily="34" charset="0"/>
-                <a:cs typeface="Times New Roman" panose="02020603050405020304" pitchFamily="18" charset="0"/>
-              </a:rPr>
-              <a:t>Mid-term LOE:  Expanded manpower, materiel, and operations capacity (Should do…)</a:t>
-            </a:r>
-            <a:endParaRPr lang="en-US" sz="1600" dirty="0">
-              <a:latin typeface="Calibri" panose="020F0502020204030204" pitchFamily="34" charset="0"/>
-              <a:ea typeface="Calibri" panose="020F0502020204030204" pitchFamily="34" charset="0"/>
-              <a:cs typeface="Times New Roman" panose="02020603050405020304" pitchFamily="18" charset="0"/>
-            </a:endParaRPr>
-          </a:p>
-          <a:p>
-            <a:r>
-              <a:rPr lang="en-US" sz="1600" u="sng" dirty="0">
-                <a:latin typeface="Calibri" panose="020F0502020204030204" pitchFamily="34" charset="0"/>
-                <a:ea typeface="Calibri" panose="020F0502020204030204" pitchFamily="34" charset="0"/>
-                <a:cs typeface="Times New Roman" panose="02020603050405020304" pitchFamily="18" charset="0"/>
-              </a:rPr>
-              <a:t>Objectives</a:t>
-            </a:r>
-            <a:r>
-              <a:rPr lang="en-US" sz="1600" dirty="0">
-                <a:latin typeface="Calibri" panose="020F0502020204030204" pitchFamily="34" charset="0"/>
-                <a:ea typeface="Calibri" panose="020F0502020204030204" pitchFamily="34" charset="0"/>
-                <a:cs typeface="Times New Roman" panose="02020603050405020304" pitchFamily="18" charset="0"/>
-              </a:rPr>
-              <a:t>:</a:t>
-            </a:r>
-          </a:p>
-          <a:p>
-            <a:pPr marL="342900" marR="0" lvl="0" indent="-342900">
-              <a:spcBef>
-                <a:spcPts val="0"/>
-              </a:spcBef>
-              <a:spcAft>
-                <a:spcPts val="0"/>
-              </a:spcAft>
-              <a:buFont typeface="Calibri" panose="020F0502020204030204" pitchFamily="34" charset="0"/>
-              <a:buChar char="-"/>
-            </a:pPr>
-            <a:r>
-              <a:rPr lang="en-US" sz="1600" dirty="0">
-                <a:latin typeface="Calibri" panose="020F0502020204030204" pitchFamily="34" charset="0"/>
-                <a:ea typeface="Calibri" panose="020F0502020204030204" pitchFamily="34" charset="0"/>
-                <a:cs typeface="Times New Roman" panose="02020603050405020304" pitchFamily="18" charset="0"/>
-              </a:rPr>
-              <a:t>Expand the CONOP to include:</a:t>
-            </a:r>
-          </a:p>
-          <a:p>
-            <a:pPr marL="800100" lvl="1" indent="-342900">
-              <a:buFont typeface="+mj-lt"/>
-              <a:buAutoNum type="arabicPeriod"/>
-            </a:pPr>
-            <a:r>
-              <a:rPr lang="en-US" sz="1400" dirty="0">
-                <a:latin typeface="Calibri" panose="020F0502020204030204" pitchFamily="34" charset="0"/>
-                <a:ea typeface="Calibri" panose="020F0502020204030204" pitchFamily="34" charset="0"/>
-                <a:cs typeface="Times New Roman" panose="02020603050405020304" pitchFamily="18" charset="0"/>
-              </a:rPr>
-              <a:t>Alternate operations (training, PCS Cycling vs. Homesteading, PME)</a:t>
-            </a:r>
-          </a:p>
-          <a:p>
-            <a:pPr marL="800100" lvl="1" indent="-342900">
-              <a:buFont typeface="+mj-lt"/>
-              <a:buAutoNum type="arabicPeriod"/>
-            </a:pPr>
-            <a:r>
-              <a:rPr lang="en-US" sz="1400" dirty="0">
-                <a:latin typeface="Calibri" panose="020F0502020204030204" pitchFamily="34" charset="0"/>
-                <a:ea typeface="Calibri" panose="020F0502020204030204" pitchFamily="34" charset="0"/>
-                <a:cs typeface="Times New Roman" panose="02020603050405020304" pitchFamily="18" charset="0"/>
-              </a:rPr>
-              <a:t>Military cultural norms (Esprit-de-corps, grooming, fitness, and discipline standards)</a:t>
-            </a:r>
-          </a:p>
-          <a:p>
-            <a:pPr marL="800100" lvl="1" indent="-342900">
-              <a:buFont typeface="+mj-lt"/>
-              <a:buAutoNum type="arabicPeriod"/>
-            </a:pPr>
-            <a:r>
-              <a:rPr lang="en-US" sz="1400" dirty="0">
-                <a:latin typeface="Calibri" panose="020F0502020204030204" pitchFamily="34" charset="0"/>
-                <a:ea typeface="Calibri" panose="020F0502020204030204" pitchFamily="34" charset="0"/>
-                <a:cs typeface="Times New Roman" panose="02020603050405020304" pitchFamily="18" charset="0"/>
-              </a:rPr>
-              <a:t>Dilemma of health stigmas (who goes to work vs. stays home vs. who seeks medical care)</a:t>
-            </a:r>
-          </a:p>
-          <a:p>
-            <a:pPr marL="800100" lvl="1" indent="-342900">
-              <a:buFont typeface="+mj-lt"/>
-              <a:buAutoNum type="arabicPeriod"/>
-            </a:pPr>
-            <a:r>
-              <a:rPr lang="en-US" sz="1400" dirty="0">
-                <a:latin typeface="Calibri" panose="020F0502020204030204" pitchFamily="34" charset="0"/>
-                <a:ea typeface="Calibri" panose="020F0502020204030204" pitchFamily="34" charset="0"/>
-                <a:cs typeface="Times New Roman" panose="02020603050405020304" pitchFamily="18" charset="0"/>
-              </a:rPr>
-              <a:t>Mitigating an out-group/in-group perception (telework vs. in-person)</a:t>
-            </a:r>
-          </a:p>
-          <a:p>
-            <a:pPr marL="342900" marR="0" lvl="0" indent="-342900">
-              <a:spcBef>
-                <a:spcPts val="0"/>
-              </a:spcBef>
-              <a:spcAft>
-                <a:spcPts val="0"/>
-              </a:spcAft>
-              <a:buFont typeface="Calibri" panose="020F0502020204030204" pitchFamily="34" charset="0"/>
-              <a:buChar char="-"/>
-            </a:pPr>
-            <a:r>
-              <a:rPr lang="en-US" sz="1600" dirty="0">
-                <a:latin typeface="Calibri" panose="020F0502020204030204" pitchFamily="34" charset="0"/>
-                <a:ea typeface="Calibri" panose="020F0502020204030204" pitchFamily="34" charset="0"/>
-                <a:cs typeface="Times New Roman" panose="02020603050405020304" pitchFamily="18" charset="0"/>
-              </a:rPr>
-              <a:t>Develop a timeline execute the expanded CONOP for the long-term</a:t>
-            </a:r>
-          </a:p>
-        </p:txBody>
-      </p:sp>
-      <p:sp>
-        <p:nvSpPr>
-          <p:cNvPr id="10" name="Arrow: Down 9">
-            <a:extLst>
-              <a:ext uri="{FF2B5EF4-FFF2-40B4-BE49-F238E27FC236}">
-                <a16:creationId xmlns:a16="http://schemas.microsoft.com/office/drawing/2014/main" id="{10FEA630-A602-4F71-844B-32DD4C0E875F}"/>
-              </a:ext>
-            </a:extLst>
-          </p:cNvPr>
-          <p:cNvSpPr/>
-          <p:nvPr/>
-        </p:nvSpPr>
-        <p:spPr>
-          <a:xfrm>
-            <a:off x="6115048" y="3769100"/>
-            <a:ext cx="552450" cy="380730"/>
-          </a:xfrm>
-          <a:prstGeom prst="downArrow">
-            <a:avLst/>
-          </a:prstGeom>
-        </p:spPr>
-        <p:style>
-          <a:lnRef idx="2">
-            <a:schemeClr val="accent1">
-              <a:shade val="50000"/>
-            </a:schemeClr>
-          </a:lnRef>
-          <a:fillRef idx="1">
-            <a:schemeClr val="accent1"/>
-          </a:fillRef>
-          <a:effectRef idx="0">
-            <a:schemeClr val="accent1"/>
-          </a:effectRef>
-          <a:fontRef idx="minor">
-            <a:schemeClr val="lt1"/>
-          </a:fontRef>
-        </p:style>
-        <p:txBody>
-          <a:bodyPr rtlCol="0" anchor="ctr"/>
-          <a:lstStyle/>
-          <a:p>
-            <a:pPr algn="ctr"/>
-            <a:endParaRPr lang="en-US"/>
-          </a:p>
-        </p:txBody>
-      </p:sp>
-      <p:sp>
-        <p:nvSpPr>
-          <p:cNvPr id="8" name="Rectangle 7">
-            <a:extLst>
-              <a:ext uri="{FF2B5EF4-FFF2-40B4-BE49-F238E27FC236}">
-                <a16:creationId xmlns:a16="http://schemas.microsoft.com/office/drawing/2014/main" id="{3BC858B5-8E5E-416C-8BCC-7BDEEFE3580F}"/>
-              </a:ext>
-            </a:extLst>
-          </p:cNvPr>
-          <p:cNvSpPr/>
-          <p:nvPr/>
-        </p:nvSpPr>
-        <p:spPr>
-          <a:xfrm>
-            <a:off x="2228848" y="2030846"/>
-            <a:ext cx="8324850" cy="1754326"/>
-          </a:xfrm>
-          <a:prstGeom prst="rect">
-            <a:avLst/>
-          </a:prstGeom>
-          <a:solidFill>
-            <a:schemeClr val="bg1"/>
-          </a:solidFill>
-          <a:ln>
-            <a:solidFill>
-              <a:schemeClr val="tx1"/>
-            </a:solidFill>
-          </a:ln>
-        </p:spPr>
-        <p:txBody>
-          <a:bodyPr wrap="square">
-            <a:spAutoFit/>
-          </a:bodyPr>
-          <a:lstStyle/>
-          <a:p>
-            <a:pPr algn="ctr"/>
-            <a:r>
-              <a:rPr lang="en-US" sz="1600" b="1" u="sng" dirty="0">
-                <a:highlight>
-                  <a:srgbClr val="FFFF00"/>
-                </a:highlight>
-                <a:latin typeface="Calibri" panose="020F0502020204030204" pitchFamily="34" charset="0"/>
-                <a:ea typeface="Calibri" panose="020F0502020204030204" pitchFamily="34" charset="0"/>
-                <a:cs typeface="Calibri" panose="020F0502020204030204" pitchFamily="34" charset="0"/>
-              </a:rPr>
-              <a:t>Phase 1:  </a:t>
-            </a:r>
-            <a:r>
-              <a:rPr lang="en-US" sz="1600" b="1" dirty="0">
-                <a:highlight>
-                  <a:srgbClr val="FFFF00"/>
-                </a:highlight>
-                <a:latin typeface="Calibri" panose="020F0502020204030204" pitchFamily="34" charset="0"/>
-                <a:ea typeface="Calibri" panose="020F0502020204030204" pitchFamily="34" charset="0"/>
-                <a:cs typeface="Calibri" panose="020F0502020204030204" pitchFamily="34" charset="0"/>
-              </a:rPr>
-              <a:t>Normalizing operations (Jun – Dec 2020)</a:t>
-            </a:r>
-            <a:endParaRPr lang="en-US" sz="1600" b="1" dirty="0">
-              <a:highlight>
-                <a:srgbClr val="FFFF00"/>
-              </a:highlight>
-              <a:latin typeface="Calibri" panose="020F0502020204030204" pitchFamily="34" charset="0"/>
-              <a:ea typeface="Calibri" panose="020F0502020204030204" pitchFamily="34" charset="0"/>
-              <a:cs typeface="Times New Roman" panose="02020603050405020304" pitchFamily="18" charset="0"/>
-            </a:endParaRPr>
-          </a:p>
-          <a:p>
-            <a:r>
-              <a:rPr lang="en-US" sz="1600" i="1" dirty="0">
-                <a:latin typeface="Calibri" panose="020F0502020204030204" pitchFamily="34" charset="0"/>
-                <a:ea typeface="Calibri" panose="020F0502020204030204" pitchFamily="34" charset="0"/>
-                <a:cs typeface="Calibri" panose="020F0502020204030204" pitchFamily="34" charset="0"/>
-              </a:rPr>
-              <a:t>Near-term LOE:  Address acute manpower, materiel, and operations requirements (Must do…)</a:t>
-            </a:r>
-            <a:endParaRPr lang="en-US" sz="1600" i="1" dirty="0">
-              <a:latin typeface="Calibri" panose="020F0502020204030204" pitchFamily="34" charset="0"/>
-              <a:ea typeface="Calibri" panose="020F0502020204030204" pitchFamily="34" charset="0"/>
-              <a:cs typeface="Times New Roman" panose="02020603050405020304" pitchFamily="18" charset="0"/>
-            </a:endParaRPr>
-          </a:p>
-          <a:p>
-            <a:r>
-              <a:rPr lang="en-US" sz="1600" u="sng" dirty="0">
-                <a:latin typeface="Calibri" panose="020F0502020204030204" pitchFamily="34" charset="0"/>
-                <a:ea typeface="Calibri" panose="020F0502020204030204" pitchFamily="34" charset="0"/>
-                <a:cs typeface="Calibri" panose="020F0502020204030204" pitchFamily="34" charset="0"/>
-              </a:rPr>
-              <a:t>Objectives</a:t>
-            </a:r>
-            <a:endParaRPr lang="en-US" sz="1600" dirty="0">
-              <a:latin typeface="Calibri" panose="020F0502020204030204" pitchFamily="34" charset="0"/>
-              <a:ea typeface="Calibri" panose="020F0502020204030204" pitchFamily="34" charset="0"/>
-              <a:cs typeface="Times New Roman" panose="02020603050405020304" pitchFamily="18" charset="0"/>
-            </a:endParaRPr>
-          </a:p>
-          <a:p>
-            <a:pPr marL="342900" marR="0" lvl="0" indent="-342900">
-              <a:spcBef>
-                <a:spcPts val="0"/>
-              </a:spcBef>
-              <a:spcAft>
-                <a:spcPts val="0"/>
-              </a:spcAft>
-              <a:buFont typeface="Calibri" panose="020F0502020204030204" pitchFamily="34" charset="0"/>
-              <a:buChar char="-"/>
-            </a:pPr>
-            <a:r>
-              <a:rPr lang="en-US" sz="1600" dirty="0">
-                <a:latin typeface="Calibri" panose="020F0502020204030204" pitchFamily="34" charset="0"/>
-                <a:ea typeface="Calibri" panose="020F0502020204030204" pitchFamily="34" charset="0"/>
-                <a:cs typeface="Calibri" panose="020F0502020204030204" pitchFamily="34" charset="0"/>
-              </a:rPr>
-              <a:t>Develop a CONOP that:</a:t>
-            </a:r>
-            <a:endParaRPr lang="en-US" sz="1600" dirty="0">
-              <a:latin typeface="Calibri" panose="020F0502020204030204" pitchFamily="34" charset="0"/>
-              <a:ea typeface="Calibri" panose="020F0502020204030204" pitchFamily="34" charset="0"/>
-              <a:cs typeface="Times New Roman" panose="02020603050405020304" pitchFamily="18" charset="0"/>
-            </a:endParaRPr>
-          </a:p>
-          <a:p>
-            <a:pPr marL="742950" marR="0" lvl="1" indent="-285750">
-              <a:spcBef>
-                <a:spcPts val="0"/>
-              </a:spcBef>
-              <a:spcAft>
-                <a:spcPts val="0"/>
-              </a:spcAft>
-              <a:buFont typeface="+mj-lt"/>
-              <a:buAutoNum type="arabicPeriod"/>
-            </a:pPr>
-            <a:r>
-              <a:rPr lang="en-US" sz="1400" dirty="0">
-                <a:latin typeface="Calibri" panose="020F0502020204030204" pitchFamily="34" charset="0"/>
-                <a:ea typeface="Calibri" panose="020F0502020204030204" pitchFamily="34" charset="0"/>
-                <a:cs typeface="Calibri" panose="020F0502020204030204" pitchFamily="34" charset="0"/>
-              </a:rPr>
-              <a:t>Addresses antiquated IT systems and an over-reliance on in-person activities </a:t>
-            </a:r>
-            <a:endParaRPr lang="en-US" sz="1400" dirty="0">
-              <a:latin typeface="Calibri" panose="020F0502020204030204" pitchFamily="34" charset="0"/>
-              <a:ea typeface="Calibri" panose="020F0502020204030204" pitchFamily="34" charset="0"/>
-              <a:cs typeface="Times New Roman" panose="02020603050405020304" pitchFamily="18" charset="0"/>
-            </a:endParaRPr>
-          </a:p>
-          <a:p>
-            <a:pPr marL="742950" marR="0" lvl="1" indent="-285750">
-              <a:spcBef>
-                <a:spcPts val="0"/>
-              </a:spcBef>
-              <a:spcAft>
-                <a:spcPts val="0"/>
-              </a:spcAft>
-              <a:buFont typeface="+mj-lt"/>
-              <a:buAutoNum type="arabicPeriod"/>
-            </a:pPr>
-            <a:r>
-              <a:rPr lang="en-US" sz="1400" dirty="0">
-                <a:latin typeface="Calibri" panose="020F0502020204030204" pitchFamily="34" charset="0"/>
-                <a:ea typeface="Calibri" panose="020F0502020204030204" pitchFamily="34" charset="0"/>
-                <a:cs typeface="Calibri" panose="020F0502020204030204" pitchFamily="34" charset="0"/>
-              </a:rPr>
-              <a:t>Clearly defines transition criteria between HPCONs</a:t>
-            </a:r>
-            <a:endParaRPr lang="en-US" sz="1400" dirty="0">
-              <a:latin typeface="Calibri" panose="020F0502020204030204" pitchFamily="34" charset="0"/>
-              <a:ea typeface="Calibri" panose="020F0502020204030204" pitchFamily="34" charset="0"/>
-              <a:cs typeface="Times New Roman" panose="02020603050405020304" pitchFamily="18" charset="0"/>
-            </a:endParaRPr>
-          </a:p>
-          <a:p>
-            <a:pPr marL="342900" marR="0" lvl="0" indent="-342900">
-              <a:spcBef>
-                <a:spcPts val="0"/>
-              </a:spcBef>
-              <a:spcAft>
-                <a:spcPts val="0"/>
-              </a:spcAft>
-              <a:buFont typeface="Calibri" panose="020F0502020204030204" pitchFamily="34" charset="0"/>
-              <a:buChar char="-"/>
-            </a:pPr>
-            <a:r>
-              <a:rPr lang="en-US" sz="1600" dirty="0">
-                <a:latin typeface="Calibri" panose="020F0502020204030204" pitchFamily="34" charset="0"/>
-                <a:ea typeface="Calibri" panose="020F0502020204030204" pitchFamily="34" charset="0"/>
-                <a:cs typeface="Calibri" panose="020F0502020204030204" pitchFamily="34" charset="0"/>
-              </a:rPr>
-              <a:t>Develop a timeline and testbed to exercise the CONOP in preparation for phase 2 transition</a:t>
-            </a:r>
-            <a:endParaRPr lang="en-US" sz="1600" dirty="0">
-              <a:latin typeface="Calibri" panose="020F0502020204030204" pitchFamily="34" charset="0"/>
-              <a:ea typeface="Calibri" panose="020F0502020204030204" pitchFamily="34" charset="0"/>
-              <a:cs typeface="Times New Roman" panose="02020603050405020304" pitchFamily="18" charset="0"/>
-            </a:endParaRPr>
-          </a:p>
-        </p:txBody>
-      </p:sp>
-    </p:spTree>
-    <p:extLst>
-      <p:ext uri="{BB962C8B-B14F-4D97-AF65-F5344CB8AC3E}">
-        <p14:creationId xmlns:p14="http://schemas.microsoft.com/office/powerpoint/2010/main" val="1916006342"/>
-      </p:ext>
-    </p:extLst>
-  </p:cSld>
-  <p:clrMapOvr>
-    <a:masterClrMapping/>
-  </p:clrMapOvr>
-</p:sld>
-</file>
-
 <file path=ppt/slides/slide2.xml><?xml version="1.0" encoding="utf-8"?>
 <p:sld xmlns:a="http://schemas.openxmlformats.org/drawingml/2006/main" xmlns:r="http://schemas.openxmlformats.org/officeDocument/2006/relationships" xmlns:p="http://schemas.openxmlformats.org/presentationml/2006/main">
   <p:cSld>
@@ -6057,9 +5321,9 @@
         <p:grpSpPr>
           <a:xfrm>
             <a:off x="-44451" y="5324244"/>
-            <a:ext cx="4515349" cy="1388312"/>
+            <a:ext cx="4515349" cy="1203646"/>
             <a:chOff x="7593870" y="2144118"/>
-            <a:chExt cx="4515349" cy="1388312"/>
+            <a:chExt cx="4515349" cy="1203646"/>
           </a:xfrm>
         </p:grpSpPr>
         <p:sp>
@@ -6077,7 +5341,7 @@
           <p:spPr>
             <a:xfrm>
               <a:off x="9407047" y="2147435"/>
-              <a:ext cx="2702172" cy="1384995"/>
+              <a:ext cx="2702172" cy="1200329"/>
             </a:xfrm>
             <a:prstGeom prst="rect">
               <a:avLst/>
@@ -6122,13 +5386,7 @@
             <a:p>
               <a:r>
                 <a:rPr lang="en-US" sz="1200" dirty="0"/>
-                <a:t>Social Distancing Compliance</a:t>
-              </a:r>
-            </a:p>
-            <a:p>
-              <a:r>
-                <a:rPr lang="en-US" sz="1200" dirty="0"/>
-                <a:t>Bed/ICU + IHME capacity</a:t>
+                <a:t>Travel/Movement reduced &gt; 50%</a:t>
               </a:r>
             </a:p>
           </p:txBody>
@@ -6148,7 +5406,7 @@
           <p:spPr>
             <a:xfrm>
               <a:off x="7593870" y="2144118"/>
-              <a:ext cx="1813177" cy="1384995"/>
+              <a:ext cx="1813177" cy="1200329"/>
             </a:xfrm>
             <a:prstGeom prst="rect">
               <a:avLst/>
@@ -6178,35 +5436,28 @@
               <a:pPr algn="r"/>
               <a:r>
                 <a:rPr lang="en-US" sz="1200" u="sng" dirty="0"/>
-                <a:t>7-Day Case Rate:</a:t>
+                <a:t>7-Day Case Trend:</a:t>
               </a:r>
             </a:p>
             <a:p>
               <a:pPr algn="r"/>
               <a:r>
                 <a:rPr lang="en-US" sz="1200" u="sng" dirty="0"/>
-                <a:t>7-Day Death Rate:</a:t>
+                <a:t>7-Day Death Trend:</a:t>
               </a:r>
             </a:p>
             <a:p>
               <a:pPr algn="r"/>
               <a:r>
                 <a:rPr lang="en-US" sz="1200" u="sng" dirty="0"/>
-                <a:t>Test/Day Grade:</a:t>
+                <a:t>Test/Day Target:</a:t>
               </a:r>
             </a:p>
             <a:p>
               <a:pPr algn="r"/>
               <a:r>
                 <a:rPr lang="en-US" sz="1200" u="sng" dirty="0"/>
-                <a:t>Prevention Grade:</a:t>
-              </a:r>
-            </a:p>
-            <a:p>
-              <a:pPr algn="r"/>
-              <a:r>
-                <a:rPr lang="en-US" sz="1200" u="sng" dirty="0"/>
-                <a:t>Medical Capacity Grade:</a:t>
+                <a:t>Social Distancing Target:</a:t>
               </a:r>
             </a:p>
           </p:txBody>
@@ -6752,97 +6003,36 @@
           </a:p>
         </p:txBody>
       </p:sp>
-      <p:grpSp>
-        <p:nvGrpSpPr>
-          <p:cNvPr id="25" name="Group 24">
-            <a:extLst>
-              <a:ext uri="{FF2B5EF4-FFF2-40B4-BE49-F238E27FC236}">
-                <a16:creationId xmlns:a16="http://schemas.microsoft.com/office/drawing/2014/main" id="{9A25637C-BC0A-4AF4-AFC6-A5188BFEF1FE}"/>
-              </a:ext>
-            </a:extLst>
-          </p:cNvPr>
-          <p:cNvGrpSpPr/>
-          <p:nvPr/>
-        </p:nvGrpSpPr>
-        <p:grpSpPr>
-          <a:xfrm>
-            <a:off x="4470835" y="5526185"/>
-            <a:ext cx="7721101" cy="1082715"/>
-            <a:chOff x="3674609" y="6334715"/>
-            <a:chExt cx="8115300" cy="1321313"/>
-          </a:xfrm>
-        </p:grpSpPr>
-        <p:pic>
-          <p:nvPicPr>
-            <p:cNvPr id="27" name="Picture 26">
-              <a:extLst>
-                <a:ext uri="{FF2B5EF4-FFF2-40B4-BE49-F238E27FC236}">
-                  <a16:creationId xmlns:a16="http://schemas.microsoft.com/office/drawing/2014/main" id="{16291461-82E2-4298-89CE-C26DE9BF0E89}"/>
-                </a:ext>
-              </a:extLst>
-            </p:cNvPr>
-            <p:cNvPicPr>
-              <a:picLocks noChangeAspect="1"/>
-            </p:cNvPicPr>
-            <p:nvPr/>
-          </p:nvPicPr>
-          <p:blipFill>
-            <a:blip r:embed="rId4"/>
-            <a:stretch>
-              <a:fillRect/>
-            </a:stretch>
-          </p:blipFill>
-          <p:spPr>
-            <a:xfrm>
-              <a:off x="3674609" y="6922603"/>
-              <a:ext cx="8115300" cy="733425"/>
-            </a:xfrm>
-            <a:prstGeom prst="rect">
-              <a:avLst/>
-            </a:prstGeom>
-            <a:ln>
-              <a:solidFill>
-                <a:schemeClr val="tx1"/>
-              </a:solidFill>
-            </a:ln>
-          </p:spPr>
-        </p:pic>
-        <p:pic>
-          <p:nvPicPr>
-            <p:cNvPr id="28" name="Picture 27">
-              <a:extLst>
-                <a:ext uri="{FF2B5EF4-FFF2-40B4-BE49-F238E27FC236}">
-                  <a16:creationId xmlns:a16="http://schemas.microsoft.com/office/drawing/2014/main" id="{3CCD2341-673A-4EFD-B131-6DACDF2803D5}"/>
-                </a:ext>
-              </a:extLst>
-            </p:cNvPr>
-            <p:cNvPicPr>
-              <a:picLocks noChangeAspect="1"/>
-            </p:cNvPicPr>
-            <p:nvPr/>
-          </p:nvPicPr>
-          <p:blipFill>
-            <a:blip r:embed="rId5"/>
-            <a:stretch>
-              <a:fillRect/>
-            </a:stretch>
-          </p:blipFill>
-          <p:spPr>
-            <a:xfrm>
-              <a:off x="3674609" y="6334715"/>
-              <a:ext cx="8115300" cy="609600"/>
-            </a:xfrm>
-            <a:prstGeom prst="rect">
-              <a:avLst/>
-            </a:prstGeom>
-            <a:ln>
-              <a:solidFill>
-                <a:schemeClr val="tx1"/>
-              </a:solidFill>
-            </a:ln>
-          </p:spPr>
-        </p:pic>
-      </p:grpSp>
+      <p:pic>
+        <p:nvPicPr>
+          <p:cNvPr id="2" name="Picture 1">
+            <a:extLst>
+              <a:ext uri="{FF2B5EF4-FFF2-40B4-BE49-F238E27FC236}">
+                <a16:creationId xmlns:a16="http://schemas.microsoft.com/office/drawing/2014/main" id="{7B27E05F-BA78-464C-82A2-1AED49ED5C17}"/>
+              </a:ext>
+            </a:extLst>
+          </p:cNvPr>
+          <p:cNvPicPr>
+            <a:picLocks noChangeAspect="1"/>
+          </p:cNvPicPr>
+          <p:nvPr/>
+        </p:nvPicPr>
+        <p:blipFill>
+          <a:blip r:embed="rId4"/>
+          <a:stretch>
+            <a:fillRect/>
+          </a:stretch>
+        </p:blipFill>
+        <p:spPr>
+          <a:xfrm>
+            <a:off x="4470898" y="5671676"/>
+            <a:ext cx="7711108" cy="948861"/>
+          </a:xfrm>
+          <a:prstGeom prst="rect">
+            <a:avLst/>
+          </a:prstGeom>
+        </p:spPr>
+      </p:pic>
     </p:spTree>
     <p:extLst>
       <p:ext uri="{BB962C8B-B14F-4D97-AF65-F5344CB8AC3E}">
@@ -8646,7 +7836,7 @@
         </p:blipFill>
         <p:spPr>
           <a:xfrm>
-            <a:off x="8112686" y="5216283"/>
+            <a:off x="6046333" y="5189635"/>
             <a:ext cx="244012" cy="244012"/>
           </a:xfrm>
           <a:prstGeom prst="rect">
@@ -8685,7 +7875,7 @@
         </p:blipFill>
         <p:spPr>
           <a:xfrm>
-            <a:off x="8790301" y="5180165"/>
+            <a:off x="11326350" y="5162509"/>
             <a:ext cx="266116" cy="266116"/>
           </a:xfrm>
           <a:prstGeom prst="rect">
@@ -8724,7 +7914,7 @@
         </p:blipFill>
         <p:spPr>
           <a:xfrm>
-            <a:off x="7042751" y="5196606"/>
+            <a:off x="5026200" y="5189635"/>
             <a:ext cx="266116" cy="266116"/>
           </a:xfrm>
           <a:prstGeom prst="rect">
@@ -8763,7 +7953,7 @@
         </p:blipFill>
         <p:spPr>
           <a:xfrm>
-            <a:off x="7518674" y="5195289"/>
+            <a:off x="7081014" y="5196773"/>
             <a:ext cx="266116" cy="266116"/>
           </a:xfrm>
           <a:prstGeom prst="rect">
@@ -8773,10 +7963,10 @@
       </p:pic>
       <p:pic>
         <p:nvPicPr>
-          <p:cNvPr id="75" name="Graphic 74" descr="Medical">
-            <a:extLst>
-              <a:ext uri="{FF2B5EF4-FFF2-40B4-BE49-F238E27FC236}">
-                <a16:creationId xmlns:a16="http://schemas.microsoft.com/office/drawing/2014/main" id="{C444E963-A765-4812-95BC-1F160DC29F9C}"/>
+          <p:cNvPr id="76" name="Graphic 75" descr="Bar chart">
+            <a:extLst>
+              <a:ext uri="{FF2B5EF4-FFF2-40B4-BE49-F238E27FC236}">
+                <a16:creationId xmlns:a16="http://schemas.microsoft.com/office/drawing/2014/main" id="{3AD1DD30-189A-4F6F-88C5-DB22613E0780}"/>
               </a:ext>
             </a:extLst>
           </p:cNvPr>
@@ -8786,13 +7976,13 @@
           <p:nvPr/>
         </p:nvPicPr>
         <p:blipFill>
-          <a:blip r:embed="rId3" cstate="screen">
+          <a:blip r:embed="rId14" cstate="email">
             <a:extLst>
               <a:ext uri="{28A0092B-C50C-407E-A947-70E740481C1C}">
                 <a14:useLocalDpi xmlns:a14="http://schemas.microsoft.com/office/drawing/2010/main"/>
               </a:ext>
               <a:ext uri="{96DAC541-7B7A-43D3-8B79-37D633B846F1}">
-                <asvg:svgBlip xmlns:asvg="http://schemas.microsoft.com/office/drawing/2016/SVG/main" r:embed="rId4"/>
+                <asvg:svgBlip xmlns:asvg="http://schemas.microsoft.com/office/drawing/2016/SVG/main" r:embed="rId15"/>
               </a:ext>
             </a:extLst>
           </a:blip>
@@ -8802,8 +7992,8 @@
         </p:blipFill>
         <p:spPr>
           <a:xfrm>
-            <a:off x="9474655" y="5189635"/>
-            <a:ext cx="268213" cy="268213"/>
+            <a:off x="3472075" y="5216022"/>
+            <a:ext cx="244012" cy="244012"/>
           </a:xfrm>
           <a:prstGeom prst="rect">
             <a:avLst/>
@@ -8812,10 +8002,10 @@
       </p:pic>
       <p:pic>
         <p:nvPicPr>
-          <p:cNvPr id="76" name="Graphic 75" descr="Bar chart">
-            <a:extLst>
-              <a:ext uri="{FF2B5EF4-FFF2-40B4-BE49-F238E27FC236}">
-                <a16:creationId xmlns:a16="http://schemas.microsoft.com/office/drawing/2014/main" id="{3AD1DD30-189A-4F6F-88C5-DB22613E0780}"/>
+          <p:cNvPr id="77" name="Graphic 76" descr="Bio hazard">
+            <a:extLst>
+              <a:ext uri="{FF2B5EF4-FFF2-40B4-BE49-F238E27FC236}">
+                <a16:creationId xmlns:a16="http://schemas.microsoft.com/office/drawing/2014/main" id="{CED8A3FF-AD1A-4515-84AD-3440018F6146}"/>
               </a:ext>
             </a:extLst>
           </p:cNvPr>
@@ -8825,13 +8015,13 @@
           <p:nvPr/>
         </p:nvPicPr>
         <p:blipFill>
-          <a:blip r:embed="rId14" cstate="email">
+          <a:blip r:embed="rId7" cstate="screen">
             <a:extLst>
               <a:ext uri="{28A0092B-C50C-407E-A947-70E740481C1C}">
                 <a14:useLocalDpi xmlns:a14="http://schemas.microsoft.com/office/drawing/2010/main"/>
               </a:ext>
               <a:ext uri="{96DAC541-7B7A-43D3-8B79-37D633B846F1}">
-                <asvg:svgBlip xmlns:asvg="http://schemas.microsoft.com/office/drawing/2016/SVG/main" r:embed="rId15"/>
+                <asvg:svgBlip xmlns:asvg="http://schemas.microsoft.com/office/drawing/2016/SVG/main" r:embed="rId9"/>
               </a:ext>
             </a:extLst>
           </a:blip>
@@ -8841,89 +8031,14 @@
         </p:blipFill>
         <p:spPr>
           <a:xfrm>
-            <a:off x="5434859" y="5217393"/>
-            <a:ext cx="244012" cy="244012"/>
+            <a:off x="4245082" y="5195084"/>
+            <a:ext cx="266116" cy="266116"/>
           </a:xfrm>
           <a:prstGeom prst="rect">
             <a:avLst/>
           </a:prstGeom>
         </p:spPr>
       </p:pic>
-      <p:pic>
-        <p:nvPicPr>
-          <p:cNvPr id="77" name="Graphic 76" descr="Bio hazard">
-            <a:extLst>
-              <a:ext uri="{FF2B5EF4-FFF2-40B4-BE49-F238E27FC236}">
-                <a16:creationId xmlns:a16="http://schemas.microsoft.com/office/drawing/2014/main" id="{CED8A3FF-AD1A-4515-84AD-3440018F6146}"/>
-              </a:ext>
-            </a:extLst>
-          </p:cNvPr>
-          <p:cNvPicPr>
-            <a:picLocks noChangeAspect="1"/>
-          </p:cNvPicPr>
-          <p:nvPr/>
-        </p:nvPicPr>
-        <p:blipFill>
-          <a:blip r:embed="rId7" cstate="screen">
-            <a:extLst>
-              <a:ext uri="{28A0092B-C50C-407E-A947-70E740481C1C}">
-                <a14:useLocalDpi xmlns:a14="http://schemas.microsoft.com/office/drawing/2010/main"/>
-              </a:ext>
-              <a:ext uri="{96DAC541-7B7A-43D3-8B79-37D633B846F1}">
-                <asvg:svgBlip xmlns:asvg="http://schemas.microsoft.com/office/drawing/2016/SVG/main" r:embed="rId9"/>
-              </a:ext>
-            </a:extLst>
-          </a:blip>
-          <a:stretch>
-            <a:fillRect/>
-          </a:stretch>
-        </p:blipFill>
-        <p:spPr>
-          <a:xfrm>
-            <a:off x="6449682" y="5204970"/>
-            <a:ext cx="266116" cy="266116"/>
-          </a:xfrm>
-          <a:prstGeom prst="rect">
-            <a:avLst/>
-          </a:prstGeom>
-        </p:spPr>
-      </p:pic>
-      <p:pic>
-        <p:nvPicPr>
-          <p:cNvPr id="78" name="Picture 77" descr="A picture containing drawing, knife&#10;&#10;Description automatically generated">
-            <a:extLst>
-              <a:ext uri="{FF2B5EF4-FFF2-40B4-BE49-F238E27FC236}">
-                <a16:creationId xmlns:a16="http://schemas.microsoft.com/office/drawing/2014/main" id="{7945EA19-3DEF-4D94-A6D0-604E441D1DFD}"/>
-              </a:ext>
-            </a:extLst>
-          </p:cNvPr>
-          <p:cNvPicPr>
-            <a:picLocks noChangeAspect="1"/>
-          </p:cNvPicPr>
-          <p:nvPr/>
-        </p:nvPicPr>
-        <p:blipFill>
-          <a:blip r:embed="rId18" cstate="screen">
-            <a:extLst>
-              <a:ext uri="{28A0092B-C50C-407E-A947-70E740481C1C}">
-                <a14:useLocalDpi xmlns:a14="http://schemas.microsoft.com/office/drawing/2010/main"/>
-              </a:ext>
-            </a:extLst>
-          </a:blip>
-          <a:stretch>
-            <a:fillRect/>
-          </a:stretch>
-        </p:blipFill>
-        <p:spPr>
-          <a:xfrm>
-            <a:off x="10034501" y="5126494"/>
-            <a:ext cx="706828" cy="327804"/>
-          </a:xfrm>
-          <a:prstGeom prst="rect">
-            <a:avLst/>
-          </a:prstGeom>
-        </p:spPr>
-      </p:pic>
       <p:sp>
         <p:nvSpPr>
           <p:cNvPr id="79" name="Rectangle 78">
@@ -8938,7 +8053,7 @@
         </p:nvSpPr>
         <p:spPr>
           <a:xfrm>
-            <a:off x="1076128" y="4136410"/>
+            <a:off x="371278" y="4203085"/>
             <a:ext cx="1507353" cy="584775"/>
           </a:xfrm>
           <a:prstGeom prst="rect">
@@ -9014,7 +8129,7 @@
         </p:nvSpPr>
         <p:spPr>
           <a:xfrm>
-            <a:off x="7013538" y="3822221"/>
+            <a:off x="7889838" y="3869846"/>
             <a:ext cx="1610543" cy="338554"/>
           </a:xfrm>
           <a:prstGeom prst="rect">
@@ -9052,7 +8167,7 @@
                 <a:ea typeface="Arial" panose="020B0604020202020204" pitchFamily="34" charset="0"/>
                 <a:cs typeface="Times New Roman" panose="02020603050405020304" pitchFamily="18" charset="0"/>
               </a:rPr>
-              <a:t>Case Trajectory?</a:t>
+              <a:t>Robust Testing?</a:t>
             </a:r>
             <a:endParaRPr lang="en-US" sz="1600" b="1" dirty="0">
               <a:ea typeface="Arial" panose="020B0604020202020204" pitchFamily="34" charset="0"/>
@@ -9075,7 +8190,7 @@
         </p:nvSpPr>
         <p:spPr>
           <a:xfrm>
-            <a:off x="5834506" y="4254758"/>
+            <a:off x="5967856" y="4330958"/>
             <a:ext cx="1737903" cy="338554"/>
           </a:xfrm>
           <a:prstGeom prst="rect">
@@ -9113,7 +8228,7 @@
                 <a:ea typeface="Arial" panose="020B0604020202020204" pitchFamily="34" charset="0"/>
                 <a:cs typeface="Times New Roman" panose="02020603050405020304" pitchFamily="18" charset="0"/>
               </a:rPr>
-              <a:t>Medical Capacity?</a:t>
+              <a:t>Death Trajectory?</a:t>
             </a:r>
             <a:endParaRPr lang="en-US" sz="1600" b="1" dirty="0">
               <a:ea typeface="Arial" panose="020B0604020202020204" pitchFamily="34" charset="0"/>
@@ -9136,7 +8251,7 @@
         </p:nvSpPr>
         <p:spPr>
           <a:xfrm>
-            <a:off x="4903517" y="4711373"/>
+            <a:off x="4243912" y="4733526"/>
             <a:ext cx="1507353" cy="338554"/>
           </a:xfrm>
           <a:prstGeom prst="rect">
@@ -9174,7 +8289,7 @@
                 <a:ea typeface="Arial" panose="020B0604020202020204" pitchFamily="34" charset="0"/>
                 <a:cs typeface="Times New Roman" panose="02020603050405020304" pitchFamily="18" charset="0"/>
               </a:rPr>
-              <a:t>Robust Testing?</a:t>
+              <a:t>Case Trajectory</a:t>
             </a:r>
             <a:endParaRPr lang="en-US" sz="1600" b="1" dirty="0">
               <a:ea typeface="Arial" panose="020B0604020202020204" pitchFamily="34" charset="0"/>
@@ -9201,8 +8316,8 @@
         </p:nvCxnSpPr>
         <p:spPr>
           <a:xfrm>
-            <a:off x="6410870" y="4880650"/>
-            <a:ext cx="1823822" cy="335633"/>
+            <a:off x="5751265" y="4902803"/>
+            <a:ext cx="417074" cy="286832"/>
           </a:xfrm>
           <a:prstGeom prst="bentConnector2">
             <a:avLst/>
@@ -9241,14 +8356,14 @@
           <p:cNvCxnSpPr>
             <a:cxnSpLocks/>
             <a:stCxn id="95" idx="3"/>
-            <a:endCxn id="75" idx="0"/>
+            <a:endCxn id="91" idx="0"/>
           </p:cNvCxnSpPr>
           <p:nvPr/>
         </p:nvCxnSpPr>
         <p:spPr>
           <a:xfrm>
-            <a:off x="7572409" y="4424035"/>
-            <a:ext cx="2036353" cy="765600"/>
+            <a:off x="7705759" y="4500235"/>
+            <a:ext cx="1369259" cy="724721"/>
           </a:xfrm>
           <a:prstGeom prst="bentConnector2">
             <a:avLst/>
@@ -9287,14 +8402,14 @@
           <p:cNvCxnSpPr>
             <a:cxnSpLocks/>
             <a:stCxn id="85" idx="3"/>
-            <a:endCxn id="78" idx="0"/>
+            <a:endCxn id="89" idx="0"/>
           </p:cNvCxnSpPr>
           <p:nvPr/>
         </p:nvCxnSpPr>
         <p:spPr>
           <a:xfrm>
-            <a:off x="8624081" y="3991498"/>
-            <a:ext cx="1763834" cy="1134996"/>
+            <a:off x="9500381" y="4039123"/>
+            <a:ext cx="887534" cy="1177334"/>
           </a:xfrm>
           <a:prstGeom prst="bentConnector2">
             <a:avLst/>
@@ -9338,11 +8453,13 @@
         </p:nvCxnSpPr>
         <p:spPr>
           <a:xfrm>
-            <a:off x="2583481" y="4428798"/>
-            <a:ext cx="2320036" cy="451852"/>
+            <a:off x="1878631" y="4495473"/>
+            <a:ext cx="2365281" cy="407330"/>
           </a:xfrm>
           <a:prstGeom prst="bentConnector3">
-            <a:avLst/>
+            <a:avLst>
+              <a:gd name="adj1" fmla="val 62886"/>
+            </a:avLst>
           </a:prstGeom>
           <a:ln w="19050">
             <a:solidFill>
@@ -9383,9 +8500,9 @@
           <p:nvPr/>
         </p:nvCxnSpPr>
         <p:spPr>
-          <a:xfrm flipV="1">
-            <a:off x="2583481" y="4424035"/>
-            <a:ext cx="3251025" cy="4763"/>
+          <a:xfrm>
+            <a:off x="1878631" y="4495473"/>
+            <a:ext cx="4089225" cy="4762"/>
           </a:xfrm>
           <a:prstGeom prst="bentConnector3">
             <a:avLst>
@@ -9432,12 +8549,12 @@
         </p:nvCxnSpPr>
         <p:spPr>
           <a:xfrm flipV="1">
-            <a:off x="2583481" y="3991498"/>
-            <a:ext cx="4430057" cy="437300"/>
+            <a:off x="1878631" y="4039123"/>
+            <a:ext cx="6011207" cy="456350"/>
           </a:xfrm>
           <a:prstGeom prst="bentConnector3">
             <a:avLst>
-              <a:gd name="adj1" fmla="val 26242"/>
+              <a:gd name="adj1" fmla="val 24806"/>
             </a:avLst>
           </a:prstGeom>
           <a:ln w="19050">
@@ -9476,7 +8593,7 @@
         </p:nvSpPr>
         <p:spPr>
           <a:xfrm>
-            <a:off x="9966600" y="4395281"/>
+            <a:off x="5751265" y="4865532"/>
             <a:ext cx="889112" cy="276999"/>
           </a:xfrm>
           <a:prstGeom prst="rect">
@@ -9529,10 +8646,10 @@
       </p:sp>
       <p:sp>
         <p:nvSpPr>
-          <p:cNvPr id="109" name="Rectangle 108">
-            <a:extLst>
-              <a:ext uri="{FF2B5EF4-FFF2-40B4-BE49-F238E27FC236}">
-                <a16:creationId xmlns:a16="http://schemas.microsoft.com/office/drawing/2014/main" id="{A8450C3D-9E5F-404E-B3E2-57AB3CC376F1}"/>
+          <p:cNvPr id="110" name="Rectangle 109">
+            <a:extLst>
+              <a:ext uri="{FF2B5EF4-FFF2-40B4-BE49-F238E27FC236}">
+                <a16:creationId xmlns:a16="http://schemas.microsoft.com/office/drawing/2014/main" id="{47D2E1F9-492A-4661-80CF-9CA58A53C157}"/>
               </a:ext>
             </a:extLst>
           </p:cNvPr>
@@ -9541,72 +8658,7 @@
         </p:nvSpPr>
         <p:spPr>
           <a:xfrm>
-            <a:off x="9132454" y="4639132"/>
-            <a:ext cx="889112" cy="276999"/>
-          </a:xfrm>
-          <a:prstGeom prst="rect">
-            <a:avLst/>
-          </a:prstGeom>
-          <a:solidFill>
-            <a:schemeClr val="accent4">
-              <a:alpha val="1000"/>
-            </a:schemeClr>
-          </a:solidFill>
-          <a:ln>
-            <a:noFill/>
-          </a:ln>
-          <a:effectLst/>
-        </p:spPr>
-        <p:txBody>
-          <a:bodyPr wrap="square">
-            <a:spAutoFit/>
-          </a:bodyPr>
-          <a:lstStyle/>
-          <a:p>
-            <a:pPr marL="0" marR="0" lvl="2" algn="ctr">
-              <a:spcAft>
-                <a:spcPts val="0"/>
-              </a:spcAft>
-              <a:buSzPts val="1200"/>
-              <a:tabLst>
-                <a:tab pos="533400" algn="l"/>
-              </a:tabLst>
-            </a:pPr>
-            <a:r>
-              <a:rPr lang="en-US" sz="1200" b="1" i="1" spc="-5" dirty="0">
-                <a:solidFill>
-                  <a:schemeClr val="bg1"/>
-                </a:solidFill>
-                <a:effectLst>
-                  <a:glow rad="127000">
-                    <a:schemeClr val="tx1">
-                      <a:alpha val="76000"/>
-                    </a:schemeClr>
-                  </a:glow>
-                </a:effectLst>
-                <a:ea typeface="Arial" panose="020B0604020202020204" pitchFamily="34" charset="0"/>
-                <a:cs typeface="Times New Roman" panose="02020603050405020304" pitchFamily="18" charset="0"/>
-              </a:rPr>
-              <a:t>Treat All</a:t>
-            </a:r>
-          </a:p>
-        </p:txBody>
-      </p:sp>
-      <p:sp>
-        <p:nvSpPr>
-          <p:cNvPr id="110" name="Rectangle 109">
-            <a:extLst>
-              <a:ext uri="{FF2B5EF4-FFF2-40B4-BE49-F238E27FC236}">
-                <a16:creationId xmlns:a16="http://schemas.microsoft.com/office/drawing/2014/main" id="{47D2E1F9-492A-4661-80CF-9CA58A53C157}"/>
-              </a:ext>
-            </a:extLst>
-          </p:cNvPr>
-          <p:cNvSpPr/>
-          <p:nvPr/>
-        </p:nvSpPr>
-        <p:spPr>
-          <a:xfrm>
-            <a:off x="7428371" y="4644432"/>
+            <a:off x="9583275" y="4327651"/>
             <a:ext cx="1609279" cy="461665"/>
           </a:xfrm>
           <a:prstGeom prst="rect">
@@ -9671,7 +8723,7 @@
         </p:nvSpPr>
         <p:spPr>
           <a:xfrm>
-            <a:off x="3178946" y="4188780"/>
+            <a:off x="2778896" y="4255455"/>
             <a:ext cx="1126415" cy="483500"/>
           </a:xfrm>
           <a:prstGeom prst="ellipse">
@@ -9717,8 +8769,8 @@
         </p:nvSpPr>
         <p:spPr>
           <a:xfrm>
-            <a:off x="2864060" y="4184564"/>
-            <a:ext cx="1745854" cy="461665"/>
+            <a:off x="2478701" y="4364733"/>
+            <a:ext cx="1745854" cy="276999"/>
           </a:xfrm>
           <a:prstGeom prst="rect">
             <a:avLst/>
@@ -9738,34 +8790,6 @@
             <a:spAutoFit/>
           </a:bodyPr>
           <a:lstStyle/>
-          <a:p>
-            <a:pPr marL="0" marR="0" lvl="2" algn="ctr">
-              <a:spcAft>
-                <a:spcPts val="0"/>
-              </a:spcAft>
-              <a:buSzPts val="1200"/>
-              <a:tabLst>
-                <a:tab pos="533400" algn="l"/>
-              </a:tabLst>
-            </a:pPr>
-            <a:r>
-              <a:rPr lang="en-US" sz="1200" b="1" i="1" spc="-5" dirty="0">
-                <a:solidFill>
-                  <a:schemeClr val="bg1"/>
-                </a:solidFill>
-                <a:effectLst>
-                  <a:glow rad="127000">
-                    <a:schemeClr val="tx1">
-                      <a:alpha val="76000"/>
-                    </a:schemeClr>
-                  </a:glow>
-                </a:effectLst>
-                <a:ea typeface="Arial" panose="020B0604020202020204" pitchFamily="34" charset="0"/>
-                <a:cs typeface="Times New Roman" panose="02020603050405020304" pitchFamily="18" charset="0"/>
-              </a:rPr>
-              <a:t>White House</a:t>
-            </a:r>
-          </a:p>
           <a:p>
             <a:pPr marL="0" marR="0" lvl="2" algn="ctr">
               <a:spcAft>
@@ -9798,10 +8822,10 @@
       </p:sp>
       <p:grpSp>
         <p:nvGrpSpPr>
-          <p:cNvPr id="123" name="Group 122">
-            <a:extLst>
-              <a:ext uri="{FF2B5EF4-FFF2-40B4-BE49-F238E27FC236}">
-                <a16:creationId xmlns:a16="http://schemas.microsoft.com/office/drawing/2014/main" id="{71AA6437-B75C-40DA-AE75-C91C64031F9A}"/>
+          <p:cNvPr id="7" name="Group 6">
+            <a:extLst>
+              <a:ext uri="{FF2B5EF4-FFF2-40B4-BE49-F238E27FC236}">
+                <a16:creationId xmlns:a16="http://schemas.microsoft.com/office/drawing/2014/main" id="{E4BFA6FD-BDB7-4B2F-9034-A92CB246E002}"/>
               </a:ext>
             </a:extLst>
           </p:cNvPr>
@@ -9810,18 +8834,48 @@
         </p:nvGrpSpPr>
         <p:grpSpPr>
           <a:xfrm>
-            <a:off x="2740412" y="5509242"/>
-            <a:ext cx="8115300" cy="1321313"/>
-            <a:chOff x="3674609" y="6334715"/>
-            <a:chExt cx="8115300" cy="1321313"/>
+            <a:off x="1056369" y="5484111"/>
+            <a:ext cx="10944225" cy="1348061"/>
+            <a:chOff x="1056369" y="5550786"/>
+            <a:chExt cx="10944225" cy="1348061"/>
           </a:xfrm>
         </p:grpSpPr>
         <p:pic>
           <p:nvPicPr>
-            <p:cNvPr id="124" name="Picture 123">
+            <p:cNvPr id="2" name="Picture 1">
               <a:extLst>
                 <a:ext uri="{FF2B5EF4-FFF2-40B4-BE49-F238E27FC236}">
-                  <a16:creationId xmlns:a16="http://schemas.microsoft.com/office/drawing/2014/main" id="{7F0DD3FA-7B44-48F2-A6D5-F6A9446A70EA}"/>
+                  <a16:creationId xmlns:a16="http://schemas.microsoft.com/office/drawing/2014/main" id="{86C052E0-9162-4924-B1AD-0C976A01B095}"/>
+                </a:ext>
+              </a:extLst>
+            </p:cNvPr>
+            <p:cNvPicPr>
+              <a:picLocks noChangeAspect="1"/>
+            </p:cNvPicPr>
+            <p:nvPr/>
+          </p:nvPicPr>
+          <p:blipFill>
+            <a:blip r:embed="rId18"/>
+            <a:stretch>
+              <a:fillRect/>
+            </a:stretch>
+          </p:blipFill>
+          <p:spPr>
+            <a:xfrm>
+              <a:off x="1056369" y="5550786"/>
+              <a:ext cx="10944225" cy="400050"/>
+            </a:xfrm>
+            <a:prstGeom prst="rect">
+              <a:avLst/>
+            </a:prstGeom>
+          </p:spPr>
+        </p:pic>
+        <p:pic>
+          <p:nvPicPr>
+            <p:cNvPr id="3" name="Picture 2">
+              <a:extLst>
+                <a:ext uri="{FF2B5EF4-FFF2-40B4-BE49-F238E27FC236}">
+                  <a16:creationId xmlns:a16="http://schemas.microsoft.com/office/drawing/2014/main" id="{A36B7D4C-75C8-44D1-BC5B-61B2D2AB3D10}"/>
                 </a:ext>
               </a:extLst>
             </p:cNvPr>
@@ -9838,55 +8892,197 @@
           </p:blipFill>
           <p:spPr>
             <a:xfrm>
-              <a:off x="3674609" y="6922603"/>
-              <a:ext cx="8115300" cy="733425"/>
+              <a:off x="1056369" y="5936822"/>
+              <a:ext cx="10944225" cy="962025"/>
             </a:xfrm>
             <a:prstGeom prst="rect">
               <a:avLst/>
             </a:prstGeom>
-            <a:ln>
-              <a:solidFill>
-                <a:schemeClr val="tx1"/>
-              </a:solidFill>
-            </a:ln>
-          </p:spPr>
-        </p:pic>
-        <p:pic>
-          <p:nvPicPr>
-            <p:cNvPr id="126" name="Picture 125">
-              <a:extLst>
-                <a:ext uri="{FF2B5EF4-FFF2-40B4-BE49-F238E27FC236}">
-                  <a16:creationId xmlns:a16="http://schemas.microsoft.com/office/drawing/2014/main" id="{BBA0E92F-B7A9-4D5B-A565-62EB609F0A0E}"/>
-                </a:ext>
-              </a:extLst>
-            </p:cNvPr>
-            <p:cNvPicPr>
-              <a:picLocks noChangeAspect="1"/>
-            </p:cNvPicPr>
-            <p:nvPr/>
-          </p:nvPicPr>
-          <p:blipFill>
-            <a:blip r:embed="rId20"/>
-            <a:stretch>
-              <a:fillRect/>
-            </a:stretch>
-          </p:blipFill>
-          <p:spPr>
-            <a:xfrm>
-              <a:off x="3674609" y="6334715"/>
-              <a:ext cx="8115300" cy="609600"/>
-            </a:xfrm>
-            <a:prstGeom prst="rect">
-              <a:avLst/>
-            </a:prstGeom>
-            <a:ln>
-              <a:solidFill>
-                <a:schemeClr val="tx1"/>
-              </a:solidFill>
-            </a:ln>
           </p:spPr>
         </p:pic>
       </p:grpSp>
+      <p:pic>
+        <p:nvPicPr>
+          <p:cNvPr id="89" name="Graphic 88" descr="Target Audience">
+            <a:extLst>
+              <a:ext uri="{FF2B5EF4-FFF2-40B4-BE49-F238E27FC236}">
+                <a16:creationId xmlns:a16="http://schemas.microsoft.com/office/drawing/2014/main" id="{75D1EB2C-36E6-476F-853D-C9C441B21BA7}"/>
+              </a:ext>
+            </a:extLst>
+          </p:cNvPr>
+          <p:cNvPicPr>
+            <a:picLocks noChangeAspect="1"/>
+          </p:cNvPicPr>
+          <p:nvPr/>
+        </p:nvPicPr>
+        <p:blipFill>
+          <a:blip r:embed="rId10" cstate="screen">
+            <a:extLst>
+              <a:ext uri="{28A0092B-C50C-407E-A947-70E740481C1C}">
+                <a14:useLocalDpi xmlns:a14="http://schemas.microsoft.com/office/drawing/2010/main"/>
+              </a:ext>
+              <a:ext uri="{96DAC541-7B7A-43D3-8B79-37D633B846F1}">
+                <asvg:svgBlip xmlns:asvg="http://schemas.microsoft.com/office/drawing/2016/SVG/main" r:embed="rId11"/>
+              </a:ext>
+            </a:extLst>
+          </a:blip>
+          <a:stretch>
+            <a:fillRect/>
+          </a:stretch>
+        </p:blipFill>
+        <p:spPr>
+          <a:xfrm>
+            <a:off x="10265909" y="5216457"/>
+            <a:ext cx="244012" cy="244012"/>
+          </a:xfrm>
+          <a:prstGeom prst="rect">
+            <a:avLst/>
+          </a:prstGeom>
+        </p:spPr>
+      </p:pic>
+      <p:pic>
+        <p:nvPicPr>
+          <p:cNvPr id="90" name="Graphic 89" descr="Bio hazard">
+            <a:extLst>
+              <a:ext uri="{FF2B5EF4-FFF2-40B4-BE49-F238E27FC236}">
+                <a16:creationId xmlns:a16="http://schemas.microsoft.com/office/drawing/2014/main" id="{D9C58936-9D15-4219-93E9-09BB7103CD60}"/>
+              </a:ext>
+            </a:extLst>
+          </p:cNvPr>
+          <p:cNvPicPr>
+            <a:picLocks noChangeAspect="1"/>
+          </p:cNvPicPr>
+          <p:nvPr/>
+        </p:nvPicPr>
+        <p:blipFill>
+          <a:blip r:embed="rId7" cstate="screen">
+            <a:extLst>
+              <a:ext uri="{28A0092B-C50C-407E-A947-70E740481C1C}">
+                <a14:useLocalDpi xmlns:a14="http://schemas.microsoft.com/office/drawing/2010/main"/>
+              </a:ext>
+              <a:ext uri="{96DAC541-7B7A-43D3-8B79-37D633B846F1}">
+                <asvg:svgBlip xmlns:asvg="http://schemas.microsoft.com/office/drawing/2016/SVG/main" r:embed="rId9"/>
+              </a:ext>
+            </a:extLst>
+          </a:blip>
+          <a:stretch>
+            <a:fillRect/>
+          </a:stretch>
+        </p:blipFill>
+        <p:spPr>
+          <a:xfrm>
+            <a:off x="7920305" y="5196773"/>
+            <a:ext cx="266116" cy="266116"/>
+          </a:xfrm>
+          <a:prstGeom prst="rect">
+            <a:avLst/>
+          </a:prstGeom>
+        </p:spPr>
+      </p:pic>
+      <p:pic>
+        <p:nvPicPr>
+          <p:cNvPr id="91" name="Graphic 90" descr="Target Audience">
+            <a:extLst>
+              <a:ext uri="{FF2B5EF4-FFF2-40B4-BE49-F238E27FC236}">
+                <a16:creationId xmlns:a16="http://schemas.microsoft.com/office/drawing/2014/main" id="{FEEFA139-460D-46CE-B023-52A8F73EAD02}"/>
+              </a:ext>
+            </a:extLst>
+          </p:cNvPr>
+          <p:cNvPicPr>
+            <a:picLocks noChangeAspect="1"/>
+          </p:cNvPicPr>
+          <p:nvPr/>
+        </p:nvPicPr>
+        <p:blipFill>
+          <a:blip r:embed="rId10" cstate="screen">
+            <a:extLst>
+              <a:ext uri="{28A0092B-C50C-407E-A947-70E740481C1C}">
+                <a14:useLocalDpi xmlns:a14="http://schemas.microsoft.com/office/drawing/2010/main"/>
+              </a:ext>
+              <a:ext uri="{96DAC541-7B7A-43D3-8B79-37D633B846F1}">
+                <asvg:svgBlip xmlns:asvg="http://schemas.microsoft.com/office/drawing/2016/SVG/main" r:embed="rId11"/>
+              </a:ext>
+            </a:extLst>
+          </a:blip>
+          <a:stretch>
+            <a:fillRect/>
+          </a:stretch>
+        </p:blipFill>
+        <p:spPr>
+          <a:xfrm>
+            <a:off x="8953012" y="5224956"/>
+            <a:ext cx="244012" cy="244012"/>
+          </a:xfrm>
+          <a:prstGeom prst="rect">
+            <a:avLst/>
+          </a:prstGeom>
+        </p:spPr>
+      </p:pic>
+      <p:sp>
+        <p:nvSpPr>
+          <p:cNvPr id="92" name="Rectangle 91">
+            <a:extLst>
+              <a:ext uri="{FF2B5EF4-FFF2-40B4-BE49-F238E27FC236}">
+                <a16:creationId xmlns:a16="http://schemas.microsoft.com/office/drawing/2014/main" id="{DA954B4A-BFAE-4C54-97C3-820067E287A2}"/>
+              </a:ext>
+            </a:extLst>
+          </p:cNvPr>
+          <p:cNvSpPr/>
+          <p:nvPr/>
+        </p:nvSpPr>
+        <p:spPr>
+          <a:xfrm>
+            <a:off x="8611269" y="4675631"/>
+            <a:ext cx="889112" cy="276999"/>
+          </a:xfrm>
+          <a:prstGeom prst="rect">
+            <a:avLst/>
+          </a:prstGeom>
+          <a:solidFill>
+            <a:schemeClr val="accent4">
+              <a:alpha val="1000"/>
+            </a:schemeClr>
+          </a:solidFill>
+          <a:ln>
+            <a:noFill/>
+          </a:ln>
+          <a:effectLst/>
+        </p:spPr>
+        <p:txBody>
+          <a:bodyPr wrap="square">
+            <a:spAutoFit/>
+          </a:bodyPr>
+          <a:lstStyle/>
+          <a:p>
+            <a:pPr marL="0" marR="0" lvl="2" algn="ctr">
+              <a:spcAft>
+                <a:spcPts val="0"/>
+              </a:spcAft>
+              <a:buSzPts val="1200"/>
+              <a:tabLst>
+                <a:tab pos="533400" algn="l"/>
+              </a:tabLst>
+            </a:pPr>
+            <a:r>
+              <a:rPr lang="en-US" sz="1200" b="1" i="1" spc="-5" dirty="0">
+                <a:solidFill>
+                  <a:schemeClr val="bg1"/>
+                </a:solidFill>
+                <a:effectLst>
+                  <a:glow rad="127000">
+                    <a:schemeClr val="tx1">
+                      <a:alpha val="76000"/>
+                    </a:schemeClr>
+                  </a:glow>
+                </a:effectLst>
+                <a:ea typeface="Arial" panose="020B0604020202020204" pitchFamily="34" charset="0"/>
+                <a:cs typeface="Times New Roman" panose="02020603050405020304" pitchFamily="18" charset="0"/>
+              </a:rPr>
+              <a:t>Decreasing</a:t>
+            </a:r>
+          </a:p>
+        </p:txBody>
+      </p:sp>
     </p:spTree>
     <p:extLst>
       <p:ext uri="{BB962C8B-B14F-4D97-AF65-F5344CB8AC3E}">
@@ -10091,1193 +9287,12 @@
           </a:prstGeom>
         </p:spPr>
       </p:pic>
-      <p:pic>
-        <p:nvPicPr>
-          <p:cNvPr id="89" name="Graphic 88" descr="Target Audience">
-            <a:extLst>
-              <a:ext uri="{FF2B5EF4-FFF2-40B4-BE49-F238E27FC236}">
-                <a16:creationId xmlns:a16="http://schemas.microsoft.com/office/drawing/2014/main" id="{35B31CD6-B824-44E6-AE42-F224996E042E}"/>
-              </a:ext>
-            </a:extLst>
-          </p:cNvPr>
-          <p:cNvPicPr>
-            <a:picLocks noChangeAspect="1"/>
-          </p:cNvPicPr>
-          <p:nvPr/>
-        </p:nvPicPr>
-        <p:blipFill>
-          <a:blip r:embed="rId3" cstate="screen">
-            <a:extLst>
-              <a:ext uri="{28A0092B-C50C-407E-A947-70E740481C1C}">
-                <a14:useLocalDpi xmlns:a14="http://schemas.microsoft.com/office/drawing/2010/main"/>
-              </a:ext>
-              <a:ext uri="{96DAC541-7B7A-43D3-8B79-37D633B846F1}">
-                <asvg:svgBlip xmlns:asvg="http://schemas.microsoft.com/office/drawing/2016/SVG/main" r:embed="rId4"/>
-              </a:ext>
-            </a:extLst>
-          </a:blip>
-          <a:stretch>
-            <a:fillRect/>
-          </a:stretch>
-        </p:blipFill>
-        <p:spPr>
-          <a:xfrm>
-            <a:off x="8382404" y="2494037"/>
-            <a:ext cx="244012" cy="244012"/>
-          </a:xfrm>
-          <a:prstGeom prst="rect">
-            <a:avLst/>
-          </a:prstGeom>
-        </p:spPr>
-      </p:pic>
-      <p:pic>
-        <p:nvPicPr>
-          <p:cNvPr id="90" name="Graphic 89" descr="Group of people">
-            <a:extLst>
-              <a:ext uri="{FF2B5EF4-FFF2-40B4-BE49-F238E27FC236}">
-                <a16:creationId xmlns:a16="http://schemas.microsoft.com/office/drawing/2014/main" id="{424F752B-61E9-48F7-A424-82677A52D882}"/>
-              </a:ext>
-            </a:extLst>
-          </p:cNvPr>
-          <p:cNvPicPr>
-            <a:picLocks noChangeAspect="1"/>
-          </p:cNvPicPr>
-          <p:nvPr/>
-        </p:nvPicPr>
-        <p:blipFill>
-          <a:blip r:embed="rId5" cstate="screen">
-            <a:extLst>
-              <a:ext uri="{28A0092B-C50C-407E-A947-70E740481C1C}">
-                <a14:useLocalDpi xmlns:a14="http://schemas.microsoft.com/office/drawing/2010/main"/>
-              </a:ext>
-              <a:ext uri="{96DAC541-7B7A-43D3-8B79-37D633B846F1}">
-                <asvg:svgBlip xmlns:asvg="http://schemas.microsoft.com/office/drawing/2016/SVG/main" r:embed="rId6"/>
-              </a:ext>
-            </a:extLst>
-          </a:blip>
-          <a:stretch>
-            <a:fillRect/>
-          </a:stretch>
-        </p:blipFill>
-        <p:spPr>
-          <a:xfrm>
-            <a:off x="9060019" y="2457919"/>
-            <a:ext cx="266116" cy="266116"/>
-          </a:xfrm>
-          <a:prstGeom prst="rect">
-            <a:avLst/>
-          </a:prstGeom>
-        </p:spPr>
-      </p:pic>
-      <p:pic>
-        <p:nvPicPr>
-          <p:cNvPr id="92" name="Graphic 91" descr="Bio hazard">
-            <a:extLst>
-              <a:ext uri="{FF2B5EF4-FFF2-40B4-BE49-F238E27FC236}">
-                <a16:creationId xmlns:a16="http://schemas.microsoft.com/office/drawing/2014/main" id="{26C7161F-9A8D-4971-A852-873DDC854008}"/>
-              </a:ext>
-            </a:extLst>
-          </p:cNvPr>
-          <p:cNvPicPr>
-            <a:picLocks noChangeAspect="1"/>
-          </p:cNvPicPr>
-          <p:nvPr/>
-        </p:nvPicPr>
-        <p:blipFill>
-          <a:blip r:embed="rId7" cstate="screen">
-            <a:extLst>
-              <a:ext uri="{28A0092B-C50C-407E-A947-70E740481C1C}">
-                <a14:useLocalDpi xmlns:a14="http://schemas.microsoft.com/office/drawing/2010/main"/>
-              </a:ext>
-              <a:ext uri="{96DAC541-7B7A-43D3-8B79-37D633B846F1}">
-                <asvg:svgBlip xmlns:asvg="http://schemas.microsoft.com/office/drawing/2016/SVG/main" r:embed="rId8"/>
-              </a:ext>
-            </a:extLst>
-          </a:blip>
-          <a:stretch>
-            <a:fillRect/>
-          </a:stretch>
-        </p:blipFill>
-        <p:spPr>
-          <a:xfrm>
-            <a:off x="7312469" y="2474360"/>
-            <a:ext cx="266116" cy="266116"/>
-          </a:xfrm>
-          <a:prstGeom prst="rect">
-            <a:avLst/>
-          </a:prstGeom>
-        </p:spPr>
-      </p:pic>
-      <p:pic>
-        <p:nvPicPr>
-          <p:cNvPr id="93" name="Graphic 92" descr="Bio hazard">
-            <a:extLst>
-              <a:ext uri="{FF2B5EF4-FFF2-40B4-BE49-F238E27FC236}">
-                <a16:creationId xmlns:a16="http://schemas.microsoft.com/office/drawing/2014/main" id="{82D87769-84C9-4159-A6D2-3070915D6380}"/>
-              </a:ext>
-            </a:extLst>
-          </p:cNvPr>
-          <p:cNvPicPr>
-            <a:picLocks noChangeAspect="1"/>
-          </p:cNvPicPr>
-          <p:nvPr/>
-        </p:nvPicPr>
-        <p:blipFill>
-          <a:blip r:embed="rId7" cstate="screen">
-            <a:extLst>
-              <a:ext uri="{28A0092B-C50C-407E-A947-70E740481C1C}">
-                <a14:useLocalDpi xmlns:a14="http://schemas.microsoft.com/office/drawing/2010/main"/>
-              </a:ext>
-              <a:ext uri="{96DAC541-7B7A-43D3-8B79-37D633B846F1}">
-                <asvg:svgBlip xmlns:asvg="http://schemas.microsoft.com/office/drawing/2016/SVG/main" r:embed="rId8"/>
-              </a:ext>
-            </a:extLst>
-          </a:blip>
-          <a:stretch>
-            <a:fillRect/>
-          </a:stretch>
-        </p:blipFill>
-        <p:spPr>
-          <a:xfrm>
-            <a:off x="7788392" y="2473043"/>
-            <a:ext cx="266116" cy="266116"/>
-          </a:xfrm>
-          <a:prstGeom prst="rect">
-            <a:avLst/>
-          </a:prstGeom>
-        </p:spPr>
-      </p:pic>
-      <p:pic>
-        <p:nvPicPr>
-          <p:cNvPr id="94" name="Graphic 93" descr="Medical">
-            <a:extLst>
-              <a:ext uri="{FF2B5EF4-FFF2-40B4-BE49-F238E27FC236}">
-                <a16:creationId xmlns:a16="http://schemas.microsoft.com/office/drawing/2014/main" id="{E914B07B-A5D2-47DA-A7E9-E55BA80A3576}"/>
-              </a:ext>
-            </a:extLst>
-          </p:cNvPr>
-          <p:cNvPicPr>
-            <a:picLocks noChangeAspect="1"/>
-          </p:cNvPicPr>
-          <p:nvPr/>
-        </p:nvPicPr>
-        <p:blipFill>
-          <a:blip r:embed="rId9" cstate="screen">
-            <a:extLst>
-              <a:ext uri="{28A0092B-C50C-407E-A947-70E740481C1C}">
-                <a14:useLocalDpi xmlns:a14="http://schemas.microsoft.com/office/drawing/2010/main"/>
-              </a:ext>
-              <a:ext uri="{96DAC541-7B7A-43D3-8B79-37D633B846F1}">
-                <asvg:svgBlip xmlns:asvg="http://schemas.microsoft.com/office/drawing/2016/SVG/main" r:embed="rId10"/>
-              </a:ext>
-            </a:extLst>
-          </a:blip>
-          <a:stretch>
-            <a:fillRect/>
-          </a:stretch>
-        </p:blipFill>
-        <p:spPr>
-          <a:xfrm>
-            <a:off x="9744373" y="2467389"/>
-            <a:ext cx="268213" cy="268213"/>
-          </a:xfrm>
-          <a:prstGeom prst="rect">
-            <a:avLst/>
-          </a:prstGeom>
-        </p:spPr>
-      </p:pic>
-      <p:pic>
-        <p:nvPicPr>
-          <p:cNvPr id="96" name="Graphic 95" descr="Bar chart">
-            <a:extLst>
-              <a:ext uri="{FF2B5EF4-FFF2-40B4-BE49-F238E27FC236}">
-                <a16:creationId xmlns:a16="http://schemas.microsoft.com/office/drawing/2014/main" id="{4E2C7BAB-7F3A-41A5-B523-75246C30E3E7}"/>
-              </a:ext>
-            </a:extLst>
-          </p:cNvPr>
-          <p:cNvPicPr>
-            <a:picLocks noChangeAspect="1"/>
-          </p:cNvPicPr>
-          <p:nvPr/>
-        </p:nvPicPr>
-        <p:blipFill>
-          <a:blip r:embed="rId11" cstate="email">
-            <a:extLst>
-              <a:ext uri="{28A0092B-C50C-407E-A947-70E740481C1C}">
-                <a14:useLocalDpi xmlns:a14="http://schemas.microsoft.com/office/drawing/2010/main"/>
-              </a:ext>
-              <a:ext uri="{96DAC541-7B7A-43D3-8B79-37D633B846F1}">
-                <asvg:svgBlip xmlns:asvg="http://schemas.microsoft.com/office/drawing/2016/SVG/main" r:embed="rId12"/>
-              </a:ext>
-            </a:extLst>
-          </a:blip>
-          <a:stretch>
-            <a:fillRect/>
-          </a:stretch>
-        </p:blipFill>
-        <p:spPr>
-          <a:xfrm>
-            <a:off x="5704577" y="2495147"/>
-            <a:ext cx="244012" cy="244012"/>
-          </a:xfrm>
-          <a:prstGeom prst="rect">
-            <a:avLst/>
-          </a:prstGeom>
-        </p:spPr>
-      </p:pic>
-      <p:pic>
-        <p:nvPicPr>
-          <p:cNvPr id="105" name="Graphic 104" descr="Bio hazard">
-            <a:extLst>
-              <a:ext uri="{FF2B5EF4-FFF2-40B4-BE49-F238E27FC236}">
-                <a16:creationId xmlns:a16="http://schemas.microsoft.com/office/drawing/2014/main" id="{A1F6E275-C557-4B70-BA16-001AF9E7AFDE}"/>
-              </a:ext>
-            </a:extLst>
-          </p:cNvPr>
-          <p:cNvPicPr>
-            <a:picLocks noChangeAspect="1"/>
-          </p:cNvPicPr>
-          <p:nvPr/>
-        </p:nvPicPr>
-        <p:blipFill>
-          <a:blip r:embed="rId7" cstate="screen">
-            <a:extLst>
-              <a:ext uri="{28A0092B-C50C-407E-A947-70E740481C1C}">
-                <a14:useLocalDpi xmlns:a14="http://schemas.microsoft.com/office/drawing/2010/main"/>
-              </a:ext>
-              <a:ext uri="{96DAC541-7B7A-43D3-8B79-37D633B846F1}">
-                <asvg:svgBlip xmlns:asvg="http://schemas.microsoft.com/office/drawing/2016/SVG/main" r:embed="rId8"/>
-              </a:ext>
-            </a:extLst>
-          </a:blip>
-          <a:stretch>
-            <a:fillRect/>
-          </a:stretch>
-        </p:blipFill>
-        <p:spPr>
-          <a:xfrm>
-            <a:off x="6719400" y="2482724"/>
-            <a:ext cx="266116" cy="266116"/>
-          </a:xfrm>
-          <a:prstGeom prst="rect">
-            <a:avLst/>
-          </a:prstGeom>
-        </p:spPr>
-      </p:pic>
-      <p:pic>
-        <p:nvPicPr>
-          <p:cNvPr id="108" name="Picture 107" descr="A picture containing drawing, knife&#10;&#10;Description automatically generated">
-            <a:extLst>
-              <a:ext uri="{FF2B5EF4-FFF2-40B4-BE49-F238E27FC236}">
-                <a16:creationId xmlns:a16="http://schemas.microsoft.com/office/drawing/2014/main" id="{2BDDE0DB-3877-4A60-B868-F042684EF078}"/>
-              </a:ext>
-            </a:extLst>
-          </p:cNvPr>
-          <p:cNvPicPr>
-            <a:picLocks noChangeAspect="1"/>
-          </p:cNvPicPr>
-          <p:nvPr/>
-        </p:nvPicPr>
-        <p:blipFill>
-          <a:blip r:embed="rId13" cstate="screen">
-            <a:extLst>
-              <a:ext uri="{28A0092B-C50C-407E-A947-70E740481C1C}">
-                <a14:useLocalDpi xmlns:a14="http://schemas.microsoft.com/office/drawing/2010/main"/>
-              </a:ext>
-            </a:extLst>
-          </a:blip>
-          <a:stretch>
-            <a:fillRect/>
-          </a:stretch>
-        </p:blipFill>
-        <p:spPr>
-          <a:xfrm>
-            <a:off x="10304219" y="2404248"/>
-            <a:ext cx="706828" cy="327804"/>
-          </a:xfrm>
-          <a:prstGeom prst="rect">
-            <a:avLst/>
-          </a:prstGeom>
-        </p:spPr>
-      </p:pic>
-      <p:sp>
-        <p:nvSpPr>
-          <p:cNvPr id="119" name="Rectangle 118">
-            <a:extLst>
-              <a:ext uri="{FF2B5EF4-FFF2-40B4-BE49-F238E27FC236}">
-                <a16:creationId xmlns:a16="http://schemas.microsoft.com/office/drawing/2014/main" id="{0C2C8741-D219-4DD7-8C28-6165F1E82228}"/>
-              </a:ext>
-            </a:extLst>
-          </p:cNvPr>
-          <p:cNvSpPr/>
-          <p:nvPr/>
-        </p:nvSpPr>
-        <p:spPr>
-          <a:xfrm>
-            <a:off x="1345846" y="1414164"/>
-            <a:ext cx="1507353" cy="584775"/>
-          </a:xfrm>
-          <a:prstGeom prst="rect">
-            <a:avLst/>
-          </a:prstGeom>
-          <a:solidFill>
-            <a:srgbClr val="FFFFCC"/>
-          </a:solidFill>
-          <a:ln>
-            <a:solidFill>
-              <a:schemeClr val="tx1"/>
-            </a:solidFill>
-          </a:ln>
-        </p:spPr>
-        <p:txBody>
-          <a:bodyPr wrap="square">
-            <a:spAutoFit/>
-          </a:bodyPr>
-          <a:lstStyle/>
-          <a:p>
-            <a:pPr marL="0" marR="0" lvl="2" algn="ctr">
-              <a:spcAft>
-                <a:spcPts val="0"/>
-              </a:spcAft>
-              <a:buSzPts val="1200"/>
-              <a:tabLst>
-                <a:tab pos="533400" algn="l"/>
-              </a:tabLst>
-            </a:pPr>
-            <a:r>
-              <a:rPr lang="en-US" sz="1600" b="1" spc="-5" dirty="0">
-                <a:ea typeface="Arial" panose="020B0604020202020204" pitchFamily="34" charset="0"/>
-                <a:cs typeface="Times New Roman" panose="02020603050405020304" pitchFamily="18" charset="0"/>
-              </a:rPr>
-              <a:t>Return to Work</a:t>
-            </a:r>
-          </a:p>
-          <a:p>
-            <a:pPr marL="0" marR="0" lvl="2" algn="ctr">
-              <a:spcAft>
-                <a:spcPts val="0"/>
-              </a:spcAft>
-              <a:buSzPts val="1200"/>
-              <a:tabLst>
-                <a:tab pos="533400" algn="l"/>
-              </a:tabLst>
-            </a:pPr>
-            <a:r>
-              <a:rPr lang="en-US" sz="1600" b="1" i="1" spc="-5" dirty="0">
-                <a:ea typeface="Arial" panose="020B0604020202020204" pitchFamily="34" charset="0"/>
-                <a:cs typeface="Times New Roman" panose="02020603050405020304" pitchFamily="18" charset="0"/>
-              </a:rPr>
-              <a:t>Phase 1</a:t>
-            </a:r>
-            <a:endParaRPr lang="en-US" sz="1600" b="1" i="1" dirty="0">
-              <a:ea typeface="Arial" panose="020B0604020202020204" pitchFamily="34" charset="0"/>
-              <a:cs typeface="Times New Roman" panose="02020603050405020304" pitchFamily="18" charset="0"/>
-            </a:endParaRPr>
-          </a:p>
-        </p:txBody>
-      </p:sp>
-      <p:sp>
-        <p:nvSpPr>
-          <p:cNvPr id="120" name="Rectangle 119">
-            <a:extLst>
-              <a:ext uri="{FF2B5EF4-FFF2-40B4-BE49-F238E27FC236}">
-                <a16:creationId xmlns:a16="http://schemas.microsoft.com/office/drawing/2014/main" id="{40CDD35A-B5A4-43FB-AA34-48774DF38D9E}"/>
-              </a:ext>
-            </a:extLst>
-          </p:cNvPr>
-          <p:cNvSpPr/>
-          <p:nvPr/>
-        </p:nvSpPr>
-        <p:spPr>
-          <a:xfrm>
-            <a:off x="7283256" y="1099975"/>
-            <a:ext cx="1610543" cy="338554"/>
-          </a:xfrm>
-          <a:prstGeom prst="rect">
-            <a:avLst/>
-          </a:prstGeom>
-          <a:solidFill>
-            <a:srgbClr val="FFFFCC"/>
-          </a:solidFill>
-          <a:ln>
-            <a:solidFill>
-              <a:schemeClr val="tx1"/>
-            </a:solidFill>
-          </a:ln>
-        </p:spPr>
-        <p:txBody>
-          <a:bodyPr wrap="square">
-            <a:spAutoFit/>
-          </a:bodyPr>
-          <a:lstStyle/>
-          <a:p>
-            <a:pPr marL="0" marR="0" lvl="2" algn="ctr">
-              <a:spcBef>
-                <a:spcPts val="600"/>
-              </a:spcBef>
-              <a:spcAft>
-                <a:spcPts val="0"/>
-              </a:spcAft>
-              <a:buSzPts val="1200"/>
-              <a:tabLst>
-                <a:tab pos="533400" algn="l"/>
-              </a:tabLst>
-            </a:pPr>
-            <a:r>
-              <a:rPr lang="en-US" sz="1600" b="1" spc="-5" dirty="0">
-                <a:ea typeface="Arial" panose="020B0604020202020204" pitchFamily="34" charset="0"/>
-                <a:cs typeface="Times New Roman" panose="02020603050405020304" pitchFamily="18" charset="0"/>
-              </a:rPr>
-              <a:t>Case Trajectory?</a:t>
-            </a:r>
-            <a:endParaRPr lang="en-US" sz="1600" b="1" dirty="0">
-              <a:ea typeface="Arial" panose="020B0604020202020204" pitchFamily="34" charset="0"/>
-              <a:cs typeface="Times New Roman" panose="02020603050405020304" pitchFamily="18" charset="0"/>
-            </a:endParaRPr>
-          </a:p>
-        </p:txBody>
-      </p:sp>
-      <p:sp>
-        <p:nvSpPr>
-          <p:cNvPr id="121" name="Rectangle 120">
-            <a:extLst>
-              <a:ext uri="{FF2B5EF4-FFF2-40B4-BE49-F238E27FC236}">
-                <a16:creationId xmlns:a16="http://schemas.microsoft.com/office/drawing/2014/main" id="{63DB9819-E7BD-4B93-83E7-CC49E6B84BB1}"/>
-              </a:ext>
-            </a:extLst>
-          </p:cNvPr>
-          <p:cNvSpPr/>
-          <p:nvPr/>
-        </p:nvSpPr>
-        <p:spPr>
-          <a:xfrm>
-            <a:off x="6104224" y="1532512"/>
-            <a:ext cx="1737903" cy="338554"/>
-          </a:xfrm>
-          <a:prstGeom prst="rect">
-            <a:avLst/>
-          </a:prstGeom>
-          <a:solidFill>
-            <a:srgbClr val="FFFFCC"/>
-          </a:solidFill>
-          <a:ln>
-            <a:solidFill>
-              <a:schemeClr val="tx1"/>
-            </a:solidFill>
-          </a:ln>
-        </p:spPr>
-        <p:txBody>
-          <a:bodyPr wrap="square">
-            <a:spAutoFit/>
-          </a:bodyPr>
-          <a:lstStyle/>
-          <a:p>
-            <a:pPr marL="0" marR="0" lvl="2" algn="ctr">
-              <a:spcBef>
-                <a:spcPts val="600"/>
-              </a:spcBef>
-              <a:spcAft>
-                <a:spcPts val="0"/>
-              </a:spcAft>
-              <a:buSzPts val="1200"/>
-              <a:tabLst>
-                <a:tab pos="533400" algn="l"/>
-              </a:tabLst>
-            </a:pPr>
-            <a:r>
-              <a:rPr lang="en-US" sz="1600" b="1" spc="-5" dirty="0">
-                <a:ea typeface="Arial" panose="020B0604020202020204" pitchFamily="34" charset="0"/>
-                <a:cs typeface="Times New Roman" panose="02020603050405020304" pitchFamily="18" charset="0"/>
-              </a:rPr>
-              <a:t>Medical Capacity?</a:t>
-            </a:r>
-            <a:endParaRPr lang="en-US" sz="1600" b="1" dirty="0">
-              <a:ea typeface="Arial" panose="020B0604020202020204" pitchFamily="34" charset="0"/>
-              <a:cs typeface="Times New Roman" panose="02020603050405020304" pitchFamily="18" charset="0"/>
-            </a:endParaRPr>
-          </a:p>
-        </p:txBody>
-      </p:sp>
-      <p:sp>
-        <p:nvSpPr>
-          <p:cNvPr id="122" name="Rectangle 121">
-            <a:extLst>
-              <a:ext uri="{FF2B5EF4-FFF2-40B4-BE49-F238E27FC236}">
-                <a16:creationId xmlns:a16="http://schemas.microsoft.com/office/drawing/2014/main" id="{94A0033B-62F7-433C-99E0-DA98C4B52FB9}"/>
-              </a:ext>
-            </a:extLst>
-          </p:cNvPr>
-          <p:cNvSpPr/>
-          <p:nvPr/>
-        </p:nvSpPr>
-        <p:spPr>
-          <a:xfrm>
-            <a:off x="5173235" y="1989127"/>
-            <a:ext cx="1507353" cy="338554"/>
-          </a:xfrm>
-          <a:prstGeom prst="rect">
-            <a:avLst/>
-          </a:prstGeom>
-          <a:solidFill>
-            <a:srgbClr val="FFFFCC"/>
-          </a:solidFill>
-          <a:ln>
-            <a:solidFill>
-              <a:schemeClr val="tx1"/>
-            </a:solidFill>
-          </a:ln>
-        </p:spPr>
-        <p:txBody>
-          <a:bodyPr wrap="square">
-            <a:spAutoFit/>
-          </a:bodyPr>
-          <a:lstStyle/>
-          <a:p>
-            <a:pPr marL="0" marR="0" lvl="2" algn="ctr">
-              <a:spcBef>
-                <a:spcPts val="600"/>
-              </a:spcBef>
-              <a:spcAft>
-                <a:spcPts val="0"/>
-              </a:spcAft>
-              <a:buSzPts val="1200"/>
-              <a:tabLst>
-                <a:tab pos="533400" algn="l"/>
-              </a:tabLst>
-            </a:pPr>
-            <a:r>
-              <a:rPr lang="en-US" sz="1600" b="1" spc="-5" dirty="0">
-                <a:ea typeface="Arial" panose="020B0604020202020204" pitchFamily="34" charset="0"/>
-                <a:cs typeface="Times New Roman" panose="02020603050405020304" pitchFamily="18" charset="0"/>
-              </a:rPr>
-              <a:t>Robust Testing?</a:t>
-            </a:r>
-            <a:endParaRPr lang="en-US" sz="1600" b="1" dirty="0">
-              <a:ea typeface="Arial" panose="020B0604020202020204" pitchFamily="34" charset="0"/>
-              <a:cs typeface="Times New Roman" panose="02020603050405020304" pitchFamily="18" charset="0"/>
-            </a:endParaRPr>
-          </a:p>
-        </p:txBody>
-      </p:sp>
-      <p:cxnSp>
-        <p:nvCxnSpPr>
-          <p:cNvPr id="125" name="Connector: Elbow 124">
-            <a:extLst>
-              <a:ext uri="{FF2B5EF4-FFF2-40B4-BE49-F238E27FC236}">
-                <a16:creationId xmlns:a16="http://schemas.microsoft.com/office/drawing/2014/main" id="{2DF01F14-13F2-4AA6-99B2-AF84358442F9}"/>
-              </a:ext>
-            </a:extLst>
-          </p:cNvPr>
-          <p:cNvCxnSpPr>
-            <a:cxnSpLocks/>
-            <a:stCxn id="122" idx="3"/>
-            <a:endCxn id="89" idx="0"/>
-          </p:cNvCxnSpPr>
-          <p:nvPr/>
-        </p:nvCxnSpPr>
-        <p:spPr>
-          <a:xfrm>
-            <a:off x="6680588" y="2158404"/>
-            <a:ext cx="1823822" cy="335633"/>
-          </a:xfrm>
-          <a:prstGeom prst="bentConnector2">
-            <a:avLst/>
-          </a:prstGeom>
-          <a:ln w="19050">
-            <a:solidFill>
-              <a:schemeClr val="tx1"/>
-            </a:solidFill>
-            <a:tailEnd type="triangle"/>
-          </a:ln>
-        </p:spPr>
-        <p:style>
-          <a:lnRef idx="1">
-            <a:schemeClr val="accent1"/>
-          </a:lnRef>
-          <a:fillRef idx="0">
-            <a:schemeClr val="accent1"/>
-          </a:fillRef>
-          <a:effectRef idx="0">
-            <a:schemeClr val="accent1"/>
-          </a:effectRef>
-          <a:fontRef idx="minor">
-            <a:schemeClr val="tx1"/>
-          </a:fontRef>
-        </p:style>
-      </p:cxnSp>
-      <p:cxnSp>
-        <p:nvCxnSpPr>
-          <p:cNvPr id="127" name="Connector: Elbow 126">
-            <a:extLst>
-              <a:ext uri="{FF2B5EF4-FFF2-40B4-BE49-F238E27FC236}">
-                <a16:creationId xmlns:a16="http://schemas.microsoft.com/office/drawing/2014/main" id="{FB193430-D88B-4AE4-878D-7BA7F3E368BD}"/>
-              </a:ext>
-            </a:extLst>
-          </p:cNvPr>
-          <p:cNvCxnSpPr>
-            <a:cxnSpLocks/>
-            <a:stCxn id="121" idx="3"/>
-            <a:endCxn id="94" idx="0"/>
-          </p:cNvCxnSpPr>
-          <p:nvPr/>
-        </p:nvCxnSpPr>
-        <p:spPr>
-          <a:xfrm>
-            <a:off x="7842127" y="1701789"/>
-            <a:ext cx="2036353" cy="765600"/>
-          </a:xfrm>
-          <a:prstGeom prst="bentConnector2">
-            <a:avLst/>
-          </a:prstGeom>
-          <a:ln w="19050">
-            <a:solidFill>
-              <a:schemeClr val="tx1"/>
-            </a:solidFill>
-            <a:tailEnd type="triangle"/>
-          </a:ln>
-        </p:spPr>
-        <p:style>
-          <a:lnRef idx="1">
-            <a:schemeClr val="accent1"/>
-          </a:lnRef>
-          <a:fillRef idx="0">
-            <a:schemeClr val="accent1"/>
-          </a:fillRef>
-          <a:effectRef idx="0">
-            <a:schemeClr val="accent1"/>
-          </a:effectRef>
-          <a:fontRef idx="minor">
-            <a:schemeClr val="tx1"/>
-          </a:fontRef>
-        </p:style>
-      </p:cxnSp>
-      <p:cxnSp>
-        <p:nvCxnSpPr>
-          <p:cNvPr id="136" name="Connector: Elbow 135">
-            <a:extLst>
-              <a:ext uri="{FF2B5EF4-FFF2-40B4-BE49-F238E27FC236}">
-                <a16:creationId xmlns:a16="http://schemas.microsoft.com/office/drawing/2014/main" id="{5851B0BB-6DF2-4FB2-B129-5B308FEE357F}"/>
-              </a:ext>
-            </a:extLst>
-          </p:cNvPr>
-          <p:cNvCxnSpPr>
-            <a:cxnSpLocks/>
-            <a:stCxn id="120" idx="3"/>
-            <a:endCxn id="108" idx="0"/>
-          </p:cNvCxnSpPr>
-          <p:nvPr/>
-        </p:nvCxnSpPr>
-        <p:spPr>
-          <a:xfrm>
-            <a:off x="8893799" y="1269252"/>
-            <a:ext cx="1763834" cy="1134996"/>
-          </a:xfrm>
-          <a:prstGeom prst="bentConnector2">
-            <a:avLst/>
-          </a:prstGeom>
-          <a:ln w="19050">
-            <a:solidFill>
-              <a:schemeClr val="tx1"/>
-            </a:solidFill>
-            <a:tailEnd type="triangle"/>
-          </a:ln>
-        </p:spPr>
-        <p:style>
-          <a:lnRef idx="1">
-            <a:schemeClr val="accent1"/>
-          </a:lnRef>
-          <a:fillRef idx="0">
-            <a:schemeClr val="accent1"/>
-          </a:fillRef>
-          <a:effectRef idx="0">
-            <a:schemeClr val="accent1"/>
-          </a:effectRef>
-          <a:fontRef idx="minor">
-            <a:schemeClr val="tx1"/>
-          </a:fontRef>
-        </p:style>
-      </p:cxnSp>
-      <p:cxnSp>
-        <p:nvCxnSpPr>
-          <p:cNvPr id="150" name="Connector: Elbow 149">
-            <a:extLst>
-              <a:ext uri="{FF2B5EF4-FFF2-40B4-BE49-F238E27FC236}">
-                <a16:creationId xmlns:a16="http://schemas.microsoft.com/office/drawing/2014/main" id="{9EC04EB9-9718-41A9-9D58-17454CFD6BC3}"/>
-              </a:ext>
-            </a:extLst>
-          </p:cNvPr>
-          <p:cNvCxnSpPr>
-            <a:stCxn id="119" idx="3"/>
-            <a:endCxn id="122" idx="1"/>
-          </p:cNvCxnSpPr>
-          <p:nvPr/>
-        </p:nvCxnSpPr>
-        <p:spPr>
-          <a:xfrm>
-            <a:off x="2853199" y="1706552"/>
-            <a:ext cx="2320036" cy="451852"/>
-          </a:xfrm>
-          <a:prstGeom prst="bentConnector3">
-            <a:avLst/>
-          </a:prstGeom>
-          <a:ln w="19050">
-            <a:solidFill>
-              <a:schemeClr val="tx1"/>
-            </a:solidFill>
-            <a:tailEnd type="triangle"/>
-          </a:ln>
-        </p:spPr>
-        <p:style>
-          <a:lnRef idx="1">
-            <a:schemeClr val="accent1"/>
-          </a:lnRef>
-          <a:fillRef idx="0">
-            <a:schemeClr val="accent1"/>
-          </a:fillRef>
-          <a:effectRef idx="0">
-            <a:schemeClr val="accent1"/>
-          </a:effectRef>
-          <a:fontRef idx="minor">
-            <a:schemeClr val="tx1"/>
-          </a:fontRef>
-        </p:style>
-      </p:cxnSp>
-      <p:cxnSp>
-        <p:nvCxnSpPr>
-          <p:cNvPr id="151" name="Connector: Elbow 150">
-            <a:extLst>
-              <a:ext uri="{FF2B5EF4-FFF2-40B4-BE49-F238E27FC236}">
-                <a16:creationId xmlns:a16="http://schemas.microsoft.com/office/drawing/2014/main" id="{FA4819AC-7B49-41E3-929D-D87007B9C50D}"/>
-              </a:ext>
-            </a:extLst>
-          </p:cNvPr>
-          <p:cNvCxnSpPr>
-            <a:cxnSpLocks/>
-            <a:stCxn id="119" idx="3"/>
-            <a:endCxn id="121" idx="1"/>
-          </p:cNvCxnSpPr>
-          <p:nvPr/>
-        </p:nvCxnSpPr>
-        <p:spPr>
-          <a:xfrm flipV="1">
-            <a:off x="2853199" y="1701789"/>
-            <a:ext cx="3251025" cy="4763"/>
-          </a:xfrm>
-          <a:prstGeom prst="bentConnector3">
-            <a:avLst>
-              <a:gd name="adj1" fmla="val 50000"/>
-            </a:avLst>
-          </a:prstGeom>
-          <a:ln w="19050">
-            <a:solidFill>
-              <a:schemeClr val="tx1"/>
-            </a:solidFill>
-            <a:tailEnd type="triangle"/>
-          </a:ln>
-        </p:spPr>
-        <p:style>
-          <a:lnRef idx="1">
-            <a:schemeClr val="accent1"/>
-          </a:lnRef>
-          <a:fillRef idx="0">
-            <a:schemeClr val="accent1"/>
-          </a:fillRef>
-          <a:effectRef idx="0">
-            <a:schemeClr val="accent1"/>
-          </a:effectRef>
-          <a:fontRef idx="minor">
-            <a:schemeClr val="tx1"/>
-          </a:fontRef>
-        </p:style>
-      </p:cxnSp>
-      <p:cxnSp>
-        <p:nvCxnSpPr>
-          <p:cNvPr id="152" name="Connector: Elbow 151">
-            <a:extLst>
-              <a:ext uri="{FF2B5EF4-FFF2-40B4-BE49-F238E27FC236}">
-                <a16:creationId xmlns:a16="http://schemas.microsoft.com/office/drawing/2014/main" id="{12C621BB-709B-4860-99DB-065CAC070F19}"/>
-              </a:ext>
-            </a:extLst>
-          </p:cNvPr>
-          <p:cNvCxnSpPr>
-            <a:cxnSpLocks/>
-            <a:stCxn id="119" idx="3"/>
-            <a:endCxn id="120" idx="1"/>
-          </p:cNvCxnSpPr>
-          <p:nvPr/>
-        </p:nvCxnSpPr>
-        <p:spPr>
-          <a:xfrm flipV="1">
-            <a:off x="2853199" y="1269252"/>
-            <a:ext cx="4430057" cy="437300"/>
-          </a:xfrm>
-          <a:prstGeom prst="bentConnector3">
-            <a:avLst>
-              <a:gd name="adj1" fmla="val 26242"/>
-            </a:avLst>
-          </a:prstGeom>
-          <a:ln w="19050">
-            <a:solidFill>
-              <a:schemeClr val="tx1"/>
-            </a:solidFill>
-            <a:tailEnd type="triangle"/>
-          </a:ln>
-        </p:spPr>
-        <p:style>
-          <a:lnRef idx="1">
-            <a:schemeClr val="accent1"/>
-          </a:lnRef>
-          <a:fillRef idx="0">
-            <a:schemeClr val="accent1"/>
-          </a:fillRef>
-          <a:effectRef idx="0">
-            <a:schemeClr val="accent1"/>
-          </a:effectRef>
-          <a:fontRef idx="minor">
-            <a:schemeClr val="tx1"/>
-          </a:fontRef>
-        </p:style>
-      </p:cxnSp>
-      <p:sp>
-        <p:nvSpPr>
-          <p:cNvPr id="168" name="Rectangle 167">
-            <a:extLst>
-              <a:ext uri="{FF2B5EF4-FFF2-40B4-BE49-F238E27FC236}">
-                <a16:creationId xmlns:a16="http://schemas.microsoft.com/office/drawing/2014/main" id="{247E7522-066B-4978-B9BF-9DD0A1D6A56D}"/>
-              </a:ext>
-            </a:extLst>
-          </p:cNvPr>
-          <p:cNvSpPr/>
-          <p:nvPr/>
-        </p:nvSpPr>
-        <p:spPr>
-          <a:xfrm>
-            <a:off x="10236318" y="1673035"/>
-            <a:ext cx="889112" cy="276999"/>
-          </a:xfrm>
-          <a:prstGeom prst="rect">
-            <a:avLst/>
-          </a:prstGeom>
-          <a:solidFill>
-            <a:schemeClr val="accent4">
-              <a:alpha val="1000"/>
-            </a:schemeClr>
-          </a:solidFill>
-          <a:ln>
-            <a:noFill/>
-          </a:ln>
-          <a:effectLst/>
-        </p:spPr>
-        <p:txBody>
-          <a:bodyPr wrap="square">
-            <a:spAutoFit/>
-          </a:bodyPr>
-          <a:lstStyle/>
-          <a:p>
-            <a:pPr marL="0" marR="0" lvl="2" algn="ctr">
-              <a:spcAft>
-                <a:spcPts val="0"/>
-              </a:spcAft>
-              <a:buSzPts val="1200"/>
-              <a:tabLst>
-                <a:tab pos="533400" algn="l"/>
-              </a:tabLst>
-            </a:pPr>
-            <a:r>
-              <a:rPr lang="en-US" sz="1200" b="1" i="1" spc="-5" dirty="0">
-                <a:solidFill>
-                  <a:schemeClr val="bg1"/>
-                </a:solidFill>
-                <a:effectLst>
-                  <a:glow rad="127000">
-                    <a:schemeClr val="tx1">
-                      <a:alpha val="76000"/>
-                    </a:schemeClr>
-                  </a:glow>
-                </a:effectLst>
-                <a:ea typeface="Arial" panose="020B0604020202020204" pitchFamily="34" charset="0"/>
-                <a:cs typeface="Times New Roman" panose="02020603050405020304" pitchFamily="18" charset="0"/>
-              </a:rPr>
-              <a:t>Decreasing</a:t>
-            </a:r>
-          </a:p>
-        </p:txBody>
-      </p:sp>
-      <p:sp>
-        <p:nvSpPr>
-          <p:cNvPr id="169" name="Rectangle 168">
-            <a:extLst>
-              <a:ext uri="{FF2B5EF4-FFF2-40B4-BE49-F238E27FC236}">
-                <a16:creationId xmlns:a16="http://schemas.microsoft.com/office/drawing/2014/main" id="{8E113023-8D66-45E6-956C-303934B628BC}"/>
-              </a:ext>
-            </a:extLst>
-          </p:cNvPr>
-          <p:cNvSpPr/>
-          <p:nvPr/>
-        </p:nvSpPr>
-        <p:spPr>
-          <a:xfrm>
-            <a:off x="9402172" y="1916886"/>
-            <a:ext cx="889112" cy="276999"/>
-          </a:xfrm>
-          <a:prstGeom prst="rect">
-            <a:avLst/>
-          </a:prstGeom>
-          <a:solidFill>
-            <a:schemeClr val="accent4">
-              <a:alpha val="1000"/>
-            </a:schemeClr>
-          </a:solidFill>
-          <a:ln>
-            <a:noFill/>
-          </a:ln>
-          <a:effectLst/>
-        </p:spPr>
-        <p:txBody>
-          <a:bodyPr wrap="square">
-            <a:spAutoFit/>
-          </a:bodyPr>
-          <a:lstStyle/>
-          <a:p>
-            <a:pPr marL="0" marR="0" lvl="2" algn="ctr">
-              <a:spcAft>
-                <a:spcPts val="0"/>
-              </a:spcAft>
-              <a:buSzPts val="1200"/>
-              <a:tabLst>
-                <a:tab pos="533400" algn="l"/>
-              </a:tabLst>
-            </a:pPr>
-            <a:r>
-              <a:rPr lang="en-US" sz="1200" b="1" i="1" spc="-5" dirty="0">
-                <a:solidFill>
-                  <a:schemeClr val="bg1"/>
-                </a:solidFill>
-                <a:effectLst>
-                  <a:glow rad="127000">
-                    <a:schemeClr val="tx1">
-                      <a:alpha val="76000"/>
-                    </a:schemeClr>
-                  </a:glow>
-                </a:effectLst>
-                <a:ea typeface="Arial" panose="020B0604020202020204" pitchFamily="34" charset="0"/>
-                <a:cs typeface="Times New Roman" panose="02020603050405020304" pitchFamily="18" charset="0"/>
-              </a:rPr>
-              <a:t>Treat All</a:t>
-            </a:r>
-          </a:p>
-        </p:txBody>
-      </p:sp>
-      <p:sp>
-        <p:nvSpPr>
-          <p:cNvPr id="170" name="Rectangle 169">
-            <a:extLst>
-              <a:ext uri="{FF2B5EF4-FFF2-40B4-BE49-F238E27FC236}">
-                <a16:creationId xmlns:a16="http://schemas.microsoft.com/office/drawing/2014/main" id="{83FF6E8C-668F-4533-997A-91A026198702}"/>
-              </a:ext>
-            </a:extLst>
-          </p:cNvPr>
-          <p:cNvSpPr/>
-          <p:nvPr/>
-        </p:nvSpPr>
-        <p:spPr>
-          <a:xfrm>
-            <a:off x="7698089" y="1922186"/>
-            <a:ext cx="1609279" cy="461665"/>
-          </a:xfrm>
-          <a:prstGeom prst="rect">
-            <a:avLst/>
-          </a:prstGeom>
-          <a:solidFill>
-            <a:schemeClr val="accent4">
-              <a:alpha val="1000"/>
-            </a:schemeClr>
-          </a:solidFill>
-          <a:ln>
-            <a:noFill/>
-          </a:ln>
-          <a:effectLst/>
-        </p:spPr>
-        <p:txBody>
-          <a:bodyPr wrap="square">
-            <a:spAutoFit/>
-          </a:bodyPr>
-          <a:lstStyle/>
-          <a:p>
-            <a:pPr marL="0" marR="0" lvl="2" algn="ctr">
-              <a:spcAft>
-                <a:spcPts val="0"/>
-              </a:spcAft>
-              <a:buSzPts val="1200"/>
-              <a:tabLst>
-                <a:tab pos="533400" algn="l"/>
-              </a:tabLst>
-            </a:pPr>
-            <a:r>
-              <a:rPr lang="en-US" sz="1200" b="1" i="1" spc="-5" dirty="0">
-                <a:solidFill>
-                  <a:schemeClr val="bg1"/>
-                </a:solidFill>
-                <a:effectLst>
-                  <a:glow rad="127000">
-                    <a:schemeClr val="tx1">
-                      <a:alpha val="76000"/>
-                    </a:schemeClr>
-                  </a:glow>
-                </a:effectLst>
-                <a:ea typeface="Arial" panose="020B0604020202020204" pitchFamily="34" charset="0"/>
-                <a:cs typeface="Times New Roman" panose="02020603050405020304" pitchFamily="18" charset="0"/>
-              </a:rPr>
-              <a:t>Cases /Day  &lt;  10% of Total Tests/Day </a:t>
-            </a:r>
-          </a:p>
-        </p:txBody>
-      </p:sp>
-      <p:sp>
-        <p:nvSpPr>
-          <p:cNvPr id="2" name="Oval 1">
-            <a:extLst>
-              <a:ext uri="{FF2B5EF4-FFF2-40B4-BE49-F238E27FC236}">
-                <a16:creationId xmlns:a16="http://schemas.microsoft.com/office/drawing/2014/main" id="{2BA74395-69B6-4AF9-B6F4-D7CA8CCC7F62}"/>
-              </a:ext>
-            </a:extLst>
-          </p:cNvPr>
-          <p:cNvSpPr/>
-          <p:nvPr/>
-        </p:nvSpPr>
-        <p:spPr>
-          <a:xfrm>
-            <a:off x="3448664" y="1466534"/>
-            <a:ext cx="1126415" cy="483500"/>
-          </a:xfrm>
-          <a:prstGeom prst="ellipse">
-            <a:avLst/>
-          </a:prstGeom>
-        </p:spPr>
-        <p:style>
-          <a:lnRef idx="2">
-            <a:schemeClr val="accent1">
-              <a:shade val="50000"/>
-            </a:schemeClr>
-          </a:lnRef>
-          <a:fillRef idx="1">
-            <a:schemeClr val="accent1"/>
-          </a:fillRef>
-          <a:effectRef idx="0">
-            <a:schemeClr val="accent1"/>
-          </a:effectRef>
-          <a:fontRef idx="minor">
-            <a:schemeClr val="lt1"/>
-          </a:fontRef>
-        </p:style>
-        <p:txBody>
-          <a:bodyPr rtlCol="0" anchor="ctr"/>
-          <a:lstStyle/>
-          <a:p>
-            <a:pPr algn="ctr"/>
-            <a:endParaRPr lang="en-US"/>
-          </a:p>
-        </p:txBody>
-      </p:sp>
-      <p:sp>
-        <p:nvSpPr>
-          <p:cNvPr id="71" name="Rectangle 70">
-            <a:extLst>
-              <a:ext uri="{FF2B5EF4-FFF2-40B4-BE49-F238E27FC236}">
-                <a16:creationId xmlns:a16="http://schemas.microsoft.com/office/drawing/2014/main" id="{13DBBF21-4BBF-4F2A-BA14-3F6672EF3A02}"/>
-              </a:ext>
-            </a:extLst>
-          </p:cNvPr>
-          <p:cNvSpPr/>
-          <p:nvPr/>
-        </p:nvSpPr>
-        <p:spPr>
-          <a:xfrm>
-            <a:off x="3133778" y="1462318"/>
-            <a:ext cx="1745854" cy="461665"/>
-          </a:xfrm>
-          <a:prstGeom prst="rect">
-            <a:avLst/>
-          </a:prstGeom>
-          <a:solidFill>
-            <a:schemeClr val="accent4">
-              <a:alpha val="1000"/>
-            </a:schemeClr>
-          </a:solidFill>
-          <a:ln>
-            <a:noFill/>
-          </a:ln>
-          <a:effectLst/>
-        </p:spPr>
-        <p:txBody>
-          <a:bodyPr wrap="square">
-            <a:spAutoFit/>
-          </a:bodyPr>
-          <a:lstStyle/>
-          <a:p>
-            <a:pPr marL="0" marR="0" lvl="2" algn="ctr">
-              <a:spcAft>
-                <a:spcPts val="0"/>
-              </a:spcAft>
-              <a:buSzPts val="1200"/>
-              <a:tabLst>
-                <a:tab pos="533400" algn="l"/>
-              </a:tabLst>
-            </a:pPr>
-            <a:r>
-              <a:rPr lang="en-US" sz="1200" b="1" i="1" spc="-5" dirty="0">
-                <a:solidFill>
-                  <a:schemeClr val="bg1"/>
-                </a:solidFill>
-                <a:effectLst>
-                  <a:glow rad="127000">
-                    <a:schemeClr val="tx1">
-                      <a:alpha val="76000"/>
-                    </a:schemeClr>
-                  </a:glow>
-                </a:effectLst>
-                <a:ea typeface="Arial" panose="020B0604020202020204" pitchFamily="34" charset="0"/>
-                <a:cs typeface="Times New Roman" panose="02020603050405020304" pitchFamily="18" charset="0"/>
-              </a:rPr>
-              <a:t>White House</a:t>
-            </a:r>
-          </a:p>
-          <a:p>
-            <a:pPr marL="0" marR="0" lvl="2" algn="ctr">
-              <a:spcAft>
-                <a:spcPts val="0"/>
-              </a:spcAft>
-              <a:buSzPts val="1200"/>
-              <a:tabLst>
-                <a:tab pos="533400" algn="l"/>
-              </a:tabLst>
-            </a:pPr>
-            <a:r>
-              <a:rPr lang="en-US" sz="1200" b="1" i="1" spc="-5" dirty="0">
-                <a:solidFill>
-                  <a:schemeClr val="bg1"/>
-                </a:solidFill>
-                <a:effectLst>
-                  <a:glow rad="127000">
-                    <a:schemeClr val="tx1">
-                      <a:alpha val="76000"/>
-                    </a:schemeClr>
-                  </a:glow>
-                </a:effectLst>
-                <a:ea typeface="Arial" panose="020B0604020202020204" pitchFamily="34" charset="0"/>
-                <a:cs typeface="Times New Roman" panose="02020603050405020304" pitchFamily="18" charset="0"/>
-              </a:rPr>
-              <a:t>Gating Criteria</a:t>
-            </a:r>
-          </a:p>
-        </p:txBody>
-      </p:sp>
-      <p:sp>
-        <p:nvSpPr>
-          <p:cNvPr id="8" name="TextBox 7">
-            <a:extLst>
-              <a:ext uri="{FF2B5EF4-FFF2-40B4-BE49-F238E27FC236}">
-                <a16:creationId xmlns:a16="http://schemas.microsoft.com/office/drawing/2014/main" id="{363D167E-253F-4B90-8B8E-C625D5E07375}"/>
+      <p:sp>
+        <p:nvSpPr>
+          <p:cNvPr id="95" name="TextBox 94">
+            <a:extLst>
+              <a:ext uri="{FF2B5EF4-FFF2-40B4-BE49-F238E27FC236}">
+                <a16:creationId xmlns:a16="http://schemas.microsoft.com/office/drawing/2014/main" id="{AC89AD36-6215-4CB1-BA63-10E7844CD72C}"/>
               </a:ext>
             </a:extLst>
           </p:cNvPr>
@@ -11286,8 +9301,8 @@
         </p:nvSpPr>
         <p:spPr>
           <a:xfrm>
-            <a:off x="76706" y="5147233"/>
-            <a:ext cx="4310789" cy="1600438"/>
+            <a:off x="2537419" y="5893614"/>
+            <a:ext cx="3796225" cy="307777"/>
           </a:xfrm>
           <a:prstGeom prst="rect">
             <a:avLst/>
@@ -11306,150 +9321,18 @@
           <a:lstStyle/>
           <a:p>
             <a:r>
-              <a:rPr lang="en-US" sz="1400" b="1" u="sng" dirty="0"/>
-              <a:t>Testing</a:t>
-            </a:r>
-            <a:r>
-              <a:rPr lang="en-US" sz="1400" dirty="0"/>
-              <a:t> = Confidence in case/death rates</a:t>
-            </a:r>
-          </a:p>
-          <a:p>
-            <a:pPr>
-              <a:tabLst>
-                <a:tab pos="1147763" algn="l"/>
-              </a:tabLst>
-            </a:pPr>
-            <a:r>
-              <a:rPr lang="en-US" sz="1400" b="1" u="sng" dirty="0"/>
-              <a:t>WHO goal </a:t>
-            </a:r>
-            <a:r>
-              <a:rPr lang="en-US" sz="1400" dirty="0"/>
-              <a:t>= New cases per day is &lt; 10% of Tests per day </a:t>
-            </a:r>
-          </a:p>
-          <a:p>
-            <a:pPr>
-              <a:tabLst>
-                <a:tab pos="804863" algn="l"/>
-                <a:tab pos="1147763" algn="l"/>
-              </a:tabLst>
-            </a:pPr>
-            <a:r>
-              <a:rPr lang="en-US" sz="1400" b="1" u="sng" dirty="0"/>
-              <a:t>Grades</a:t>
-            </a:r>
-            <a:r>
-              <a:rPr lang="en-US" sz="1400" dirty="0"/>
-              <a:t>:  	A = Exceeds 3% </a:t>
-            </a:r>
-            <a:r>
-              <a:rPr lang="en-US" sz="1000" i="1" dirty="0"/>
-              <a:t>Epidemiological Standard</a:t>
-            </a:r>
-            <a:endParaRPr lang="en-US" sz="1400" i="1" dirty="0"/>
-          </a:p>
-          <a:p>
-            <a:pPr>
-              <a:tabLst>
-                <a:tab pos="804863" algn="l"/>
-                <a:tab pos="1147763" algn="l"/>
-              </a:tabLst>
-            </a:pPr>
-            <a:r>
-              <a:rPr lang="en-US" sz="1400" dirty="0"/>
-              <a:t>	B = 3-7 %</a:t>
-            </a:r>
-          </a:p>
-          <a:p>
-            <a:pPr>
-              <a:tabLst>
-                <a:tab pos="804863" algn="l"/>
-                <a:tab pos="1147763" algn="l"/>
-              </a:tabLst>
-            </a:pPr>
-            <a:r>
-              <a:rPr lang="en-US" sz="1400" dirty="0"/>
-              <a:t>	C = 7-12%</a:t>
-            </a:r>
-          </a:p>
-          <a:p>
-            <a:pPr>
-              <a:tabLst>
-                <a:tab pos="804863" algn="l"/>
-                <a:tab pos="1147763" algn="l"/>
-              </a:tabLst>
-            </a:pPr>
-            <a:r>
-              <a:rPr lang="en-US" sz="1400" dirty="0"/>
-              <a:t>	D = 12-16%</a:t>
-            </a:r>
-          </a:p>
-          <a:p>
-            <a:pPr>
-              <a:tabLst>
-                <a:tab pos="804863" algn="l"/>
-                <a:tab pos="1147763" algn="l"/>
-              </a:tabLst>
-            </a:pPr>
-            <a:r>
-              <a:rPr lang="en-US" sz="1400" dirty="0"/>
-              <a:t>	F = &gt; 16% </a:t>
-            </a:r>
-            <a:r>
-              <a:rPr lang="en-US" sz="1050" i="1" dirty="0"/>
-              <a:t>(US Average is 20%)</a:t>
-            </a:r>
-            <a:endParaRPr lang="en-US" sz="1400" i="1" dirty="0"/>
-          </a:p>
-        </p:txBody>
-      </p:sp>
-      <p:pic>
-        <p:nvPicPr>
-          <p:cNvPr id="70" name="Graphic 69" descr="Target Audience">
-            <a:extLst>
-              <a:ext uri="{FF2B5EF4-FFF2-40B4-BE49-F238E27FC236}">
-                <a16:creationId xmlns:a16="http://schemas.microsoft.com/office/drawing/2014/main" id="{6655EC2F-7525-4519-A99F-E77460880291}"/>
-              </a:ext>
-            </a:extLst>
-          </p:cNvPr>
-          <p:cNvPicPr>
-            <a:picLocks noChangeAspect="1"/>
-          </p:cNvPicPr>
-          <p:nvPr/>
-        </p:nvPicPr>
-        <p:blipFill>
-          <a:blip r:embed="rId3" cstate="screen">
-            <a:extLst>
-              <a:ext uri="{28A0092B-C50C-407E-A947-70E740481C1C}">
-                <a14:useLocalDpi xmlns:a14="http://schemas.microsoft.com/office/drawing/2010/main"/>
-              </a:ext>
-              <a:ext uri="{96DAC541-7B7A-43D3-8B79-37D633B846F1}">
-                <asvg:svgBlip xmlns:asvg="http://schemas.microsoft.com/office/drawing/2016/SVG/main" r:embed="rId4"/>
-              </a:ext>
-            </a:extLst>
-          </a:blip>
-          <a:stretch>
-            <a:fillRect/>
-          </a:stretch>
-        </p:blipFill>
-        <p:spPr>
-          <a:xfrm>
-            <a:off x="145385" y="5949501"/>
-            <a:ext cx="548881" cy="548881"/>
-          </a:xfrm>
-          <a:prstGeom prst="rect">
-            <a:avLst/>
-          </a:prstGeom>
-        </p:spPr>
-      </p:pic>
-      <p:sp>
-        <p:nvSpPr>
-          <p:cNvPr id="95" name="TextBox 94">
-            <a:extLst>
-              <a:ext uri="{FF2B5EF4-FFF2-40B4-BE49-F238E27FC236}">
-                <a16:creationId xmlns:a16="http://schemas.microsoft.com/office/drawing/2014/main" id="{AC89AD36-6215-4CB1-BA63-10E7844CD72C}"/>
+              <a:rPr lang="en-US" sz="1400" b="1" dirty="0"/>
+              <a:t>5. (State) 7-Day Testing Over/Under Target Rate</a:t>
+            </a:r>
+          </a:p>
+        </p:txBody>
+      </p:sp>
+      <p:sp>
+        <p:nvSpPr>
+          <p:cNvPr id="97" name="TextBox 96">
+            <a:extLst>
+              <a:ext uri="{FF2B5EF4-FFF2-40B4-BE49-F238E27FC236}">
+                <a16:creationId xmlns:a16="http://schemas.microsoft.com/office/drawing/2014/main" id="{41AE19D9-031A-4DE7-8A0A-D87ABAF1671E}"/>
               </a:ext>
             </a:extLst>
           </p:cNvPr>
@@ -11458,8 +9341,8 @@
         </p:nvSpPr>
         <p:spPr>
           <a:xfrm>
-            <a:off x="5518521" y="6064553"/>
-            <a:ext cx="4647212" cy="307777"/>
+            <a:off x="1295401" y="4556848"/>
+            <a:ext cx="3397056" cy="307777"/>
           </a:xfrm>
           <a:prstGeom prst="rect">
             <a:avLst/>
@@ -11479,127 +9362,7 @@
           <a:p>
             <a:r>
               <a:rPr lang="en-US" sz="1400" b="1" dirty="0"/>
-              <a:t>6. (State) 14-Day Case Trajectory</a:t>
-            </a:r>
-          </a:p>
-        </p:txBody>
-      </p:sp>
-      <p:sp>
-        <p:nvSpPr>
-          <p:cNvPr id="97" name="TextBox 96">
-            <a:extLst>
-              <a:ext uri="{FF2B5EF4-FFF2-40B4-BE49-F238E27FC236}">
-                <a16:creationId xmlns:a16="http://schemas.microsoft.com/office/drawing/2014/main" id="{41AE19D9-031A-4DE7-8A0A-D87ABAF1671E}"/>
-              </a:ext>
-            </a:extLst>
-          </p:cNvPr>
-          <p:cNvSpPr txBox="1"/>
-          <p:nvPr/>
-        </p:nvSpPr>
-        <p:spPr>
-          <a:xfrm>
-            <a:off x="4031931" y="4556848"/>
-            <a:ext cx="3251325" cy="307777"/>
-          </a:xfrm>
-          <a:prstGeom prst="rect">
-            <a:avLst/>
-          </a:prstGeom>
-          <a:noFill/>
-          <a:ln>
-            <a:solidFill>
-              <a:schemeClr val="tx1"/>
-            </a:solidFill>
-          </a:ln>
-        </p:spPr>
-        <p:txBody>
-          <a:bodyPr wrap="square" rtlCol="0">
-            <a:spAutoFit/>
-          </a:bodyPr>
-          <a:lstStyle/>
-          <a:p>
-            <a:r>
-              <a:rPr lang="en-US" sz="1400" b="1" dirty="0"/>
-              <a:t>2. (Local Area) 7-Day Case &amp; Death Rates</a:t>
-            </a:r>
-          </a:p>
-        </p:txBody>
-      </p:sp>
-      <p:sp>
-        <p:nvSpPr>
-          <p:cNvPr id="98" name="TextBox 97">
-            <a:extLst>
-              <a:ext uri="{FF2B5EF4-FFF2-40B4-BE49-F238E27FC236}">
-                <a16:creationId xmlns:a16="http://schemas.microsoft.com/office/drawing/2014/main" id="{1AAF71EE-0D42-41BD-BA67-93F7023C2B71}"/>
-              </a:ext>
-            </a:extLst>
-          </p:cNvPr>
-          <p:cNvSpPr txBox="1"/>
-          <p:nvPr/>
-        </p:nvSpPr>
-        <p:spPr>
-          <a:xfrm>
-            <a:off x="4555031" y="4928579"/>
-            <a:ext cx="1750079" cy="307777"/>
-          </a:xfrm>
-          <a:prstGeom prst="rect">
-            <a:avLst/>
-          </a:prstGeom>
-          <a:noFill/>
-          <a:ln>
-            <a:solidFill>
-              <a:schemeClr val="tx1"/>
-            </a:solidFill>
-          </a:ln>
-        </p:spPr>
-        <p:txBody>
-          <a:bodyPr wrap="square" rtlCol="0">
-            <a:spAutoFit/>
-          </a:bodyPr>
-          <a:lstStyle/>
-          <a:p>
-            <a:r>
-              <a:rPr lang="en-US" sz="1400" b="1" dirty="0"/>
-              <a:t>3. (State) Test Rates</a:t>
-            </a:r>
-          </a:p>
-        </p:txBody>
-      </p:sp>
-      <p:sp>
-        <p:nvSpPr>
-          <p:cNvPr id="99" name="TextBox 98">
-            <a:extLst>
-              <a:ext uri="{FF2B5EF4-FFF2-40B4-BE49-F238E27FC236}">
-                <a16:creationId xmlns:a16="http://schemas.microsoft.com/office/drawing/2014/main" id="{D31396EB-4023-42DB-94CF-E5968722AC3A}"/>
-              </a:ext>
-            </a:extLst>
-          </p:cNvPr>
-          <p:cNvSpPr txBox="1"/>
-          <p:nvPr/>
-        </p:nvSpPr>
-        <p:spPr>
-          <a:xfrm>
-            <a:off x="5173235" y="5693248"/>
-            <a:ext cx="4647211" cy="307777"/>
-          </a:xfrm>
-          <a:prstGeom prst="rect">
-            <a:avLst/>
-          </a:prstGeom>
-          <a:noFill/>
-          <a:ln>
-            <a:solidFill>
-              <a:schemeClr val="tx1"/>
-            </a:solidFill>
-          </a:ln>
-        </p:spPr>
-        <p:txBody>
-          <a:bodyPr wrap="square" rtlCol="0">
-            <a:spAutoFit/>
-          </a:bodyPr>
-          <a:lstStyle/>
-          <a:p>
-            <a:r>
-              <a:rPr lang="en-US" sz="1400" b="1" dirty="0"/>
-              <a:t>5. (Local Area) Medical Capacity Assessment and Projections</a:t>
+              <a:t>2. (Local Area) Average Cases/Day &amp; Trends</a:t>
             </a:r>
           </a:p>
         </p:txBody>
@@ -11616,105 +9379,14 @@
           <p:cNvCxnSpPr>
             <a:cxnSpLocks/>
             <a:stCxn id="97" idx="3"/>
+            <a:endCxn id="102" idx="4"/>
           </p:cNvCxnSpPr>
           <p:nvPr/>
         </p:nvCxnSpPr>
         <p:spPr>
           <a:xfrm flipV="1">
-            <a:off x="7283256" y="4136003"/>
-            <a:ext cx="162271" cy="574734"/>
-          </a:xfrm>
-          <a:prstGeom prst="bentConnector2">
-            <a:avLst/>
-          </a:prstGeom>
-          <a:ln w="19050">
-            <a:solidFill>
-              <a:schemeClr val="tx1"/>
-            </a:solidFill>
-            <a:tailEnd type="triangle"/>
-          </a:ln>
-        </p:spPr>
-        <p:style>
-          <a:lnRef idx="1">
-            <a:schemeClr val="accent1"/>
-          </a:lnRef>
-          <a:fillRef idx="0">
-            <a:schemeClr val="accent1"/>
-          </a:fillRef>
-          <a:effectRef idx="0">
-            <a:schemeClr val="accent1"/>
-          </a:effectRef>
-          <a:fontRef idx="minor">
-            <a:schemeClr val="tx1"/>
-          </a:fontRef>
-        </p:style>
-      </p:cxnSp>
-      <p:cxnSp>
-        <p:nvCxnSpPr>
-          <p:cNvPr id="100" name="Connector: Elbow 99">
-            <a:extLst>
-              <a:ext uri="{FF2B5EF4-FFF2-40B4-BE49-F238E27FC236}">
-                <a16:creationId xmlns:a16="http://schemas.microsoft.com/office/drawing/2014/main" id="{A18EFB6A-F9E8-475A-B0E5-594F1B52D6A8}"/>
-              </a:ext>
-            </a:extLst>
-          </p:cNvPr>
-          <p:cNvCxnSpPr>
-            <a:cxnSpLocks/>
-            <a:stCxn id="98" idx="3"/>
-          </p:cNvCxnSpPr>
-          <p:nvPr/>
-        </p:nvCxnSpPr>
-        <p:spPr>
-          <a:xfrm flipV="1">
-            <a:off x="6305110" y="4156218"/>
-            <a:ext cx="2198395" cy="926250"/>
-          </a:xfrm>
-          <a:prstGeom prst="bentConnector3">
-            <a:avLst>
-              <a:gd name="adj1" fmla="val 100067"/>
-            </a:avLst>
-          </a:prstGeom>
-          <a:ln w="19050">
-            <a:solidFill>
-              <a:schemeClr val="tx1"/>
-            </a:solidFill>
-            <a:tailEnd type="triangle"/>
-          </a:ln>
-        </p:spPr>
-        <p:style>
-          <a:lnRef idx="1">
-            <a:schemeClr val="accent1"/>
-          </a:lnRef>
-          <a:fillRef idx="0">
-            <a:schemeClr val="accent1"/>
-          </a:fillRef>
-          <a:effectRef idx="0">
-            <a:schemeClr val="accent1"/>
-          </a:effectRef>
-          <a:fontRef idx="minor">
-            <a:schemeClr val="tx1"/>
-          </a:fontRef>
-        </p:style>
-      </p:cxnSp>
-      <p:cxnSp>
-        <p:nvCxnSpPr>
-          <p:cNvPr id="101" name="Connector: Elbow 100">
-            <a:extLst>
-              <a:ext uri="{FF2B5EF4-FFF2-40B4-BE49-F238E27FC236}">
-                <a16:creationId xmlns:a16="http://schemas.microsoft.com/office/drawing/2014/main" id="{18F6D3FD-C956-4A04-9270-F2FAA944789A}"/>
-              </a:ext>
-            </a:extLst>
-          </p:cNvPr>
-          <p:cNvCxnSpPr>
-            <a:cxnSpLocks/>
-            <a:stCxn id="99" idx="3"/>
-          </p:cNvCxnSpPr>
-          <p:nvPr/>
-        </p:nvCxnSpPr>
-        <p:spPr>
-          <a:xfrm flipV="1">
-            <a:off x="9820446" y="4132191"/>
-            <a:ext cx="58034" cy="1714946"/>
+            <a:off x="4692457" y="4135404"/>
+            <a:ext cx="362241" cy="575333"/>
           </a:xfrm>
           <a:prstGeom prst="bentConnector2">
             <a:avLst/>
@@ -11753,13 +9425,14 @@
           <p:cNvCxnSpPr>
             <a:cxnSpLocks/>
             <a:stCxn id="95" idx="3"/>
+            <a:endCxn id="109" idx="4"/>
           </p:cNvCxnSpPr>
           <p:nvPr/>
         </p:nvCxnSpPr>
         <p:spPr>
           <a:xfrm flipV="1">
-            <a:off x="10165733" y="4150130"/>
-            <a:ext cx="551965" cy="2068312"/>
+            <a:off x="6333644" y="4135826"/>
+            <a:ext cx="3922174" cy="1911677"/>
           </a:xfrm>
           <a:prstGeom prst="bentConnector2">
             <a:avLst/>
@@ -11786,97 +9459,6 @@
           </a:fontRef>
         </p:style>
       </p:cxnSp>
-      <p:grpSp>
-        <p:nvGrpSpPr>
-          <p:cNvPr id="4" name="Group 3">
-            <a:extLst>
-              <a:ext uri="{FF2B5EF4-FFF2-40B4-BE49-F238E27FC236}">
-                <a16:creationId xmlns:a16="http://schemas.microsoft.com/office/drawing/2014/main" id="{690E736D-B40F-4C64-BC44-02D79396B34C}"/>
-              </a:ext>
-            </a:extLst>
-          </p:cNvPr>
-          <p:cNvGrpSpPr/>
-          <p:nvPr/>
-        </p:nvGrpSpPr>
-        <p:grpSpPr>
-          <a:xfrm>
-            <a:off x="3010130" y="2786996"/>
-            <a:ext cx="8115300" cy="1321313"/>
-            <a:chOff x="3674609" y="6334715"/>
-            <a:chExt cx="8115300" cy="1321313"/>
-          </a:xfrm>
-        </p:grpSpPr>
-        <p:pic>
-          <p:nvPicPr>
-            <p:cNvPr id="3" name="Picture 2">
-              <a:extLst>
-                <a:ext uri="{FF2B5EF4-FFF2-40B4-BE49-F238E27FC236}">
-                  <a16:creationId xmlns:a16="http://schemas.microsoft.com/office/drawing/2014/main" id="{9421C792-9153-4B84-BDAF-E026037A09EE}"/>
-                </a:ext>
-              </a:extLst>
-            </p:cNvPr>
-            <p:cNvPicPr>
-              <a:picLocks noChangeAspect="1"/>
-            </p:cNvPicPr>
-            <p:nvPr/>
-          </p:nvPicPr>
-          <p:blipFill>
-            <a:blip r:embed="rId14"/>
-            <a:stretch>
-              <a:fillRect/>
-            </a:stretch>
-          </p:blipFill>
-          <p:spPr>
-            <a:xfrm>
-              <a:off x="3674609" y="6922603"/>
-              <a:ext cx="8115300" cy="733425"/>
-            </a:xfrm>
-            <a:prstGeom prst="rect">
-              <a:avLst/>
-            </a:prstGeom>
-            <a:ln>
-              <a:solidFill>
-                <a:schemeClr val="tx1"/>
-              </a:solidFill>
-            </a:ln>
-          </p:spPr>
-        </p:pic>
-        <p:pic>
-          <p:nvPicPr>
-            <p:cNvPr id="44" name="Picture 43">
-              <a:extLst>
-                <a:ext uri="{FF2B5EF4-FFF2-40B4-BE49-F238E27FC236}">
-                  <a16:creationId xmlns:a16="http://schemas.microsoft.com/office/drawing/2014/main" id="{42DC35AF-88AF-42CF-94F8-B47880CD8E95}"/>
-                </a:ext>
-              </a:extLst>
-            </p:cNvPr>
-            <p:cNvPicPr>
-              <a:picLocks noChangeAspect="1"/>
-            </p:cNvPicPr>
-            <p:nvPr/>
-          </p:nvPicPr>
-          <p:blipFill>
-            <a:blip r:embed="rId15"/>
-            <a:stretch>
-              <a:fillRect/>
-            </a:stretch>
-          </p:blipFill>
-          <p:spPr>
-            <a:xfrm>
-              <a:off x="3674609" y="6334715"/>
-              <a:ext cx="8115300" cy="609600"/>
-            </a:xfrm>
-            <a:prstGeom prst="rect">
-              <a:avLst/>
-            </a:prstGeom>
-            <a:ln>
-              <a:solidFill>
-                <a:schemeClr val="tx1"/>
-              </a:solidFill>
-            </a:ln>
-          </p:spPr>
-        </p:pic>
-      </p:grpSp>
       <p:sp>
         <p:nvSpPr>
           <p:cNvPr id="55" name="TextBox 54">
@@ -11891,7 +9473,7 @@
         </p:nvSpPr>
         <p:spPr>
           <a:xfrm>
-            <a:off x="4879632" y="5309857"/>
+            <a:off x="3026054" y="6337343"/>
             <a:ext cx="3796225" cy="307777"/>
           </a:xfrm>
           <a:prstGeom prst="rect">
@@ -11912,7 +9494,7 @@
           <a:p>
             <a:r>
               <a:rPr lang="en-US" sz="1400" b="1" dirty="0"/>
-              <a:t>4. (Local Area) Social Distancing Compliance</a:t>
+              <a:t>6. (Local Area) Social Distancing Compliance</a:t>
             </a:r>
           </a:p>
         </p:txBody>
@@ -11929,13 +9511,14 @@
           <p:cNvCxnSpPr>
             <a:cxnSpLocks/>
             <a:stCxn id="55" idx="3"/>
+            <a:endCxn id="110" idx="4"/>
           </p:cNvCxnSpPr>
           <p:nvPr/>
         </p:nvCxnSpPr>
         <p:spPr>
           <a:xfrm flipV="1">
-            <a:off x="8675857" y="4150393"/>
-            <a:ext cx="517220" cy="1313353"/>
+            <a:off x="6822279" y="4131443"/>
+            <a:ext cx="4517580" cy="2359789"/>
           </a:xfrm>
           <a:prstGeom prst="bentConnector2">
             <a:avLst/>
@@ -11974,18 +9557,17 @@
           <p:cNvCxnSpPr>
             <a:cxnSpLocks/>
             <a:stCxn id="97" idx="3"/>
+            <a:endCxn id="103" idx="4"/>
           </p:cNvCxnSpPr>
           <p:nvPr/>
         </p:nvCxnSpPr>
         <p:spPr>
           <a:xfrm flipV="1">
-            <a:off x="7283256" y="4136003"/>
-            <a:ext cx="638194" cy="574734"/>
-          </a:xfrm>
-          <a:prstGeom prst="bentConnector3">
-            <a:avLst>
-              <a:gd name="adj1" fmla="val 100413"/>
-            </a:avLst>
+            <a:off x="4692457" y="4134225"/>
+            <a:ext cx="1341505" cy="576512"/>
+          </a:xfrm>
+          <a:prstGeom prst="bentConnector2">
+            <a:avLst/>
           </a:prstGeom>
           <a:ln w="19050">
             <a:solidFill>
@@ -12023,7 +9605,7 @@
         </p:nvSpPr>
         <p:spPr>
           <a:xfrm>
-            <a:off x="3562404" y="4188030"/>
+            <a:off x="971604" y="4188030"/>
             <a:ext cx="2320037" cy="307777"/>
           </a:xfrm>
           <a:prstGeom prst="rect">
@@ -12061,18 +9643,17 @@
           <p:cNvCxnSpPr>
             <a:cxnSpLocks/>
             <a:stCxn id="72" idx="3"/>
+            <a:endCxn id="30" idx="4"/>
           </p:cNvCxnSpPr>
           <p:nvPr/>
         </p:nvCxnSpPr>
         <p:spPr>
           <a:xfrm flipV="1">
-            <a:off x="5882441" y="4132191"/>
-            <a:ext cx="970017" cy="209728"/>
-          </a:xfrm>
-          <a:prstGeom prst="bentConnector3">
-            <a:avLst>
-              <a:gd name="adj1" fmla="val 99752"/>
-            </a:avLst>
+            <a:off x="3291641" y="4128661"/>
+            <a:ext cx="993343" cy="213258"/>
+          </a:xfrm>
+          <a:prstGeom prst="bentConnector2">
+            <a:avLst/>
           </a:prstGeom>
           <a:ln w="19050">
             <a:solidFill>
@@ -12096,6 +9677,1901 @@
           </a:fontRef>
         </p:style>
       </p:cxnSp>
+      <p:pic>
+        <p:nvPicPr>
+          <p:cNvPr id="49" name="Graphic 48" descr="Target Audience">
+            <a:extLst>
+              <a:ext uri="{FF2B5EF4-FFF2-40B4-BE49-F238E27FC236}">
+                <a16:creationId xmlns:a16="http://schemas.microsoft.com/office/drawing/2014/main" id="{20634981-86BF-48D3-B8FE-3BC2302276E7}"/>
+              </a:ext>
+            </a:extLst>
+          </p:cNvPr>
+          <p:cNvPicPr>
+            <a:picLocks noChangeAspect="1"/>
+          </p:cNvPicPr>
+          <p:nvPr/>
+        </p:nvPicPr>
+        <p:blipFill>
+          <a:blip r:embed="rId3" cstate="screen">
+            <a:extLst>
+              <a:ext uri="{28A0092B-C50C-407E-A947-70E740481C1C}">
+                <a14:useLocalDpi xmlns:a14="http://schemas.microsoft.com/office/drawing/2010/main"/>
+              </a:ext>
+              <a:ext uri="{96DAC541-7B7A-43D3-8B79-37D633B846F1}">
+                <asvg:svgBlip xmlns:asvg="http://schemas.microsoft.com/office/drawing/2016/SVG/main" r:embed="rId4"/>
+              </a:ext>
+            </a:extLst>
+          </a:blip>
+          <a:stretch>
+            <a:fillRect/>
+          </a:stretch>
+        </p:blipFill>
+        <p:spPr>
+          <a:xfrm>
+            <a:off x="5903458" y="2369591"/>
+            <a:ext cx="244012" cy="244012"/>
+          </a:xfrm>
+          <a:prstGeom prst="rect">
+            <a:avLst/>
+          </a:prstGeom>
+        </p:spPr>
+      </p:pic>
+      <p:pic>
+        <p:nvPicPr>
+          <p:cNvPr id="50" name="Graphic 49" descr="Group of people">
+            <a:extLst>
+              <a:ext uri="{FF2B5EF4-FFF2-40B4-BE49-F238E27FC236}">
+                <a16:creationId xmlns:a16="http://schemas.microsoft.com/office/drawing/2014/main" id="{245214DA-D7CA-49ED-BCEC-FEA4CC3ABF13}"/>
+              </a:ext>
+            </a:extLst>
+          </p:cNvPr>
+          <p:cNvPicPr>
+            <a:picLocks noChangeAspect="1"/>
+          </p:cNvPicPr>
+          <p:nvPr/>
+        </p:nvPicPr>
+        <p:blipFill>
+          <a:blip r:embed="rId5" cstate="screen">
+            <a:extLst>
+              <a:ext uri="{28A0092B-C50C-407E-A947-70E740481C1C}">
+                <a14:useLocalDpi xmlns:a14="http://schemas.microsoft.com/office/drawing/2010/main"/>
+              </a:ext>
+              <a:ext uri="{96DAC541-7B7A-43D3-8B79-37D633B846F1}">
+                <asvg:svgBlip xmlns:asvg="http://schemas.microsoft.com/office/drawing/2016/SVG/main" r:embed="rId6"/>
+              </a:ext>
+            </a:extLst>
+          </a:blip>
+          <a:stretch>
+            <a:fillRect/>
+          </a:stretch>
+        </p:blipFill>
+        <p:spPr>
+          <a:xfrm>
+            <a:off x="11183475" y="2342465"/>
+            <a:ext cx="266116" cy="266116"/>
+          </a:xfrm>
+          <a:prstGeom prst="rect">
+            <a:avLst/>
+          </a:prstGeom>
+        </p:spPr>
+      </p:pic>
+      <p:pic>
+        <p:nvPicPr>
+          <p:cNvPr id="51" name="Graphic 50" descr="Bio hazard">
+            <a:extLst>
+              <a:ext uri="{FF2B5EF4-FFF2-40B4-BE49-F238E27FC236}">
+                <a16:creationId xmlns:a16="http://schemas.microsoft.com/office/drawing/2014/main" id="{3D2BE59F-91CF-47A2-893F-90E1C9921B22}"/>
+              </a:ext>
+            </a:extLst>
+          </p:cNvPr>
+          <p:cNvPicPr>
+            <a:picLocks noChangeAspect="1"/>
+          </p:cNvPicPr>
+          <p:nvPr/>
+        </p:nvPicPr>
+        <p:blipFill>
+          <a:blip r:embed="rId7" cstate="screen">
+            <a:extLst>
+              <a:ext uri="{28A0092B-C50C-407E-A947-70E740481C1C}">
+                <a14:useLocalDpi xmlns:a14="http://schemas.microsoft.com/office/drawing/2010/main"/>
+              </a:ext>
+              <a:ext uri="{96DAC541-7B7A-43D3-8B79-37D633B846F1}">
+                <asvg:svgBlip xmlns:asvg="http://schemas.microsoft.com/office/drawing/2016/SVG/main" r:embed="rId8"/>
+              </a:ext>
+            </a:extLst>
+          </a:blip>
+          <a:stretch>
+            <a:fillRect/>
+          </a:stretch>
+        </p:blipFill>
+        <p:spPr>
+          <a:xfrm>
+            <a:off x="4883325" y="2369591"/>
+            <a:ext cx="266116" cy="266116"/>
+          </a:xfrm>
+          <a:prstGeom prst="rect">
+            <a:avLst/>
+          </a:prstGeom>
+        </p:spPr>
+      </p:pic>
+      <p:pic>
+        <p:nvPicPr>
+          <p:cNvPr id="52" name="Graphic 51" descr="Bio hazard">
+            <a:extLst>
+              <a:ext uri="{FF2B5EF4-FFF2-40B4-BE49-F238E27FC236}">
+                <a16:creationId xmlns:a16="http://schemas.microsoft.com/office/drawing/2014/main" id="{297D2981-F8F0-473E-8F5A-C95A540604B7}"/>
+              </a:ext>
+            </a:extLst>
+          </p:cNvPr>
+          <p:cNvPicPr>
+            <a:picLocks noChangeAspect="1"/>
+          </p:cNvPicPr>
+          <p:nvPr/>
+        </p:nvPicPr>
+        <p:blipFill>
+          <a:blip r:embed="rId7" cstate="screen">
+            <a:extLst>
+              <a:ext uri="{28A0092B-C50C-407E-A947-70E740481C1C}">
+                <a14:useLocalDpi xmlns:a14="http://schemas.microsoft.com/office/drawing/2010/main"/>
+              </a:ext>
+              <a:ext uri="{96DAC541-7B7A-43D3-8B79-37D633B846F1}">
+                <asvg:svgBlip xmlns:asvg="http://schemas.microsoft.com/office/drawing/2016/SVG/main" r:embed="rId8"/>
+              </a:ext>
+            </a:extLst>
+          </a:blip>
+          <a:stretch>
+            <a:fillRect/>
+          </a:stretch>
+        </p:blipFill>
+        <p:spPr>
+          <a:xfrm>
+            <a:off x="6938139" y="2376729"/>
+            <a:ext cx="266116" cy="266116"/>
+          </a:xfrm>
+          <a:prstGeom prst="rect">
+            <a:avLst/>
+          </a:prstGeom>
+        </p:spPr>
+      </p:pic>
+      <p:pic>
+        <p:nvPicPr>
+          <p:cNvPr id="53" name="Graphic 52" descr="Bar chart">
+            <a:extLst>
+              <a:ext uri="{FF2B5EF4-FFF2-40B4-BE49-F238E27FC236}">
+                <a16:creationId xmlns:a16="http://schemas.microsoft.com/office/drawing/2014/main" id="{5E93C379-7042-48D4-B913-2DD4286109C2}"/>
+              </a:ext>
+            </a:extLst>
+          </p:cNvPr>
+          <p:cNvPicPr>
+            <a:picLocks noChangeAspect="1"/>
+          </p:cNvPicPr>
+          <p:nvPr/>
+        </p:nvPicPr>
+        <p:blipFill>
+          <a:blip r:embed="rId9" cstate="email">
+            <a:extLst>
+              <a:ext uri="{28A0092B-C50C-407E-A947-70E740481C1C}">
+                <a14:useLocalDpi xmlns:a14="http://schemas.microsoft.com/office/drawing/2010/main"/>
+              </a:ext>
+              <a:ext uri="{96DAC541-7B7A-43D3-8B79-37D633B846F1}">
+                <asvg:svgBlip xmlns:asvg="http://schemas.microsoft.com/office/drawing/2016/SVG/main" r:embed="rId10"/>
+              </a:ext>
+            </a:extLst>
+          </a:blip>
+          <a:stretch>
+            <a:fillRect/>
+          </a:stretch>
+        </p:blipFill>
+        <p:spPr>
+          <a:xfrm>
+            <a:off x="3329200" y="2395978"/>
+            <a:ext cx="244012" cy="244012"/>
+          </a:xfrm>
+          <a:prstGeom prst="rect">
+            <a:avLst/>
+          </a:prstGeom>
+        </p:spPr>
+      </p:pic>
+      <p:pic>
+        <p:nvPicPr>
+          <p:cNvPr id="54" name="Graphic 53" descr="Bio hazard">
+            <a:extLst>
+              <a:ext uri="{FF2B5EF4-FFF2-40B4-BE49-F238E27FC236}">
+                <a16:creationId xmlns:a16="http://schemas.microsoft.com/office/drawing/2014/main" id="{CC943CCF-3394-4EE6-901F-09FBBDE6547D}"/>
+              </a:ext>
+            </a:extLst>
+          </p:cNvPr>
+          <p:cNvPicPr>
+            <a:picLocks noChangeAspect="1"/>
+          </p:cNvPicPr>
+          <p:nvPr/>
+        </p:nvPicPr>
+        <p:blipFill>
+          <a:blip r:embed="rId7" cstate="screen">
+            <a:extLst>
+              <a:ext uri="{28A0092B-C50C-407E-A947-70E740481C1C}">
+                <a14:useLocalDpi xmlns:a14="http://schemas.microsoft.com/office/drawing/2010/main"/>
+              </a:ext>
+              <a:ext uri="{96DAC541-7B7A-43D3-8B79-37D633B846F1}">
+                <asvg:svgBlip xmlns:asvg="http://schemas.microsoft.com/office/drawing/2016/SVG/main" r:embed="rId8"/>
+              </a:ext>
+            </a:extLst>
+          </a:blip>
+          <a:stretch>
+            <a:fillRect/>
+          </a:stretch>
+        </p:blipFill>
+        <p:spPr>
+          <a:xfrm>
+            <a:off x="4102207" y="2375040"/>
+            <a:ext cx="266116" cy="266116"/>
+          </a:xfrm>
+          <a:prstGeom prst="rect">
+            <a:avLst/>
+          </a:prstGeom>
+        </p:spPr>
+      </p:pic>
+      <p:sp>
+        <p:nvSpPr>
+          <p:cNvPr id="57" name="Rectangle 56">
+            <a:extLst>
+              <a:ext uri="{FF2B5EF4-FFF2-40B4-BE49-F238E27FC236}">
+                <a16:creationId xmlns:a16="http://schemas.microsoft.com/office/drawing/2014/main" id="{BF219577-3C09-4DB7-9C52-6C32A94395AE}"/>
+              </a:ext>
+            </a:extLst>
+          </p:cNvPr>
+          <p:cNvSpPr/>
+          <p:nvPr/>
+        </p:nvSpPr>
+        <p:spPr>
+          <a:xfrm>
+            <a:off x="228403" y="1383041"/>
+            <a:ext cx="1507353" cy="584775"/>
+          </a:xfrm>
+          <a:prstGeom prst="rect">
+            <a:avLst/>
+          </a:prstGeom>
+          <a:solidFill>
+            <a:srgbClr val="FFFFCC"/>
+          </a:solidFill>
+          <a:ln>
+            <a:solidFill>
+              <a:schemeClr val="tx1"/>
+            </a:solidFill>
+          </a:ln>
+        </p:spPr>
+        <p:txBody>
+          <a:bodyPr wrap="square">
+            <a:spAutoFit/>
+          </a:bodyPr>
+          <a:lstStyle/>
+          <a:p>
+            <a:pPr marL="0" marR="0" lvl="2" algn="ctr">
+              <a:spcAft>
+                <a:spcPts val="0"/>
+              </a:spcAft>
+              <a:buSzPts val="1200"/>
+              <a:tabLst>
+                <a:tab pos="533400" algn="l"/>
+              </a:tabLst>
+            </a:pPr>
+            <a:r>
+              <a:rPr lang="en-US" sz="1600" b="1" spc="-5" dirty="0">
+                <a:ea typeface="Arial" panose="020B0604020202020204" pitchFamily="34" charset="0"/>
+                <a:cs typeface="Times New Roman" panose="02020603050405020304" pitchFamily="18" charset="0"/>
+              </a:rPr>
+              <a:t>Return to Work</a:t>
+            </a:r>
+          </a:p>
+          <a:p>
+            <a:pPr marL="0" marR="0" lvl="2" algn="ctr">
+              <a:spcAft>
+                <a:spcPts val="0"/>
+              </a:spcAft>
+              <a:buSzPts val="1200"/>
+              <a:tabLst>
+                <a:tab pos="533400" algn="l"/>
+              </a:tabLst>
+            </a:pPr>
+            <a:r>
+              <a:rPr lang="en-US" sz="1600" b="1" i="1" spc="-5" dirty="0">
+                <a:ea typeface="Arial" panose="020B0604020202020204" pitchFamily="34" charset="0"/>
+                <a:cs typeface="Times New Roman" panose="02020603050405020304" pitchFamily="18" charset="0"/>
+              </a:rPr>
+              <a:t>Phase 1</a:t>
+            </a:r>
+            <a:endParaRPr lang="en-US" sz="1600" b="1" i="1" dirty="0">
+              <a:ea typeface="Arial" panose="020B0604020202020204" pitchFamily="34" charset="0"/>
+              <a:cs typeface="Times New Roman" panose="02020603050405020304" pitchFamily="18" charset="0"/>
+            </a:endParaRPr>
+          </a:p>
+        </p:txBody>
+      </p:sp>
+      <p:sp>
+        <p:nvSpPr>
+          <p:cNvPr id="58" name="Rectangle 57">
+            <a:extLst>
+              <a:ext uri="{FF2B5EF4-FFF2-40B4-BE49-F238E27FC236}">
+                <a16:creationId xmlns:a16="http://schemas.microsoft.com/office/drawing/2014/main" id="{B80A6FC8-8CDB-4EDC-B33F-DFA50A8DC1AF}"/>
+              </a:ext>
+            </a:extLst>
+          </p:cNvPr>
+          <p:cNvSpPr/>
+          <p:nvPr/>
+        </p:nvSpPr>
+        <p:spPr>
+          <a:xfrm>
+            <a:off x="7746963" y="1049802"/>
+            <a:ext cx="1610543" cy="338554"/>
+          </a:xfrm>
+          <a:prstGeom prst="rect">
+            <a:avLst/>
+          </a:prstGeom>
+          <a:solidFill>
+            <a:srgbClr val="FFFFCC"/>
+          </a:solidFill>
+          <a:ln>
+            <a:solidFill>
+              <a:schemeClr val="tx1"/>
+            </a:solidFill>
+          </a:ln>
+        </p:spPr>
+        <p:txBody>
+          <a:bodyPr wrap="square">
+            <a:spAutoFit/>
+          </a:bodyPr>
+          <a:lstStyle/>
+          <a:p>
+            <a:pPr marL="0" marR="0" lvl="2" algn="ctr">
+              <a:spcBef>
+                <a:spcPts val="600"/>
+              </a:spcBef>
+              <a:spcAft>
+                <a:spcPts val="0"/>
+              </a:spcAft>
+              <a:buSzPts val="1200"/>
+              <a:tabLst>
+                <a:tab pos="533400" algn="l"/>
+              </a:tabLst>
+            </a:pPr>
+            <a:r>
+              <a:rPr lang="en-US" sz="1600" b="1" spc="-5" dirty="0">
+                <a:ea typeface="Arial" panose="020B0604020202020204" pitchFamily="34" charset="0"/>
+                <a:cs typeface="Times New Roman" panose="02020603050405020304" pitchFamily="18" charset="0"/>
+              </a:rPr>
+              <a:t>Robust Testing?</a:t>
+            </a:r>
+            <a:endParaRPr lang="en-US" sz="1600" b="1" dirty="0">
+              <a:ea typeface="Arial" panose="020B0604020202020204" pitchFamily="34" charset="0"/>
+              <a:cs typeface="Times New Roman" panose="02020603050405020304" pitchFamily="18" charset="0"/>
+            </a:endParaRPr>
+          </a:p>
+        </p:txBody>
+      </p:sp>
+      <p:sp>
+        <p:nvSpPr>
+          <p:cNvPr id="59" name="Rectangle 58">
+            <a:extLst>
+              <a:ext uri="{FF2B5EF4-FFF2-40B4-BE49-F238E27FC236}">
+                <a16:creationId xmlns:a16="http://schemas.microsoft.com/office/drawing/2014/main" id="{8FC1F02D-DC9F-42C1-BE74-BA93E83DFB3C}"/>
+              </a:ext>
+            </a:extLst>
+          </p:cNvPr>
+          <p:cNvSpPr/>
+          <p:nvPr/>
+        </p:nvSpPr>
+        <p:spPr>
+          <a:xfrm>
+            <a:off x="5824981" y="1510914"/>
+            <a:ext cx="1737903" cy="338554"/>
+          </a:xfrm>
+          <a:prstGeom prst="rect">
+            <a:avLst/>
+          </a:prstGeom>
+          <a:solidFill>
+            <a:srgbClr val="FFFFCC"/>
+          </a:solidFill>
+          <a:ln>
+            <a:solidFill>
+              <a:schemeClr val="tx1"/>
+            </a:solidFill>
+          </a:ln>
+        </p:spPr>
+        <p:txBody>
+          <a:bodyPr wrap="square">
+            <a:spAutoFit/>
+          </a:bodyPr>
+          <a:lstStyle/>
+          <a:p>
+            <a:pPr marL="0" marR="0" lvl="2" algn="ctr">
+              <a:spcBef>
+                <a:spcPts val="600"/>
+              </a:spcBef>
+              <a:spcAft>
+                <a:spcPts val="0"/>
+              </a:spcAft>
+              <a:buSzPts val="1200"/>
+              <a:tabLst>
+                <a:tab pos="533400" algn="l"/>
+              </a:tabLst>
+            </a:pPr>
+            <a:r>
+              <a:rPr lang="en-US" sz="1600" b="1" spc="-5" dirty="0">
+                <a:ea typeface="Arial" panose="020B0604020202020204" pitchFamily="34" charset="0"/>
+                <a:cs typeface="Times New Roman" panose="02020603050405020304" pitchFamily="18" charset="0"/>
+              </a:rPr>
+              <a:t>Death Trajectory?</a:t>
+            </a:r>
+            <a:endParaRPr lang="en-US" sz="1600" b="1" dirty="0">
+              <a:ea typeface="Arial" panose="020B0604020202020204" pitchFamily="34" charset="0"/>
+              <a:cs typeface="Times New Roman" panose="02020603050405020304" pitchFamily="18" charset="0"/>
+            </a:endParaRPr>
+          </a:p>
+        </p:txBody>
+      </p:sp>
+      <p:sp>
+        <p:nvSpPr>
+          <p:cNvPr id="60" name="Rectangle 59">
+            <a:extLst>
+              <a:ext uri="{FF2B5EF4-FFF2-40B4-BE49-F238E27FC236}">
+                <a16:creationId xmlns:a16="http://schemas.microsoft.com/office/drawing/2014/main" id="{8608EA8B-F57A-49E8-8CBA-8AEB27987F86}"/>
+              </a:ext>
+            </a:extLst>
+          </p:cNvPr>
+          <p:cNvSpPr/>
+          <p:nvPr/>
+        </p:nvSpPr>
+        <p:spPr>
+          <a:xfrm>
+            <a:off x="4101037" y="1913482"/>
+            <a:ext cx="1507353" cy="338554"/>
+          </a:xfrm>
+          <a:prstGeom prst="rect">
+            <a:avLst/>
+          </a:prstGeom>
+          <a:solidFill>
+            <a:srgbClr val="FFFFCC"/>
+          </a:solidFill>
+          <a:ln>
+            <a:solidFill>
+              <a:schemeClr val="tx1"/>
+            </a:solidFill>
+          </a:ln>
+        </p:spPr>
+        <p:txBody>
+          <a:bodyPr wrap="square">
+            <a:spAutoFit/>
+          </a:bodyPr>
+          <a:lstStyle/>
+          <a:p>
+            <a:pPr marL="0" marR="0" lvl="2" algn="ctr">
+              <a:spcBef>
+                <a:spcPts val="600"/>
+              </a:spcBef>
+              <a:spcAft>
+                <a:spcPts val="0"/>
+              </a:spcAft>
+              <a:buSzPts val="1200"/>
+              <a:tabLst>
+                <a:tab pos="533400" algn="l"/>
+              </a:tabLst>
+            </a:pPr>
+            <a:r>
+              <a:rPr lang="en-US" sz="1600" b="1" spc="-5" dirty="0">
+                <a:ea typeface="Arial" panose="020B0604020202020204" pitchFamily="34" charset="0"/>
+                <a:cs typeface="Times New Roman" panose="02020603050405020304" pitchFamily="18" charset="0"/>
+              </a:rPr>
+              <a:t>Case Trajectory</a:t>
+            </a:r>
+            <a:endParaRPr lang="en-US" sz="1600" b="1" dirty="0">
+              <a:ea typeface="Arial" panose="020B0604020202020204" pitchFamily="34" charset="0"/>
+              <a:cs typeface="Times New Roman" panose="02020603050405020304" pitchFamily="18" charset="0"/>
+            </a:endParaRPr>
+          </a:p>
+        </p:txBody>
+      </p:sp>
+      <p:cxnSp>
+        <p:nvCxnSpPr>
+          <p:cNvPr id="61" name="Connector: Elbow 60">
+            <a:extLst>
+              <a:ext uri="{FF2B5EF4-FFF2-40B4-BE49-F238E27FC236}">
+                <a16:creationId xmlns:a16="http://schemas.microsoft.com/office/drawing/2014/main" id="{A1237EEB-2DCB-42DE-BA47-65F2B7C06D2A}"/>
+              </a:ext>
+            </a:extLst>
+          </p:cNvPr>
+          <p:cNvCxnSpPr>
+            <a:cxnSpLocks/>
+            <a:stCxn id="60" idx="3"/>
+            <a:endCxn id="49" idx="0"/>
+          </p:cNvCxnSpPr>
+          <p:nvPr/>
+        </p:nvCxnSpPr>
+        <p:spPr>
+          <a:xfrm>
+            <a:off x="5608390" y="2082759"/>
+            <a:ext cx="417074" cy="286832"/>
+          </a:xfrm>
+          <a:prstGeom prst="bentConnector2">
+            <a:avLst/>
+          </a:prstGeom>
+          <a:ln w="19050">
+            <a:solidFill>
+              <a:schemeClr val="tx1"/>
+            </a:solidFill>
+            <a:tailEnd type="triangle"/>
+          </a:ln>
+        </p:spPr>
+        <p:style>
+          <a:lnRef idx="1">
+            <a:schemeClr val="accent1"/>
+          </a:lnRef>
+          <a:fillRef idx="0">
+            <a:schemeClr val="accent1"/>
+          </a:fillRef>
+          <a:effectRef idx="0">
+            <a:schemeClr val="accent1"/>
+          </a:effectRef>
+          <a:fontRef idx="minor">
+            <a:schemeClr val="tx1"/>
+          </a:fontRef>
+        </p:style>
+      </p:cxnSp>
+      <p:cxnSp>
+        <p:nvCxnSpPr>
+          <p:cNvPr id="62" name="Connector: Elbow 61">
+            <a:extLst>
+              <a:ext uri="{FF2B5EF4-FFF2-40B4-BE49-F238E27FC236}">
+                <a16:creationId xmlns:a16="http://schemas.microsoft.com/office/drawing/2014/main" id="{A21E1791-1C7E-46FE-9722-E1831ED4D769}"/>
+              </a:ext>
+            </a:extLst>
+          </p:cNvPr>
+          <p:cNvCxnSpPr>
+            <a:cxnSpLocks/>
+            <a:stCxn id="59" idx="3"/>
+            <a:endCxn id="80" idx="0"/>
+          </p:cNvCxnSpPr>
+          <p:nvPr/>
+        </p:nvCxnSpPr>
+        <p:spPr>
+          <a:xfrm>
+            <a:off x="7562884" y="1680191"/>
+            <a:ext cx="1369259" cy="724721"/>
+          </a:xfrm>
+          <a:prstGeom prst="bentConnector2">
+            <a:avLst/>
+          </a:prstGeom>
+          <a:ln w="19050">
+            <a:solidFill>
+              <a:schemeClr val="tx1"/>
+            </a:solidFill>
+            <a:tailEnd type="triangle"/>
+          </a:ln>
+        </p:spPr>
+        <p:style>
+          <a:lnRef idx="1">
+            <a:schemeClr val="accent1"/>
+          </a:lnRef>
+          <a:fillRef idx="0">
+            <a:schemeClr val="accent1"/>
+          </a:fillRef>
+          <a:effectRef idx="0">
+            <a:schemeClr val="accent1"/>
+          </a:effectRef>
+          <a:fontRef idx="minor">
+            <a:schemeClr val="tx1"/>
+          </a:fontRef>
+        </p:style>
+      </p:cxnSp>
+      <p:cxnSp>
+        <p:nvCxnSpPr>
+          <p:cNvPr id="63" name="Connector: Elbow 62">
+            <a:extLst>
+              <a:ext uri="{FF2B5EF4-FFF2-40B4-BE49-F238E27FC236}">
+                <a16:creationId xmlns:a16="http://schemas.microsoft.com/office/drawing/2014/main" id="{83A540FD-A090-40F3-9776-6E41B36742B5}"/>
+              </a:ext>
+            </a:extLst>
+          </p:cNvPr>
+          <p:cNvCxnSpPr>
+            <a:cxnSpLocks/>
+            <a:stCxn id="58" idx="3"/>
+            <a:endCxn id="78" idx="0"/>
+          </p:cNvCxnSpPr>
+          <p:nvPr/>
+        </p:nvCxnSpPr>
+        <p:spPr>
+          <a:xfrm>
+            <a:off x="9357506" y="1219079"/>
+            <a:ext cx="887534" cy="1177334"/>
+          </a:xfrm>
+          <a:prstGeom prst="bentConnector2">
+            <a:avLst/>
+          </a:prstGeom>
+          <a:ln w="19050">
+            <a:solidFill>
+              <a:schemeClr val="tx1"/>
+            </a:solidFill>
+            <a:tailEnd type="triangle"/>
+          </a:ln>
+        </p:spPr>
+        <p:style>
+          <a:lnRef idx="1">
+            <a:schemeClr val="accent1"/>
+          </a:lnRef>
+          <a:fillRef idx="0">
+            <a:schemeClr val="accent1"/>
+          </a:fillRef>
+          <a:effectRef idx="0">
+            <a:schemeClr val="accent1"/>
+          </a:effectRef>
+          <a:fontRef idx="minor">
+            <a:schemeClr val="tx1"/>
+          </a:fontRef>
+        </p:style>
+      </p:cxnSp>
+      <p:cxnSp>
+        <p:nvCxnSpPr>
+          <p:cNvPr id="64" name="Connector: Elbow 63">
+            <a:extLst>
+              <a:ext uri="{FF2B5EF4-FFF2-40B4-BE49-F238E27FC236}">
+                <a16:creationId xmlns:a16="http://schemas.microsoft.com/office/drawing/2014/main" id="{4AB2C585-3B33-41B8-9773-0A94EBD4308D}"/>
+              </a:ext>
+            </a:extLst>
+          </p:cNvPr>
+          <p:cNvCxnSpPr>
+            <a:stCxn id="57" idx="3"/>
+            <a:endCxn id="60" idx="1"/>
+          </p:cNvCxnSpPr>
+          <p:nvPr/>
+        </p:nvCxnSpPr>
+        <p:spPr>
+          <a:xfrm>
+            <a:off x="1735756" y="1675429"/>
+            <a:ext cx="2365281" cy="407330"/>
+          </a:xfrm>
+          <a:prstGeom prst="bentConnector3">
+            <a:avLst>
+              <a:gd name="adj1" fmla="val 62886"/>
+            </a:avLst>
+          </a:prstGeom>
+          <a:ln w="19050">
+            <a:solidFill>
+              <a:schemeClr val="tx1"/>
+            </a:solidFill>
+            <a:tailEnd type="triangle"/>
+          </a:ln>
+        </p:spPr>
+        <p:style>
+          <a:lnRef idx="1">
+            <a:schemeClr val="accent1"/>
+          </a:lnRef>
+          <a:fillRef idx="0">
+            <a:schemeClr val="accent1"/>
+          </a:fillRef>
+          <a:effectRef idx="0">
+            <a:schemeClr val="accent1"/>
+          </a:effectRef>
+          <a:fontRef idx="minor">
+            <a:schemeClr val="tx1"/>
+          </a:fontRef>
+        </p:style>
+      </p:cxnSp>
+      <p:cxnSp>
+        <p:nvCxnSpPr>
+          <p:cNvPr id="65" name="Connector: Elbow 64">
+            <a:extLst>
+              <a:ext uri="{FF2B5EF4-FFF2-40B4-BE49-F238E27FC236}">
+                <a16:creationId xmlns:a16="http://schemas.microsoft.com/office/drawing/2014/main" id="{172F7319-F430-4419-A8CB-2B855B0EACBF}"/>
+              </a:ext>
+            </a:extLst>
+          </p:cNvPr>
+          <p:cNvCxnSpPr>
+            <a:cxnSpLocks/>
+            <a:stCxn id="57" idx="3"/>
+            <a:endCxn id="59" idx="1"/>
+          </p:cNvCxnSpPr>
+          <p:nvPr/>
+        </p:nvCxnSpPr>
+        <p:spPr>
+          <a:xfrm>
+            <a:off x="1735756" y="1675429"/>
+            <a:ext cx="4089225" cy="4762"/>
+          </a:xfrm>
+          <a:prstGeom prst="bentConnector3">
+            <a:avLst>
+              <a:gd name="adj1" fmla="val 50000"/>
+            </a:avLst>
+          </a:prstGeom>
+          <a:ln w="19050">
+            <a:solidFill>
+              <a:schemeClr val="tx1"/>
+            </a:solidFill>
+            <a:tailEnd type="triangle"/>
+          </a:ln>
+        </p:spPr>
+        <p:style>
+          <a:lnRef idx="1">
+            <a:schemeClr val="accent1"/>
+          </a:lnRef>
+          <a:fillRef idx="0">
+            <a:schemeClr val="accent1"/>
+          </a:fillRef>
+          <a:effectRef idx="0">
+            <a:schemeClr val="accent1"/>
+          </a:effectRef>
+          <a:fontRef idx="minor">
+            <a:schemeClr val="tx1"/>
+          </a:fontRef>
+        </p:style>
+      </p:cxnSp>
+      <p:cxnSp>
+        <p:nvCxnSpPr>
+          <p:cNvPr id="66" name="Connector: Elbow 65">
+            <a:extLst>
+              <a:ext uri="{FF2B5EF4-FFF2-40B4-BE49-F238E27FC236}">
+                <a16:creationId xmlns:a16="http://schemas.microsoft.com/office/drawing/2014/main" id="{56007630-A113-40F3-848C-AA0A618D6629}"/>
+              </a:ext>
+            </a:extLst>
+          </p:cNvPr>
+          <p:cNvCxnSpPr>
+            <a:cxnSpLocks/>
+            <a:stCxn id="57" idx="3"/>
+            <a:endCxn id="58" idx="1"/>
+          </p:cNvCxnSpPr>
+          <p:nvPr/>
+        </p:nvCxnSpPr>
+        <p:spPr>
+          <a:xfrm flipV="1">
+            <a:off x="1735756" y="1219079"/>
+            <a:ext cx="6011207" cy="456350"/>
+          </a:xfrm>
+          <a:prstGeom prst="bentConnector3">
+            <a:avLst>
+              <a:gd name="adj1" fmla="val 24806"/>
+            </a:avLst>
+          </a:prstGeom>
+          <a:ln w="19050">
+            <a:solidFill>
+              <a:schemeClr val="tx1"/>
+            </a:solidFill>
+            <a:tailEnd type="triangle"/>
+          </a:ln>
+        </p:spPr>
+        <p:style>
+          <a:lnRef idx="1">
+            <a:schemeClr val="accent1"/>
+          </a:lnRef>
+          <a:fillRef idx="0">
+            <a:schemeClr val="accent1"/>
+          </a:fillRef>
+          <a:effectRef idx="0">
+            <a:schemeClr val="accent1"/>
+          </a:effectRef>
+          <a:fontRef idx="minor">
+            <a:schemeClr val="tx1"/>
+          </a:fontRef>
+        </p:style>
+      </p:cxnSp>
+      <p:sp>
+        <p:nvSpPr>
+          <p:cNvPr id="68" name="Rectangle 67">
+            <a:extLst>
+              <a:ext uri="{FF2B5EF4-FFF2-40B4-BE49-F238E27FC236}">
+                <a16:creationId xmlns:a16="http://schemas.microsoft.com/office/drawing/2014/main" id="{48B6E8FD-96E2-47D6-BECB-4A7CB21E782C}"/>
+              </a:ext>
+            </a:extLst>
+          </p:cNvPr>
+          <p:cNvSpPr/>
+          <p:nvPr/>
+        </p:nvSpPr>
+        <p:spPr>
+          <a:xfrm>
+            <a:off x="5608390" y="2045488"/>
+            <a:ext cx="889112" cy="276999"/>
+          </a:xfrm>
+          <a:prstGeom prst="rect">
+            <a:avLst/>
+          </a:prstGeom>
+          <a:solidFill>
+            <a:schemeClr val="accent4">
+              <a:alpha val="1000"/>
+            </a:schemeClr>
+          </a:solidFill>
+          <a:ln>
+            <a:noFill/>
+          </a:ln>
+          <a:effectLst/>
+        </p:spPr>
+        <p:txBody>
+          <a:bodyPr wrap="square">
+            <a:spAutoFit/>
+          </a:bodyPr>
+          <a:lstStyle/>
+          <a:p>
+            <a:pPr marL="0" marR="0" lvl="2" algn="ctr">
+              <a:spcAft>
+                <a:spcPts val="0"/>
+              </a:spcAft>
+              <a:buSzPts val="1200"/>
+              <a:tabLst>
+                <a:tab pos="533400" algn="l"/>
+              </a:tabLst>
+            </a:pPr>
+            <a:r>
+              <a:rPr lang="en-US" sz="1200" b="1" i="1" spc="-5" dirty="0">
+                <a:solidFill>
+                  <a:schemeClr val="bg1"/>
+                </a:solidFill>
+                <a:effectLst>
+                  <a:glow rad="127000">
+                    <a:schemeClr val="tx1">
+                      <a:alpha val="76000"/>
+                    </a:schemeClr>
+                  </a:glow>
+                </a:effectLst>
+                <a:ea typeface="Arial" panose="020B0604020202020204" pitchFamily="34" charset="0"/>
+                <a:cs typeface="Times New Roman" panose="02020603050405020304" pitchFamily="18" charset="0"/>
+              </a:rPr>
+              <a:t>Decreasing</a:t>
+            </a:r>
+          </a:p>
+        </p:txBody>
+      </p:sp>
+      <p:sp>
+        <p:nvSpPr>
+          <p:cNvPr id="69" name="Rectangle 68">
+            <a:extLst>
+              <a:ext uri="{FF2B5EF4-FFF2-40B4-BE49-F238E27FC236}">
+                <a16:creationId xmlns:a16="http://schemas.microsoft.com/office/drawing/2014/main" id="{4F47107F-6E1C-476C-B9E9-531741131BB1}"/>
+              </a:ext>
+            </a:extLst>
+          </p:cNvPr>
+          <p:cNvSpPr/>
+          <p:nvPr/>
+        </p:nvSpPr>
+        <p:spPr>
+          <a:xfrm>
+            <a:off x="9440400" y="1507607"/>
+            <a:ext cx="1609279" cy="461665"/>
+          </a:xfrm>
+          <a:prstGeom prst="rect">
+            <a:avLst/>
+          </a:prstGeom>
+          <a:solidFill>
+            <a:schemeClr val="accent4">
+              <a:alpha val="1000"/>
+            </a:schemeClr>
+          </a:solidFill>
+          <a:ln>
+            <a:noFill/>
+          </a:ln>
+          <a:effectLst/>
+        </p:spPr>
+        <p:txBody>
+          <a:bodyPr wrap="square">
+            <a:spAutoFit/>
+          </a:bodyPr>
+          <a:lstStyle/>
+          <a:p>
+            <a:pPr marL="0" marR="0" lvl="2" algn="ctr">
+              <a:spcAft>
+                <a:spcPts val="0"/>
+              </a:spcAft>
+              <a:buSzPts val="1200"/>
+              <a:tabLst>
+                <a:tab pos="533400" algn="l"/>
+              </a:tabLst>
+            </a:pPr>
+            <a:r>
+              <a:rPr lang="en-US" sz="1200" b="1" i="1" spc="-5" dirty="0">
+                <a:solidFill>
+                  <a:schemeClr val="bg1"/>
+                </a:solidFill>
+                <a:effectLst>
+                  <a:glow rad="127000">
+                    <a:schemeClr val="tx1">
+                      <a:alpha val="76000"/>
+                    </a:schemeClr>
+                  </a:glow>
+                </a:effectLst>
+                <a:ea typeface="Arial" panose="020B0604020202020204" pitchFamily="34" charset="0"/>
+                <a:cs typeface="Times New Roman" panose="02020603050405020304" pitchFamily="18" charset="0"/>
+              </a:rPr>
+              <a:t>Cases /Day  &lt;  10% of Total Tests/Day </a:t>
+            </a:r>
+          </a:p>
+        </p:txBody>
+      </p:sp>
+      <p:sp>
+        <p:nvSpPr>
+          <p:cNvPr id="73" name="Oval 72">
+            <a:extLst>
+              <a:ext uri="{FF2B5EF4-FFF2-40B4-BE49-F238E27FC236}">
+                <a16:creationId xmlns:a16="http://schemas.microsoft.com/office/drawing/2014/main" id="{0E3D199D-F5B3-4D2F-87EC-974E11D30031}"/>
+              </a:ext>
+            </a:extLst>
+          </p:cNvPr>
+          <p:cNvSpPr/>
+          <p:nvPr/>
+        </p:nvSpPr>
+        <p:spPr>
+          <a:xfrm>
+            <a:off x="2636021" y="1435411"/>
+            <a:ext cx="1126415" cy="483500"/>
+          </a:xfrm>
+          <a:prstGeom prst="ellipse">
+            <a:avLst/>
+          </a:prstGeom>
+        </p:spPr>
+        <p:style>
+          <a:lnRef idx="2">
+            <a:schemeClr val="accent1">
+              <a:shade val="50000"/>
+            </a:schemeClr>
+          </a:lnRef>
+          <a:fillRef idx="1">
+            <a:schemeClr val="accent1"/>
+          </a:fillRef>
+          <a:effectRef idx="0">
+            <a:schemeClr val="accent1"/>
+          </a:effectRef>
+          <a:fontRef idx="minor">
+            <a:schemeClr val="lt1"/>
+          </a:fontRef>
+        </p:style>
+        <p:txBody>
+          <a:bodyPr rtlCol="0" anchor="ctr"/>
+          <a:lstStyle/>
+          <a:p>
+            <a:pPr algn="ctr"/>
+            <a:endParaRPr lang="en-US"/>
+          </a:p>
+        </p:txBody>
+      </p:sp>
+      <p:sp>
+        <p:nvSpPr>
+          <p:cNvPr id="74" name="Rectangle 73">
+            <a:extLst>
+              <a:ext uri="{FF2B5EF4-FFF2-40B4-BE49-F238E27FC236}">
+                <a16:creationId xmlns:a16="http://schemas.microsoft.com/office/drawing/2014/main" id="{53BFFACF-8C29-4324-893D-3C4A50CEA284}"/>
+              </a:ext>
+            </a:extLst>
+          </p:cNvPr>
+          <p:cNvSpPr/>
+          <p:nvPr/>
+        </p:nvSpPr>
+        <p:spPr>
+          <a:xfrm>
+            <a:off x="2335826" y="1544689"/>
+            <a:ext cx="1745854" cy="276999"/>
+          </a:xfrm>
+          <a:prstGeom prst="rect">
+            <a:avLst/>
+          </a:prstGeom>
+          <a:solidFill>
+            <a:schemeClr val="accent4">
+              <a:alpha val="1000"/>
+            </a:schemeClr>
+          </a:solidFill>
+          <a:ln>
+            <a:noFill/>
+          </a:ln>
+          <a:effectLst/>
+        </p:spPr>
+        <p:txBody>
+          <a:bodyPr wrap="square">
+            <a:spAutoFit/>
+          </a:bodyPr>
+          <a:lstStyle/>
+          <a:p>
+            <a:pPr marL="0" marR="0" lvl="2" algn="ctr">
+              <a:spcAft>
+                <a:spcPts val="0"/>
+              </a:spcAft>
+              <a:buSzPts val="1200"/>
+              <a:tabLst>
+                <a:tab pos="533400" algn="l"/>
+              </a:tabLst>
+            </a:pPr>
+            <a:r>
+              <a:rPr lang="en-US" sz="1200" b="1" i="1" spc="-5" dirty="0">
+                <a:solidFill>
+                  <a:schemeClr val="bg1"/>
+                </a:solidFill>
+                <a:effectLst>
+                  <a:glow rad="127000">
+                    <a:schemeClr val="tx1">
+                      <a:alpha val="76000"/>
+                    </a:schemeClr>
+                  </a:glow>
+                </a:effectLst>
+                <a:ea typeface="Arial" panose="020B0604020202020204" pitchFamily="34" charset="0"/>
+                <a:cs typeface="Times New Roman" panose="02020603050405020304" pitchFamily="18" charset="0"/>
+              </a:rPr>
+              <a:t>Gating Criteria</a:t>
+            </a:r>
+          </a:p>
+        </p:txBody>
+      </p:sp>
+      <p:grpSp>
+        <p:nvGrpSpPr>
+          <p:cNvPr id="75" name="Group 74">
+            <a:extLst>
+              <a:ext uri="{FF2B5EF4-FFF2-40B4-BE49-F238E27FC236}">
+                <a16:creationId xmlns:a16="http://schemas.microsoft.com/office/drawing/2014/main" id="{7842F19C-C4E4-4559-8B8F-B52C35023311}"/>
+              </a:ext>
+            </a:extLst>
+          </p:cNvPr>
+          <p:cNvGrpSpPr/>
+          <p:nvPr/>
+        </p:nvGrpSpPr>
+        <p:grpSpPr>
+          <a:xfrm>
+            <a:off x="913494" y="2692642"/>
+            <a:ext cx="10944225" cy="1348061"/>
+            <a:chOff x="1056369" y="5550786"/>
+            <a:chExt cx="10944225" cy="1348061"/>
+          </a:xfrm>
+        </p:grpSpPr>
+        <p:pic>
+          <p:nvPicPr>
+            <p:cNvPr id="76" name="Picture 75">
+              <a:extLst>
+                <a:ext uri="{FF2B5EF4-FFF2-40B4-BE49-F238E27FC236}">
+                  <a16:creationId xmlns:a16="http://schemas.microsoft.com/office/drawing/2014/main" id="{2E306345-9569-456C-9F03-88EBAD720D92}"/>
+                </a:ext>
+              </a:extLst>
+            </p:cNvPr>
+            <p:cNvPicPr>
+              <a:picLocks noChangeAspect="1"/>
+            </p:cNvPicPr>
+            <p:nvPr/>
+          </p:nvPicPr>
+          <p:blipFill>
+            <a:blip r:embed="rId11"/>
+            <a:stretch>
+              <a:fillRect/>
+            </a:stretch>
+          </p:blipFill>
+          <p:spPr>
+            <a:xfrm>
+              <a:off x="1056369" y="5550786"/>
+              <a:ext cx="10944225" cy="400050"/>
+            </a:xfrm>
+            <a:prstGeom prst="rect">
+              <a:avLst/>
+            </a:prstGeom>
+          </p:spPr>
+        </p:pic>
+        <p:pic>
+          <p:nvPicPr>
+            <p:cNvPr id="77" name="Picture 76">
+              <a:extLst>
+                <a:ext uri="{FF2B5EF4-FFF2-40B4-BE49-F238E27FC236}">
+                  <a16:creationId xmlns:a16="http://schemas.microsoft.com/office/drawing/2014/main" id="{B6E1AD77-F566-402D-8B32-B9AAD56C23C7}"/>
+                </a:ext>
+              </a:extLst>
+            </p:cNvPr>
+            <p:cNvPicPr>
+              <a:picLocks noChangeAspect="1"/>
+            </p:cNvPicPr>
+            <p:nvPr/>
+          </p:nvPicPr>
+          <p:blipFill>
+            <a:blip r:embed="rId12"/>
+            <a:stretch>
+              <a:fillRect/>
+            </a:stretch>
+          </p:blipFill>
+          <p:spPr>
+            <a:xfrm>
+              <a:off x="1056369" y="5936822"/>
+              <a:ext cx="10944225" cy="962025"/>
+            </a:xfrm>
+            <a:prstGeom prst="rect">
+              <a:avLst/>
+            </a:prstGeom>
+          </p:spPr>
+        </p:pic>
+      </p:grpSp>
+      <p:pic>
+        <p:nvPicPr>
+          <p:cNvPr id="78" name="Graphic 77" descr="Target Audience">
+            <a:extLst>
+              <a:ext uri="{FF2B5EF4-FFF2-40B4-BE49-F238E27FC236}">
+                <a16:creationId xmlns:a16="http://schemas.microsoft.com/office/drawing/2014/main" id="{E5BBD034-71B1-4D51-83E0-51899FDE98F9}"/>
+              </a:ext>
+            </a:extLst>
+          </p:cNvPr>
+          <p:cNvPicPr>
+            <a:picLocks noChangeAspect="1"/>
+          </p:cNvPicPr>
+          <p:nvPr/>
+        </p:nvPicPr>
+        <p:blipFill>
+          <a:blip r:embed="rId3" cstate="screen">
+            <a:extLst>
+              <a:ext uri="{28A0092B-C50C-407E-A947-70E740481C1C}">
+                <a14:useLocalDpi xmlns:a14="http://schemas.microsoft.com/office/drawing/2010/main"/>
+              </a:ext>
+              <a:ext uri="{96DAC541-7B7A-43D3-8B79-37D633B846F1}">
+                <asvg:svgBlip xmlns:asvg="http://schemas.microsoft.com/office/drawing/2016/SVG/main" r:embed="rId4"/>
+              </a:ext>
+            </a:extLst>
+          </a:blip>
+          <a:stretch>
+            <a:fillRect/>
+          </a:stretch>
+        </p:blipFill>
+        <p:spPr>
+          <a:xfrm>
+            <a:off x="10123034" y="2396413"/>
+            <a:ext cx="244012" cy="244012"/>
+          </a:xfrm>
+          <a:prstGeom prst="rect">
+            <a:avLst/>
+          </a:prstGeom>
+        </p:spPr>
+      </p:pic>
+      <p:pic>
+        <p:nvPicPr>
+          <p:cNvPr id="79" name="Graphic 78" descr="Bio hazard">
+            <a:extLst>
+              <a:ext uri="{FF2B5EF4-FFF2-40B4-BE49-F238E27FC236}">
+                <a16:creationId xmlns:a16="http://schemas.microsoft.com/office/drawing/2014/main" id="{F6B018D2-6312-4942-8BAF-3A47E4EA5B76}"/>
+              </a:ext>
+            </a:extLst>
+          </p:cNvPr>
+          <p:cNvPicPr>
+            <a:picLocks noChangeAspect="1"/>
+          </p:cNvPicPr>
+          <p:nvPr/>
+        </p:nvPicPr>
+        <p:blipFill>
+          <a:blip r:embed="rId7" cstate="screen">
+            <a:extLst>
+              <a:ext uri="{28A0092B-C50C-407E-A947-70E740481C1C}">
+                <a14:useLocalDpi xmlns:a14="http://schemas.microsoft.com/office/drawing/2010/main"/>
+              </a:ext>
+              <a:ext uri="{96DAC541-7B7A-43D3-8B79-37D633B846F1}">
+                <asvg:svgBlip xmlns:asvg="http://schemas.microsoft.com/office/drawing/2016/SVG/main" r:embed="rId8"/>
+              </a:ext>
+            </a:extLst>
+          </a:blip>
+          <a:stretch>
+            <a:fillRect/>
+          </a:stretch>
+        </p:blipFill>
+        <p:spPr>
+          <a:xfrm>
+            <a:off x="7777430" y="2376729"/>
+            <a:ext cx="266116" cy="266116"/>
+          </a:xfrm>
+          <a:prstGeom prst="rect">
+            <a:avLst/>
+          </a:prstGeom>
+        </p:spPr>
+      </p:pic>
+      <p:pic>
+        <p:nvPicPr>
+          <p:cNvPr id="80" name="Graphic 79" descr="Target Audience">
+            <a:extLst>
+              <a:ext uri="{FF2B5EF4-FFF2-40B4-BE49-F238E27FC236}">
+                <a16:creationId xmlns:a16="http://schemas.microsoft.com/office/drawing/2014/main" id="{39B3D94C-93C5-43DD-B5F7-F16D14F28A39}"/>
+              </a:ext>
+            </a:extLst>
+          </p:cNvPr>
+          <p:cNvPicPr>
+            <a:picLocks noChangeAspect="1"/>
+          </p:cNvPicPr>
+          <p:nvPr/>
+        </p:nvPicPr>
+        <p:blipFill>
+          <a:blip r:embed="rId3" cstate="screen">
+            <a:extLst>
+              <a:ext uri="{28A0092B-C50C-407E-A947-70E740481C1C}">
+                <a14:useLocalDpi xmlns:a14="http://schemas.microsoft.com/office/drawing/2010/main"/>
+              </a:ext>
+              <a:ext uri="{96DAC541-7B7A-43D3-8B79-37D633B846F1}">
+                <asvg:svgBlip xmlns:asvg="http://schemas.microsoft.com/office/drawing/2016/SVG/main" r:embed="rId4"/>
+              </a:ext>
+            </a:extLst>
+          </a:blip>
+          <a:stretch>
+            <a:fillRect/>
+          </a:stretch>
+        </p:blipFill>
+        <p:spPr>
+          <a:xfrm>
+            <a:off x="8810137" y="2404912"/>
+            <a:ext cx="244012" cy="244012"/>
+          </a:xfrm>
+          <a:prstGeom prst="rect">
+            <a:avLst/>
+          </a:prstGeom>
+        </p:spPr>
+      </p:pic>
+      <p:sp>
+        <p:nvSpPr>
+          <p:cNvPr id="81" name="Rectangle 80">
+            <a:extLst>
+              <a:ext uri="{FF2B5EF4-FFF2-40B4-BE49-F238E27FC236}">
+                <a16:creationId xmlns:a16="http://schemas.microsoft.com/office/drawing/2014/main" id="{061E6CB8-FA7D-419E-87CF-5A798E88701D}"/>
+              </a:ext>
+            </a:extLst>
+          </p:cNvPr>
+          <p:cNvSpPr/>
+          <p:nvPr/>
+        </p:nvSpPr>
+        <p:spPr>
+          <a:xfrm>
+            <a:off x="8468394" y="1855587"/>
+            <a:ext cx="889112" cy="276999"/>
+          </a:xfrm>
+          <a:prstGeom prst="rect">
+            <a:avLst/>
+          </a:prstGeom>
+          <a:solidFill>
+            <a:schemeClr val="accent4">
+              <a:alpha val="1000"/>
+            </a:schemeClr>
+          </a:solidFill>
+          <a:ln>
+            <a:noFill/>
+          </a:ln>
+          <a:effectLst/>
+        </p:spPr>
+        <p:txBody>
+          <a:bodyPr wrap="square">
+            <a:spAutoFit/>
+          </a:bodyPr>
+          <a:lstStyle/>
+          <a:p>
+            <a:pPr marL="0" marR="0" lvl="2" algn="ctr">
+              <a:spcAft>
+                <a:spcPts val="0"/>
+              </a:spcAft>
+              <a:buSzPts val="1200"/>
+              <a:tabLst>
+                <a:tab pos="533400" algn="l"/>
+              </a:tabLst>
+            </a:pPr>
+            <a:r>
+              <a:rPr lang="en-US" sz="1200" b="1" i="1" spc="-5" dirty="0">
+                <a:solidFill>
+                  <a:schemeClr val="bg1"/>
+                </a:solidFill>
+                <a:effectLst>
+                  <a:glow rad="127000">
+                    <a:schemeClr val="tx1">
+                      <a:alpha val="76000"/>
+                    </a:schemeClr>
+                  </a:glow>
+                </a:effectLst>
+                <a:ea typeface="Arial" panose="020B0604020202020204" pitchFamily="34" charset="0"/>
+                <a:cs typeface="Times New Roman" panose="02020603050405020304" pitchFamily="18" charset="0"/>
+              </a:rPr>
+              <a:t>Decreasing</a:t>
+            </a:r>
+          </a:p>
+        </p:txBody>
+      </p:sp>
+      <p:sp>
+        <p:nvSpPr>
+          <p:cNvPr id="85" name="TextBox 84">
+            <a:extLst>
+              <a:ext uri="{FF2B5EF4-FFF2-40B4-BE49-F238E27FC236}">
+                <a16:creationId xmlns:a16="http://schemas.microsoft.com/office/drawing/2014/main" id="{15C5E0ED-CD92-44F3-8E81-20793051F02E}"/>
+              </a:ext>
+            </a:extLst>
+          </p:cNvPr>
+          <p:cNvSpPr txBox="1"/>
+          <p:nvPr/>
+        </p:nvSpPr>
+        <p:spPr>
+          <a:xfrm>
+            <a:off x="2003362" y="5433015"/>
+            <a:ext cx="3541934" cy="307777"/>
+          </a:xfrm>
+          <a:prstGeom prst="rect">
+            <a:avLst/>
+          </a:prstGeom>
+          <a:noFill/>
+          <a:ln>
+            <a:solidFill>
+              <a:schemeClr val="tx1"/>
+            </a:solidFill>
+          </a:ln>
+        </p:spPr>
+        <p:txBody>
+          <a:bodyPr wrap="square" rtlCol="0">
+            <a:spAutoFit/>
+          </a:bodyPr>
+          <a:lstStyle/>
+          <a:p>
+            <a:r>
+              <a:rPr lang="en-US" sz="1400" b="1" dirty="0"/>
+              <a:t>4. (Local Area) Average Deaths/Day &amp; Trends</a:t>
+            </a:r>
+          </a:p>
+        </p:txBody>
+      </p:sp>
+      <p:cxnSp>
+        <p:nvCxnSpPr>
+          <p:cNvPr id="86" name="Connector: Elbow 85">
+            <a:extLst>
+              <a:ext uri="{FF2B5EF4-FFF2-40B4-BE49-F238E27FC236}">
+                <a16:creationId xmlns:a16="http://schemas.microsoft.com/office/drawing/2014/main" id="{F15111E8-4CB3-444F-92D3-924E5FC96A29}"/>
+              </a:ext>
+            </a:extLst>
+          </p:cNvPr>
+          <p:cNvCxnSpPr>
+            <a:cxnSpLocks/>
+            <a:stCxn id="85" idx="3"/>
+            <a:endCxn id="107" idx="4"/>
+          </p:cNvCxnSpPr>
+          <p:nvPr/>
+        </p:nvCxnSpPr>
+        <p:spPr>
+          <a:xfrm flipV="1">
+            <a:off x="5545296" y="4130264"/>
+            <a:ext cx="3388358" cy="1456640"/>
+          </a:xfrm>
+          <a:prstGeom prst="bentConnector2">
+            <a:avLst/>
+          </a:prstGeom>
+          <a:ln w="19050">
+            <a:solidFill>
+              <a:schemeClr val="tx1"/>
+            </a:solidFill>
+            <a:tailEnd type="triangle"/>
+          </a:ln>
+        </p:spPr>
+        <p:style>
+          <a:lnRef idx="1">
+            <a:schemeClr val="accent1"/>
+          </a:lnRef>
+          <a:fillRef idx="0">
+            <a:schemeClr val="accent1"/>
+          </a:fillRef>
+          <a:effectRef idx="0">
+            <a:schemeClr val="accent1"/>
+          </a:effectRef>
+          <a:fontRef idx="minor">
+            <a:schemeClr val="tx1"/>
+          </a:fontRef>
+        </p:style>
+      </p:cxnSp>
+      <p:cxnSp>
+        <p:nvCxnSpPr>
+          <p:cNvPr id="87" name="Connector: Elbow 86">
+            <a:extLst>
+              <a:ext uri="{FF2B5EF4-FFF2-40B4-BE49-F238E27FC236}">
+                <a16:creationId xmlns:a16="http://schemas.microsoft.com/office/drawing/2014/main" id="{171CB81D-9477-45AE-B4E7-5C563C9D8753}"/>
+              </a:ext>
+            </a:extLst>
+          </p:cNvPr>
+          <p:cNvCxnSpPr>
+            <a:cxnSpLocks/>
+            <a:endCxn id="106" idx="4"/>
+          </p:cNvCxnSpPr>
+          <p:nvPr/>
+        </p:nvCxnSpPr>
+        <p:spPr>
+          <a:xfrm flipV="1">
+            <a:off x="5545296" y="4137007"/>
+            <a:ext cx="2380519" cy="1449898"/>
+          </a:xfrm>
+          <a:prstGeom prst="bentConnector2">
+            <a:avLst/>
+          </a:prstGeom>
+          <a:ln w="19050">
+            <a:solidFill>
+              <a:schemeClr val="tx1"/>
+            </a:solidFill>
+            <a:tailEnd type="triangle"/>
+          </a:ln>
+        </p:spPr>
+        <p:style>
+          <a:lnRef idx="1">
+            <a:schemeClr val="accent1"/>
+          </a:lnRef>
+          <a:fillRef idx="0">
+            <a:schemeClr val="accent1"/>
+          </a:fillRef>
+          <a:effectRef idx="0">
+            <a:schemeClr val="accent1"/>
+          </a:effectRef>
+          <a:fontRef idx="minor">
+            <a:schemeClr val="tx1"/>
+          </a:fontRef>
+        </p:style>
+      </p:cxnSp>
+      <p:sp>
+        <p:nvSpPr>
+          <p:cNvPr id="88" name="TextBox 87">
+            <a:extLst>
+              <a:ext uri="{FF2B5EF4-FFF2-40B4-BE49-F238E27FC236}">
+                <a16:creationId xmlns:a16="http://schemas.microsoft.com/office/drawing/2014/main" id="{EFE5F62D-67E2-4BA5-8108-BDDE47048674}"/>
+              </a:ext>
+            </a:extLst>
+          </p:cNvPr>
+          <p:cNvSpPr txBox="1"/>
+          <p:nvPr/>
+        </p:nvSpPr>
+        <p:spPr>
+          <a:xfrm>
+            <a:off x="1643979" y="4978676"/>
+            <a:ext cx="2320037" cy="307777"/>
+          </a:xfrm>
+          <a:prstGeom prst="rect">
+            <a:avLst/>
+          </a:prstGeom>
+          <a:noFill/>
+          <a:ln>
+            <a:solidFill>
+              <a:schemeClr val="tx1"/>
+            </a:solidFill>
+          </a:ln>
+        </p:spPr>
+        <p:txBody>
+          <a:bodyPr wrap="square" rtlCol="0">
+            <a:spAutoFit/>
+          </a:bodyPr>
+          <a:lstStyle/>
+          <a:p>
+            <a:r>
+              <a:rPr lang="en-US" sz="1400" b="1" dirty="0"/>
+              <a:t>3. (Local Area) Deaths/100K</a:t>
+            </a:r>
+          </a:p>
+        </p:txBody>
+      </p:sp>
+      <p:cxnSp>
+        <p:nvCxnSpPr>
+          <p:cNvPr id="91" name="Connector: Elbow 90">
+            <a:extLst>
+              <a:ext uri="{FF2B5EF4-FFF2-40B4-BE49-F238E27FC236}">
+                <a16:creationId xmlns:a16="http://schemas.microsoft.com/office/drawing/2014/main" id="{43845FEF-56EA-4340-AB0A-5467BC05F354}"/>
+              </a:ext>
+            </a:extLst>
+          </p:cNvPr>
+          <p:cNvCxnSpPr>
+            <a:cxnSpLocks/>
+            <a:stCxn id="88" idx="3"/>
+            <a:endCxn id="104" idx="4"/>
+          </p:cNvCxnSpPr>
+          <p:nvPr/>
+        </p:nvCxnSpPr>
+        <p:spPr>
+          <a:xfrm flipV="1">
+            <a:off x="3964016" y="4133046"/>
+            <a:ext cx="3144460" cy="999519"/>
+          </a:xfrm>
+          <a:prstGeom prst="bentConnector2">
+            <a:avLst/>
+          </a:prstGeom>
+          <a:ln w="19050">
+            <a:solidFill>
+              <a:schemeClr val="tx1"/>
+            </a:solidFill>
+            <a:tailEnd type="triangle"/>
+          </a:ln>
+        </p:spPr>
+        <p:style>
+          <a:lnRef idx="1">
+            <a:schemeClr val="accent1"/>
+          </a:lnRef>
+          <a:fillRef idx="0">
+            <a:schemeClr val="accent1"/>
+          </a:fillRef>
+          <a:effectRef idx="0">
+            <a:schemeClr val="accent1"/>
+          </a:effectRef>
+          <a:fontRef idx="minor">
+            <a:schemeClr val="tx1"/>
+          </a:fontRef>
+        </p:style>
+      </p:cxnSp>
+      <p:sp>
+        <p:nvSpPr>
+          <p:cNvPr id="30" name="Oval 29">
+            <a:extLst>
+              <a:ext uri="{FF2B5EF4-FFF2-40B4-BE49-F238E27FC236}">
+                <a16:creationId xmlns:a16="http://schemas.microsoft.com/office/drawing/2014/main" id="{0D2CAE8A-CB4E-4B7D-873B-DBA3C7355DD2}"/>
+              </a:ext>
+            </a:extLst>
+          </p:cNvPr>
+          <p:cNvSpPr/>
+          <p:nvPr/>
+        </p:nvSpPr>
+        <p:spPr>
+          <a:xfrm>
+            <a:off x="4228363" y="4003469"/>
+            <a:ext cx="113241" cy="125192"/>
+          </a:xfrm>
+          <a:prstGeom prst="ellipse">
+            <a:avLst/>
+          </a:prstGeom>
+          <a:noFill/>
+          <a:ln>
+            <a:noFill/>
+          </a:ln>
+        </p:spPr>
+        <p:style>
+          <a:lnRef idx="2">
+            <a:schemeClr val="accent1">
+              <a:shade val="50000"/>
+            </a:schemeClr>
+          </a:lnRef>
+          <a:fillRef idx="1">
+            <a:schemeClr val="accent1"/>
+          </a:fillRef>
+          <a:effectRef idx="0">
+            <a:schemeClr val="accent1"/>
+          </a:effectRef>
+          <a:fontRef idx="minor">
+            <a:schemeClr val="lt1"/>
+          </a:fontRef>
+        </p:style>
+        <p:txBody>
+          <a:bodyPr rtlCol="0" anchor="ctr"/>
+          <a:lstStyle/>
+          <a:p>
+            <a:pPr algn="ctr"/>
+            <a:endParaRPr lang="en-US"/>
+          </a:p>
+        </p:txBody>
+      </p:sp>
+      <p:sp>
+        <p:nvSpPr>
+          <p:cNvPr id="102" name="Oval 101">
+            <a:extLst>
+              <a:ext uri="{FF2B5EF4-FFF2-40B4-BE49-F238E27FC236}">
+                <a16:creationId xmlns:a16="http://schemas.microsoft.com/office/drawing/2014/main" id="{9BF0BE1F-A8C4-4696-88B7-F4CD1F399F9A}"/>
+              </a:ext>
+            </a:extLst>
+          </p:cNvPr>
+          <p:cNvSpPr/>
+          <p:nvPr/>
+        </p:nvSpPr>
+        <p:spPr>
+          <a:xfrm>
+            <a:off x="4998077" y="4010212"/>
+            <a:ext cx="113241" cy="125192"/>
+          </a:xfrm>
+          <a:prstGeom prst="ellipse">
+            <a:avLst/>
+          </a:prstGeom>
+          <a:noFill/>
+          <a:ln>
+            <a:noFill/>
+          </a:ln>
+        </p:spPr>
+        <p:style>
+          <a:lnRef idx="2">
+            <a:schemeClr val="accent1">
+              <a:shade val="50000"/>
+            </a:schemeClr>
+          </a:lnRef>
+          <a:fillRef idx="1">
+            <a:schemeClr val="accent1"/>
+          </a:fillRef>
+          <a:effectRef idx="0">
+            <a:schemeClr val="accent1"/>
+          </a:effectRef>
+          <a:fontRef idx="minor">
+            <a:schemeClr val="lt1"/>
+          </a:fontRef>
+        </p:style>
+        <p:txBody>
+          <a:bodyPr rtlCol="0" anchor="ctr"/>
+          <a:lstStyle/>
+          <a:p>
+            <a:pPr algn="ctr"/>
+            <a:endParaRPr lang="en-US" dirty="0"/>
+          </a:p>
+        </p:txBody>
+      </p:sp>
+      <p:sp>
+        <p:nvSpPr>
+          <p:cNvPr id="103" name="Oval 102">
+            <a:extLst>
+              <a:ext uri="{FF2B5EF4-FFF2-40B4-BE49-F238E27FC236}">
+                <a16:creationId xmlns:a16="http://schemas.microsoft.com/office/drawing/2014/main" id="{69E02D30-FC45-4B2E-B6BC-587DC8F85D71}"/>
+              </a:ext>
+            </a:extLst>
+          </p:cNvPr>
+          <p:cNvSpPr/>
+          <p:nvPr/>
+        </p:nvSpPr>
+        <p:spPr>
+          <a:xfrm>
+            <a:off x="5977341" y="4009033"/>
+            <a:ext cx="113241" cy="125192"/>
+          </a:xfrm>
+          <a:prstGeom prst="ellipse">
+            <a:avLst/>
+          </a:prstGeom>
+          <a:noFill/>
+          <a:ln>
+            <a:noFill/>
+          </a:ln>
+        </p:spPr>
+        <p:style>
+          <a:lnRef idx="2">
+            <a:schemeClr val="accent1">
+              <a:shade val="50000"/>
+            </a:schemeClr>
+          </a:lnRef>
+          <a:fillRef idx="1">
+            <a:schemeClr val="accent1"/>
+          </a:fillRef>
+          <a:effectRef idx="0">
+            <a:schemeClr val="accent1"/>
+          </a:effectRef>
+          <a:fontRef idx="minor">
+            <a:schemeClr val="lt1"/>
+          </a:fontRef>
+        </p:style>
+        <p:txBody>
+          <a:bodyPr rtlCol="0" anchor="ctr"/>
+          <a:lstStyle/>
+          <a:p>
+            <a:pPr algn="ctr"/>
+            <a:endParaRPr lang="en-US"/>
+          </a:p>
+        </p:txBody>
+      </p:sp>
+      <p:sp>
+        <p:nvSpPr>
+          <p:cNvPr id="104" name="Oval 103">
+            <a:extLst>
+              <a:ext uri="{FF2B5EF4-FFF2-40B4-BE49-F238E27FC236}">
+                <a16:creationId xmlns:a16="http://schemas.microsoft.com/office/drawing/2014/main" id="{FC692926-C9CF-481D-9CD5-B6200F28659C}"/>
+              </a:ext>
+            </a:extLst>
+          </p:cNvPr>
+          <p:cNvSpPr/>
+          <p:nvPr/>
+        </p:nvSpPr>
+        <p:spPr>
+          <a:xfrm>
+            <a:off x="7051855" y="4007854"/>
+            <a:ext cx="113241" cy="125192"/>
+          </a:xfrm>
+          <a:prstGeom prst="ellipse">
+            <a:avLst/>
+          </a:prstGeom>
+          <a:noFill/>
+          <a:ln>
+            <a:noFill/>
+          </a:ln>
+        </p:spPr>
+        <p:style>
+          <a:lnRef idx="2">
+            <a:schemeClr val="accent1">
+              <a:shade val="50000"/>
+            </a:schemeClr>
+          </a:lnRef>
+          <a:fillRef idx="1">
+            <a:schemeClr val="accent1"/>
+          </a:fillRef>
+          <a:effectRef idx="0">
+            <a:schemeClr val="accent1"/>
+          </a:effectRef>
+          <a:fontRef idx="minor">
+            <a:schemeClr val="lt1"/>
+          </a:fontRef>
+        </p:style>
+        <p:txBody>
+          <a:bodyPr rtlCol="0" anchor="ctr"/>
+          <a:lstStyle/>
+          <a:p>
+            <a:pPr algn="ctr"/>
+            <a:endParaRPr lang="en-US"/>
+          </a:p>
+        </p:txBody>
+      </p:sp>
+      <p:sp>
+        <p:nvSpPr>
+          <p:cNvPr id="106" name="Oval 105">
+            <a:extLst>
+              <a:ext uri="{FF2B5EF4-FFF2-40B4-BE49-F238E27FC236}">
+                <a16:creationId xmlns:a16="http://schemas.microsoft.com/office/drawing/2014/main" id="{987F56A3-39D8-496A-A403-6295AD2A3DD6}"/>
+              </a:ext>
+            </a:extLst>
+          </p:cNvPr>
+          <p:cNvSpPr/>
+          <p:nvPr/>
+        </p:nvSpPr>
+        <p:spPr>
+          <a:xfrm>
+            <a:off x="7869194" y="4011815"/>
+            <a:ext cx="113241" cy="125192"/>
+          </a:xfrm>
+          <a:prstGeom prst="ellipse">
+            <a:avLst/>
+          </a:prstGeom>
+          <a:noFill/>
+          <a:ln>
+            <a:noFill/>
+          </a:ln>
+        </p:spPr>
+        <p:style>
+          <a:lnRef idx="2">
+            <a:schemeClr val="accent1">
+              <a:shade val="50000"/>
+            </a:schemeClr>
+          </a:lnRef>
+          <a:fillRef idx="1">
+            <a:schemeClr val="accent1"/>
+          </a:fillRef>
+          <a:effectRef idx="0">
+            <a:schemeClr val="accent1"/>
+          </a:effectRef>
+          <a:fontRef idx="minor">
+            <a:schemeClr val="lt1"/>
+          </a:fontRef>
+        </p:style>
+        <p:txBody>
+          <a:bodyPr rtlCol="0" anchor="ctr"/>
+          <a:lstStyle/>
+          <a:p>
+            <a:pPr algn="ctr"/>
+            <a:endParaRPr lang="en-US"/>
+          </a:p>
+        </p:txBody>
+      </p:sp>
+      <p:sp>
+        <p:nvSpPr>
+          <p:cNvPr id="107" name="Oval 106">
+            <a:extLst>
+              <a:ext uri="{FF2B5EF4-FFF2-40B4-BE49-F238E27FC236}">
+                <a16:creationId xmlns:a16="http://schemas.microsoft.com/office/drawing/2014/main" id="{1764EF4D-A252-4F4C-ABBC-D468D313BF5A}"/>
+              </a:ext>
+            </a:extLst>
+          </p:cNvPr>
+          <p:cNvSpPr/>
+          <p:nvPr/>
+        </p:nvSpPr>
+        <p:spPr>
+          <a:xfrm>
+            <a:off x="8877033" y="4005072"/>
+            <a:ext cx="113241" cy="125192"/>
+          </a:xfrm>
+          <a:prstGeom prst="ellipse">
+            <a:avLst/>
+          </a:prstGeom>
+          <a:noFill/>
+          <a:ln>
+            <a:noFill/>
+          </a:ln>
+        </p:spPr>
+        <p:style>
+          <a:lnRef idx="2">
+            <a:schemeClr val="accent1">
+              <a:shade val="50000"/>
+            </a:schemeClr>
+          </a:lnRef>
+          <a:fillRef idx="1">
+            <a:schemeClr val="accent1"/>
+          </a:fillRef>
+          <a:effectRef idx="0">
+            <a:schemeClr val="accent1"/>
+          </a:effectRef>
+          <a:fontRef idx="minor">
+            <a:schemeClr val="lt1"/>
+          </a:fontRef>
+        </p:style>
+        <p:txBody>
+          <a:bodyPr rtlCol="0" anchor="ctr"/>
+          <a:lstStyle/>
+          <a:p>
+            <a:pPr algn="ctr"/>
+            <a:endParaRPr lang="en-US"/>
+          </a:p>
+        </p:txBody>
+      </p:sp>
+      <p:sp>
+        <p:nvSpPr>
+          <p:cNvPr id="109" name="Oval 108">
+            <a:extLst>
+              <a:ext uri="{FF2B5EF4-FFF2-40B4-BE49-F238E27FC236}">
+                <a16:creationId xmlns:a16="http://schemas.microsoft.com/office/drawing/2014/main" id="{5CD165B0-6842-46BF-8964-848E6758624B}"/>
+              </a:ext>
+            </a:extLst>
+          </p:cNvPr>
+          <p:cNvSpPr/>
+          <p:nvPr/>
+        </p:nvSpPr>
+        <p:spPr>
+          <a:xfrm>
+            <a:off x="10199197" y="4010634"/>
+            <a:ext cx="113241" cy="125192"/>
+          </a:xfrm>
+          <a:prstGeom prst="ellipse">
+            <a:avLst/>
+          </a:prstGeom>
+          <a:noFill/>
+          <a:ln>
+            <a:noFill/>
+          </a:ln>
+        </p:spPr>
+        <p:style>
+          <a:lnRef idx="2">
+            <a:schemeClr val="accent1">
+              <a:shade val="50000"/>
+            </a:schemeClr>
+          </a:lnRef>
+          <a:fillRef idx="1">
+            <a:schemeClr val="accent1"/>
+          </a:fillRef>
+          <a:effectRef idx="0">
+            <a:schemeClr val="accent1"/>
+          </a:effectRef>
+          <a:fontRef idx="minor">
+            <a:schemeClr val="lt1"/>
+          </a:fontRef>
+        </p:style>
+        <p:txBody>
+          <a:bodyPr rtlCol="0" anchor="ctr"/>
+          <a:lstStyle/>
+          <a:p>
+            <a:pPr algn="ctr"/>
+            <a:endParaRPr lang="en-US"/>
+          </a:p>
+        </p:txBody>
+      </p:sp>
+      <p:sp>
+        <p:nvSpPr>
+          <p:cNvPr id="110" name="Oval 109">
+            <a:extLst>
+              <a:ext uri="{FF2B5EF4-FFF2-40B4-BE49-F238E27FC236}">
+                <a16:creationId xmlns:a16="http://schemas.microsoft.com/office/drawing/2014/main" id="{7024C082-BC9B-453F-A5B3-CC6E96BF510D}"/>
+              </a:ext>
+            </a:extLst>
+          </p:cNvPr>
+          <p:cNvSpPr/>
+          <p:nvPr/>
+        </p:nvSpPr>
+        <p:spPr>
+          <a:xfrm>
+            <a:off x="11283238" y="4006251"/>
+            <a:ext cx="113241" cy="125192"/>
+          </a:xfrm>
+          <a:prstGeom prst="ellipse">
+            <a:avLst/>
+          </a:prstGeom>
+          <a:noFill/>
+          <a:ln>
+            <a:noFill/>
+          </a:ln>
+        </p:spPr>
+        <p:style>
+          <a:lnRef idx="2">
+            <a:schemeClr val="accent1">
+              <a:shade val="50000"/>
+            </a:schemeClr>
+          </a:lnRef>
+          <a:fillRef idx="1">
+            <a:schemeClr val="accent1"/>
+          </a:fillRef>
+          <a:effectRef idx="0">
+            <a:schemeClr val="accent1"/>
+          </a:effectRef>
+          <a:fontRef idx="minor">
+            <a:schemeClr val="lt1"/>
+          </a:fontRef>
+        </p:style>
+        <p:txBody>
+          <a:bodyPr rtlCol="0" anchor="ctr"/>
+          <a:lstStyle/>
+          <a:p>
+            <a:pPr algn="ctr"/>
+            <a:endParaRPr lang="en-US"/>
+          </a:p>
+        </p:txBody>
+      </p:sp>
     </p:spTree>
     <p:extLst>
       <p:ext uri="{BB962C8B-B14F-4D97-AF65-F5344CB8AC3E}">
@@ -12110,7 +11586,7 @@
 </file>
 
 <file path=ppt/slides/slide5.xml><?xml version="1.0" encoding="utf-8"?>
-<p:sld xmlns:a="http://schemas.openxmlformats.org/drawingml/2006/main" xmlns:r="http://schemas.openxmlformats.org/officeDocument/2006/relationships" xmlns:p="http://schemas.openxmlformats.org/presentationml/2006/main">
+<p:sld xmlns:a="http://schemas.openxmlformats.org/drawingml/2006/main" xmlns:r="http://schemas.openxmlformats.org/officeDocument/2006/relationships" xmlns:p="http://schemas.openxmlformats.org/presentationml/2006/main" show="0">
   <p:cSld>
     <p:spTree>
       <p:nvGrpSpPr>
@@ -12126,47 +11602,74 @@
           <a:chExt cx="0" cy="0"/>
         </a:xfrm>
       </p:grpSpPr>
-      <p:pic>
-        <p:nvPicPr>
-          <p:cNvPr id="2" name="Picture 1">
-            <a:extLst>
-              <a:ext uri="{FF2B5EF4-FFF2-40B4-BE49-F238E27FC236}">
-                <a16:creationId xmlns:a16="http://schemas.microsoft.com/office/drawing/2014/main" id="{D51060E9-2D44-47DA-AF2B-1E42D9CB9B16}"/>
-              </a:ext>
-            </a:extLst>
-          </p:cNvPr>
-          <p:cNvPicPr>
-            <a:picLocks noChangeAspect="1"/>
-          </p:cNvPicPr>
-          <p:nvPr/>
-        </p:nvPicPr>
-        <p:blipFill>
-          <a:blip r:embed="rId2"/>
-          <a:stretch>
-            <a:fillRect/>
-          </a:stretch>
-        </p:blipFill>
-        <p:spPr>
-          <a:xfrm>
-            <a:off x="37764" y="623887"/>
-            <a:ext cx="8115300" cy="5610225"/>
+      <p:sp>
+        <p:nvSpPr>
+          <p:cNvPr id="5" name="Rectangle 4">
+            <a:extLst>
+              <a:ext uri="{FF2B5EF4-FFF2-40B4-BE49-F238E27FC236}">
+                <a16:creationId xmlns:a16="http://schemas.microsoft.com/office/drawing/2014/main" id="{5D2C6B7C-B103-48E1-A8AD-CDB495F3595B}"/>
+              </a:ext>
+            </a:extLst>
+          </p:cNvPr>
+          <p:cNvSpPr/>
+          <p:nvPr/>
+        </p:nvSpPr>
+        <p:spPr>
+          <a:xfrm>
+            <a:off x="0" y="505726"/>
+            <a:ext cx="12192000" cy="646331"/>
           </a:xfrm>
           <a:prstGeom prst="rect">
             <a:avLst/>
           </a:prstGeom>
+          <a:solidFill>
+            <a:schemeClr val="accent1">
+              <a:lumMod val="20000"/>
+              <a:lumOff val="80000"/>
+            </a:schemeClr>
+          </a:solidFill>
           <a:ln>
             <a:solidFill>
               <a:schemeClr val="tx1"/>
             </a:solidFill>
           </a:ln>
         </p:spPr>
-      </p:pic>
+        <p:txBody>
+          <a:bodyPr wrap="square">
+            <a:spAutoFit/>
+          </a:bodyPr>
+          <a:lstStyle/>
+          <a:p>
+            <a:r>
+              <a:rPr lang="en-US" b="1" dirty="0">
+                <a:latin typeface="Calibri" panose="020F0502020204030204" pitchFamily="34" charset="0"/>
+                <a:ea typeface="Calibri" panose="020F0502020204030204" pitchFamily="34" charset="0"/>
+                <a:cs typeface="Calibri" panose="020F0502020204030204" pitchFamily="34" charset="0"/>
+              </a:rPr>
+              <a:t>Purpose:  </a:t>
+            </a:r>
+            <a:r>
+              <a:rPr lang="en-US" dirty="0">
+                <a:latin typeface="Calibri" panose="020F0502020204030204" pitchFamily="34" charset="0"/>
+                <a:ea typeface="Calibri" panose="020F0502020204030204" pitchFamily="34" charset="0"/>
+                <a:cs typeface="Calibri" panose="020F0502020204030204" pitchFamily="34" charset="0"/>
+              </a:rPr>
+              <a:t>Our antiquated systems, military cultural norms, over-reliance on in-person activities, and expected budgetary constraints necessitates a reset of the force to meet the challenges in a COVID-19 global environment and beyond </a:t>
+            </a:r>
+            <a:endParaRPr lang="en-US" dirty="0">
+              <a:latin typeface="Calibri" panose="020F0502020204030204" pitchFamily="34" charset="0"/>
+              <a:ea typeface="Calibri" panose="020F0502020204030204" pitchFamily="34" charset="0"/>
+              <a:cs typeface="Times New Roman" panose="02020603050405020304" pitchFamily="18" charset="0"/>
+            </a:endParaRPr>
+          </a:p>
+        </p:txBody>
+      </p:sp>
       <p:sp>
         <p:nvSpPr>
           <p:cNvPr id="3" name="Title 1">
             <a:extLst>
               <a:ext uri="{FF2B5EF4-FFF2-40B4-BE49-F238E27FC236}">
-                <a16:creationId xmlns:a16="http://schemas.microsoft.com/office/drawing/2014/main" id="{31D5E158-0F45-4FBF-99C0-C0DBC81D721C}"/>
+                <a16:creationId xmlns:a16="http://schemas.microsoft.com/office/drawing/2014/main" id="{C92F7802-B946-43BA-9F8F-6618DC9D36A0}"/>
               </a:ext>
             </a:extLst>
           </p:cNvPr>
@@ -12223,7 +11726,7 @@
                   </a:outerShdw>
                 </a:effectLst>
               </a:rPr>
-              <a:t>USAF Installations (A-D)</a:t>
+              <a:t>Resetting the Force During a Pandemic</a:t>
             </a:r>
             <a:endParaRPr lang="en-US" sz="2800" b="1" dirty="0">
               <a:solidFill>
@@ -12243,7 +11746,7 @@
           <p:cNvPr id="4" name="Picture 3" descr="A picture containing drawing&#10;&#10;Description automatically generated">
             <a:extLst>
               <a:ext uri="{FF2B5EF4-FFF2-40B4-BE49-F238E27FC236}">
-                <a16:creationId xmlns:a16="http://schemas.microsoft.com/office/drawing/2014/main" id="{14DBE691-6957-4C0B-8CC4-5FAE1DAD1764}"/>
+                <a16:creationId xmlns:a16="http://schemas.microsoft.com/office/drawing/2014/main" id="{4C868565-FE09-4330-8362-C3127AC6DDA5}"/>
               </a:ext>
             </a:extLst>
           </p:cNvPr>
@@ -12253,7 +11756,7 @@
           <p:nvPr/>
         </p:nvPicPr>
         <p:blipFill>
-          <a:blip r:embed="rId3" cstate="email">
+          <a:blip r:embed="rId2" cstate="email">
             <a:extLst>
               <a:ext uri="{28A0092B-C50C-407E-A947-70E740481C1C}">
                 <a14:useLocalDpi xmlns:a14="http://schemas.microsoft.com/office/drawing/2010/main"/>
@@ -12266,7 +11769,7 @@
         </p:blipFill>
         <p:spPr>
           <a:xfrm>
-            <a:off x="0" y="38828"/>
+            <a:off x="-66675" y="728"/>
             <a:ext cx="778796" cy="643511"/>
           </a:xfrm>
           <a:prstGeom prst="rect">
@@ -12276,64 +11779,27 @@
       </p:pic>
       <p:sp>
         <p:nvSpPr>
-          <p:cNvPr id="37" name="TextBox 36">
-            <a:extLst>
-              <a:ext uri="{FF2B5EF4-FFF2-40B4-BE49-F238E27FC236}">
-                <a16:creationId xmlns:a16="http://schemas.microsoft.com/office/drawing/2014/main" id="{6250EECF-F885-4AF8-B988-6F52F83AA57B}"/>
-              </a:ext>
-            </a:extLst>
-          </p:cNvPr>
-          <p:cNvSpPr txBox="1"/>
-          <p:nvPr/>
-        </p:nvSpPr>
-        <p:spPr>
-          <a:xfrm>
-            <a:off x="10658285" y="119531"/>
-            <a:ext cx="1455478" cy="276999"/>
+          <p:cNvPr id="6" name="Rectangle 5">
+            <a:extLst>
+              <a:ext uri="{FF2B5EF4-FFF2-40B4-BE49-F238E27FC236}">
+                <a16:creationId xmlns:a16="http://schemas.microsoft.com/office/drawing/2014/main" id="{A8DC1BAB-3944-4657-BC98-450E61F33DC9}"/>
+              </a:ext>
+            </a:extLst>
+          </p:cNvPr>
+          <p:cNvSpPr/>
+          <p:nvPr/>
+        </p:nvSpPr>
+        <p:spPr>
+          <a:xfrm>
+            <a:off x="0" y="1209207"/>
+            <a:ext cx="12191999" cy="646331"/>
           </a:xfrm>
           <a:prstGeom prst="rect">
             <a:avLst/>
           </a:prstGeom>
-          <a:noFill/>
-        </p:spPr>
-        <p:txBody>
-          <a:bodyPr wrap="square" rtlCol="0">
-            <a:spAutoFit/>
-          </a:bodyPr>
-          <a:lstStyle/>
-          <a:p>
-            <a:r>
-              <a:rPr lang="en-US" sz="1200" dirty="0">
-                <a:solidFill>
-                  <a:srgbClr val="FFFF00"/>
-                </a:solidFill>
-              </a:rPr>
-              <a:t>CAO:  13 May 2020</a:t>
-            </a:r>
-          </a:p>
-        </p:txBody>
-      </p:sp>
-      <p:sp>
-        <p:nvSpPr>
-          <p:cNvPr id="38" name="TextBox 37">
-            <a:extLst>
-              <a:ext uri="{FF2B5EF4-FFF2-40B4-BE49-F238E27FC236}">
-                <a16:creationId xmlns:a16="http://schemas.microsoft.com/office/drawing/2014/main" id="{949C7421-9008-47B8-8826-7A80D27366D8}"/>
-              </a:ext>
-            </a:extLst>
-          </p:cNvPr>
-          <p:cNvSpPr txBox="1"/>
-          <p:nvPr/>
-        </p:nvSpPr>
-        <p:spPr>
-          <a:xfrm>
-            <a:off x="12517373" y="266843"/>
-            <a:ext cx="5307791" cy="400110"/>
-          </a:xfrm>
-          <a:prstGeom prst="rect">
-            <a:avLst/>
-          </a:prstGeom>
-          <a:noFill/>
+          <a:solidFill>
+            <a:srgbClr val="FFF2CC"/>
+          </a:solidFill>
           <a:ln>
             <a:solidFill>
               <a:schemeClr val="tx1"/>
@@ -12341,25 +11807,73 @@
           </a:ln>
         </p:spPr>
         <p:txBody>
-          <a:bodyPr wrap="square" rtlCol="0">
+          <a:bodyPr wrap="square">
             <a:spAutoFit/>
           </a:bodyPr>
           <a:lstStyle/>
           <a:p>
-            <a:pPr algn="ctr"/>
-            <a:r>
-              <a:rPr lang="en-US" sz="2000" b="1" i="1" dirty="0"/>
-              <a:t>Increase in Case and Death rates over last 7 days</a:t>
-            </a:r>
-          </a:p>
-        </p:txBody>
-      </p:sp>
-      <p:sp>
-        <p:nvSpPr>
-          <p:cNvPr id="39" name="Oval 38">
-            <a:extLst>
-              <a:ext uri="{FF2B5EF4-FFF2-40B4-BE49-F238E27FC236}">
-                <a16:creationId xmlns:a16="http://schemas.microsoft.com/office/drawing/2014/main" id="{53D32EDF-109E-41AE-962C-B68F46A98901}"/>
+            <a:r>
+              <a:rPr lang="en-US" b="1" dirty="0">
+                <a:latin typeface="Calibri" panose="020F0502020204030204" pitchFamily="34" charset="0"/>
+                <a:ea typeface="Calibri" panose="020F0502020204030204" pitchFamily="34" charset="0"/>
+                <a:cs typeface="Calibri" panose="020F0502020204030204" pitchFamily="34" charset="0"/>
+              </a:rPr>
+              <a:t>Problem Statement:</a:t>
+            </a:r>
+            <a:r>
+              <a:rPr lang="en-US" dirty="0">
+                <a:latin typeface="Calibri" panose="020F0502020204030204" pitchFamily="34" charset="0"/>
+                <a:ea typeface="Calibri" panose="020F0502020204030204" pitchFamily="34" charset="0"/>
+                <a:cs typeface="Calibri" panose="020F0502020204030204" pitchFamily="34" charset="0"/>
+              </a:rPr>
+              <a:t> The DAF must </a:t>
+            </a:r>
+            <a:r>
+              <a:rPr lang="en-US" u="sng" dirty="0">
+                <a:latin typeface="Calibri" panose="020F0502020204030204" pitchFamily="34" charset="0"/>
+                <a:ea typeface="Calibri" panose="020F0502020204030204" pitchFamily="34" charset="0"/>
+                <a:cs typeface="Calibri" panose="020F0502020204030204" pitchFamily="34" charset="0"/>
+              </a:rPr>
+              <a:t>adapt</a:t>
+            </a:r>
+            <a:r>
+              <a:rPr lang="en-US" dirty="0">
+                <a:latin typeface="Calibri" panose="020F0502020204030204" pitchFamily="34" charset="0"/>
+                <a:ea typeface="Calibri" panose="020F0502020204030204" pitchFamily="34" charset="0"/>
+                <a:cs typeface="Calibri" panose="020F0502020204030204" pitchFamily="34" charset="0"/>
+              </a:rPr>
+              <a:t> policies, practices, and guidance in order to </a:t>
+            </a:r>
+            <a:r>
+              <a:rPr lang="en-US" u="sng" dirty="0">
+                <a:latin typeface="Calibri" panose="020F0502020204030204" pitchFamily="34" charset="0"/>
+                <a:ea typeface="Calibri" panose="020F0502020204030204" pitchFamily="34" charset="0"/>
+                <a:cs typeface="Calibri" panose="020F0502020204030204" pitchFamily="34" charset="0"/>
+              </a:rPr>
+              <a:t>reset</a:t>
+            </a:r>
+            <a:r>
+              <a:rPr lang="en-US" dirty="0">
+                <a:latin typeface="Calibri" panose="020F0502020204030204" pitchFamily="34" charset="0"/>
+                <a:ea typeface="Calibri" panose="020F0502020204030204" pitchFamily="34" charset="0"/>
+                <a:cs typeface="Calibri" panose="020F0502020204030204" pitchFamily="34" charset="0"/>
+              </a:rPr>
+              <a:t> manpower, materiel, and operations that balances mission execution with force health protection in both the current and future pandemic environments</a:t>
+            </a:r>
+            <a:endParaRPr lang="en-US" dirty="0">
+              <a:latin typeface="Calibri" panose="020F0502020204030204" pitchFamily="34" charset="0"/>
+              <a:ea typeface="Calibri" panose="020F0502020204030204" pitchFamily="34" charset="0"/>
+              <a:cs typeface="Times New Roman" panose="02020603050405020304" pitchFamily="18" charset="0"/>
+            </a:endParaRPr>
+          </a:p>
+        </p:txBody>
+      </p:sp>
+      <p:sp>
+        <p:nvSpPr>
+          <p:cNvPr id="7" name="Rectangle 6">
+            <a:extLst>
+              <a:ext uri="{FF2B5EF4-FFF2-40B4-BE49-F238E27FC236}">
+                <a16:creationId xmlns:a16="http://schemas.microsoft.com/office/drawing/2014/main" id="{6506A853-F1AF-4184-9C6A-890D00D98BFC}"/>
               </a:ext>
             </a:extLst>
           </p:cNvPr>
@@ -12368,18 +11882,248 @@
         </p:nvSpPr>
         <p:spPr>
           <a:xfrm>
-            <a:off x="14131471" y="1191011"/>
-            <a:ext cx="872288" cy="662396"/>
-          </a:xfrm>
-          <a:prstGeom prst="ellipse">
+            <a:off x="0" y="6449840"/>
+            <a:ext cx="12192000" cy="400110"/>
+          </a:xfrm>
+          <a:prstGeom prst="rect">
             <a:avLst/>
           </a:prstGeom>
-          <a:noFill/>
+          <a:solidFill>
+            <a:srgbClr val="FFFF00"/>
+          </a:solidFill>
           <a:ln>
             <a:solidFill>
-              <a:srgbClr val="FF0000"/>
+              <a:schemeClr val="tx1"/>
             </a:solidFill>
           </a:ln>
+        </p:spPr>
+        <p:txBody>
+          <a:bodyPr wrap="square">
+            <a:spAutoFit/>
+          </a:bodyPr>
+          <a:lstStyle/>
+          <a:p>
+            <a:pPr algn="ctr"/>
+            <a:r>
+              <a:rPr lang="en-US" sz="2000" b="1" dirty="0">
+                <a:latin typeface="Calibri" panose="020F0502020204030204" pitchFamily="34" charset="0"/>
+                <a:ea typeface="Calibri" panose="020F0502020204030204" pitchFamily="34" charset="0"/>
+                <a:cs typeface="Calibri" panose="020F0502020204030204" pitchFamily="34" charset="0"/>
+              </a:rPr>
+              <a:t>Desired State:  An AF capable of fighting through pandemics to implement the NDS</a:t>
+            </a:r>
+            <a:endParaRPr lang="en-US" sz="2000" b="1" dirty="0">
+              <a:latin typeface="Calibri" panose="020F0502020204030204" pitchFamily="34" charset="0"/>
+              <a:ea typeface="Calibri" panose="020F0502020204030204" pitchFamily="34" charset="0"/>
+              <a:cs typeface="Times New Roman" panose="02020603050405020304" pitchFamily="18" charset="0"/>
+            </a:endParaRPr>
+          </a:p>
+        </p:txBody>
+      </p:sp>
+      <p:sp>
+        <p:nvSpPr>
+          <p:cNvPr id="9" name="Rectangle 8">
+            <a:extLst>
+              <a:ext uri="{FF2B5EF4-FFF2-40B4-BE49-F238E27FC236}">
+                <a16:creationId xmlns:a16="http://schemas.microsoft.com/office/drawing/2014/main" id="{4F93EA7C-F1DF-418E-8298-F68CEC65681B}"/>
+              </a:ext>
+            </a:extLst>
+          </p:cNvPr>
+          <p:cNvSpPr/>
+          <p:nvPr/>
+        </p:nvSpPr>
+        <p:spPr>
+          <a:xfrm>
+            <a:off x="2228849" y="4167060"/>
+            <a:ext cx="8324850" cy="2185214"/>
+          </a:xfrm>
+          <a:prstGeom prst="rect">
+            <a:avLst/>
+          </a:prstGeom>
+          <a:ln>
+            <a:solidFill>
+              <a:schemeClr val="tx1"/>
+            </a:solidFill>
+          </a:ln>
+        </p:spPr>
+        <p:txBody>
+          <a:bodyPr wrap="square">
+            <a:spAutoFit/>
+          </a:bodyPr>
+          <a:lstStyle/>
+          <a:p>
+            <a:pPr algn="ctr"/>
+            <a:r>
+              <a:rPr lang="en-US" sz="1600" b="1" u="sng" dirty="0">
+                <a:highlight>
+                  <a:srgbClr val="FFFF00"/>
+                </a:highlight>
+                <a:latin typeface="Calibri" panose="020F0502020204030204" pitchFamily="34" charset="0"/>
+                <a:ea typeface="Calibri" panose="020F0502020204030204" pitchFamily="34" charset="0"/>
+                <a:cs typeface="Times New Roman" panose="02020603050405020304" pitchFamily="18" charset="0"/>
+              </a:rPr>
+              <a:t>Phase 2:  Reshaping the Force (Jan-Jun 2021)</a:t>
+            </a:r>
+            <a:endParaRPr lang="en-US" sz="1600" dirty="0">
+              <a:highlight>
+                <a:srgbClr val="FFFF00"/>
+              </a:highlight>
+              <a:latin typeface="Calibri" panose="020F0502020204030204" pitchFamily="34" charset="0"/>
+              <a:ea typeface="Calibri" panose="020F0502020204030204" pitchFamily="34" charset="0"/>
+              <a:cs typeface="Times New Roman" panose="02020603050405020304" pitchFamily="18" charset="0"/>
+            </a:endParaRPr>
+          </a:p>
+          <a:p>
+            <a:r>
+              <a:rPr lang="en-US" sz="1600" i="1" dirty="0">
+                <a:latin typeface="Calibri" panose="020F0502020204030204" pitchFamily="34" charset="0"/>
+                <a:ea typeface="Calibri" panose="020F0502020204030204" pitchFamily="34" charset="0"/>
+                <a:cs typeface="Times New Roman" panose="02020603050405020304" pitchFamily="18" charset="0"/>
+              </a:rPr>
+              <a:t>Mid-term LOE:  Expanded manpower, materiel, and operations capacity (Should do…)</a:t>
+            </a:r>
+            <a:endParaRPr lang="en-US" sz="1600" dirty="0">
+              <a:latin typeface="Calibri" panose="020F0502020204030204" pitchFamily="34" charset="0"/>
+              <a:ea typeface="Calibri" panose="020F0502020204030204" pitchFamily="34" charset="0"/>
+              <a:cs typeface="Times New Roman" panose="02020603050405020304" pitchFamily="18" charset="0"/>
+            </a:endParaRPr>
+          </a:p>
+          <a:p>
+            <a:r>
+              <a:rPr lang="en-US" sz="1600" u="sng" dirty="0">
+                <a:latin typeface="Calibri" panose="020F0502020204030204" pitchFamily="34" charset="0"/>
+                <a:ea typeface="Calibri" panose="020F0502020204030204" pitchFamily="34" charset="0"/>
+                <a:cs typeface="Times New Roman" panose="02020603050405020304" pitchFamily="18" charset="0"/>
+              </a:rPr>
+              <a:t>Objectives</a:t>
+            </a:r>
+            <a:r>
+              <a:rPr lang="en-US" sz="1600" dirty="0">
+                <a:latin typeface="Calibri" panose="020F0502020204030204" pitchFamily="34" charset="0"/>
+                <a:ea typeface="Calibri" panose="020F0502020204030204" pitchFamily="34" charset="0"/>
+                <a:cs typeface="Times New Roman" panose="02020603050405020304" pitchFamily="18" charset="0"/>
+              </a:rPr>
+              <a:t>:</a:t>
+            </a:r>
+          </a:p>
+          <a:p>
+            <a:pPr marL="342900" marR="0" lvl="0" indent="-342900">
+              <a:spcBef>
+                <a:spcPts val="0"/>
+              </a:spcBef>
+              <a:spcAft>
+                <a:spcPts val="0"/>
+              </a:spcAft>
+              <a:buFont typeface="Calibri" panose="020F0502020204030204" pitchFamily="34" charset="0"/>
+              <a:buChar char="-"/>
+            </a:pPr>
+            <a:r>
+              <a:rPr lang="en-US" sz="1600" dirty="0">
+                <a:latin typeface="Calibri" panose="020F0502020204030204" pitchFamily="34" charset="0"/>
+                <a:ea typeface="Calibri" panose="020F0502020204030204" pitchFamily="34" charset="0"/>
+                <a:cs typeface="Times New Roman" panose="02020603050405020304" pitchFamily="18" charset="0"/>
+              </a:rPr>
+              <a:t>Expand the CONOP to include:</a:t>
+            </a:r>
+          </a:p>
+          <a:p>
+            <a:pPr marL="800100" lvl="1" indent="-342900">
+              <a:buFont typeface="+mj-lt"/>
+              <a:buAutoNum type="arabicPeriod"/>
+            </a:pPr>
+            <a:r>
+              <a:rPr lang="en-US" sz="1400" dirty="0">
+                <a:latin typeface="Calibri" panose="020F0502020204030204" pitchFamily="34" charset="0"/>
+                <a:ea typeface="Calibri" panose="020F0502020204030204" pitchFamily="34" charset="0"/>
+                <a:cs typeface="Times New Roman" panose="02020603050405020304" pitchFamily="18" charset="0"/>
+              </a:rPr>
+              <a:t>Alternate operations (training, PCS Cycling vs. Homesteading, PME)</a:t>
+            </a:r>
+          </a:p>
+          <a:p>
+            <a:pPr marL="800100" lvl="1" indent="-342900">
+              <a:buFont typeface="+mj-lt"/>
+              <a:buAutoNum type="arabicPeriod"/>
+            </a:pPr>
+            <a:r>
+              <a:rPr lang="en-US" sz="1400" dirty="0">
+                <a:latin typeface="Calibri" panose="020F0502020204030204" pitchFamily="34" charset="0"/>
+                <a:ea typeface="Calibri" panose="020F0502020204030204" pitchFamily="34" charset="0"/>
+                <a:cs typeface="Times New Roman" panose="02020603050405020304" pitchFamily="18" charset="0"/>
+              </a:rPr>
+              <a:t>Military cultural norms (Esprit-de-corps, grooming, fitness, and discipline standards)</a:t>
+            </a:r>
+          </a:p>
+          <a:p>
+            <a:pPr marL="800100" lvl="1" indent="-342900">
+              <a:buFont typeface="+mj-lt"/>
+              <a:buAutoNum type="arabicPeriod"/>
+            </a:pPr>
+            <a:r>
+              <a:rPr lang="en-US" sz="1400" dirty="0">
+                <a:latin typeface="Calibri" panose="020F0502020204030204" pitchFamily="34" charset="0"/>
+                <a:ea typeface="Calibri" panose="020F0502020204030204" pitchFamily="34" charset="0"/>
+                <a:cs typeface="Times New Roman" panose="02020603050405020304" pitchFamily="18" charset="0"/>
+              </a:rPr>
+              <a:t>Dilemma of health stigmas (who goes to work vs. stays home vs. who seeks medical care)</a:t>
+            </a:r>
+          </a:p>
+          <a:p>
+            <a:pPr marL="800100" lvl="1" indent="-342900">
+              <a:buFont typeface="+mj-lt"/>
+              <a:buAutoNum type="arabicPeriod"/>
+            </a:pPr>
+            <a:r>
+              <a:rPr lang="en-US" sz="1400" dirty="0">
+                <a:latin typeface="Calibri" panose="020F0502020204030204" pitchFamily="34" charset="0"/>
+                <a:ea typeface="Calibri" panose="020F0502020204030204" pitchFamily="34" charset="0"/>
+                <a:cs typeface="Times New Roman" panose="02020603050405020304" pitchFamily="18" charset="0"/>
+              </a:rPr>
+              <a:t>Mitigating an out-group/in-group perception (telework vs. in-person)</a:t>
+            </a:r>
+          </a:p>
+          <a:p>
+            <a:pPr marL="342900" marR="0" lvl="0" indent="-342900">
+              <a:spcBef>
+                <a:spcPts val="0"/>
+              </a:spcBef>
+              <a:spcAft>
+                <a:spcPts val="0"/>
+              </a:spcAft>
+              <a:buFont typeface="Calibri" panose="020F0502020204030204" pitchFamily="34" charset="0"/>
+              <a:buChar char="-"/>
+            </a:pPr>
+            <a:r>
+              <a:rPr lang="en-US" sz="1600" dirty="0">
+                <a:latin typeface="Calibri" panose="020F0502020204030204" pitchFamily="34" charset="0"/>
+                <a:ea typeface="Calibri" panose="020F0502020204030204" pitchFamily="34" charset="0"/>
+                <a:cs typeface="Times New Roman" panose="02020603050405020304" pitchFamily="18" charset="0"/>
+              </a:rPr>
+              <a:t>Develop a timeline execute the expanded CONOP for the long-term</a:t>
+            </a:r>
+          </a:p>
+        </p:txBody>
+      </p:sp>
+      <p:sp>
+        <p:nvSpPr>
+          <p:cNvPr id="10" name="Arrow: Down 9">
+            <a:extLst>
+              <a:ext uri="{FF2B5EF4-FFF2-40B4-BE49-F238E27FC236}">
+                <a16:creationId xmlns:a16="http://schemas.microsoft.com/office/drawing/2014/main" id="{10FEA630-A602-4F71-844B-32DD4C0E875F}"/>
+              </a:ext>
+            </a:extLst>
+          </p:cNvPr>
+          <p:cNvSpPr/>
+          <p:nvPr/>
+        </p:nvSpPr>
+        <p:spPr>
+          <a:xfrm>
+            <a:off x="6115048" y="3769100"/>
+            <a:ext cx="552450" cy="380730"/>
+          </a:xfrm>
+          <a:prstGeom prst="downArrow">
+            <a:avLst/>
+          </a:prstGeom>
         </p:spPr>
         <p:style>
           <a:lnRef idx="2">
@@ -12408,10 +12152,10 @@
       </p:sp>
       <p:sp>
         <p:nvSpPr>
-          <p:cNvPr id="40" name="Oval 39">
-            <a:extLst>
-              <a:ext uri="{FF2B5EF4-FFF2-40B4-BE49-F238E27FC236}">
-                <a16:creationId xmlns:a16="http://schemas.microsoft.com/office/drawing/2014/main" id="{8BBDB4E0-25F9-4995-A671-1E3EDD6E6911}"/>
+          <p:cNvPr id="8" name="Rectangle 7">
+            <a:extLst>
+              <a:ext uri="{FF2B5EF4-FFF2-40B4-BE49-F238E27FC236}">
+                <a16:creationId xmlns:a16="http://schemas.microsoft.com/office/drawing/2014/main" id="{3BC858B5-8E5E-416C-8BCC-7BDEEFE3580F}"/>
               </a:ext>
             </a:extLst>
           </p:cNvPr>
@@ -12420,1206 +12164,195 @@
         </p:nvSpPr>
         <p:spPr>
           <a:xfrm>
-            <a:off x="15003759" y="1191011"/>
-            <a:ext cx="872288" cy="662396"/>
-          </a:xfrm>
-          <a:prstGeom prst="ellipse">
-            <a:avLst/>
-          </a:prstGeom>
-          <a:noFill/>
-          <a:ln>
-            <a:solidFill>
-              <a:srgbClr val="FF0000"/>
-            </a:solidFill>
-          </a:ln>
-        </p:spPr>
-        <p:style>
-          <a:lnRef idx="2">
-            <a:schemeClr val="accent1">
-              <a:shade val="50000"/>
-            </a:schemeClr>
-          </a:lnRef>
-          <a:fillRef idx="1">
-            <a:schemeClr val="accent1"/>
-          </a:fillRef>
-          <a:effectRef idx="0">
-            <a:schemeClr val="accent1"/>
-          </a:effectRef>
-          <a:fontRef idx="minor">
-            <a:schemeClr val="lt1"/>
-          </a:fontRef>
-        </p:style>
-        <p:txBody>
-          <a:bodyPr rtlCol="0" anchor="ctr"/>
-          <a:lstStyle/>
-          <a:p>
-            <a:pPr algn="ctr"/>
-            <a:endParaRPr lang="en-US"/>
-          </a:p>
-        </p:txBody>
-      </p:sp>
-      <p:cxnSp>
-        <p:nvCxnSpPr>
-          <p:cNvPr id="41" name="Straight Arrow Connector 40">
-            <a:extLst>
-              <a:ext uri="{FF2B5EF4-FFF2-40B4-BE49-F238E27FC236}">
-                <a16:creationId xmlns:a16="http://schemas.microsoft.com/office/drawing/2014/main" id="{A520C187-2FAD-4CD1-9DF2-815966C5D1A4}"/>
-              </a:ext>
-            </a:extLst>
-          </p:cNvPr>
-          <p:cNvCxnSpPr>
-            <a:cxnSpLocks/>
-            <a:stCxn id="38" idx="2"/>
-          </p:cNvCxnSpPr>
-          <p:nvPr/>
-        </p:nvCxnSpPr>
-        <p:spPr>
-          <a:xfrm flipH="1">
-            <a:off x="14708987" y="666953"/>
-            <a:ext cx="462282" cy="578859"/>
-          </a:xfrm>
-          <a:prstGeom prst="straightConnector1">
-            <a:avLst/>
-          </a:prstGeom>
-          <a:ln>
-            <a:solidFill>
-              <a:schemeClr val="tx1"/>
-            </a:solidFill>
-            <a:tailEnd type="triangle"/>
-          </a:ln>
-        </p:spPr>
-        <p:style>
-          <a:lnRef idx="1">
-            <a:schemeClr val="accent1"/>
-          </a:lnRef>
-          <a:fillRef idx="0">
-            <a:schemeClr val="accent1"/>
-          </a:fillRef>
-          <a:effectRef idx="0">
-            <a:schemeClr val="accent1"/>
-          </a:effectRef>
-          <a:fontRef idx="minor">
-            <a:schemeClr val="tx1"/>
-          </a:fontRef>
-        </p:style>
-      </p:cxnSp>
-      <p:cxnSp>
-        <p:nvCxnSpPr>
-          <p:cNvPr id="42" name="Straight Arrow Connector 41">
-            <a:extLst>
-              <a:ext uri="{FF2B5EF4-FFF2-40B4-BE49-F238E27FC236}">
-                <a16:creationId xmlns:a16="http://schemas.microsoft.com/office/drawing/2014/main" id="{201978CF-91C5-4F37-AE7B-957C1F150A4A}"/>
-              </a:ext>
-            </a:extLst>
-          </p:cNvPr>
-          <p:cNvCxnSpPr>
-            <a:cxnSpLocks/>
-            <a:stCxn id="38" idx="2"/>
-          </p:cNvCxnSpPr>
-          <p:nvPr/>
-        </p:nvCxnSpPr>
-        <p:spPr>
-          <a:xfrm>
-            <a:off x="15171269" y="666953"/>
-            <a:ext cx="151397" cy="578859"/>
-          </a:xfrm>
-          <a:prstGeom prst="straightConnector1">
-            <a:avLst/>
-          </a:prstGeom>
-          <a:ln>
-            <a:solidFill>
-              <a:schemeClr val="tx1"/>
-            </a:solidFill>
-            <a:tailEnd type="triangle"/>
-          </a:ln>
-        </p:spPr>
-        <p:style>
-          <a:lnRef idx="1">
-            <a:schemeClr val="accent1"/>
-          </a:lnRef>
-          <a:fillRef idx="0">
-            <a:schemeClr val="accent1"/>
-          </a:fillRef>
-          <a:effectRef idx="0">
-            <a:schemeClr val="accent1"/>
-          </a:effectRef>
-          <a:fontRef idx="minor">
-            <a:schemeClr val="tx1"/>
-          </a:fontRef>
-        </p:style>
-      </p:cxnSp>
-      <p:pic>
-        <p:nvPicPr>
-          <p:cNvPr id="6" name="Picture 5">
-            <a:extLst>
-              <a:ext uri="{FF2B5EF4-FFF2-40B4-BE49-F238E27FC236}">
-                <a16:creationId xmlns:a16="http://schemas.microsoft.com/office/drawing/2014/main" id="{688C00E3-3547-46B9-B78E-00E969FA927C}"/>
-              </a:ext>
-            </a:extLst>
-          </p:cNvPr>
-          <p:cNvPicPr>
-            <a:picLocks noChangeAspect="1"/>
-          </p:cNvPicPr>
-          <p:nvPr/>
-        </p:nvPicPr>
-        <p:blipFill>
-          <a:blip r:embed="rId4"/>
-          <a:stretch>
-            <a:fillRect/>
-          </a:stretch>
-        </p:blipFill>
-        <p:spPr>
-          <a:xfrm>
-            <a:off x="8178904" y="623887"/>
-            <a:ext cx="3934859" cy="2480366"/>
+            <a:off x="2228848" y="2030846"/>
+            <a:ext cx="8324850" cy="1754326"/>
           </a:xfrm>
           <a:prstGeom prst="rect">
             <a:avLst/>
           </a:prstGeom>
-        </p:spPr>
-      </p:pic>
-    </p:spTree>
-    <p:extLst>
-      <p:ext uri="{BB962C8B-B14F-4D97-AF65-F5344CB8AC3E}">
-        <p14:creationId xmlns:p14="http://schemas.microsoft.com/office/powerpoint/2010/main" val="580895996"/>
-      </p:ext>
-    </p:extLst>
-  </p:cSld>
-  <p:clrMapOvr>
-    <a:masterClrMapping/>
-  </p:clrMapOvr>
-</p:sld>
-</file>
-
-<file path=ppt/slides/slide6.xml><?xml version="1.0" encoding="utf-8"?>
-<p:sld xmlns:a="http://schemas.openxmlformats.org/drawingml/2006/main" xmlns:r="http://schemas.openxmlformats.org/officeDocument/2006/relationships" xmlns:p="http://schemas.openxmlformats.org/presentationml/2006/main">
-  <p:cSld>
-    <p:spTree>
-      <p:nvGrpSpPr>
-        <p:cNvPr id="1" name=""/>
-        <p:cNvGrpSpPr/>
-        <p:nvPr/>
-      </p:nvGrpSpPr>
-      <p:grpSpPr>
-        <a:xfrm>
-          <a:off x="0" y="0"/>
-          <a:ext cx="0" cy="0"/>
-          <a:chOff x="0" y="0"/>
-          <a:chExt cx="0" cy="0"/>
-        </a:xfrm>
-      </p:grpSpPr>
-      <p:pic>
-        <p:nvPicPr>
-          <p:cNvPr id="5" name="Picture 4">
-            <a:extLst>
-              <a:ext uri="{FF2B5EF4-FFF2-40B4-BE49-F238E27FC236}">
-                <a16:creationId xmlns:a16="http://schemas.microsoft.com/office/drawing/2014/main" id="{CBDFB3C6-C849-4224-8FA7-4B7D4713B844}"/>
-              </a:ext>
-            </a:extLst>
-          </p:cNvPr>
-          <p:cNvPicPr>
-            <a:picLocks noChangeAspect="1"/>
-          </p:cNvPicPr>
-          <p:nvPr/>
-        </p:nvPicPr>
-        <p:blipFill>
-          <a:blip r:embed="rId2"/>
-          <a:stretch>
-            <a:fillRect/>
-          </a:stretch>
-        </p:blipFill>
-        <p:spPr>
-          <a:xfrm>
-            <a:off x="0" y="584200"/>
-            <a:ext cx="8115300" cy="609600"/>
-          </a:xfrm>
-          <a:prstGeom prst="rect">
-            <a:avLst/>
-          </a:prstGeom>
+          <a:solidFill>
+            <a:schemeClr val="bg1"/>
+          </a:solidFill>
           <a:ln>
             <a:solidFill>
               <a:schemeClr val="tx1"/>
             </a:solidFill>
           </a:ln>
         </p:spPr>
-      </p:pic>
-      <p:sp>
-        <p:nvSpPr>
-          <p:cNvPr id="3" name="Title 1">
-            <a:extLst>
-              <a:ext uri="{FF2B5EF4-FFF2-40B4-BE49-F238E27FC236}">
-                <a16:creationId xmlns:a16="http://schemas.microsoft.com/office/drawing/2014/main" id="{092F210C-C0F2-4B25-B008-AC59A66C73EE}"/>
-              </a:ext>
-            </a:extLst>
-          </p:cNvPr>
-          <p:cNvSpPr txBox="1">
-            <a:spLocks/>
-          </p:cNvSpPr>
-          <p:nvPr/>
-        </p:nvSpPr>
-        <p:spPr>
-          <a:xfrm>
-            <a:off x="0" y="0"/>
-            <a:ext cx="12192000" cy="466898"/>
-          </a:xfrm>
-          <a:prstGeom prst="rect">
-            <a:avLst/>
-          </a:prstGeom>
-          <a:solidFill>
-            <a:srgbClr val="002060"/>
-          </a:solidFill>
-        </p:spPr>
-        <p:txBody>
-          <a:bodyPr vert="horz" lIns="91440" tIns="45720" rIns="91440" bIns="45720" rtlCol="0" anchor="ctr">
-            <a:normAutofit fontScale="97500"/>
-          </a:bodyPr>
-          <a:lstStyle>
-            <a:lvl1pPr algn="l" defTabSz="914400" rtl="0" eaLnBrk="1" latinLnBrk="0" hangingPunct="1">
-              <a:lnSpc>
-                <a:spcPct val="90000"/>
-              </a:lnSpc>
-              <a:spcBef>
-                <a:spcPct val="0"/>
-              </a:spcBef>
-              <a:buNone/>
-              <a:defRPr sz="4400" kern="1200">
-                <a:solidFill>
-                  <a:schemeClr val="tx1"/>
-                </a:solidFill>
-                <a:latin typeface="+mj-lt"/>
-                <a:ea typeface="+mj-ea"/>
-                <a:cs typeface="+mj-cs"/>
-              </a:defRPr>
-            </a:lvl1pPr>
-          </a:lstStyle>
-          <a:p>
-            <a:pPr algn="ctr"/>
-            <a:r>
-              <a:rPr lang="en-US" sz="2800" b="1" u="sng" dirty="0">
-                <a:solidFill>
-                  <a:schemeClr val="bg1"/>
-                </a:solidFill>
-                <a:effectLst>
-                  <a:outerShdw blurRad="50800" dist="50800" dir="5400000" algn="ctr" rotWithShape="0">
-                    <a:schemeClr val="tx1"/>
-                  </a:outerShdw>
-                </a:effectLst>
-              </a:rPr>
-              <a:t>USAF Installations (E-L)</a:t>
-            </a:r>
-            <a:endParaRPr lang="en-US" sz="2800" b="1" dirty="0">
-              <a:solidFill>
-                <a:schemeClr val="bg1"/>
-              </a:solidFill>
-              <a:effectLst>
-                <a:outerShdw blurRad="50800" dist="50800" dir="5400000" algn="ctr" rotWithShape="0">
-                  <a:schemeClr val="tx1"/>
-                </a:outerShdw>
-              </a:effectLst>
-            </a:endParaRPr>
-          </a:p>
-        </p:txBody>
-      </p:sp>
-      <p:pic>
-        <p:nvPicPr>
-          <p:cNvPr id="4" name="Picture 3" descr="A picture containing drawing&#10;&#10;Description automatically generated">
-            <a:extLst>
-              <a:ext uri="{FF2B5EF4-FFF2-40B4-BE49-F238E27FC236}">
-                <a16:creationId xmlns:a16="http://schemas.microsoft.com/office/drawing/2014/main" id="{C7C99D2B-F205-4FEB-97AA-1ADC5F7C377B}"/>
-              </a:ext>
-            </a:extLst>
-          </p:cNvPr>
-          <p:cNvPicPr>
-            <a:picLocks noChangeAspect="1"/>
-          </p:cNvPicPr>
-          <p:nvPr/>
-        </p:nvPicPr>
-        <p:blipFill>
-          <a:blip r:embed="rId3" cstate="email">
-            <a:extLst>
-              <a:ext uri="{28A0092B-C50C-407E-A947-70E740481C1C}">
-                <a14:useLocalDpi xmlns:a14="http://schemas.microsoft.com/office/drawing/2010/main"/>
-              </a:ext>
-            </a:extLst>
-          </a:blip>
-          <a:stretch>
-            <a:fillRect/>
-          </a:stretch>
-        </p:blipFill>
-        <p:spPr>
-          <a:xfrm>
-            <a:off x="0" y="38828"/>
-            <a:ext cx="778796" cy="643511"/>
-          </a:xfrm>
-          <a:prstGeom prst="rect">
-            <a:avLst/>
-          </a:prstGeom>
-        </p:spPr>
-      </p:pic>
-      <p:sp>
-        <p:nvSpPr>
-          <p:cNvPr id="27" name="TextBox 26">
-            <a:extLst>
-              <a:ext uri="{FF2B5EF4-FFF2-40B4-BE49-F238E27FC236}">
-                <a16:creationId xmlns:a16="http://schemas.microsoft.com/office/drawing/2014/main" id="{6AB29F51-6420-4FD2-B912-B4A062AB4F5E}"/>
-              </a:ext>
-            </a:extLst>
-          </p:cNvPr>
-          <p:cNvSpPr txBox="1"/>
-          <p:nvPr/>
-        </p:nvSpPr>
-        <p:spPr>
-          <a:xfrm>
-            <a:off x="10658285" y="119531"/>
-            <a:ext cx="1455478" cy="276999"/>
-          </a:xfrm>
-          <a:prstGeom prst="rect">
-            <a:avLst/>
-          </a:prstGeom>
-          <a:noFill/>
-        </p:spPr>
-        <p:txBody>
-          <a:bodyPr wrap="square" rtlCol="0">
+        <p:txBody>
+          <a:bodyPr wrap="square">
             <a:spAutoFit/>
           </a:bodyPr>
           <a:lstStyle/>
           <a:p>
-            <a:r>
-              <a:rPr lang="en-US" sz="1200" dirty="0">
-                <a:solidFill>
+            <a:pPr algn="ctr"/>
+            <a:r>
+              <a:rPr lang="en-US" sz="1600" b="1" u="sng" dirty="0">
+                <a:highlight>
                   <a:srgbClr val="FFFF00"/>
-                </a:solidFill>
+                </a:highlight>
+                <a:latin typeface="Calibri" panose="020F0502020204030204" pitchFamily="34" charset="0"/>
+                <a:ea typeface="Calibri" panose="020F0502020204030204" pitchFamily="34" charset="0"/>
+                <a:cs typeface="Calibri" panose="020F0502020204030204" pitchFamily="34" charset="0"/>
               </a:rPr>
-              <a:t>CAO:  13 May 2020</a:t>
-            </a:r>
-          </a:p>
-        </p:txBody>
-      </p:sp>
-      <p:pic>
-        <p:nvPicPr>
-          <p:cNvPr id="6" name="Picture 5">
-            <a:extLst>
-              <a:ext uri="{FF2B5EF4-FFF2-40B4-BE49-F238E27FC236}">
-                <a16:creationId xmlns:a16="http://schemas.microsoft.com/office/drawing/2014/main" id="{C6D06E89-FCFB-40B7-97FE-4F9E8871E014}"/>
-              </a:ext>
-            </a:extLst>
-          </p:cNvPr>
-          <p:cNvPicPr>
-            <a:picLocks noChangeAspect="1"/>
-          </p:cNvPicPr>
-          <p:nvPr/>
-        </p:nvPicPr>
-        <p:blipFill>
-          <a:blip r:embed="rId4"/>
-          <a:stretch>
-            <a:fillRect/>
-          </a:stretch>
-        </p:blipFill>
-        <p:spPr>
-          <a:xfrm>
-            <a:off x="0" y="1183640"/>
-            <a:ext cx="8115300" cy="5495925"/>
-          </a:xfrm>
-          <a:prstGeom prst="rect">
-            <a:avLst/>
-          </a:prstGeom>
-          <a:ln>
-            <a:solidFill>
-              <a:schemeClr val="tx1"/>
-            </a:solidFill>
-          </a:ln>
-        </p:spPr>
-      </p:pic>
-      <p:pic>
-        <p:nvPicPr>
-          <p:cNvPr id="9" name="Picture 8">
-            <a:extLst>
-              <a:ext uri="{FF2B5EF4-FFF2-40B4-BE49-F238E27FC236}">
-                <a16:creationId xmlns:a16="http://schemas.microsoft.com/office/drawing/2014/main" id="{0F7089C6-5276-4877-B06A-6C92E035749F}"/>
-              </a:ext>
-            </a:extLst>
-          </p:cNvPr>
-          <p:cNvPicPr>
-            <a:picLocks noChangeAspect="1"/>
-          </p:cNvPicPr>
-          <p:nvPr/>
-        </p:nvPicPr>
-        <p:blipFill>
-          <a:blip r:embed="rId5"/>
-          <a:stretch>
-            <a:fillRect/>
-          </a:stretch>
-        </p:blipFill>
-        <p:spPr>
-          <a:xfrm>
-            <a:off x="8178904" y="623887"/>
-            <a:ext cx="3934859" cy="2480366"/>
-          </a:xfrm>
-          <a:prstGeom prst="rect">
-            <a:avLst/>
-          </a:prstGeom>
-        </p:spPr>
-      </p:pic>
+              <a:t>Phase 1:  </a:t>
+            </a:r>
+            <a:r>
+              <a:rPr lang="en-US" sz="1600" b="1" dirty="0">
+                <a:highlight>
+                  <a:srgbClr val="FFFF00"/>
+                </a:highlight>
+                <a:latin typeface="Calibri" panose="020F0502020204030204" pitchFamily="34" charset="0"/>
+                <a:ea typeface="Calibri" panose="020F0502020204030204" pitchFamily="34" charset="0"/>
+                <a:cs typeface="Calibri" panose="020F0502020204030204" pitchFamily="34" charset="0"/>
+              </a:rPr>
+              <a:t>Normalizing operations (Jun – Dec 2020)</a:t>
+            </a:r>
+            <a:endParaRPr lang="en-US" sz="1600" b="1" dirty="0">
+              <a:highlight>
+                <a:srgbClr val="FFFF00"/>
+              </a:highlight>
+              <a:latin typeface="Calibri" panose="020F0502020204030204" pitchFamily="34" charset="0"/>
+              <a:ea typeface="Calibri" panose="020F0502020204030204" pitchFamily="34" charset="0"/>
+              <a:cs typeface="Times New Roman" panose="02020603050405020304" pitchFamily="18" charset="0"/>
+            </a:endParaRPr>
+          </a:p>
+          <a:p>
+            <a:r>
+              <a:rPr lang="en-US" sz="1600" i="1" dirty="0">
+                <a:latin typeface="Calibri" panose="020F0502020204030204" pitchFamily="34" charset="0"/>
+                <a:ea typeface="Calibri" panose="020F0502020204030204" pitchFamily="34" charset="0"/>
+                <a:cs typeface="Calibri" panose="020F0502020204030204" pitchFamily="34" charset="0"/>
+              </a:rPr>
+              <a:t>Near-term LOE:  Address acute manpower, materiel, and operations requirements (Must do…)</a:t>
+            </a:r>
+            <a:endParaRPr lang="en-US" sz="1600" i="1" dirty="0">
+              <a:latin typeface="Calibri" panose="020F0502020204030204" pitchFamily="34" charset="0"/>
+              <a:ea typeface="Calibri" panose="020F0502020204030204" pitchFamily="34" charset="0"/>
+              <a:cs typeface="Times New Roman" panose="02020603050405020304" pitchFamily="18" charset="0"/>
+            </a:endParaRPr>
+          </a:p>
+          <a:p>
+            <a:r>
+              <a:rPr lang="en-US" sz="1600" u="sng" dirty="0">
+                <a:latin typeface="Calibri" panose="020F0502020204030204" pitchFamily="34" charset="0"/>
+                <a:ea typeface="Calibri" panose="020F0502020204030204" pitchFamily="34" charset="0"/>
+                <a:cs typeface="Calibri" panose="020F0502020204030204" pitchFamily="34" charset="0"/>
+              </a:rPr>
+              <a:t>Objectives</a:t>
+            </a:r>
+            <a:endParaRPr lang="en-US" sz="1600" dirty="0">
+              <a:latin typeface="Calibri" panose="020F0502020204030204" pitchFamily="34" charset="0"/>
+              <a:ea typeface="Calibri" panose="020F0502020204030204" pitchFamily="34" charset="0"/>
+              <a:cs typeface="Times New Roman" panose="02020603050405020304" pitchFamily="18" charset="0"/>
+            </a:endParaRPr>
+          </a:p>
+          <a:p>
+            <a:pPr marL="342900" marR="0" lvl="0" indent="-342900">
+              <a:spcBef>
+                <a:spcPts val="0"/>
+              </a:spcBef>
+              <a:spcAft>
+                <a:spcPts val="0"/>
+              </a:spcAft>
+              <a:buFont typeface="Calibri" panose="020F0502020204030204" pitchFamily="34" charset="0"/>
+              <a:buChar char="-"/>
+            </a:pPr>
+            <a:r>
+              <a:rPr lang="en-US" sz="1600" dirty="0">
+                <a:latin typeface="Calibri" panose="020F0502020204030204" pitchFamily="34" charset="0"/>
+                <a:ea typeface="Calibri" panose="020F0502020204030204" pitchFamily="34" charset="0"/>
+                <a:cs typeface="Calibri" panose="020F0502020204030204" pitchFamily="34" charset="0"/>
+              </a:rPr>
+              <a:t>Develop a CONOP that:</a:t>
+            </a:r>
+            <a:endParaRPr lang="en-US" sz="1600" dirty="0">
+              <a:latin typeface="Calibri" panose="020F0502020204030204" pitchFamily="34" charset="0"/>
+              <a:ea typeface="Calibri" panose="020F0502020204030204" pitchFamily="34" charset="0"/>
+              <a:cs typeface="Times New Roman" panose="02020603050405020304" pitchFamily="18" charset="0"/>
+            </a:endParaRPr>
+          </a:p>
+          <a:p>
+            <a:pPr marL="742950" marR="0" lvl="1" indent="-285750">
+              <a:spcBef>
+                <a:spcPts val="0"/>
+              </a:spcBef>
+              <a:spcAft>
+                <a:spcPts val="0"/>
+              </a:spcAft>
+              <a:buFont typeface="+mj-lt"/>
+              <a:buAutoNum type="arabicPeriod"/>
+            </a:pPr>
+            <a:r>
+              <a:rPr lang="en-US" sz="1400" dirty="0">
+                <a:latin typeface="Calibri" panose="020F0502020204030204" pitchFamily="34" charset="0"/>
+                <a:ea typeface="Calibri" panose="020F0502020204030204" pitchFamily="34" charset="0"/>
+                <a:cs typeface="Calibri" panose="020F0502020204030204" pitchFamily="34" charset="0"/>
+              </a:rPr>
+              <a:t>Addresses antiquated IT systems and an over-reliance on in-person activities </a:t>
+            </a:r>
+            <a:endParaRPr lang="en-US" sz="1400" dirty="0">
+              <a:latin typeface="Calibri" panose="020F0502020204030204" pitchFamily="34" charset="0"/>
+              <a:ea typeface="Calibri" panose="020F0502020204030204" pitchFamily="34" charset="0"/>
+              <a:cs typeface="Times New Roman" panose="02020603050405020304" pitchFamily="18" charset="0"/>
+            </a:endParaRPr>
+          </a:p>
+          <a:p>
+            <a:pPr marL="742950" marR="0" lvl="1" indent="-285750">
+              <a:spcBef>
+                <a:spcPts val="0"/>
+              </a:spcBef>
+              <a:spcAft>
+                <a:spcPts val="0"/>
+              </a:spcAft>
+              <a:buFont typeface="+mj-lt"/>
+              <a:buAutoNum type="arabicPeriod"/>
+            </a:pPr>
+            <a:r>
+              <a:rPr lang="en-US" sz="1400" dirty="0">
+                <a:latin typeface="Calibri" panose="020F0502020204030204" pitchFamily="34" charset="0"/>
+                <a:ea typeface="Calibri" panose="020F0502020204030204" pitchFamily="34" charset="0"/>
+                <a:cs typeface="Calibri" panose="020F0502020204030204" pitchFamily="34" charset="0"/>
+              </a:rPr>
+              <a:t>Clearly defines transition criteria between HPCONs</a:t>
+            </a:r>
+            <a:endParaRPr lang="en-US" sz="1400" dirty="0">
+              <a:latin typeface="Calibri" panose="020F0502020204030204" pitchFamily="34" charset="0"/>
+              <a:ea typeface="Calibri" panose="020F0502020204030204" pitchFamily="34" charset="0"/>
+              <a:cs typeface="Times New Roman" panose="02020603050405020304" pitchFamily="18" charset="0"/>
+            </a:endParaRPr>
+          </a:p>
+          <a:p>
+            <a:pPr marL="342900" marR="0" lvl="0" indent="-342900">
+              <a:spcBef>
+                <a:spcPts val="0"/>
+              </a:spcBef>
+              <a:spcAft>
+                <a:spcPts val="0"/>
+              </a:spcAft>
+              <a:buFont typeface="Calibri" panose="020F0502020204030204" pitchFamily="34" charset="0"/>
+              <a:buChar char="-"/>
+            </a:pPr>
+            <a:r>
+              <a:rPr lang="en-US" sz="1600" dirty="0">
+                <a:latin typeface="Calibri" panose="020F0502020204030204" pitchFamily="34" charset="0"/>
+                <a:ea typeface="Calibri" panose="020F0502020204030204" pitchFamily="34" charset="0"/>
+                <a:cs typeface="Calibri" panose="020F0502020204030204" pitchFamily="34" charset="0"/>
+              </a:rPr>
+              <a:t>Develop a timeline and testbed to exercise the CONOP in preparation for phase 2 transition</a:t>
+            </a:r>
+            <a:endParaRPr lang="en-US" sz="1600" dirty="0">
+              <a:latin typeface="Calibri" panose="020F0502020204030204" pitchFamily="34" charset="0"/>
+              <a:ea typeface="Calibri" panose="020F0502020204030204" pitchFamily="34" charset="0"/>
+              <a:cs typeface="Times New Roman" panose="02020603050405020304" pitchFamily="18" charset="0"/>
+            </a:endParaRPr>
+          </a:p>
+        </p:txBody>
+      </p:sp>
     </p:spTree>
     <p:extLst>
       <p:ext uri="{BB962C8B-B14F-4D97-AF65-F5344CB8AC3E}">
-        <p14:creationId xmlns:p14="http://schemas.microsoft.com/office/powerpoint/2010/main" val="4104146317"/>
-      </p:ext>
-    </p:extLst>
-  </p:cSld>
-  <p:clrMapOvr>
-    <a:masterClrMapping/>
-  </p:clrMapOvr>
-</p:sld>
-</file>
-
-<file path=ppt/slides/slide7.xml><?xml version="1.0" encoding="utf-8"?>
-<p:sld xmlns:a="http://schemas.openxmlformats.org/drawingml/2006/main" xmlns:r="http://schemas.openxmlformats.org/officeDocument/2006/relationships" xmlns:p="http://schemas.openxmlformats.org/presentationml/2006/main">
-  <p:cSld>
-    <p:spTree>
-      <p:nvGrpSpPr>
-        <p:cNvPr id="1" name=""/>
-        <p:cNvGrpSpPr/>
-        <p:nvPr/>
-      </p:nvGrpSpPr>
-      <p:grpSpPr>
-        <a:xfrm>
-          <a:off x="0" y="0"/>
-          <a:ext cx="0" cy="0"/>
-          <a:chOff x="0" y="0"/>
-          <a:chExt cx="0" cy="0"/>
-        </a:xfrm>
-      </p:grpSpPr>
-      <p:pic>
-        <p:nvPicPr>
-          <p:cNvPr id="7" name="Picture 6">
-            <a:extLst>
-              <a:ext uri="{FF2B5EF4-FFF2-40B4-BE49-F238E27FC236}">
-                <a16:creationId xmlns:a16="http://schemas.microsoft.com/office/drawing/2014/main" id="{BB4E0723-56FD-4AE6-8E66-EC813BE3F918}"/>
-              </a:ext>
-            </a:extLst>
-          </p:cNvPr>
-          <p:cNvPicPr>
-            <a:picLocks noChangeAspect="1"/>
-          </p:cNvPicPr>
-          <p:nvPr/>
-        </p:nvPicPr>
-        <p:blipFill>
-          <a:blip r:embed="rId2"/>
-          <a:stretch>
-            <a:fillRect/>
-          </a:stretch>
-        </p:blipFill>
-        <p:spPr>
-          <a:xfrm>
-            <a:off x="0" y="492760"/>
-            <a:ext cx="8115300" cy="609600"/>
-          </a:xfrm>
-          <a:prstGeom prst="rect">
-            <a:avLst/>
-          </a:prstGeom>
-        </p:spPr>
-      </p:pic>
-      <p:sp>
-        <p:nvSpPr>
-          <p:cNvPr id="3" name="Title 1">
-            <a:extLst>
-              <a:ext uri="{FF2B5EF4-FFF2-40B4-BE49-F238E27FC236}">
-                <a16:creationId xmlns:a16="http://schemas.microsoft.com/office/drawing/2014/main" id="{343C055D-D1D6-4D73-8900-92A18080376F}"/>
-              </a:ext>
-            </a:extLst>
-          </p:cNvPr>
-          <p:cNvSpPr txBox="1">
-            <a:spLocks/>
-          </p:cNvSpPr>
-          <p:nvPr/>
-        </p:nvSpPr>
-        <p:spPr>
-          <a:xfrm>
-            <a:off x="0" y="-14515"/>
-            <a:ext cx="12192000" cy="466898"/>
-          </a:xfrm>
-          <a:prstGeom prst="rect">
-            <a:avLst/>
-          </a:prstGeom>
-          <a:solidFill>
-            <a:srgbClr val="002060"/>
-          </a:solidFill>
-        </p:spPr>
-        <p:txBody>
-          <a:bodyPr vert="horz" lIns="91440" tIns="45720" rIns="91440" bIns="45720" rtlCol="0" anchor="ctr">
-            <a:normAutofit fontScale="97500"/>
-          </a:bodyPr>
-          <a:lstStyle>
-            <a:lvl1pPr algn="l" defTabSz="914400" rtl="0" eaLnBrk="1" latinLnBrk="0" hangingPunct="1">
-              <a:lnSpc>
-                <a:spcPct val="90000"/>
-              </a:lnSpc>
-              <a:spcBef>
-                <a:spcPct val="0"/>
-              </a:spcBef>
-              <a:buNone/>
-              <a:defRPr sz="4400" kern="1200">
-                <a:solidFill>
-                  <a:schemeClr val="tx1"/>
-                </a:solidFill>
-                <a:latin typeface="+mj-lt"/>
-                <a:ea typeface="+mj-ea"/>
-                <a:cs typeface="+mj-cs"/>
-              </a:defRPr>
-            </a:lvl1pPr>
-          </a:lstStyle>
-          <a:p>
-            <a:pPr algn="ctr"/>
-            <a:r>
-              <a:rPr lang="en-US" sz="2800" b="1" u="sng" dirty="0">
-                <a:solidFill>
-                  <a:schemeClr val="bg1"/>
-                </a:solidFill>
-                <a:effectLst>
-                  <a:outerShdw blurRad="50800" dist="50800" dir="5400000" algn="ctr" rotWithShape="0">
-                    <a:schemeClr val="tx1"/>
-                  </a:outerShdw>
-                </a:effectLst>
-              </a:rPr>
-              <a:t>USAF Installations (M-W)</a:t>
-            </a:r>
-            <a:endParaRPr lang="en-US" sz="2800" b="1" dirty="0">
-              <a:solidFill>
-                <a:schemeClr val="bg1"/>
-              </a:solidFill>
-              <a:effectLst>
-                <a:outerShdw blurRad="50800" dist="50800" dir="5400000" algn="ctr" rotWithShape="0">
-                  <a:schemeClr val="tx1"/>
-                </a:outerShdw>
-              </a:effectLst>
-            </a:endParaRPr>
-          </a:p>
-        </p:txBody>
-      </p:sp>
-      <p:pic>
-        <p:nvPicPr>
-          <p:cNvPr id="4" name="Picture 3" descr="A picture containing drawing&#10;&#10;Description automatically generated">
-            <a:extLst>
-              <a:ext uri="{FF2B5EF4-FFF2-40B4-BE49-F238E27FC236}">
-                <a16:creationId xmlns:a16="http://schemas.microsoft.com/office/drawing/2014/main" id="{82670390-9906-45CE-B2E3-A43733CAD571}"/>
-              </a:ext>
-            </a:extLst>
-          </p:cNvPr>
-          <p:cNvPicPr>
-            <a:picLocks noChangeAspect="1"/>
-          </p:cNvPicPr>
-          <p:nvPr/>
-        </p:nvPicPr>
-        <p:blipFill>
-          <a:blip r:embed="rId3" cstate="email">
-            <a:extLst>
-              <a:ext uri="{28A0092B-C50C-407E-A947-70E740481C1C}">
-                <a14:useLocalDpi xmlns:a14="http://schemas.microsoft.com/office/drawing/2010/main"/>
-              </a:ext>
-            </a:extLst>
-          </a:blip>
-          <a:stretch>
-            <a:fillRect/>
-          </a:stretch>
-        </p:blipFill>
-        <p:spPr>
-          <a:xfrm>
-            <a:off x="0" y="38828"/>
-            <a:ext cx="778796" cy="643511"/>
-          </a:xfrm>
-          <a:prstGeom prst="rect">
-            <a:avLst/>
-          </a:prstGeom>
-        </p:spPr>
-      </p:pic>
-      <p:sp>
-        <p:nvSpPr>
-          <p:cNvPr id="15" name="TextBox 14">
-            <a:extLst>
-              <a:ext uri="{FF2B5EF4-FFF2-40B4-BE49-F238E27FC236}">
-                <a16:creationId xmlns:a16="http://schemas.microsoft.com/office/drawing/2014/main" id="{C5EFBED9-94FC-46A1-AD38-46DFE625EAB5}"/>
-              </a:ext>
-            </a:extLst>
-          </p:cNvPr>
-          <p:cNvSpPr txBox="1"/>
-          <p:nvPr/>
-        </p:nvSpPr>
-        <p:spPr>
-          <a:xfrm>
-            <a:off x="10658285" y="119531"/>
-            <a:ext cx="1455478" cy="276999"/>
-          </a:xfrm>
-          <a:prstGeom prst="rect">
-            <a:avLst/>
-          </a:prstGeom>
-          <a:noFill/>
-        </p:spPr>
-        <p:txBody>
-          <a:bodyPr wrap="square" rtlCol="0">
-            <a:spAutoFit/>
-          </a:bodyPr>
-          <a:lstStyle/>
-          <a:p>
-            <a:r>
-              <a:rPr lang="en-US" sz="1200" dirty="0">
-                <a:solidFill>
-                  <a:srgbClr val="FFFF00"/>
-                </a:solidFill>
-              </a:rPr>
-              <a:t>CAO:  13 May 2020</a:t>
-            </a:r>
-          </a:p>
-        </p:txBody>
-      </p:sp>
-      <p:pic>
-        <p:nvPicPr>
-          <p:cNvPr id="2" name="Picture 1">
-            <a:extLst>
-              <a:ext uri="{FF2B5EF4-FFF2-40B4-BE49-F238E27FC236}">
-                <a16:creationId xmlns:a16="http://schemas.microsoft.com/office/drawing/2014/main" id="{556CFB24-09ED-49A4-A85C-48470C0C48E6}"/>
-              </a:ext>
-            </a:extLst>
-          </p:cNvPr>
-          <p:cNvPicPr>
-            <a:picLocks noChangeAspect="1"/>
-          </p:cNvPicPr>
-          <p:nvPr/>
-        </p:nvPicPr>
-        <p:blipFill>
-          <a:blip r:embed="rId4"/>
-          <a:stretch>
-            <a:fillRect/>
-          </a:stretch>
-        </p:blipFill>
-        <p:spPr>
-          <a:xfrm>
-            <a:off x="0" y="1082040"/>
-            <a:ext cx="8115300" cy="5734050"/>
-          </a:xfrm>
-          <a:prstGeom prst="rect">
-            <a:avLst/>
-          </a:prstGeom>
-        </p:spPr>
-      </p:pic>
-      <p:pic>
-        <p:nvPicPr>
-          <p:cNvPr id="10" name="Picture 9">
-            <a:extLst>
-              <a:ext uri="{FF2B5EF4-FFF2-40B4-BE49-F238E27FC236}">
-                <a16:creationId xmlns:a16="http://schemas.microsoft.com/office/drawing/2014/main" id="{B4B595DB-6DDF-4E9B-B104-6DC88746F4D8}"/>
-              </a:ext>
-            </a:extLst>
-          </p:cNvPr>
-          <p:cNvPicPr>
-            <a:picLocks noChangeAspect="1"/>
-          </p:cNvPicPr>
-          <p:nvPr/>
-        </p:nvPicPr>
-        <p:blipFill>
-          <a:blip r:embed="rId5"/>
-          <a:stretch>
-            <a:fillRect/>
-          </a:stretch>
-        </p:blipFill>
-        <p:spPr>
-          <a:xfrm>
-            <a:off x="8178904" y="623887"/>
-            <a:ext cx="3934859" cy="2480366"/>
-          </a:xfrm>
-          <a:prstGeom prst="rect">
-            <a:avLst/>
-          </a:prstGeom>
-        </p:spPr>
-      </p:pic>
-    </p:spTree>
-    <p:extLst>
-      <p:ext uri="{BB962C8B-B14F-4D97-AF65-F5344CB8AC3E}">
-        <p14:creationId xmlns:p14="http://schemas.microsoft.com/office/powerpoint/2010/main" val="3408867836"/>
-      </p:ext>
-    </p:extLst>
-  </p:cSld>
-  <p:clrMapOvr>
-    <a:masterClrMapping/>
-  </p:clrMapOvr>
-</p:sld>
-</file>
-
-<file path=ppt/slides/slide8.xml><?xml version="1.0" encoding="utf-8"?>
-<p:sld xmlns:a="http://schemas.openxmlformats.org/drawingml/2006/main" xmlns:r="http://schemas.openxmlformats.org/officeDocument/2006/relationships" xmlns:p="http://schemas.openxmlformats.org/presentationml/2006/main">
-  <p:cSld>
-    <p:spTree>
-      <p:nvGrpSpPr>
-        <p:cNvPr id="1" name=""/>
-        <p:cNvGrpSpPr/>
-        <p:nvPr/>
-      </p:nvGrpSpPr>
-      <p:grpSpPr>
-        <a:xfrm>
-          <a:off x="0" y="0"/>
-          <a:ext cx="0" cy="0"/>
-          <a:chOff x="0" y="0"/>
-          <a:chExt cx="0" cy="0"/>
-        </a:xfrm>
-      </p:grpSpPr>
-      <p:sp>
-        <p:nvSpPr>
-          <p:cNvPr id="3" name="Title 1">
-            <a:extLst>
-              <a:ext uri="{FF2B5EF4-FFF2-40B4-BE49-F238E27FC236}">
-                <a16:creationId xmlns:a16="http://schemas.microsoft.com/office/drawing/2014/main" id="{343C055D-D1D6-4D73-8900-92A18080376F}"/>
-              </a:ext>
-            </a:extLst>
-          </p:cNvPr>
-          <p:cNvSpPr txBox="1">
-            <a:spLocks/>
-          </p:cNvSpPr>
-          <p:nvPr/>
-        </p:nvSpPr>
-        <p:spPr>
-          <a:xfrm>
-            <a:off x="0" y="-14515"/>
-            <a:ext cx="12192000" cy="466898"/>
-          </a:xfrm>
-          <a:prstGeom prst="rect">
-            <a:avLst/>
-          </a:prstGeom>
-          <a:solidFill>
-            <a:srgbClr val="002060"/>
-          </a:solidFill>
-        </p:spPr>
-        <p:txBody>
-          <a:bodyPr vert="horz" lIns="91440" tIns="45720" rIns="91440" bIns="45720" rtlCol="0" anchor="ctr">
-            <a:normAutofit fontScale="97500"/>
-          </a:bodyPr>
-          <a:lstStyle>
-            <a:lvl1pPr algn="l" defTabSz="914400" rtl="0" eaLnBrk="1" latinLnBrk="0" hangingPunct="1">
-              <a:lnSpc>
-                <a:spcPct val="90000"/>
-              </a:lnSpc>
-              <a:spcBef>
-                <a:spcPct val="0"/>
-              </a:spcBef>
-              <a:buNone/>
-              <a:defRPr sz="4400" kern="1200">
-                <a:solidFill>
-                  <a:schemeClr val="tx1"/>
-                </a:solidFill>
-                <a:latin typeface="+mj-lt"/>
-                <a:ea typeface="+mj-ea"/>
-                <a:cs typeface="+mj-cs"/>
-              </a:defRPr>
-            </a:lvl1pPr>
-          </a:lstStyle>
-          <a:p>
-            <a:pPr algn="ctr"/>
-            <a:r>
-              <a:rPr lang="en-US" sz="2800" b="1" u="sng" dirty="0">
-                <a:solidFill>
-                  <a:schemeClr val="bg1"/>
-                </a:solidFill>
-                <a:effectLst>
-                  <a:outerShdw blurRad="50800" dist="50800" dir="5400000" algn="ctr" rotWithShape="0">
-                    <a:schemeClr val="tx1"/>
-                  </a:outerShdw>
-                </a:effectLst>
-              </a:rPr>
-              <a:t>USAF Core Missions (1 of 2)</a:t>
-            </a:r>
-            <a:endParaRPr lang="en-US" sz="2800" b="1" dirty="0">
-              <a:solidFill>
-                <a:schemeClr val="bg1"/>
-              </a:solidFill>
-              <a:effectLst>
-                <a:outerShdw blurRad="50800" dist="50800" dir="5400000" algn="ctr" rotWithShape="0">
-                  <a:schemeClr val="tx1"/>
-                </a:outerShdw>
-              </a:effectLst>
-            </a:endParaRPr>
-          </a:p>
-        </p:txBody>
-      </p:sp>
-      <p:pic>
-        <p:nvPicPr>
-          <p:cNvPr id="4" name="Picture 3" descr="A picture containing drawing&#10;&#10;Description automatically generated">
-            <a:extLst>
-              <a:ext uri="{FF2B5EF4-FFF2-40B4-BE49-F238E27FC236}">
-                <a16:creationId xmlns:a16="http://schemas.microsoft.com/office/drawing/2014/main" id="{82670390-9906-45CE-B2E3-A43733CAD571}"/>
-              </a:ext>
-            </a:extLst>
-          </p:cNvPr>
-          <p:cNvPicPr>
-            <a:picLocks noChangeAspect="1"/>
-          </p:cNvPicPr>
-          <p:nvPr/>
-        </p:nvPicPr>
-        <p:blipFill>
-          <a:blip r:embed="rId2" cstate="email">
-            <a:extLst>
-              <a:ext uri="{28A0092B-C50C-407E-A947-70E740481C1C}">
-                <a14:useLocalDpi xmlns:a14="http://schemas.microsoft.com/office/drawing/2010/main"/>
-              </a:ext>
-            </a:extLst>
-          </a:blip>
-          <a:stretch>
-            <a:fillRect/>
-          </a:stretch>
-        </p:blipFill>
-        <p:spPr>
-          <a:xfrm>
-            <a:off x="0" y="38828"/>
-            <a:ext cx="778796" cy="643511"/>
-          </a:xfrm>
-          <a:prstGeom prst="rect">
-            <a:avLst/>
-          </a:prstGeom>
-        </p:spPr>
-      </p:pic>
-      <p:sp>
-        <p:nvSpPr>
-          <p:cNvPr id="9" name="TextBox 8">
-            <a:extLst>
-              <a:ext uri="{FF2B5EF4-FFF2-40B4-BE49-F238E27FC236}">
-                <a16:creationId xmlns:a16="http://schemas.microsoft.com/office/drawing/2014/main" id="{1E8A3389-F780-4852-B802-CCD96512D27F}"/>
-              </a:ext>
-            </a:extLst>
-          </p:cNvPr>
-          <p:cNvSpPr txBox="1"/>
-          <p:nvPr/>
-        </p:nvSpPr>
-        <p:spPr>
-          <a:xfrm>
-            <a:off x="10658285" y="119531"/>
-            <a:ext cx="1455478" cy="276999"/>
-          </a:xfrm>
-          <a:prstGeom prst="rect">
-            <a:avLst/>
-          </a:prstGeom>
-          <a:noFill/>
-        </p:spPr>
-        <p:txBody>
-          <a:bodyPr wrap="square" rtlCol="0">
-            <a:spAutoFit/>
-          </a:bodyPr>
-          <a:lstStyle/>
-          <a:p>
-            <a:r>
-              <a:rPr lang="en-US" sz="1200" dirty="0">
-                <a:solidFill>
-                  <a:srgbClr val="FFFF00"/>
-                </a:solidFill>
-              </a:rPr>
-              <a:t>CAO:  13 May 2020</a:t>
-            </a:r>
-          </a:p>
-        </p:txBody>
-      </p:sp>
-      <p:pic>
-        <p:nvPicPr>
-          <p:cNvPr id="5" name="Picture 4">
-            <a:extLst>
-              <a:ext uri="{FF2B5EF4-FFF2-40B4-BE49-F238E27FC236}">
-                <a16:creationId xmlns:a16="http://schemas.microsoft.com/office/drawing/2014/main" id="{C36A0C8D-F530-4800-A560-0A383B78198D}"/>
-              </a:ext>
-            </a:extLst>
-          </p:cNvPr>
-          <p:cNvPicPr>
-            <a:picLocks noChangeAspect="1"/>
-          </p:cNvPicPr>
-          <p:nvPr/>
-        </p:nvPicPr>
-        <p:blipFill>
-          <a:blip r:embed="rId3"/>
-          <a:stretch>
-            <a:fillRect/>
-          </a:stretch>
-        </p:blipFill>
-        <p:spPr>
-          <a:xfrm>
-            <a:off x="389398" y="505726"/>
-            <a:ext cx="5425440" cy="6300719"/>
-          </a:xfrm>
-          <a:prstGeom prst="rect">
-            <a:avLst/>
-          </a:prstGeom>
-        </p:spPr>
-      </p:pic>
-      <p:pic>
-        <p:nvPicPr>
-          <p:cNvPr id="8" name="Picture 7">
-            <a:extLst>
-              <a:ext uri="{FF2B5EF4-FFF2-40B4-BE49-F238E27FC236}">
-                <a16:creationId xmlns:a16="http://schemas.microsoft.com/office/drawing/2014/main" id="{F85E8980-D9F1-4246-971C-46F47487C885}"/>
-              </a:ext>
-            </a:extLst>
-          </p:cNvPr>
-          <p:cNvPicPr>
-            <a:picLocks noChangeAspect="1"/>
-          </p:cNvPicPr>
-          <p:nvPr/>
-        </p:nvPicPr>
-        <p:blipFill>
-          <a:blip r:embed="rId4"/>
-          <a:stretch>
-            <a:fillRect/>
-          </a:stretch>
-        </p:blipFill>
-        <p:spPr>
-          <a:xfrm>
-            <a:off x="6280425" y="530576"/>
-            <a:ext cx="5795879" cy="3653473"/>
-          </a:xfrm>
-          <a:prstGeom prst="rect">
-            <a:avLst/>
-          </a:prstGeom>
-        </p:spPr>
-      </p:pic>
-    </p:spTree>
-    <p:extLst>
-      <p:ext uri="{BB962C8B-B14F-4D97-AF65-F5344CB8AC3E}">
-        <p14:creationId xmlns:p14="http://schemas.microsoft.com/office/powerpoint/2010/main" val="2796277896"/>
-      </p:ext>
-    </p:extLst>
-  </p:cSld>
-  <p:clrMapOvr>
-    <a:masterClrMapping/>
-  </p:clrMapOvr>
-</p:sld>
-</file>
-
-<file path=ppt/slides/slide9.xml><?xml version="1.0" encoding="utf-8"?>
-<p:sld xmlns:a="http://schemas.openxmlformats.org/drawingml/2006/main" xmlns:r="http://schemas.openxmlformats.org/officeDocument/2006/relationships" xmlns:p="http://schemas.openxmlformats.org/presentationml/2006/main">
-  <p:cSld>
-    <p:spTree>
-      <p:nvGrpSpPr>
-        <p:cNvPr id="1" name=""/>
-        <p:cNvGrpSpPr/>
-        <p:nvPr/>
-      </p:nvGrpSpPr>
-      <p:grpSpPr>
-        <a:xfrm>
-          <a:off x="0" y="0"/>
-          <a:ext cx="0" cy="0"/>
-          <a:chOff x="0" y="0"/>
-          <a:chExt cx="0" cy="0"/>
-        </a:xfrm>
-      </p:grpSpPr>
-      <p:sp>
-        <p:nvSpPr>
-          <p:cNvPr id="3" name="Title 1">
-            <a:extLst>
-              <a:ext uri="{FF2B5EF4-FFF2-40B4-BE49-F238E27FC236}">
-                <a16:creationId xmlns:a16="http://schemas.microsoft.com/office/drawing/2014/main" id="{343C055D-D1D6-4D73-8900-92A18080376F}"/>
-              </a:ext>
-            </a:extLst>
-          </p:cNvPr>
-          <p:cNvSpPr txBox="1">
-            <a:spLocks/>
-          </p:cNvSpPr>
-          <p:nvPr/>
-        </p:nvSpPr>
-        <p:spPr>
-          <a:xfrm>
-            <a:off x="0" y="-14515"/>
-            <a:ext cx="12192000" cy="466898"/>
-          </a:xfrm>
-          <a:prstGeom prst="rect">
-            <a:avLst/>
-          </a:prstGeom>
-          <a:solidFill>
-            <a:srgbClr val="002060"/>
-          </a:solidFill>
-        </p:spPr>
-        <p:txBody>
-          <a:bodyPr vert="horz" lIns="91440" tIns="45720" rIns="91440" bIns="45720" rtlCol="0" anchor="ctr">
-            <a:normAutofit fontScale="97500"/>
-          </a:bodyPr>
-          <a:lstStyle>
-            <a:lvl1pPr algn="l" defTabSz="914400" rtl="0" eaLnBrk="1" latinLnBrk="0" hangingPunct="1">
-              <a:lnSpc>
-                <a:spcPct val="90000"/>
-              </a:lnSpc>
-              <a:spcBef>
-                <a:spcPct val="0"/>
-              </a:spcBef>
-              <a:buNone/>
-              <a:defRPr sz="4400" kern="1200">
-                <a:solidFill>
-                  <a:schemeClr val="tx1"/>
-                </a:solidFill>
-                <a:latin typeface="+mj-lt"/>
-                <a:ea typeface="+mj-ea"/>
-                <a:cs typeface="+mj-cs"/>
-              </a:defRPr>
-            </a:lvl1pPr>
-          </a:lstStyle>
-          <a:p>
-            <a:pPr algn="ctr"/>
-            <a:r>
-              <a:rPr lang="en-US" sz="2800" b="1" u="sng" dirty="0">
-                <a:solidFill>
-                  <a:schemeClr val="bg1"/>
-                </a:solidFill>
-                <a:effectLst>
-                  <a:outerShdw blurRad="50800" dist="50800" dir="5400000" algn="ctr" rotWithShape="0">
-                    <a:schemeClr val="tx1"/>
-                  </a:outerShdw>
-                </a:effectLst>
-              </a:rPr>
-              <a:t>USAF Core Missions (2 of 2)</a:t>
-            </a:r>
-            <a:endParaRPr lang="en-US" sz="2800" b="1" dirty="0">
-              <a:solidFill>
-                <a:schemeClr val="bg1"/>
-              </a:solidFill>
-              <a:effectLst>
-                <a:outerShdw blurRad="50800" dist="50800" dir="5400000" algn="ctr" rotWithShape="0">
-                  <a:schemeClr val="tx1"/>
-                </a:outerShdw>
-              </a:effectLst>
-            </a:endParaRPr>
-          </a:p>
-        </p:txBody>
-      </p:sp>
-      <p:pic>
-        <p:nvPicPr>
-          <p:cNvPr id="4" name="Picture 3" descr="A picture containing drawing&#10;&#10;Description automatically generated">
-            <a:extLst>
-              <a:ext uri="{FF2B5EF4-FFF2-40B4-BE49-F238E27FC236}">
-                <a16:creationId xmlns:a16="http://schemas.microsoft.com/office/drawing/2014/main" id="{82670390-9906-45CE-B2E3-A43733CAD571}"/>
-              </a:ext>
-            </a:extLst>
-          </p:cNvPr>
-          <p:cNvPicPr>
-            <a:picLocks noChangeAspect="1"/>
-          </p:cNvPicPr>
-          <p:nvPr/>
-        </p:nvPicPr>
-        <p:blipFill>
-          <a:blip r:embed="rId2" cstate="email">
-            <a:extLst>
-              <a:ext uri="{28A0092B-C50C-407E-A947-70E740481C1C}">
-                <a14:useLocalDpi xmlns:a14="http://schemas.microsoft.com/office/drawing/2010/main"/>
-              </a:ext>
-            </a:extLst>
-          </a:blip>
-          <a:stretch>
-            <a:fillRect/>
-          </a:stretch>
-        </p:blipFill>
-        <p:spPr>
-          <a:xfrm>
-            <a:off x="0" y="38828"/>
-            <a:ext cx="778796" cy="643511"/>
-          </a:xfrm>
-          <a:prstGeom prst="rect">
-            <a:avLst/>
-          </a:prstGeom>
-        </p:spPr>
-      </p:pic>
-      <p:sp>
-        <p:nvSpPr>
-          <p:cNvPr id="7" name="TextBox 6">
-            <a:extLst>
-              <a:ext uri="{FF2B5EF4-FFF2-40B4-BE49-F238E27FC236}">
-                <a16:creationId xmlns:a16="http://schemas.microsoft.com/office/drawing/2014/main" id="{0B756C26-D15D-4F42-A1F8-C8561420611E}"/>
-              </a:ext>
-            </a:extLst>
-          </p:cNvPr>
-          <p:cNvSpPr txBox="1"/>
-          <p:nvPr/>
-        </p:nvSpPr>
-        <p:spPr>
-          <a:xfrm>
-            <a:off x="10658285" y="119531"/>
-            <a:ext cx="1455478" cy="276999"/>
-          </a:xfrm>
-          <a:prstGeom prst="rect">
-            <a:avLst/>
-          </a:prstGeom>
-          <a:noFill/>
-        </p:spPr>
-        <p:txBody>
-          <a:bodyPr wrap="square" rtlCol="0">
-            <a:spAutoFit/>
-          </a:bodyPr>
-          <a:lstStyle/>
-          <a:p>
-            <a:r>
-              <a:rPr lang="en-US" sz="1200" dirty="0">
-                <a:solidFill>
-                  <a:srgbClr val="FFFF00"/>
-                </a:solidFill>
-              </a:rPr>
-              <a:t>CAO:  13 May 2020</a:t>
-            </a:r>
-          </a:p>
-        </p:txBody>
-      </p:sp>
-      <p:pic>
-        <p:nvPicPr>
-          <p:cNvPr id="2" name="Picture 1">
-            <a:extLst>
-              <a:ext uri="{FF2B5EF4-FFF2-40B4-BE49-F238E27FC236}">
-                <a16:creationId xmlns:a16="http://schemas.microsoft.com/office/drawing/2014/main" id="{22A89DB4-93A9-4895-AC43-85B993158086}"/>
-              </a:ext>
-            </a:extLst>
-          </p:cNvPr>
-          <p:cNvPicPr>
-            <a:picLocks noChangeAspect="1"/>
-          </p:cNvPicPr>
-          <p:nvPr/>
-        </p:nvPicPr>
-        <p:blipFill>
-          <a:blip r:embed="rId3"/>
-          <a:stretch>
-            <a:fillRect/>
-          </a:stretch>
-        </p:blipFill>
-        <p:spPr>
-          <a:xfrm>
-            <a:off x="389398" y="452383"/>
-            <a:ext cx="5775332" cy="6405617"/>
-          </a:xfrm>
-          <a:prstGeom prst="rect">
-            <a:avLst/>
-          </a:prstGeom>
-        </p:spPr>
-      </p:pic>
-      <p:pic>
-        <p:nvPicPr>
-          <p:cNvPr id="8" name="Picture 7">
-            <a:extLst>
-              <a:ext uri="{FF2B5EF4-FFF2-40B4-BE49-F238E27FC236}">
-                <a16:creationId xmlns:a16="http://schemas.microsoft.com/office/drawing/2014/main" id="{148EAC92-B02E-4946-B2CA-AD8284B0B7D1}"/>
-              </a:ext>
-            </a:extLst>
-          </p:cNvPr>
-          <p:cNvPicPr>
-            <a:picLocks noChangeAspect="1"/>
-          </p:cNvPicPr>
-          <p:nvPr/>
-        </p:nvPicPr>
-        <p:blipFill>
-          <a:blip r:embed="rId4"/>
-          <a:stretch>
-            <a:fillRect/>
-          </a:stretch>
-        </p:blipFill>
-        <p:spPr>
-          <a:xfrm>
-            <a:off x="6280425" y="530576"/>
-            <a:ext cx="5795879" cy="3653473"/>
-          </a:xfrm>
-          <a:prstGeom prst="rect">
-            <a:avLst/>
-          </a:prstGeom>
-        </p:spPr>
-      </p:pic>
-    </p:spTree>
-    <p:extLst>
-      <p:ext uri="{BB962C8B-B14F-4D97-AF65-F5344CB8AC3E}">
-        <p14:creationId xmlns:p14="http://schemas.microsoft.com/office/powerpoint/2010/main" val="3783453123"/>
+        <p14:creationId xmlns:p14="http://schemas.microsoft.com/office/powerpoint/2010/main" val="1916006342"/>
       </p:ext>
     </p:extLst>
   </p:cSld>
